--- a/117/Side-Meetings/ietf117-netconf-yang-push-data-mesh-integration.pptx
+++ b/117/Side-Meetings/ietf117-netconf-yang-push-data-mesh-integration.pptx
@@ -5,7 +5,7 @@
     <p:sldMasterId id="2147483648" r:id="rId1"/>
   </p:sldMasterIdLst>
   <p:notesMasterIdLst>
-    <p:notesMasterId r:id="rId27"/>
+    <p:notesMasterId r:id="rId28"/>
   </p:notesMasterIdLst>
   <p:sldIdLst>
     <p:sldId id="1041" r:id="rId2"/>
@@ -17,22 +17,23 @@
     <p:sldId id="2145706234" r:id="rId8"/>
     <p:sldId id="2145706235" r:id="rId9"/>
     <p:sldId id="2145706229" r:id="rId10"/>
-    <p:sldId id="2145706225" r:id="rId11"/>
-    <p:sldId id="2145706236" r:id="rId12"/>
-    <p:sldId id="2145706228" r:id="rId13"/>
-    <p:sldId id="2145706237" r:id="rId14"/>
-    <p:sldId id="26417" r:id="rId15"/>
-    <p:sldId id="26421" r:id="rId16"/>
-    <p:sldId id="26420" r:id="rId17"/>
-    <p:sldId id="26422" r:id="rId18"/>
-    <p:sldId id="26419" r:id="rId19"/>
-    <p:sldId id="2145706200" r:id="rId20"/>
-    <p:sldId id="26423" r:id="rId21"/>
-    <p:sldId id="26418" r:id="rId22"/>
-    <p:sldId id="2145706224" r:id="rId23"/>
-    <p:sldId id="2145706227" r:id="rId24"/>
-    <p:sldId id="26413" r:id="rId25"/>
-    <p:sldId id="26415" r:id="rId26"/>
+    <p:sldId id="2145706240" r:id="rId11"/>
+    <p:sldId id="2145706225" r:id="rId12"/>
+    <p:sldId id="2145706236" r:id="rId13"/>
+    <p:sldId id="2145706228" r:id="rId14"/>
+    <p:sldId id="2145706237" r:id="rId15"/>
+    <p:sldId id="26417" r:id="rId16"/>
+    <p:sldId id="26421" r:id="rId17"/>
+    <p:sldId id="26420" r:id="rId18"/>
+    <p:sldId id="26422" r:id="rId19"/>
+    <p:sldId id="26419" r:id="rId20"/>
+    <p:sldId id="2145706200" r:id="rId21"/>
+    <p:sldId id="26423" r:id="rId22"/>
+    <p:sldId id="26418" r:id="rId23"/>
+    <p:sldId id="2145706224" r:id="rId24"/>
+    <p:sldId id="2145706227" r:id="rId25"/>
+    <p:sldId id="26413" r:id="rId26"/>
+    <p:sldId id="26415" r:id="rId27"/>
   </p:sldIdLst>
   <p:sldSz cx="12192000" cy="6858000"/>
   <p:notesSz cx="6858000" cy="9144000"/>
@@ -142,7 +143,7 @@
 <file path=ppt/revisionInfo.xml><?xml version="1.0" encoding="utf-8"?>
 <p1510:revInfo xmlns:a="http://schemas.openxmlformats.org/drawingml/2006/main" xmlns:r="http://schemas.openxmlformats.org/officeDocument/2006/relationships" xmlns:p1510="http://schemas.microsoft.com/office/powerpoint/2015/10/main">
   <p1510:revLst>
-    <p1510:client id="{40188488-A9E1-4155-BFF1-5EF2EE12E93E}" v="41" dt="2023-07-24T15:12:24.086"/>
+    <p1510:client id="{40188488-A9E1-4155-BFF1-5EF2EE12E93E}" v="43" dt="2023-07-24T17:15:33.382"/>
   </p1510:revLst>
 </p1510:revInfo>
 </file>
@@ -152,7 +153,7 @@
   <pc:docChgLst>
     <pc:chgData name="Graf Thomas, INI-NET-VNC-HCS" userId="487bc3e3-9ce7-4cdd-b7b4-8899ea88d289" providerId="ADAL" clId="{40188488-A9E1-4155-BFF1-5EF2EE12E93E}"/>
     <pc:docChg chg="undo custSel addSld delSld modSld sldOrd">
-      <pc:chgData name="Graf Thomas, INI-NET-VNC-HCS" userId="487bc3e3-9ce7-4cdd-b7b4-8899ea88d289" providerId="ADAL" clId="{40188488-A9E1-4155-BFF1-5EF2EE12E93E}" dt="2023-07-24T15:12:24.101" v="2372"/>
+      <pc:chgData name="Graf Thomas, INI-NET-VNC-HCS" userId="487bc3e3-9ce7-4cdd-b7b4-8899ea88d289" providerId="ADAL" clId="{40188488-A9E1-4155-BFF1-5EF2EE12E93E}" dt="2023-07-24T17:16:36.535" v="2446" actId="47"/>
       <pc:docMkLst>
         <pc:docMk/>
       </pc:docMkLst>
@@ -311,8 +312,8 @@
           <pc:sldMk cId="1339609138" sldId="2145706228"/>
         </pc:sldMkLst>
       </pc:sldChg>
-      <pc:sldChg chg="modSp add mod ord">
-        <pc:chgData name="Graf Thomas, INI-NET-VNC-HCS" userId="487bc3e3-9ce7-4cdd-b7b4-8899ea88d289" providerId="ADAL" clId="{40188488-A9E1-4155-BFF1-5EF2EE12E93E}" dt="2023-07-24T15:11:58.655" v="2369" actId="20577"/>
+      <pc:sldChg chg="addSp delSp modSp add mod ord">
+        <pc:chgData name="Graf Thomas, INI-NET-VNC-HCS" userId="487bc3e3-9ce7-4cdd-b7b4-8899ea88d289" providerId="ADAL" clId="{40188488-A9E1-4155-BFF1-5EF2EE12E93E}" dt="2023-07-24T17:15:42.799" v="2384" actId="6549"/>
         <pc:sldMkLst>
           <pc:docMk/>
           <pc:sldMk cId="505743577" sldId="2145706229"/>
@@ -326,15 +327,23 @@
           </ac:spMkLst>
         </pc:spChg>
         <pc:spChg chg="mod">
-          <ac:chgData name="Graf Thomas, INI-NET-VNC-HCS" userId="487bc3e3-9ce7-4cdd-b7b4-8899ea88d289" providerId="ADAL" clId="{40188488-A9E1-4155-BFF1-5EF2EE12E93E}" dt="2023-07-24T15:11:58.655" v="2369" actId="20577"/>
+          <ac:chgData name="Graf Thomas, INI-NET-VNC-HCS" userId="487bc3e3-9ce7-4cdd-b7b4-8899ea88d289" providerId="ADAL" clId="{40188488-A9E1-4155-BFF1-5EF2EE12E93E}" dt="2023-07-24T17:15:42.799" v="2384" actId="6549"/>
           <ac:spMkLst>
             <pc:docMk/>
             <pc:sldMk cId="505743577" sldId="2145706229"/>
             <ac:spMk id="3" creationId="{29C0DFD4-432D-4B0C-93DF-790441DCF5B9}"/>
           </ac:spMkLst>
         </pc:spChg>
-        <pc:spChg chg="mod">
-          <ac:chgData name="Graf Thomas, INI-NET-VNC-HCS" userId="487bc3e3-9ce7-4cdd-b7b4-8899ea88d289" providerId="ADAL" clId="{40188488-A9E1-4155-BFF1-5EF2EE12E93E}" dt="2023-07-24T15:11:41.637" v="2367" actId="27636"/>
+        <pc:spChg chg="add mod">
+          <ac:chgData name="Graf Thomas, INI-NET-VNC-HCS" userId="487bc3e3-9ce7-4cdd-b7b4-8899ea88d289" providerId="ADAL" clId="{40188488-A9E1-4155-BFF1-5EF2EE12E93E}" dt="2023-07-24T17:15:33.382" v="2382"/>
+          <ac:spMkLst>
+            <pc:docMk/>
+            <pc:sldMk cId="505743577" sldId="2145706229"/>
+            <ac:spMk id="4" creationId="{8261D168-84A4-F056-4C42-0ABC1EBF21E6}"/>
+          </ac:spMkLst>
+        </pc:spChg>
+        <pc:spChg chg="del mod">
+          <ac:chgData name="Graf Thomas, INI-NET-VNC-HCS" userId="487bc3e3-9ce7-4cdd-b7b4-8899ea88d289" providerId="ADAL" clId="{40188488-A9E1-4155-BFF1-5EF2EE12E93E}" dt="2023-07-24T17:15:32.900" v="2381" actId="478"/>
           <ac:spMkLst>
             <pc:docMk/>
             <pc:sldMk cId="505743577" sldId="2145706229"/>
@@ -1102,6 +1111,44 @@
           <pc:sldMk cId="4168080765" sldId="2145706237"/>
         </pc:sldMkLst>
       </pc:sldChg>
+      <pc:sldChg chg="add del">
+        <pc:chgData name="Graf Thomas, INI-NET-VNC-HCS" userId="487bc3e3-9ce7-4cdd-b7b4-8899ea88d289" providerId="ADAL" clId="{40188488-A9E1-4155-BFF1-5EF2EE12E93E}" dt="2023-07-24T17:16:36.535" v="2446" actId="47"/>
+        <pc:sldMkLst>
+          <pc:docMk/>
+          <pc:sldMk cId="3515510456" sldId="2145706239"/>
+        </pc:sldMkLst>
+      </pc:sldChg>
+      <pc:sldChg chg="modSp add mod">
+        <pc:chgData name="Graf Thomas, INI-NET-VNC-HCS" userId="487bc3e3-9ce7-4cdd-b7b4-8899ea88d289" providerId="ADAL" clId="{40188488-A9E1-4155-BFF1-5EF2EE12E93E}" dt="2023-07-24T17:16:26.766" v="2445" actId="20577"/>
+        <pc:sldMkLst>
+          <pc:docMk/>
+          <pc:sldMk cId="2425809725" sldId="2145706240"/>
+        </pc:sldMkLst>
+        <pc:spChg chg="mod">
+          <ac:chgData name="Graf Thomas, INI-NET-VNC-HCS" userId="487bc3e3-9ce7-4cdd-b7b4-8899ea88d289" providerId="ADAL" clId="{40188488-A9E1-4155-BFF1-5EF2EE12E93E}" dt="2023-07-24T17:16:26.766" v="2445" actId="20577"/>
+          <ac:spMkLst>
+            <pc:docMk/>
+            <pc:sldMk cId="2425809725" sldId="2145706240"/>
+            <ac:spMk id="2" creationId="{FF20F271-6F0D-4AC0-BB1D-F5C338165C13}"/>
+          </ac:spMkLst>
+        </pc:spChg>
+        <pc:spChg chg="mod">
+          <ac:chgData name="Graf Thomas, INI-NET-VNC-HCS" userId="487bc3e3-9ce7-4cdd-b7b4-8899ea88d289" providerId="ADAL" clId="{40188488-A9E1-4155-BFF1-5EF2EE12E93E}" dt="2023-07-24T17:15:53.645" v="2387" actId="20577"/>
+          <ac:spMkLst>
+            <pc:docMk/>
+            <pc:sldMk cId="2425809725" sldId="2145706240"/>
+            <ac:spMk id="3" creationId="{29C0DFD4-432D-4B0C-93DF-790441DCF5B9}"/>
+          </ac:spMkLst>
+        </pc:spChg>
+        <pc:spChg chg="mod">
+          <ac:chgData name="Graf Thomas, INI-NET-VNC-HCS" userId="487bc3e3-9ce7-4cdd-b7b4-8899ea88d289" providerId="ADAL" clId="{40188488-A9E1-4155-BFF1-5EF2EE12E93E}" dt="2023-07-24T17:15:26.574" v="2380" actId="14100"/>
+          <ac:spMkLst>
+            <pc:docMk/>
+            <pc:sldMk cId="2425809725" sldId="2145706240"/>
+            <ac:spMk id="6" creationId="{7C3B84B0-CEE6-9508-972D-6095E0E01E98}"/>
+          </ac:spMkLst>
+        </pc:spChg>
+      </pc:sldChg>
     </pc:docChg>
   </pc:docChgLst>
 </pc:chgInfo>
@@ -5802,14 +5849,7 @@
                 <a:latin typeface="+mj-lt"/>
                 <a:hlinkClick r:id="rId2"/>
               </a:rPr>
-              <a:t>zhuoyao.lin@huawei.com, </a:t>
-            </a:r>
-            <a:r>
-              <a:rPr lang="de-CH" sz="1200" dirty="0">
-                <a:latin typeface="+mj-lt"/>
-                <a:hlinkClick r:id="rId2"/>
-              </a:rPr>
-              <a:t>jean.quilbeuf@huawei.com</a:t>
+              <a:t>zhuoyao.lin@huawei.com, jean.quilbeuf@huawei.com</a:t>
             </a:r>
           </a:p>
           <a:p>
@@ -5956,6 +5996,731 @@
 </file>
 
 <file path=ppt/slides/slide10.xml><?xml version="1.0" encoding="utf-8"?>
+<p:sld xmlns:a="http://schemas.openxmlformats.org/drawingml/2006/main" xmlns:r="http://schemas.openxmlformats.org/officeDocument/2006/relationships" xmlns:p="http://schemas.openxmlformats.org/presentationml/2006/main">
+  <p:cSld>
+    <p:spTree>
+      <p:nvGrpSpPr>
+        <p:cNvPr id="1" name=""/>
+        <p:cNvGrpSpPr/>
+        <p:nvPr/>
+      </p:nvGrpSpPr>
+      <p:grpSpPr>
+        <a:xfrm>
+          <a:off x="0" y="0"/>
+          <a:ext cx="0" cy="0"/>
+          <a:chOff x="0" y="0"/>
+          <a:chExt cx="0" cy="0"/>
+        </a:xfrm>
+      </p:grpSpPr>
+      <p:sp>
+        <p:nvSpPr>
+          <p:cNvPr id="2" name="Title 1">
+            <a:extLst>
+              <a:ext uri="{FF2B5EF4-FFF2-40B4-BE49-F238E27FC236}">
+                <a16:creationId xmlns:a16="http://schemas.microsoft.com/office/drawing/2014/main" id="{FF20F271-6F0D-4AC0-BB1D-F5C338165C13}"/>
+              </a:ext>
+            </a:extLst>
+          </p:cNvPr>
+          <p:cNvSpPr>
+            <a:spLocks noGrp="1"/>
+          </p:cNvSpPr>
+          <p:nvPr>
+            <p:ph type="title"/>
+          </p:nvPr>
+        </p:nvSpPr>
+        <p:spPr/>
+        <p:txBody>
+          <a:bodyPr>
+            <a:normAutofit/>
+          </a:bodyPr>
+          <a:lstStyle/>
+          <a:p>
+            <a:r>
+              <a:rPr lang="en-US" sz="2800" b="1" dirty="0"/>
+              <a:t>Validating Semantics in YANG Push messages</a:t>
+            </a:r>
+            <a:br>
+              <a:rPr lang="en-GB" sz="3600" dirty="0"/>
+            </a:br>
+            <a:r>
+              <a:rPr lang="en-US" sz="2700" dirty="0">
+                <a:solidFill>
+                  <a:schemeClr val="bg2">
+                    <a:lumMod val="75000"/>
+                  </a:schemeClr>
+                </a:solidFill>
+              </a:rPr>
+              <a:t>Status and Next Steps</a:t>
+            </a:r>
+          </a:p>
+        </p:txBody>
+      </p:sp>
+      <p:sp>
+        <p:nvSpPr>
+          <p:cNvPr id="3" name="Content Placeholder 2">
+            <a:extLst>
+              <a:ext uri="{FF2B5EF4-FFF2-40B4-BE49-F238E27FC236}">
+                <a16:creationId xmlns:a16="http://schemas.microsoft.com/office/drawing/2014/main" id="{29C0DFD4-432D-4B0C-93DF-790441DCF5B9}"/>
+              </a:ext>
+            </a:extLst>
+          </p:cNvPr>
+          <p:cNvSpPr>
+            <a:spLocks noGrp="1"/>
+          </p:cNvSpPr>
+          <p:nvPr>
+            <p:ph idx="1"/>
+          </p:nvPr>
+        </p:nvSpPr>
+        <p:spPr>
+          <a:xfrm>
+            <a:off x="838199" y="1884420"/>
+            <a:ext cx="8208819" cy="4292543"/>
+          </a:xfrm>
+        </p:spPr>
+        <p:txBody>
+          <a:bodyPr>
+            <a:noAutofit/>
+          </a:bodyPr>
+          <a:lstStyle/>
+          <a:p>
+            <a:pPr marL="0" indent="0">
+              <a:buFont typeface="Arial" panose="020B0604020202020204" pitchFamily="34" charset="0"/>
+              <a:buNone/>
+            </a:pPr>
+            <a:r>
+              <a:rPr lang="en-US" sz="2000" b="1" dirty="0"/>
+              <a:t>Status</a:t>
+            </a:r>
+          </a:p>
+          <a:p>
+            <a:pPr marL="285750" marR="0" indent="-285750">
+              <a:lnSpc>
+                <a:spcPct val="107000"/>
+              </a:lnSpc>
+              <a:spcBef>
+                <a:spcPts val="0"/>
+              </a:spcBef>
+              <a:spcAft>
+                <a:spcPts val="800"/>
+              </a:spcAft>
+              <a:buFont typeface="Arial" panose="020B0604020202020204" pitchFamily="34" charset="0"/>
+              <a:buChar char="•"/>
+            </a:pPr>
+            <a:r>
+              <a:rPr lang="en-US" sz="1800" dirty="0">
+                <a:effectLst/>
+                <a:latin typeface="Calibri" panose="020F0502020204030204" pitchFamily="34" charset="0"/>
+                <a:ea typeface="Calibri" panose="020F0502020204030204" pitchFamily="34" charset="0"/>
+                <a:cs typeface="Times New Roman" panose="02020603050405020304" pitchFamily="18" charset="0"/>
+              </a:rPr>
+              <a:t>YANG modules defines the schema body of the notification message.</a:t>
+            </a:r>
+          </a:p>
+          <a:p>
+            <a:pPr marL="285750" marR="0" indent="-285750">
+              <a:lnSpc>
+                <a:spcPct val="107000"/>
+              </a:lnSpc>
+              <a:spcBef>
+                <a:spcPts val="0"/>
+              </a:spcBef>
+              <a:spcAft>
+                <a:spcPts val="800"/>
+              </a:spcAft>
+              <a:buFont typeface="Arial" panose="020B0604020202020204" pitchFamily="34" charset="0"/>
+              <a:buChar char="•"/>
+            </a:pPr>
+            <a:r>
+              <a:rPr lang="en-US" sz="1800" dirty="0">
+                <a:latin typeface="Calibri" panose="020F0502020204030204" pitchFamily="34" charset="0"/>
+                <a:ea typeface="Calibri" panose="020F0502020204030204" pitchFamily="34" charset="0"/>
+                <a:cs typeface="Times New Roman" panose="02020603050405020304" pitchFamily="18" charset="0"/>
+              </a:rPr>
+              <a:t>The body of the message is defined as XPath over the YANG module.</a:t>
+            </a:r>
+            <a:endParaRPr lang="en-US" sz="1800" dirty="0">
+              <a:effectLst/>
+              <a:latin typeface="Calibri" panose="020F0502020204030204" pitchFamily="34" charset="0"/>
+              <a:ea typeface="Calibri" panose="020F0502020204030204" pitchFamily="34" charset="0"/>
+              <a:cs typeface="Times New Roman" panose="02020603050405020304" pitchFamily="18" charset="0"/>
+            </a:endParaRPr>
+          </a:p>
+          <a:p>
+            <a:pPr marL="285750" marR="0" indent="-285750">
+              <a:lnSpc>
+                <a:spcPct val="107000"/>
+              </a:lnSpc>
+              <a:spcBef>
+                <a:spcPts val="0"/>
+              </a:spcBef>
+              <a:spcAft>
+                <a:spcPts val="800"/>
+              </a:spcAft>
+              <a:buFont typeface="Arial" panose="020B0604020202020204" pitchFamily="34" charset="0"/>
+              <a:buChar char="•"/>
+            </a:pPr>
+            <a:r>
+              <a:rPr lang="en-US" sz="1800" dirty="0"/>
+              <a:t>Various RFCs and drafts define the NETCONF envelop to send the message.</a:t>
+            </a:r>
+          </a:p>
+          <a:p>
+            <a:pPr marL="285750" marR="0" indent="-285750">
+              <a:lnSpc>
+                <a:spcPct val="107000"/>
+              </a:lnSpc>
+              <a:spcBef>
+                <a:spcPts val="0"/>
+              </a:spcBef>
+              <a:spcAft>
+                <a:spcPts val="800"/>
+              </a:spcAft>
+              <a:buFont typeface="Arial" panose="020B0604020202020204" pitchFamily="34" charset="0"/>
+              <a:buChar char="•"/>
+            </a:pPr>
+            <a:r>
+              <a:rPr lang="en-US" sz="1800" dirty="0"/>
+              <a:t>YANG Validators uses special flags to validate notifications: </a:t>
+            </a:r>
+          </a:p>
+          <a:p>
+            <a:pPr marL="742950" lvl="1" indent="-285750">
+              <a:lnSpc>
+                <a:spcPct val="107000"/>
+              </a:lnSpc>
+              <a:spcBef>
+                <a:spcPts val="0"/>
+              </a:spcBef>
+              <a:spcAft>
+                <a:spcPts val="800"/>
+              </a:spcAft>
+            </a:pPr>
+            <a:r>
+              <a:rPr lang="en-US" sz="1400" b="0" i="0" u="none" strike="noStrike" dirty="0" err="1">
+                <a:solidFill>
+                  <a:srgbClr val="000000"/>
+                </a:solidFill>
+                <a:effectLst/>
+                <a:latin typeface="Courier New" panose="02070309020205020404" pitchFamily="49" charset="0"/>
+              </a:rPr>
+              <a:t>yanglint</a:t>
+            </a:r>
+            <a:r>
+              <a:rPr lang="en-US" sz="1400" dirty="0">
+                <a:solidFill>
+                  <a:srgbClr val="000000"/>
+                </a:solidFill>
+                <a:latin typeface="Courier New" panose="02070309020205020404" pitchFamily="49" charset="0"/>
+              </a:rPr>
+              <a:t> </a:t>
+            </a:r>
+            <a:r>
+              <a:rPr lang="en-US" sz="1400" b="0" i="0" u="none" strike="noStrike" dirty="0">
+                <a:solidFill>
+                  <a:srgbClr val="000000"/>
+                </a:solidFill>
+                <a:effectLst/>
+                <a:latin typeface="Courier New" panose="02070309020205020404" pitchFamily="49" charset="0"/>
+              </a:rPr>
+              <a:t>-strict --</a:t>
+            </a:r>
+            <a:r>
+              <a:rPr lang="en-US" sz="1400" b="0" i="0" u="none" strike="noStrike" dirty="0">
+                <a:solidFill>
+                  <a:srgbClr val="007ACC"/>
+                </a:solidFill>
+                <a:effectLst/>
+                <a:latin typeface="Courier New" panose="02070309020205020404" pitchFamily="49" charset="0"/>
+              </a:rPr>
+              <a:t>type</a:t>
+            </a:r>
+            <a:r>
+              <a:rPr lang="en-US" sz="1400" b="0" i="0" u="none" strike="noStrike" dirty="0">
+                <a:solidFill>
+                  <a:srgbClr val="000000"/>
+                </a:solidFill>
+                <a:effectLst/>
+                <a:latin typeface="Courier New" panose="02070309020205020404" pitchFamily="49" charset="0"/>
+              </a:rPr>
+              <a:t> </a:t>
+            </a:r>
+            <a:r>
+              <a:rPr lang="en-US" sz="1400" b="0" i="0" u="none" strike="noStrike" dirty="0" err="1">
+                <a:solidFill>
+                  <a:srgbClr val="000000"/>
+                </a:solidFill>
+                <a:effectLst/>
+                <a:latin typeface="Courier New" panose="02070309020205020404" pitchFamily="49" charset="0"/>
+              </a:rPr>
+              <a:t>nc-notif</a:t>
+            </a:r>
+            <a:r>
+              <a:rPr lang="en-US" sz="1400" b="0" i="0" u="none" strike="noStrike" dirty="0">
+                <a:solidFill>
+                  <a:srgbClr val="000000"/>
+                </a:solidFill>
+                <a:effectLst/>
+                <a:latin typeface="Courier New" panose="02070309020205020404" pitchFamily="49" charset="0"/>
+              </a:rPr>
+              <a:t> -f xml </a:t>
+            </a:r>
+            <a:r>
+              <a:rPr lang="en-US" sz="1400" b="0" i="0" u="none" strike="noStrike" dirty="0" err="1">
+                <a:solidFill>
+                  <a:srgbClr val="000000"/>
+                </a:solidFill>
+                <a:effectLst/>
+                <a:latin typeface="Courier New" panose="02070309020205020404" pitchFamily="49" charset="0"/>
+              </a:rPr>
+              <a:t>notification.yang</a:t>
+            </a:r>
+            <a:r>
+              <a:rPr lang="en-US" sz="1400" b="0" i="0" u="none" strike="noStrike" dirty="0">
+                <a:solidFill>
+                  <a:srgbClr val="000000"/>
+                </a:solidFill>
+                <a:effectLst/>
+                <a:latin typeface="Courier New" panose="02070309020205020404" pitchFamily="49" charset="0"/>
+              </a:rPr>
+              <a:t> test.xml</a:t>
+            </a:r>
+            <a:endParaRPr lang="en-US" sz="1400" dirty="0"/>
+          </a:p>
+          <a:p>
+            <a:pPr marL="285750" marR="0" indent="-285750">
+              <a:lnSpc>
+                <a:spcPct val="107000"/>
+              </a:lnSpc>
+              <a:spcBef>
+                <a:spcPts val="0"/>
+              </a:spcBef>
+              <a:spcAft>
+                <a:spcPts val="800"/>
+              </a:spcAft>
+              <a:buFont typeface="Arial" panose="020B0604020202020204" pitchFamily="34" charset="0"/>
+              <a:buChar char="•"/>
+            </a:pPr>
+            <a:r>
+              <a:rPr lang="en-US" sz="1800" dirty="0"/>
+              <a:t>Kafka </a:t>
+            </a:r>
+            <a:r>
+              <a:rPr lang="en-US" sz="1800" dirty="0" err="1"/>
+              <a:t>serdes</a:t>
+            </a:r>
+            <a:r>
+              <a:rPr lang="en-US" sz="1800" dirty="0"/>
+              <a:t> expects one schema to describe a message.</a:t>
+            </a:r>
+          </a:p>
+          <a:p>
+            <a:pPr marL="0" indent="0">
+              <a:buFont typeface="Arial" panose="020B0604020202020204" pitchFamily="34" charset="0"/>
+              <a:buNone/>
+            </a:pPr>
+            <a:r>
+              <a:rPr lang="en-US" sz="2000" b="1" dirty="0"/>
+              <a:t>Next Step</a:t>
+            </a:r>
+          </a:p>
+          <a:p>
+            <a:r>
+              <a:rPr lang="en-US" sz="1800" dirty="0"/>
+              <a:t>Check if the existing validators can validate seamlessly NETCONF and YANG push envelope extensions.</a:t>
+            </a:r>
+          </a:p>
+          <a:p>
+            <a:r>
+              <a:rPr lang="en-US" sz="1800" dirty="0"/>
+              <a:t>Develop algorithm to generate a single YANG module that describe a </a:t>
+            </a:r>
+            <a:br>
+              <a:rPr lang="en-US" sz="1800" dirty="0"/>
+            </a:br>
+            <a:r>
+              <a:rPr lang="en-US" sz="1800" dirty="0"/>
+              <a:t>full message including the NETCONF and YANG push headers.</a:t>
+            </a:r>
+          </a:p>
+        </p:txBody>
+      </p:sp>
+      <p:sp>
+        <p:nvSpPr>
+          <p:cNvPr id="16" name="Slide Number Placeholder 1">
+            <a:extLst>
+              <a:ext uri="{FF2B5EF4-FFF2-40B4-BE49-F238E27FC236}">
+                <a16:creationId xmlns:a16="http://schemas.microsoft.com/office/drawing/2014/main" id="{4D0044F8-1C12-4A59-883A-7B56B9370029}"/>
+              </a:ext>
+            </a:extLst>
+          </p:cNvPr>
+          <p:cNvSpPr>
+            <a:spLocks noGrp="1"/>
+          </p:cNvSpPr>
+          <p:nvPr>
+            <p:ph type="sldNum" sz="quarter" idx="12"/>
+          </p:nvPr>
+        </p:nvSpPr>
+        <p:spPr>
+          <a:xfrm>
+            <a:off x="11607800" y="6362700"/>
+            <a:ext cx="414338" cy="365125"/>
+          </a:xfrm>
+        </p:spPr>
+        <p:txBody>
+          <a:bodyPr/>
+          <a:lstStyle/>
+          <a:p>
+            <a:fld id="{FC4AC485-25DE-431E-B345-9C0A15BB7F8A}" type="slidenum">
+              <a:rPr lang="en-US" sz="2200" smtClean="0"/>
+              <a:t>10</a:t>
+            </a:fld>
+            <a:endParaRPr lang="en-US" sz="2200"/>
+          </a:p>
+        </p:txBody>
+      </p:sp>
+      <p:pic>
+        <p:nvPicPr>
+          <p:cNvPr id="5" name="Picture 4">
+            <a:extLst>
+              <a:ext uri="{FF2B5EF4-FFF2-40B4-BE49-F238E27FC236}">
+                <a16:creationId xmlns:a16="http://schemas.microsoft.com/office/drawing/2014/main" id="{0A90BC99-792A-481A-9F32-B4255E7EE4CA}"/>
+              </a:ext>
+            </a:extLst>
+          </p:cNvPr>
+          <p:cNvPicPr>
+            <a:picLocks noChangeAspect="1"/>
+          </p:cNvPicPr>
+          <p:nvPr/>
+        </p:nvPicPr>
+        <p:blipFill>
+          <a:blip r:embed="rId2"/>
+          <a:stretch>
+            <a:fillRect/>
+          </a:stretch>
+        </p:blipFill>
+        <p:spPr>
+          <a:xfrm>
+            <a:off x="8955462" y="812290"/>
+            <a:ext cx="3048962" cy="4314869"/>
+          </a:xfrm>
+          <a:prstGeom prst="rect">
+            <a:avLst/>
+          </a:prstGeom>
+        </p:spPr>
+      </p:pic>
+      <p:sp>
+        <p:nvSpPr>
+          <p:cNvPr id="6" name="Subtitle 4">
+            <a:extLst>
+              <a:ext uri="{FF2B5EF4-FFF2-40B4-BE49-F238E27FC236}">
+                <a16:creationId xmlns:a16="http://schemas.microsoft.com/office/drawing/2014/main" id="{7C3B84B0-CEE6-9508-972D-6095E0E01E98}"/>
+              </a:ext>
+            </a:extLst>
+          </p:cNvPr>
+          <p:cNvSpPr txBox="1">
+            <a:spLocks/>
+          </p:cNvSpPr>
+          <p:nvPr/>
+        </p:nvSpPr>
+        <p:spPr>
+          <a:xfrm>
+            <a:off x="838200" y="5574325"/>
+            <a:ext cx="11163943" cy="787312"/>
+          </a:xfrm>
+          <a:prstGeom prst="rect">
+            <a:avLst/>
+          </a:prstGeom>
+        </p:spPr>
+        <p:txBody>
+          <a:bodyPr vert="horz" lIns="91440" tIns="45720" rIns="91440" bIns="45720" rtlCol="0">
+            <a:normAutofit fontScale="25000" lnSpcReduction="20000"/>
+          </a:bodyPr>
+          <a:lstStyle>
+            <a:lvl1pPr marL="228600" indent="-228600" algn="l" defTabSz="914400" rtl="0" eaLnBrk="1" latinLnBrk="0" hangingPunct="1">
+              <a:lnSpc>
+                <a:spcPct val="90000"/>
+              </a:lnSpc>
+              <a:spcBef>
+                <a:spcPts val="1000"/>
+              </a:spcBef>
+              <a:buFont typeface="Arial" panose="020B0604020202020204" pitchFamily="34" charset="0"/>
+              <a:buChar char="•"/>
+              <a:defRPr sz="2800" kern="1200">
+                <a:solidFill>
+                  <a:schemeClr val="tx1"/>
+                </a:solidFill>
+                <a:latin typeface="+mn-lt"/>
+                <a:ea typeface="+mn-ea"/>
+                <a:cs typeface="+mn-cs"/>
+              </a:defRPr>
+            </a:lvl1pPr>
+            <a:lvl2pPr marL="685800" indent="-228600" algn="l" defTabSz="914400" rtl="0" eaLnBrk="1" latinLnBrk="0" hangingPunct="1">
+              <a:lnSpc>
+                <a:spcPct val="90000"/>
+              </a:lnSpc>
+              <a:spcBef>
+                <a:spcPts val="500"/>
+              </a:spcBef>
+              <a:buFont typeface="Arial" panose="020B0604020202020204" pitchFamily="34" charset="0"/>
+              <a:buChar char="•"/>
+              <a:defRPr sz="2400" kern="1200">
+                <a:solidFill>
+                  <a:schemeClr val="tx1"/>
+                </a:solidFill>
+                <a:latin typeface="+mn-lt"/>
+                <a:ea typeface="+mn-ea"/>
+                <a:cs typeface="+mn-cs"/>
+              </a:defRPr>
+            </a:lvl2pPr>
+            <a:lvl3pPr marL="1143000" indent="-228600" algn="l" defTabSz="914400" rtl="0" eaLnBrk="1" latinLnBrk="0" hangingPunct="1">
+              <a:lnSpc>
+                <a:spcPct val="90000"/>
+              </a:lnSpc>
+              <a:spcBef>
+                <a:spcPts val="500"/>
+              </a:spcBef>
+              <a:buFont typeface="Arial" panose="020B0604020202020204" pitchFamily="34" charset="0"/>
+              <a:buChar char="•"/>
+              <a:defRPr sz="2000" kern="1200">
+                <a:solidFill>
+                  <a:schemeClr val="tx1"/>
+                </a:solidFill>
+                <a:latin typeface="+mn-lt"/>
+                <a:ea typeface="+mn-ea"/>
+                <a:cs typeface="+mn-cs"/>
+              </a:defRPr>
+            </a:lvl3pPr>
+            <a:lvl4pPr marL="1600200" indent="-228600" algn="l" defTabSz="914400" rtl="0" eaLnBrk="1" latinLnBrk="0" hangingPunct="1">
+              <a:lnSpc>
+                <a:spcPct val="90000"/>
+              </a:lnSpc>
+              <a:spcBef>
+                <a:spcPts val="500"/>
+              </a:spcBef>
+              <a:buFont typeface="Arial" panose="020B0604020202020204" pitchFamily="34" charset="0"/>
+              <a:buChar char="•"/>
+              <a:defRPr sz="1800" kern="1200">
+                <a:solidFill>
+                  <a:schemeClr val="tx1"/>
+                </a:solidFill>
+                <a:latin typeface="+mn-lt"/>
+                <a:ea typeface="+mn-ea"/>
+                <a:cs typeface="+mn-cs"/>
+              </a:defRPr>
+            </a:lvl4pPr>
+            <a:lvl5pPr marL="2057400" indent="-228600" algn="l" defTabSz="914400" rtl="0" eaLnBrk="1" latinLnBrk="0" hangingPunct="1">
+              <a:lnSpc>
+                <a:spcPct val="90000"/>
+              </a:lnSpc>
+              <a:spcBef>
+                <a:spcPts val="500"/>
+              </a:spcBef>
+              <a:buFont typeface="Arial" panose="020B0604020202020204" pitchFamily="34" charset="0"/>
+              <a:buChar char="•"/>
+              <a:defRPr sz="1800" kern="1200">
+                <a:solidFill>
+                  <a:schemeClr val="tx1"/>
+                </a:solidFill>
+                <a:latin typeface="+mn-lt"/>
+                <a:ea typeface="+mn-ea"/>
+                <a:cs typeface="+mn-cs"/>
+              </a:defRPr>
+            </a:lvl5pPr>
+            <a:lvl6pPr marL="2514600" indent="-228600" algn="l" defTabSz="914400" rtl="0" eaLnBrk="1" latinLnBrk="0" hangingPunct="1">
+              <a:lnSpc>
+                <a:spcPct val="90000"/>
+              </a:lnSpc>
+              <a:spcBef>
+                <a:spcPts val="500"/>
+              </a:spcBef>
+              <a:buFont typeface="Arial" panose="020B0604020202020204" pitchFamily="34" charset="0"/>
+              <a:buChar char="•"/>
+              <a:defRPr sz="1800" kern="1200">
+                <a:solidFill>
+                  <a:schemeClr val="tx1"/>
+                </a:solidFill>
+                <a:latin typeface="+mn-lt"/>
+                <a:ea typeface="+mn-ea"/>
+                <a:cs typeface="+mn-cs"/>
+              </a:defRPr>
+            </a:lvl6pPr>
+            <a:lvl7pPr marL="2971800" indent="-228600" algn="l" defTabSz="914400" rtl="0" eaLnBrk="1" latinLnBrk="0" hangingPunct="1">
+              <a:lnSpc>
+                <a:spcPct val="90000"/>
+              </a:lnSpc>
+              <a:spcBef>
+                <a:spcPts val="500"/>
+              </a:spcBef>
+              <a:buFont typeface="Arial" panose="020B0604020202020204" pitchFamily="34" charset="0"/>
+              <a:buChar char="•"/>
+              <a:defRPr sz="1800" kern="1200">
+                <a:solidFill>
+                  <a:schemeClr val="tx1"/>
+                </a:solidFill>
+                <a:latin typeface="+mn-lt"/>
+                <a:ea typeface="+mn-ea"/>
+                <a:cs typeface="+mn-cs"/>
+              </a:defRPr>
+            </a:lvl7pPr>
+            <a:lvl8pPr marL="3429000" indent="-228600" algn="l" defTabSz="914400" rtl="0" eaLnBrk="1" latinLnBrk="0" hangingPunct="1">
+              <a:lnSpc>
+                <a:spcPct val="90000"/>
+              </a:lnSpc>
+              <a:spcBef>
+                <a:spcPts val="500"/>
+              </a:spcBef>
+              <a:buFont typeface="Arial" panose="020B0604020202020204" pitchFamily="34" charset="0"/>
+              <a:buChar char="•"/>
+              <a:defRPr sz="1800" kern="1200">
+                <a:solidFill>
+                  <a:schemeClr val="tx1"/>
+                </a:solidFill>
+                <a:latin typeface="+mn-lt"/>
+                <a:ea typeface="+mn-ea"/>
+                <a:cs typeface="+mn-cs"/>
+              </a:defRPr>
+            </a:lvl8pPr>
+            <a:lvl9pPr marL="3886200" indent="-228600" algn="l" defTabSz="914400" rtl="0" eaLnBrk="1" latinLnBrk="0" hangingPunct="1">
+              <a:lnSpc>
+                <a:spcPct val="90000"/>
+              </a:lnSpc>
+              <a:spcBef>
+                <a:spcPts val="500"/>
+              </a:spcBef>
+              <a:buFont typeface="Arial" panose="020B0604020202020204" pitchFamily="34" charset="0"/>
+              <a:buChar char="•"/>
+              <a:defRPr sz="1800" kern="1200">
+                <a:solidFill>
+                  <a:schemeClr val="tx1"/>
+                </a:solidFill>
+                <a:latin typeface="+mn-lt"/>
+                <a:ea typeface="+mn-ea"/>
+                <a:cs typeface="+mn-cs"/>
+              </a:defRPr>
+            </a:lvl9pPr>
+          </a:lstStyle>
+          <a:p>
+            <a:pPr marL="0" indent="0" algn="r">
+              <a:spcBef>
+                <a:spcPts val="300"/>
+              </a:spcBef>
+              <a:buNone/>
+            </a:pPr>
+            <a:r>
+              <a:rPr lang="de-CH" sz="4000" dirty="0">
+                <a:latin typeface="+mj-lt"/>
+                <a:hlinkClick r:id="rId3"/>
+              </a:rPr>
+              <a:t>zhuoyao.lin@huawei.com, jean.quilbeuf@huawei.com</a:t>
+            </a:r>
+          </a:p>
+          <a:p>
+            <a:pPr marL="0" indent="0" algn="r">
+              <a:spcBef>
+                <a:spcPts val="300"/>
+              </a:spcBef>
+              <a:buNone/>
+            </a:pPr>
+            <a:r>
+              <a:rPr lang="de-CH" sz="4000" dirty="0">
+                <a:latin typeface="+mj-lt"/>
+                <a:hlinkClick r:id="rId3"/>
+              </a:rPr>
+              <a:t>ahmed.elhassany@swisscom.com, </a:t>
+            </a:r>
+            <a:r>
+              <a:rPr lang="de-CH" sz="4000" dirty="0">
+                <a:latin typeface="+mj-lt"/>
+                <a:hlinkClick r:id="rId4"/>
+              </a:rPr>
+              <a:t>alex.huang-feng@insa-lyon.fr</a:t>
+            </a:r>
+            <a:endParaRPr lang="de-CH" sz="4000" dirty="0">
+              <a:latin typeface="+mj-lt"/>
+            </a:endParaRPr>
+          </a:p>
+          <a:p>
+            <a:pPr marL="0" indent="0" algn="r">
+              <a:spcBef>
+                <a:spcPts val="300"/>
+              </a:spcBef>
+              <a:buNone/>
+            </a:pPr>
+            <a:r>
+              <a:rPr lang="de-CH" sz="4000" dirty="0">
+                <a:latin typeface="+mj-lt"/>
+                <a:hlinkClick r:id="rId3"/>
+              </a:rPr>
+              <a:t>benoit.claise@huawei.com, thomas.graf@swisscom.com</a:t>
+            </a:r>
+            <a:endParaRPr lang="de-CH" sz="4000" dirty="0">
+              <a:latin typeface="+mj-lt"/>
+            </a:endParaRPr>
+          </a:p>
+          <a:p>
+            <a:pPr marL="0" indent="0" algn="r">
+              <a:spcBef>
+                <a:spcPts val="300"/>
+              </a:spcBef>
+              <a:buNone/>
+            </a:pPr>
+            <a:endParaRPr lang="de-CH" sz="3800" dirty="0">
+              <a:latin typeface="+mj-lt"/>
+            </a:endParaRPr>
+          </a:p>
+          <a:p>
+            <a:pPr marL="0" indent="0" algn="r">
+              <a:spcBef>
+                <a:spcPts val="300"/>
+              </a:spcBef>
+              <a:buNone/>
+            </a:pPr>
+            <a:r>
+              <a:rPr lang="de-CH" sz="3800" dirty="0">
+                <a:latin typeface="+mj-lt"/>
+              </a:rPr>
+              <a:t>24. </a:t>
+            </a:r>
+            <a:r>
+              <a:rPr lang="de-CH" sz="3800" dirty="0" err="1">
+                <a:latin typeface="+mj-lt"/>
+                <a:ea typeface="+mj-ea"/>
+                <a:cs typeface="+mj-cs"/>
+              </a:rPr>
+              <a:t>July</a:t>
+            </a:r>
+            <a:r>
+              <a:rPr lang="de-CH" sz="3800" dirty="0">
+                <a:latin typeface="+mj-lt"/>
+                <a:ea typeface="+mj-ea"/>
+                <a:cs typeface="+mj-cs"/>
+              </a:rPr>
+              <a:t> 2023</a:t>
+            </a:r>
+            <a:endParaRPr lang="de-CH" sz="3800" dirty="0">
+              <a:latin typeface="+mj-lt"/>
+            </a:endParaRPr>
+          </a:p>
+          <a:p>
+            <a:pPr algn="r"/>
+            <a:endParaRPr lang="de-CH" sz="2200" dirty="0"/>
+          </a:p>
+        </p:txBody>
+      </p:sp>
+    </p:spTree>
+    <p:extLst>
+      <p:ext uri="{BB962C8B-B14F-4D97-AF65-F5344CB8AC3E}">
+        <p14:creationId xmlns:p14="http://schemas.microsoft.com/office/powerpoint/2010/main" val="2425809725"/>
+      </p:ext>
+    </p:extLst>
+  </p:cSld>
+  <p:clrMapOvr>
+    <a:masterClrMapping/>
+  </p:clrMapOvr>
+</p:sld>
+</file>
+
+<file path=ppt/slides/slide11.xml><?xml version="1.0" encoding="utf-8"?>
 <p:sld xmlns:a="http://schemas.openxmlformats.org/drawingml/2006/main" xmlns:r="http://schemas.openxmlformats.org/officeDocument/2006/relationships" xmlns:p="http://schemas.openxmlformats.org/presentationml/2006/main">
   <p:cSld>
     <p:spTree>
@@ -6030,7 +6795,7 @@
 </p:sld>
 </file>
 
-<file path=ppt/slides/slide11.xml><?xml version="1.0" encoding="utf-8"?>
+<file path=ppt/slides/slide12.xml><?xml version="1.0" encoding="utf-8"?>
 <p:sld xmlns:a="http://schemas.openxmlformats.org/drawingml/2006/main" xmlns:r="http://schemas.openxmlformats.org/officeDocument/2006/relationships" xmlns:p="http://schemas.openxmlformats.org/presentationml/2006/main">
   <p:cSld>
     <p:spTree>
@@ -6229,7 +6994,7 @@
           <a:p>
             <a:fld id="{FC4AC485-25DE-431E-B345-9C0A15BB7F8A}" type="slidenum">
               <a:rPr lang="en-US" sz="2200" smtClean="0"/>
-              <a:t>11</a:t>
+              <a:t>12</a:t>
             </a:fld>
             <a:endParaRPr lang="en-US" sz="2200"/>
           </a:p>
@@ -6561,7 +7326,7 @@
 </p:sld>
 </file>
 
-<file path=ppt/slides/slide12.xml><?xml version="1.0" encoding="utf-8"?>
+<file path=ppt/slides/slide13.xml><?xml version="1.0" encoding="utf-8"?>
 <p:sld xmlns:a="http://schemas.openxmlformats.org/drawingml/2006/main" xmlns:r="http://schemas.openxmlformats.org/officeDocument/2006/relationships" xmlns:p="http://schemas.openxmlformats.org/presentationml/2006/main">
   <p:cSld>
     <p:spTree>
@@ -8917,7 +9682,7 @@
           <a:p>
             <a:fld id="{FC4AC485-25DE-431E-B345-9C0A15BB7F8A}" type="slidenum">
               <a:rPr lang="de-CH" sz="1400" smtClean="0"/>
-              <a:t>12</a:t>
+              <a:t>13</a:t>
             </a:fld>
             <a:endParaRPr lang="de-CH" sz="1400" dirty="0"/>
           </a:p>
@@ -8936,7 +9701,7 @@
 </p:sld>
 </file>
 
-<file path=ppt/slides/slide13.xml><?xml version="1.0" encoding="utf-8"?>
+<file path=ppt/slides/slide14.xml><?xml version="1.0" encoding="utf-8"?>
 <p:sld xmlns:a="http://schemas.openxmlformats.org/drawingml/2006/main" xmlns:r="http://schemas.openxmlformats.org/officeDocument/2006/relationships" xmlns:p="http://schemas.openxmlformats.org/presentationml/2006/main">
   <p:cSld>
     <p:spTree>
@@ -9004,7 +9769,7 @@
 </p:sld>
 </file>
 
-<file path=ppt/slides/slide14.xml><?xml version="1.0" encoding="utf-8"?>
+<file path=ppt/slides/slide15.xml><?xml version="1.0" encoding="utf-8"?>
 <p:sld xmlns:a="http://schemas.openxmlformats.org/drawingml/2006/main" xmlns:r="http://schemas.openxmlformats.org/officeDocument/2006/relationships" xmlns:p="http://schemas.openxmlformats.org/presentationml/2006/main">
   <p:cSld>
     <p:bg>
@@ -13848,7 +14613,7 @@
                   <a:spcPts val="600"/>
                 </a:spcAft>
               </a:pPr>
-              <a:t>14</a:t>
+              <a:t>15</a:t>
             </a:fld>
             <a:endParaRPr lang="en-US">
               <a:solidFill>
@@ -14201,7 +14966,7 @@
 </p:sld>
 </file>
 
-<file path=ppt/slides/slide15.xml><?xml version="1.0" encoding="utf-8"?>
+<file path=ppt/slides/slide16.xml><?xml version="1.0" encoding="utf-8"?>
 <p:sld xmlns:a="http://schemas.openxmlformats.org/drawingml/2006/main" xmlns:r="http://schemas.openxmlformats.org/officeDocument/2006/relationships" xmlns:p="http://schemas.openxmlformats.org/presentationml/2006/main">
   <p:cSld>
     <p:spTree>
@@ -14965,7 +15730,7 @@
           <a:p>
             <a:fld id="{FC4AC485-25DE-431E-B345-9C0A15BB7F8A}" type="slidenum">
               <a:rPr lang="de-CH" sz="1400" smtClean="0"/>
-              <a:t>15</a:t>
+              <a:t>16</a:t>
             </a:fld>
             <a:endParaRPr lang="de-CH" sz="1400" dirty="0"/>
           </a:p>
@@ -14984,7 +15749,7 @@
 </p:sld>
 </file>
 
-<file path=ppt/slides/slide16.xml><?xml version="1.0" encoding="utf-8"?>
+<file path=ppt/slides/slide17.xml><?xml version="1.0" encoding="utf-8"?>
 <p:sld xmlns:a="http://schemas.openxmlformats.org/drawingml/2006/main" xmlns:r="http://schemas.openxmlformats.org/officeDocument/2006/relationships" xmlns:p="http://schemas.openxmlformats.org/presentationml/2006/main">
   <p:cSld>
     <p:spTree>
@@ -15248,7 +16013,7 @@
           <a:p>
             <a:fld id="{FC4AC485-25DE-431E-B345-9C0A15BB7F8A}" type="slidenum">
               <a:rPr lang="de-CH" sz="1400" smtClean="0"/>
-              <a:t>16</a:t>
+              <a:t>17</a:t>
             </a:fld>
             <a:endParaRPr lang="de-CH" sz="1400" dirty="0"/>
           </a:p>
@@ -15267,7 +16032,7 @@
 </p:sld>
 </file>
 
-<file path=ppt/slides/slide17.xml><?xml version="1.0" encoding="utf-8"?>
+<file path=ppt/slides/slide18.xml><?xml version="1.0" encoding="utf-8"?>
 <p:sld xmlns:a="http://schemas.openxmlformats.org/drawingml/2006/main" xmlns:r="http://schemas.openxmlformats.org/officeDocument/2006/relationships" xmlns:p="http://schemas.openxmlformats.org/presentationml/2006/main">
   <p:cSld>
     <p:spTree>
@@ -15567,7 +16332,7 @@
           <a:p>
             <a:fld id="{FC4AC485-25DE-431E-B345-9C0A15BB7F8A}" type="slidenum">
               <a:rPr lang="de-CH" sz="1400" smtClean="0"/>
-              <a:t>17</a:t>
+              <a:t>18</a:t>
             </a:fld>
             <a:endParaRPr lang="de-CH" sz="1400" dirty="0"/>
           </a:p>
@@ -15586,7 +16351,7 @@
 </p:sld>
 </file>
 
-<file path=ppt/slides/slide18.xml><?xml version="1.0" encoding="utf-8"?>
+<file path=ppt/slides/slide19.xml><?xml version="1.0" encoding="utf-8"?>
 <p:sld xmlns:a="http://schemas.openxmlformats.org/drawingml/2006/main" xmlns:r="http://schemas.openxmlformats.org/officeDocument/2006/relationships" xmlns:p="http://schemas.openxmlformats.org/presentationml/2006/main">
   <p:cSld>
     <p:spTree>
@@ -17003,7 +17768,7 @@
           <a:p>
             <a:fld id="{FC4AC485-25DE-431E-B345-9C0A15BB7F8A}" type="slidenum">
               <a:rPr lang="de-CH" sz="1400" smtClean="0"/>
-              <a:t>18</a:t>
+              <a:t>19</a:t>
             </a:fld>
             <a:endParaRPr lang="de-CH" sz="1400" dirty="0"/>
           </a:p>
@@ -17013,311 +17778,6 @@
     <p:extLst>
       <p:ext uri="{BB962C8B-B14F-4D97-AF65-F5344CB8AC3E}">
         <p14:creationId xmlns:p14="http://schemas.microsoft.com/office/powerpoint/2010/main" val="1845302357"/>
-      </p:ext>
-    </p:extLst>
-  </p:cSld>
-  <p:clrMapOvr>
-    <a:masterClrMapping/>
-  </p:clrMapOvr>
-</p:sld>
-</file>
-
-<file path=ppt/slides/slide19.xml><?xml version="1.0" encoding="utf-8"?>
-<p:sld xmlns:a="http://schemas.openxmlformats.org/drawingml/2006/main" xmlns:r="http://schemas.openxmlformats.org/officeDocument/2006/relationships" xmlns:p="http://schemas.openxmlformats.org/presentationml/2006/main">
-  <p:cSld>
-    <p:spTree>
-      <p:nvGrpSpPr>
-        <p:cNvPr id="1" name=""/>
-        <p:cNvGrpSpPr/>
-        <p:nvPr/>
-      </p:nvGrpSpPr>
-      <p:grpSpPr>
-        <a:xfrm>
-          <a:off x="0" y="0"/>
-          <a:ext cx="0" cy="0"/>
-          <a:chOff x="0" y="0"/>
-          <a:chExt cx="0" cy="0"/>
-        </a:xfrm>
-      </p:grpSpPr>
-      <p:sp>
-        <p:nvSpPr>
-          <p:cNvPr id="4" name="Content Placeholder 1">
-            <a:extLst>
-              <a:ext uri="{FF2B5EF4-FFF2-40B4-BE49-F238E27FC236}">
-                <a16:creationId xmlns:a16="http://schemas.microsoft.com/office/drawing/2014/main" id="{D81DEC37-A600-4F6C-AE22-C81D97BEC259}"/>
-              </a:ext>
-            </a:extLst>
-          </p:cNvPr>
-          <p:cNvSpPr>
-            <a:spLocks noGrp="1"/>
-          </p:cNvSpPr>
-          <p:nvPr>
-            <p:ph idx="1"/>
-          </p:nvPr>
-        </p:nvSpPr>
-        <p:spPr>
-          <a:xfrm>
-            <a:off x="838200" y="2036618"/>
-            <a:ext cx="6518097" cy="4137532"/>
-          </a:xfrm>
-        </p:spPr>
-        <p:txBody>
-          <a:bodyPr/>
-          <a:lstStyle/>
-          <a:p>
-            <a:pPr marL="342900" indent="-342900">
-              <a:spcBef>
-                <a:spcPts val="2400"/>
-              </a:spcBef>
-              <a:buClr>
-                <a:schemeClr val="accent2"/>
-              </a:buClr>
-              <a:buFont typeface="+mj-lt"/>
-              <a:buAutoNum type="arabicPeriod"/>
-            </a:pPr>
-            <a:r>
-              <a:rPr lang="en-US" sz="1800" b="1" dirty="0"/>
-              <a:t>A single link </a:t>
-            </a:r>
-            <a:r>
-              <a:rPr lang="en-US" sz="1800" b="1"/>
-              <a:t>down </a:t>
-            </a:r>
-            <a:r>
-              <a:rPr lang="en-US" sz="1800"/>
-              <a:t>results </a:t>
-            </a:r>
-            <a:r>
-              <a:rPr lang="en-US" sz="1800" dirty="0"/>
-              <a:t>in multiple device topology, control-plane and forwarding-plane events being exposed at different times.</a:t>
-            </a:r>
-          </a:p>
-          <a:p>
-            <a:pPr marL="342900" indent="-342900">
-              <a:spcBef>
-                <a:spcPts val="1800"/>
-              </a:spcBef>
-              <a:buClr>
-                <a:schemeClr val="accent2"/>
-              </a:buClr>
-              <a:buFont typeface="+mj-lt"/>
-              <a:buAutoNum type="arabicPeriod"/>
-            </a:pPr>
-            <a:r>
-              <a:rPr lang="en-US" sz="1800" b="1" dirty="0"/>
-              <a:t>Determine </a:t>
-            </a:r>
-            <a:r>
-              <a:rPr lang="en-US" sz="1800" dirty="0"/>
-              <a:t>which interfaces and BGP </a:t>
-            </a:r>
-            <a:r>
-              <a:rPr lang="en-US" sz="1800" dirty="0" err="1"/>
-              <a:t>peerings</a:t>
-            </a:r>
-            <a:r>
-              <a:rPr lang="en-US" sz="1800" dirty="0"/>
-              <a:t> are being used first and then observe state. </a:t>
-            </a:r>
-            <a:r>
-              <a:rPr lang="en-US" sz="1800" b="1" dirty="0"/>
-              <a:t>Observe </a:t>
-            </a:r>
-            <a:r>
-              <a:rPr lang="en-US" sz="1800" dirty="0"/>
-              <a:t>BGP withdrawals and updates, traffic drop spikes and missing traffic. Generate multiple concerns.</a:t>
-            </a:r>
-          </a:p>
-          <a:p>
-            <a:pPr marL="342900" indent="-342900">
-              <a:spcBef>
-                <a:spcPts val="1800"/>
-              </a:spcBef>
-              <a:buClr>
-                <a:schemeClr val="accent2"/>
-              </a:buClr>
-              <a:buFont typeface="+mj-lt"/>
-              <a:buAutoNum type="arabicPeriod"/>
-            </a:pPr>
-            <a:r>
-              <a:rPr lang="en-US" sz="1800" b="1" dirty="0"/>
-              <a:t>Calculate </a:t>
-            </a:r>
-            <a:r>
-              <a:rPr lang="en-US" sz="1800" dirty="0"/>
-              <a:t>for each observation a concern score between 0 and 1. </a:t>
-            </a:r>
-            <a:r>
-              <a:rPr lang="en-US" sz="1800" b="1" dirty="0"/>
-              <a:t>The higher, the more probable </a:t>
-            </a:r>
-            <a:r>
-              <a:rPr lang="en-US" sz="1800" dirty="0"/>
-              <a:t>the changes impacted forwarding.</a:t>
-            </a:r>
-          </a:p>
-          <a:p>
-            <a:pPr marL="342900" indent="-342900">
-              <a:spcBef>
-                <a:spcPts val="1800"/>
-              </a:spcBef>
-              <a:buClr>
-                <a:schemeClr val="accent2"/>
-              </a:buClr>
-              <a:buFont typeface="+mj-lt"/>
-              <a:buAutoNum type="arabicPeriod"/>
-            </a:pPr>
-            <a:r>
-              <a:rPr lang="en-US" sz="1800" b="1" dirty="0"/>
-              <a:t>Unify </a:t>
-            </a:r>
-            <a:r>
-              <a:rPr lang="en-US" sz="1800" dirty="0"/>
-              <a:t>several concerns for one VPN connectivity service to one alert identifier. </a:t>
-            </a:r>
-          </a:p>
-        </p:txBody>
-      </p:sp>
-      <p:pic>
-        <p:nvPicPr>
-          <p:cNvPr id="12" name="Picture 11">
-            <a:extLst>
-              <a:ext uri="{FF2B5EF4-FFF2-40B4-BE49-F238E27FC236}">
-                <a16:creationId xmlns:a16="http://schemas.microsoft.com/office/drawing/2014/main" id="{640B9623-81DE-4C90-ABB0-B84BCC0CD700}"/>
-              </a:ext>
-            </a:extLst>
-          </p:cNvPr>
-          <p:cNvPicPr>
-            <a:picLocks noChangeAspect="1"/>
-          </p:cNvPicPr>
-          <p:nvPr/>
-        </p:nvPicPr>
-        <p:blipFill>
-          <a:blip r:embed="rId2"/>
-          <a:stretch>
-            <a:fillRect/>
-          </a:stretch>
-        </p:blipFill>
-        <p:spPr>
-          <a:xfrm>
-            <a:off x="7988531" y="549786"/>
-            <a:ext cx="3490169" cy="5758427"/>
-          </a:xfrm>
-          <a:prstGeom prst="rect">
-            <a:avLst/>
-          </a:prstGeom>
-        </p:spPr>
-      </p:pic>
-      <p:sp>
-        <p:nvSpPr>
-          <p:cNvPr id="5" name="Title 1">
-            <a:extLst>
-              <a:ext uri="{FF2B5EF4-FFF2-40B4-BE49-F238E27FC236}">
-                <a16:creationId xmlns:a16="http://schemas.microsoft.com/office/drawing/2014/main" id="{8CAEE21E-0CF2-4355-A68A-655C5FDE8F93}"/>
-              </a:ext>
-            </a:extLst>
-          </p:cNvPr>
-          <p:cNvSpPr txBox="1">
-            <a:spLocks/>
-          </p:cNvSpPr>
-          <p:nvPr/>
-        </p:nvSpPr>
-        <p:spPr bwMode="black">
-          <a:xfrm>
-            <a:off x="838200" y="365125"/>
-            <a:ext cx="10515600" cy="1325563"/>
-          </a:xfrm>
-          <a:prstGeom prst="rect">
-            <a:avLst/>
-          </a:prstGeom>
-        </p:spPr>
-        <p:txBody>
-          <a:bodyPr vert="horz" lIns="91440" tIns="45720" rIns="91440" bIns="45720" rtlCol="0" anchor="ctr">
-            <a:normAutofit/>
-          </a:bodyPr>
-          <a:lstStyle>
-            <a:lvl1pPr algn="l" defTabSz="914400" rtl="0" eaLnBrk="1" latinLnBrk="0" hangingPunct="1">
-              <a:lnSpc>
-                <a:spcPct val="90000"/>
-              </a:lnSpc>
-              <a:spcBef>
-                <a:spcPct val="0"/>
-              </a:spcBef>
-              <a:buNone/>
-              <a:defRPr sz="4400" kern="1200">
-                <a:solidFill>
-                  <a:schemeClr val="tx1"/>
-                </a:solidFill>
-                <a:latin typeface="+mj-lt"/>
-                <a:ea typeface="+mj-ea"/>
-                <a:cs typeface="+mj-cs"/>
-              </a:defRPr>
-            </a:lvl1pPr>
-          </a:lstStyle>
-          <a:p>
-            <a:r>
-              <a:rPr lang="en-US" sz="2800" b="1" dirty="0"/>
-              <a:t>From Network to Alert Event</a:t>
-            </a:r>
-            <a:br>
-              <a:rPr lang="en-US" sz="3600" dirty="0"/>
-            </a:br>
-            <a:r>
-              <a:rPr lang="en-US" sz="2700" dirty="0">
-                <a:solidFill>
-                  <a:schemeClr val="bg2">
-                    <a:lumMod val="75000"/>
-                  </a:schemeClr>
-                </a:solidFill>
-              </a:rPr>
-              <a:t>Observe multiple perspectives at different times</a:t>
-            </a:r>
-            <a:endParaRPr lang="en-US" sz="2700" dirty="0">
-              <a:solidFill>
-                <a:srgbClr val="FF0000"/>
-              </a:solidFill>
-            </a:endParaRPr>
-          </a:p>
-        </p:txBody>
-      </p:sp>
-      <p:sp>
-        <p:nvSpPr>
-          <p:cNvPr id="6" name="Slide Number Placeholder 1">
-            <a:extLst>
-              <a:ext uri="{FF2B5EF4-FFF2-40B4-BE49-F238E27FC236}">
-                <a16:creationId xmlns:a16="http://schemas.microsoft.com/office/drawing/2014/main" id="{F737EB12-95E0-44D8-968E-78326B862682}"/>
-              </a:ext>
-            </a:extLst>
-          </p:cNvPr>
-          <p:cNvSpPr>
-            <a:spLocks noGrp="1"/>
-          </p:cNvSpPr>
-          <p:nvPr>
-            <p:ph type="sldNum" sz="quarter" idx="12"/>
-          </p:nvPr>
-        </p:nvSpPr>
-        <p:spPr>
-          <a:xfrm>
-            <a:off x="11587892" y="6361637"/>
-            <a:ext cx="414251" cy="365125"/>
-          </a:xfrm>
-        </p:spPr>
-        <p:txBody>
-          <a:bodyPr/>
-          <a:lstStyle/>
-          <a:p>
-            <a:fld id="{FC4AC485-25DE-431E-B345-9C0A15BB7F8A}" type="slidenum">
-              <a:rPr lang="de-CH" sz="1400" smtClean="0"/>
-              <a:t>19</a:t>
-            </a:fld>
-            <a:endParaRPr lang="de-CH" sz="1400" dirty="0"/>
-          </a:p>
-        </p:txBody>
-      </p:sp>
-    </p:spTree>
-    <p:extLst>
-      <p:ext uri="{BB962C8B-B14F-4D97-AF65-F5344CB8AC3E}">
-        <p14:creationId xmlns:p14="http://schemas.microsoft.com/office/powerpoint/2010/main" val="3241116723"/>
       </p:ext>
     </p:extLst>
   </p:cSld>
@@ -17853,6 +18313,311 @@
 </file>
 
 <file path=ppt/slides/slide20.xml><?xml version="1.0" encoding="utf-8"?>
+<p:sld xmlns:a="http://schemas.openxmlformats.org/drawingml/2006/main" xmlns:r="http://schemas.openxmlformats.org/officeDocument/2006/relationships" xmlns:p="http://schemas.openxmlformats.org/presentationml/2006/main">
+  <p:cSld>
+    <p:spTree>
+      <p:nvGrpSpPr>
+        <p:cNvPr id="1" name=""/>
+        <p:cNvGrpSpPr/>
+        <p:nvPr/>
+      </p:nvGrpSpPr>
+      <p:grpSpPr>
+        <a:xfrm>
+          <a:off x="0" y="0"/>
+          <a:ext cx="0" cy="0"/>
+          <a:chOff x="0" y="0"/>
+          <a:chExt cx="0" cy="0"/>
+        </a:xfrm>
+      </p:grpSpPr>
+      <p:sp>
+        <p:nvSpPr>
+          <p:cNvPr id="4" name="Content Placeholder 1">
+            <a:extLst>
+              <a:ext uri="{FF2B5EF4-FFF2-40B4-BE49-F238E27FC236}">
+                <a16:creationId xmlns:a16="http://schemas.microsoft.com/office/drawing/2014/main" id="{D81DEC37-A600-4F6C-AE22-C81D97BEC259}"/>
+              </a:ext>
+            </a:extLst>
+          </p:cNvPr>
+          <p:cNvSpPr>
+            <a:spLocks noGrp="1"/>
+          </p:cNvSpPr>
+          <p:nvPr>
+            <p:ph idx="1"/>
+          </p:nvPr>
+        </p:nvSpPr>
+        <p:spPr>
+          <a:xfrm>
+            <a:off x="838200" y="2036618"/>
+            <a:ext cx="6518097" cy="4137532"/>
+          </a:xfrm>
+        </p:spPr>
+        <p:txBody>
+          <a:bodyPr/>
+          <a:lstStyle/>
+          <a:p>
+            <a:pPr marL="342900" indent="-342900">
+              <a:spcBef>
+                <a:spcPts val="2400"/>
+              </a:spcBef>
+              <a:buClr>
+                <a:schemeClr val="accent2"/>
+              </a:buClr>
+              <a:buFont typeface="+mj-lt"/>
+              <a:buAutoNum type="arabicPeriod"/>
+            </a:pPr>
+            <a:r>
+              <a:rPr lang="en-US" sz="1800" b="1" dirty="0"/>
+              <a:t>A single link </a:t>
+            </a:r>
+            <a:r>
+              <a:rPr lang="en-US" sz="1800" b="1"/>
+              <a:t>down </a:t>
+            </a:r>
+            <a:r>
+              <a:rPr lang="en-US" sz="1800"/>
+              <a:t>results </a:t>
+            </a:r>
+            <a:r>
+              <a:rPr lang="en-US" sz="1800" dirty="0"/>
+              <a:t>in multiple device topology, control-plane and forwarding-plane events being exposed at different times.</a:t>
+            </a:r>
+          </a:p>
+          <a:p>
+            <a:pPr marL="342900" indent="-342900">
+              <a:spcBef>
+                <a:spcPts val="1800"/>
+              </a:spcBef>
+              <a:buClr>
+                <a:schemeClr val="accent2"/>
+              </a:buClr>
+              <a:buFont typeface="+mj-lt"/>
+              <a:buAutoNum type="arabicPeriod"/>
+            </a:pPr>
+            <a:r>
+              <a:rPr lang="en-US" sz="1800" b="1" dirty="0"/>
+              <a:t>Determine </a:t>
+            </a:r>
+            <a:r>
+              <a:rPr lang="en-US" sz="1800" dirty="0"/>
+              <a:t>which interfaces and BGP </a:t>
+            </a:r>
+            <a:r>
+              <a:rPr lang="en-US" sz="1800" dirty="0" err="1"/>
+              <a:t>peerings</a:t>
+            </a:r>
+            <a:r>
+              <a:rPr lang="en-US" sz="1800" dirty="0"/>
+              <a:t> are being used first and then observe state. </a:t>
+            </a:r>
+            <a:r>
+              <a:rPr lang="en-US" sz="1800" b="1" dirty="0"/>
+              <a:t>Observe </a:t>
+            </a:r>
+            <a:r>
+              <a:rPr lang="en-US" sz="1800" dirty="0"/>
+              <a:t>BGP withdrawals and updates, traffic drop spikes and missing traffic. Generate multiple concerns.</a:t>
+            </a:r>
+          </a:p>
+          <a:p>
+            <a:pPr marL="342900" indent="-342900">
+              <a:spcBef>
+                <a:spcPts val="1800"/>
+              </a:spcBef>
+              <a:buClr>
+                <a:schemeClr val="accent2"/>
+              </a:buClr>
+              <a:buFont typeface="+mj-lt"/>
+              <a:buAutoNum type="arabicPeriod"/>
+            </a:pPr>
+            <a:r>
+              <a:rPr lang="en-US" sz="1800" b="1" dirty="0"/>
+              <a:t>Calculate </a:t>
+            </a:r>
+            <a:r>
+              <a:rPr lang="en-US" sz="1800" dirty="0"/>
+              <a:t>for each observation a concern score between 0 and 1. </a:t>
+            </a:r>
+            <a:r>
+              <a:rPr lang="en-US" sz="1800" b="1" dirty="0"/>
+              <a:t>The higher, the more probable </a:t>
+            </a:r>
+            <a:r>
+              <a:rPr lang="en-US" sz="1800" dirty="0"/>
+              <a:t>the changes impacted forwarding.</a:t>
+            </a:r>
+          </a:p>
+          <a:p>
+            <a:pPr marL="342900" indent="-342900">
+              <a:spcBef>
+                <a:spcPts val="1800"/>
+              </a:spcBef>
+              <a:buClr>
+                <a:schemeClr val="accent2"/>
+              </a:buClr>
+              <a:buFont typeface="+mj-lt"/>
+              <a:buAutoNum type="arabicPeriod"/>
+            </a:pPr>
+            <a:r>
+              <a:rPr lang="en-US" sz="1800" b="1" dirty="0"/>
+              <a:t>Unify </a:t>
+            </a:r>
+            <a:r>
+              <a:rPr lang="en-US" sz="1800" dirty="0"/>
+              <a:t>several concerns for one VPN connectivity service to one alert identifier. </a:t>
+            </a:r>
+          </a:p>
+        </p:txBody>
+      </p:sp>
+      <p:pic>
+        <p:nvPicPr>
+          <p:cNvPr id="12" name="Picture 11">
+            <a:extLst>
+              <a:ext uri="{FF2B5EF4-FFF2-40B4-BE49-F238E27FC236}">
+                <a16:creationId xmlns:a16="http://schemas.microsoft.com/office/drawing/2014/main" id="{640B9623-81DE-4C90-ABB0-B84BCC0CD700}"/>
+              </a:ext>
+            </a:extLst>
+          </p:cNvPr>
+          <p:cNvPicPr>
+            <a:picLocks noChangeAspect="1"/>
+          </p:cNvPicPr>
+          <p:nvPr/>
+        </p:nvPicPr>
+        <p:blipFill>
+          <a:blip r:embed="rId2"/>
+          <a:stretch>
+            <a:fillRect/>
+          </a:stretch>
+        </p:blipFill>
+        <p:spPr>
+          <a:xfrm>
+            <a:off x="7988531" y="549786"/>
+            <a:ext cx="3490169" cy="5758427"/>
+          </a:xfrm>
+          <a:prstGeom prst="rect">
+            <a:avLst/>
+          </a:prstGeom>
+        </p:spPr>
+      </p:pic>
+      <p:sp>
+        <p:nvSpPr>
+          <p:cNvPr id="5" name="Title 1">
+            <a:extLst>
+              <a:ext uri="{FF2B5EF4-FFF2-40B4-BE49-F238E27FC236}">
+                <a16:creationId xmlns:a16="http://schemas.microsoft.com/office/drawing/2014/main" id="{8CAEE21E-0CF2-4355-A68A-655C5FDE8F93}"/>
+              </a:ext>
+            </a:extLst>
+          </p:cNvPr>
+          <p:cNvSpPr txBox="1">
+            <a:spLocks/>
+          </p:cNvSpPr>
+          <p:nvPr/>
+        </p:nvSpPr>
+        <p:spPr bwMode="black">
+          <a:xfrm>
+            <a:off x="838200" y="365125"/>
+            <a:ext cx="10515600" cy="1325563"/>
+          </a:xfrm>
+          <a:prstGeom prst="rect">
+            <a:avLst/>
+          </a:prstGeom>
+        </p:spPr>
+        <p:txBody>
+          <a:bodyPr vert="horz" lIns="91440" tIns="45720" rIns="91440" bIns="45720" rtlCol="0" anchor="ctr">
+            <a:normAutofit/>
+          </a:bodyPr>
+          <a:lstStyle>
+            <a:lvl1pPr algn="l" defTabSz="914400" rtl="0" eaLnBrk="1" latinLnBrk="0" hangingPunct="1">
+              <a:lnSpc>
+                <a:spcPct val="90000"/>
+              </a:lnSpc>
+              <a:spcBef>
+                <a:spcPct val="0"/>
+              </a:spcBef>
+              <a:buNone/>
+              <a:defRPr sz="4400" kern="1200">
+                <a:solidFill>
+                  <a:schemeClr val="tx1"/>
+                </a:solidFill>
+                <a:latin typeface="+mj-lt"/>
+                <a:ea typeface="+mj-ea"/>
+                <a:cs typeface="+mj-cs"/>
+              </a:defRPr>
+            </a:lvl1pPr>
+          </a:lstStyle>
+          <a:p>
+            <a:r>
+              <a:rPr lang="en-US" sz="2800" b="1" dirty="0"/>
+              <a:t>From Network to Alert Event</a:t>
+            </a:r>
+            <a:br>
+              <a:rPr lang="en-US" sz="3600" dirty="0"/>
+            </a:br>
+            <a:r>
+              <a:rPr lang="en-US" sz="2700" dirty="0">
+                <a:solidFill>
+                  <a:schemeClr val="bg2">
+                    <a:lumMod val="75000"/>
+                  </a:schemeClr>
+                </a:solidFill>
+              </a:rPr>
+              <a:t>Observe multiple perspectives at different times</a:t>
+            </a:r>
+            <a:endParaRPr lang="en-US" sz="2700" dirty="0">
+              <a:solidFill>
+                <a:srgbClr val="FF0000"/>
+              </a:solidFill>
+            </a:endParaRPr>
+          </a:p>
+        </p:txBody>
+      </p:sp>
+      <p:sp>
+        <p:nvSpPr>
+          <p:cNvPr id="6" name="Slide Number Placeholder 1">
+            <a:extLst>
+              <a:ext uri="{FF2B5EF4-FFF2-40B4-BE49-F238E27FC236}">
+                <a16:creationId xmlns:a16="http://schemas.microsoft.com/office/drawing/2014/main" id="{F737EB12-95E0-44D8-968E-78326B862682}"/>
+              </a:ext>
+            </a:extLst>
+          </p:cNvPr>
+          <p:cNvSpPr>
+            <a:spLocks noGrp="1"/>
+          </p:cNvSpPr>
+          <p:nvPr>
+            <p:ph type="sldNum" sz="quarter" idx="12"/>
+          </p:nvPr>
+        </p:nvSpPr>
+        <p:spPr>
+          <a:xfrm>
+            <a:off x="11587892" y="6361637"/>
+            <a:ext cx="414251" cy="365125"/>
+          </a:xfrm>
+        </p:spPr>
+        <p:txBody>
+          <a:bodyPr/>
+          <a:lstStyle/>
+          <a:p>
+            <a:fld id="{FC4AC485-25DE-431E-B345-9C0A15BB7F8A}" type="slidenum">
+              <a:rPr lang="de-CH" sz="1400" smtClean="0"/>
+              <a:t>20</a:t>
+            </a:fld>
+            <a:endParaRPr lang="de-CH" sz="1400" dirty="0"/>
+          </a:p>
+        </p:txBody>
+      </p:sp>
+    </p:spTree>
+    <p:extLst>
+      <p:ext uri="{BB962C8B-B14F-4D97-AF65-F5344CB8AC3E}">
+        <p14:creationId xmlns:p14="http://schemas.microsoft.com/office/powerpoint/2010/main" val="3241116723"/>
+      </p:ext>
+    </p:extLst>
+  </p:cSld>
+  <p:clrMapOvr>
+    <a:masterClrMapping/>
+  </p:clrMapOvr>
+</p:sld>
+</file>
+
+<file path=ppt/slides/slide21.xml><?xml version="1.0" encoding="utf-8"?>
 <p:sld xmlns:a="http://schemas.openxmlformats.org/drawingml/2006/main" xmlns:r="http://schemas.openxmlformats.org/officeDocument/2006/relationships" xmlns:p="http://schemas.openxmlformats.org/presentationml/2006/main">
   <p:cSld>
     <p:spTree>
@@ -19008,7 +19773,7 @@
           <a:p>
             <a:fld id="{FC4AC485-25DE-431E-B345-9C0A15BB7F8A}" type="slidenum">
               <a:rPr lang="de-CH" sz="1400" smtClean="0"/>
-              <a:t>20</a:t>
+              <a:t>21</a:t>
             </a:fld>
             <a:endParaRPr lang="de-CH" sz="1400" dirty="0"/>
           </a:p>
@@ -19746,7 +20511,7 @@
 </p:sld>
 </file>
 
-<file path=ppt/slides/slide21.xml><?xml version="1.0" encoding="utf-8"?>
+<file path=ppt/slides/slide22.xml><?xml version="1.0" encoding="utf-8"?>
 <p:sld xmlns:a="http://schemas.openxmlformats.org/drawingml/2006/main" xmlns:r="http://schemas.openxmlformats.org/officeDocument/2006/relationships" xmlns:p="http://schemas.openxmlformats.org/presentationml/2006/main">
   <p:cSld>
     <p:spTree>
@@ -20811,7 +21576,7 @@
           <a:p>
             <a:fld id="{FC4AC485-25DE-431E-B345-9C0A15BB7F8A}" type="slidenum">
               <a:rPr lang="de-CH" sz="1400" smtClean="0"/>
-              <a:t>21</a:t>
+              <a:t>22</a:t>
             </a:fld>
             <a:endParaRPr lang="de-CH" sz="1400" dirty="0"/>
           </a:p>
@@ -20830,7 +21595,7 @@
 </p:sld>
 </file>
 
-<file path=ppt/slides/slide22.xml><?xml version="1.0" encoding="utf-8"?>
+<file path=ppt/slides/slide23.xml><?xml version="1.0" encoding="utf-8"?>
 <p:sld xmlns:a="http://schemas.openxmlformats.org/drawingml/2006/main" xmlns:r="http://schemas.openxmlformats.org/officeDocument/2006/relationships" xmlns:p="http://schemas.openxmlformats.org/presentationml/2006/main">
   <p:cSld>
     <p:spTree>
@@ -21033,7 +21798,7 @@
           <a:p>
             <a:fld id="{FC4AC485-25DE-431E-B345-9C0A15BB7F8A}" type="slidenum">
               <a:rPr lang="de-CH" sz="1400" smtClean="0"/>
-              <a:t>22</a:t>
+              <a:t>23</a:t>
             </a:fld>
             <a:endParaRPr lang="de-CH" sz="1400" dirty="0"/>
           </a:p>
@@ -21052,7 +21817,7 @@
 </p:sld>
 </file>
 
-<file path=ppt/slides/slide23.xml><?xml version="1.0" encoding="utf-8"?>
+<file path=ppt/slides/slide24.xml><?xml version="1.0" encoding="utf-8"?>
 <p:sld xmlns:a="http://schemas.openxmlformats.org/drawingml/2006/main" xmlns:r="http://schemas.openxmlformats.org/officeDocument/2006/relationships" xmlns:p="http://schemas.openxmlformats.org/presentationml/2006/main">
   <p:cSld>
     <p:spTree>
@@ -22673,7 +23438,7 @@
           <a:p>
             <a:fld id="{FC4AC485-25DE-431E-B345-9C0A15BB7F8A}" type="slidenum">
               <a:rPr lang="de-CH" sz="1400" smtClean="0"/>
-              <a:t>23</a:t>
+              <a:t>24</a:t>
             </a:fld>
             <a:endParaRPr lang="de-CH" sz="1400" dirty="0"/>
           </a:p>
@@ -22692,7 +23457,7 @@
 </p:sld>
 </file>
 
-<file path=ppt/slides/slide24.xml><?xml version="1.0" encoding="utf-8"?>
+<file path=ppt/slides/slide25.xml><?xml version="1.0" encoding="utf-8"?>
 <p:sld xmlns:a="http://schemas.openxmlformats.org/drawingml/2006/main" xmlns:r="http://schemas.openxmlformats.org/officeDocument/2006/relationships" xmlns:p="http://schemas.openxmlformats.org/presentationml/2006/main">
   <p:cSld>
     <p:spTree>
@@ -23901,7 +24666,7 @@
           <a:p>
             <a:fld id="{FC4AC485-25DE-431E-B345-9C0A15BB7F8A}" type="slidenum">
               <a:rPr lang="de-CH" sz="1400" smtClean="0"/>
-              <a:t>24</a:t>
+              <a:t>25</a:t>
             </a:fld>
             <a:endParaRPr lang="de-CH" sz="1400" dirty="0"/>
           </a:p>
@@ -23920,7 +24685,7 @@
 </p:sld>
 </file>
 
-<file path=ppt/slides/slide25.xml><?xml version="1.0" encoding="utf-8"?>
+<file path=ppt/slides/slide26.xml><?xml version="1.0" encoding="utf-8"?>
 <p:sld xmlns:a="http://schemas.openxmlformats.org/drawingml/2006/main" xmlns:r="http://schemas.openxmlformats.org/officeDocument/2006/relationships" xmlns:p="http://schemas.openxmlformats.org/presentationml/2006/main">
   <p:cSld>
     <p:spTree>
@@ -24416,7 +25181,7 @@
           <a:p>
             <a:fld id="{FC4AC485-25DE-431E-B345-9C0A15BB7F8A}" type="slidenum">
               <a:rPr lang="de-CH" sz="1400" smtClean="0"/>
-              <a:t>25</a:t>
+              <a:t>26</a:t>
             </a:fld>
             <a:endParaRPr lang="de-CH" sz="1400" dirty="0"/>
           </a:p>
@@ -27792,14 +28557,7 @@
           <a:p>
             <a:r>
               <a:rPr lang="en-US" sz="2000" dirty="0"/>
-              <a:t>Propose changes in netconf notification header </a:t>
-            </a:r>
-            <a:br>
-              <a:rPr lang="en-US" sz="2000" dirty="0"/>
-            </a:br>
-            <a:r>
-              <a:rPr lang="en-US" sz="2000" dirty="0"/>
-              <a:t>to validate properly in </a:t>
+              <a:t>Propose changes in netconf notification header to validate properly in </a:t>
             </a:r>
             <a:r>
               <a:rPr lang="en-US" sz="2000" dirty="0" err="1"/>
@@ -27810,14 +28568,7 @@
           <a:p>
             <a:r>
               <a:rPr lang="en-US" sz="2000" dirty="0"/>
-              <a:t>Enable schema validation and data serialization </a:t>
-            </a:r>
-            <a:br>
-              <a:rPr lang="en-US" sz="2000" dirty="0"/>
-            </a:br>
-            <a:r>
-              <a:rPr lang="en-US" sz="2000" dirty="0"/>
-              <a:t>in Apache Kafka</a:t>
+              <a:t>Enable schema validation and data serialization in Apache Kafka</a:t>
             </a:r>
           </a:p>
         </p:txBody>
@@ -27888,10 +28639,10 @@
       </p:pic>
       <p:sp>
         <p:nvSpPr>
-          <p:cNvPr id="6" name="Subtitle 4">
+          <p:cNvPr id="4" name="Subtitle 4">
             <a:extLst>
               <a:ext uri="{FF2B5EF4-FFF2-40B4-BE49-F238E27FC236}">
-                <a16:creationId xmlns:a16="http://schemas.microsoft.com/office/drawing/2014/main" id="{7C3B84B0-CEE6-9508-972D-6095E0E01E98}"/>
+                <a16:creationId xmlns:a16="http://schemas.microsoft.com/office/drawing/2014/main" id="{8261D168-84A4-F056-4C42-0ABC1EBF21E6}"/>
               </a:ext>
             </a:extLst>
           </p:cNvPr>
@@ -27902,8 +28653,8 @@
         </p:nvSpPr>
         <p:spPr>
           <a:xfrm>
-            <a:off x="838200" y="5212081"/>
-            <a:ext cx="11163943" cy="1149556"/>
+            <a:off x="838200" y="5574325"/>
+            <a:ext cx="11163943" cy="787312"/>
           </a:xfrm>
           <a:prstGeom prst="rect">
             <a:avLst/>
@@ -27911,7 +28662,7 @@
         </p:spPr>
         <p:txBody>
           <a:bodyPr vert="horz" lIns="91440" tIns="45720" rIns="91440" bIns="45720" rtlCol="0">
-            <a:normAutofit fontScale="40000" lnSpcReduction="20000"/>
+            <a:normAutofit fontScale="25000" lnSpcReduction="20000"/>
           </a:bodyPr>
           <a:lstStyle>
             <a:lvl1pPr marL="228600" indent="-228600" algn="l" defTabSz="914400" rtl="0" eaLnBrk="1" latinLnBrk="0" hangingPunct="1">

--- a/117/Side-Meetings/ietf117-netconf-yang-push-data-mesh-integration.pptx
+++ b/117/Side-Meetings/ietf117-netconf-yang-push-data-mesh-integration.pptx
@@ -143,7 +143,7 @@
 <file path=ppt/revisionInfo.xml><?xml version="1.0" encoding="utf-8"?>
 <p1510:revInfo xmlns:a="http://schemas.openxmlformats.org/drawingml/2006/main" xmlns:r="http://schemas.openxmlformats.org/officeDocument/2006/relationships" xmlns:p1510="http://schemas.microsoft.com/office/powerpoint/2015/10/main">
   <p1510:revLst>
-    <p1510:client id="{40188488-A9E1-4155-BFF1-5EF2EE12E93E}" v="43" dt="2023-07-24T17:15:33.382"/>
+    <p1510:client id="{40188488-A9E1-4155-BFF1-5EF2EE12E93E}" v="46" dt="2023-07-24T17:44:03.183"/>
   </p1510:revLst>
 </p1510:revInfo>
 </file>
@@ -153,7 +153,7 @@
   <pc:docChgLst>
     <pc:chgData name="Graf Thomas, INI-NET-VNC-HCS" userId="487bc3e3-9ce7-4cdd-b7b4-8899ea88d289" providerId="ADAL" clId="{40188488-A9E1-4155-BFF1-5EF2EE12E93E}"/>
     <pc:docChg chg="undo custSel addSld delSld modSld sldOrd">
-      <pc:chgData name="Graf Thomas, INI-NET-VNC-HCS" userId="487bc3e3-9ce7-4cdd-b7b4-8899ea88d289" providerId="ADAL" clId="{40188488-A9E1-4155-BFF1-5EF2EE12E93E}" dt="2023-07-24T17:16:36.535" v="2446" actId="47"/>
+      <pc:chgData name="Graf Thomas, INI-NET-VNC-HCS" userId="487bc3e3-9ce7-4cdd-b7b4-8899ea88d289" providerId="ADAL" clId="{40188488-A9E1-4155-BFF1-5EF2EE12E93E}" dt="2023-07-24T17:46:34.998" v="2479" actId="108"/>
       <pc:docMkLst>
         <pc:docMk/>
       </pc:docMkLst>
@@ -766,7 +766,7 @@
         </pc:cxnChg>
       </pc:sldChg>
       <pc:sldChg chg="addSp delSp modSp add mod">
-        <pc:chgData name="Graf Thomas, INI-NET-VNC-HCS" userId="487bc3e3-9ce7-4cdd-b7b4-8899ea88d289" providerId="ADAL" clId="{40188488-A9E1-4155-BFF1-5EF2EE12E93E}" dt="2023-07-24T14:52:15.313" v="1099" actId="14100"/>
+        <pc:chgData name="Graf Thomas, INI-NET-VNC-HCS" userId="487bc3e3-9ce7-4cdd-b7b4-8899ea88d289" providerId="ADAL" clId="{40188488-A9E1-4155-BFF1-5EF2EE12E93E}" dt="2023-07-24T17:44:03.182" v="2450" actId="14100"/>
         <pc:sldMkLst>
           <pc:docMk/>
           <pc:sldMk cId="109474821" sldId="2145706232"/>
@@ -827,8 +827,8 @@
             <ac:picMk id="2" creationId="{6CA0CC97-2654-4462-3AED-3AA610AA319B}"/>
           </ac:picMkLst>
         </pc:picChg>
-        <pc:picChg chg="add mod">
-          <ac:chgData name="Graf Thomas, INI-NET-VNC-HCS" userId="487bc3e3-9ce7-4cdd-b7b4-8899ea88d289" providerId="ADAL" clId="{40188488-A9E1-4155-BFF1-5EF2EE12E93E}" dt="2023-07-24T14:37:46.200" v="373" actId="14100"/>
+        <pc:picChg chg="add del mod">
+          <ac:chgData name="Graf Thomas, INI-NET-VNC-HCS" userId="487bc3e3-9ce7-4cdd-b7b4-8899ea88d289" providerId="ADAL" clId="{40188488-A9E1-4155-BFF1-5EF2EE12E93E}" dt="2023-07-24T17:43:50.519" v="2447" actId="478"/>
           <ac:picMkLst>
             <pc:docMk/>
             <pc:sldMk cId="109474821" sldId="2145706232"/>
@@ -849,6 +849,14 @@
             <pc:docMk/>
             <pc:sldMk cId="109474821" sldId="2145706232"/>
             <ac:picMk id="1025" creationId="{FF355033-B1E1-DF9D-C701-CD0D622A92B0}"/>
+          </ac:picMkLst>
+        </pc:picChg>
+        <pc:picChg chg="add mod">
+          <ac:chgData name="Graf Thomas, INI-NET-VNC-HCS" userId="487bc3e3-9ce7-4cdd-b7b4-8899ea88d289" providerId="ADAL" clId="{40188488-A9E1-4155-BFF1-5EF2EE12E93E}" dt="2023-07-24T17:44:03.182" v="2450" actId="14100"/>
+          <ac:picMkLst>
+            <pc:docMk/>
+            <pc:sldMk cId="109474821" sldId="2145706232"/>
+            <ac:picMk id="1026" creationId="{251AF02E-F7C4-5C3C-73B9-611915A99DD2}"/>
           </ac:picMkLst>
         </pc:picChg>
         <pc:picChg chg="add del">
@@ -1097,12 +1105,36 @@
           </ac:picMkLst>
         </pc:picChg>
       </pc:sldChg>
-      <pc:sldChg chg="add">
-        <pc:chgData name="Graf Thomas, INI-NET-VNC-HCS" userId="487bc3e3-9ce7-4cdd-b7b4-8899ea88d289" providerId="ADAL" clId="{40188488-A9E1-4155-BFF1-5EF2EE12E93E}" dt="2023-07-24T14:52:51.849" v="1104"/>
+      <pc:sldChg chg="modSp add mod">
+        <pc:chgData name="Graf Thomas, INI-NET-VNC-HCS" userId="487bc3e3-9ce7-4cdd-b7b4-8899ea88d289" providerId="ADAL" clId="{40188488-A9E1-4155-BFF1-5EF2EE12E93E}" dt="2023-07-24T17:46:34.998" v="2479" actId="108"/>
         <pc:sldMkLst>
           <pc:docMk/>
           <pc:sldMk cId="1912627419" sldId="2145706236"/>
         </pc:sldMkLst>
+        <pc:spChg chg="mod">
+          <ac:chgData name="Graf Thomas, INI-NET-VNC-HCS" userId="487bc3e3-9ce7-4cdd-b7b4-8899ea88d289" providerId="ADAL" clId="{40188488-A9E1-4155-BFF1-5EF2EE12E93E}" dt="2023-07-24T17:46:23.102" v="2469" actId="20577"/>
+          <ac:spMkLst>
+            <pc:docMk/>
+            <pc:sldMk cId="1912627419" sldId="2145706236"/>
+            <ac:spMk id="2" creationId="{FF20F271-6F0D-4AC0-BB1D-F5C338165C13}"/>
+          </ac:spMkLst>
+        </pc:spChg>
+        <pc:spChg chg="mod">
+          <ac:chgData name="Graf Thomas, INI-NET-VNC-HCS" userId="487bc3e3-9ce7-4cdd-b7b4-8899ea88d289" providerId="ADAL" clId="{40188488-A9E1-4155-BFF1-5EF2EE12E93E}" dt="2023-07-24T17:46:34.998" v="2479" actId="108"/>
+          <ac:spMkLst>
+            <pc:docMk/>
+            <pc:sldMk cId="1912627419" sldId="2145706236"/>
+            <ac:spMk id="3" creationId="{29C0DFD4-432D-4B0C-93DF-790441DCF5B9}"/>
+          </ac:spMkLst>
+        </pc:spChg>
+        <pc:spChg chg="mod">
+          <ac:chgData name="Graf Thomas, INI-NET-VNC-HCS" userId="487bc3e3-9ce7-4cdd-b7b4-8899ea88d289" providerId="ADAL" clId="{40188488-A9E1-4155-BFF1-5EF2EE12E93E}" dt="2023-07-24T17:46:26.489" v="2472" actId="14100"/>
+          <ac:spMkLst>
+            <pc:docMk/>
+            <pc:sldMk cId="1912627419" sldId="2145706236"/>
+            <ac:spMk id="16" creationId="{4D0044F8-1C12-4A59-883A-7B56B9370029}"/>
+          </ac:spMkLst>
+        </pc:spChg>
       </pc:sldChg>
       <pc:sldChg chg="add">
         <pc:chgData name="Graf Thomas, INI-NET-VNC-HCS" userId="487bc3e3-9ce7-4cdd-b7b4-8899ea88d289" providerId="ADAL" clId="{40188488-A9E1-4155-BFF1-5EF2EE12E93E}" dt="2023-07-24T15:04:23.164" v="2212"/>
@@ -1119,7 +1151,7 @@
         </pc:sldMkLst>
       </pc:sldChg>
       <pc:sldChg chg="modSp add mod">
-        <pc:chgData name="Graf Thomas, INI-NET-VNC-HCS" userId="487bc3e3-9ce7-4cdd-b7b4-8899ea88d289" providerId="ADAL" clId="{40188488-A9E1-4155-BFF1-5EF2EE12E93E}" dt="2023-07-24T17:16:26.766" v="2445" actId="20577"/>
+        <pc:chgData name="Graf Thomas, INI-NET-VNC-HCS" userId="487bc3e3-9ce7-4cdd-b7b4-8899ea88d289" providerId="ADAL" clId="{40188488-A9E1-4155-BFF1-5EF2EE12E93E}" dt="2023-07-24T17:45:08.765" v="2451" actId="14100"/>
         <pc:sldMkLst>
           <pc:docMk/>
           <pc:sldMk cId="2425809725" sldId="2145706240"/>
@@ -1146,6 +1178,14 @@
             <pc:docMk/>
             <pc:sldMk cId="2425809725" sldId="2145706240"/>
             <ac:spMk id="6" creationId="{7C3B84B0-CEE6-9508-972D-6095E0E01E98}"/>
+          </ac:spMkLst>
+        </pc:spChg>
+        <pc:spChg chg="mod">
+          <ac:chgData name="Graf Thomas, INI-NET-VNC-HCS" userId="487bc3e3-9ce7-4cdd-b7b4-8899ea88d289" providerId="ADAL" clId="{40188488-A9E1-4155-BFF1-5EF2EE12E93E}" dt="2023-07-24T17:45:08.765" v="2451" actId="14100"/>
+          <ac:spMkLst>
+            <pc:docMk/>
+            <pc:sldMk cId="2425809725" sldId="2145706240"/>
+            <ac:spMk id="16" creationId="{4D0044F8-1C12-4A59-883A-7B56B9370029}"/>
           </ac:spMkLst>
         </pc:spChg>
       </pc:sldChg>
@@ -6362,8 +6402,8 @@
         </p:nvSpPr>
         <p:spPr>
           <a:xfrm>
-            <a:off x="11607800" y="6362700"/>
-            <a:ext cx="414338" cy="365125"/>
+            <a:off x="11479876" y="6362700"/>
+            <a:ext cx="542262" cy="365125"/>
           </a:xfrm>
         </p:spPr>
         <p:txBody>
@@ -6374,7 +6414,7 @@
               <a:rPr lang="en-US" sz="2200" smtClean="0"/>
               <a:t>10</a:t>
             </a:fld>
-            <a:endParaRPr lang="en-US" sz="2200"/>
+            <a:endParaRPr lang="en-US" sz="2200" dirty="0"/>
           </a:p>
         </p:txBody>
       </p:sp>
@@ -6885,7 +6925,39 @@
           <a:p>
             <a:r>
               <a:rPr lang="en-US" sz="2000" b="1" dirty="0"/>
-              <a:t> -03 NETCONF adoption call concluded</a:t>
+              <a:t> -03 NETCONF adoption call for </a:t>
+            </a:r>
+            <a:r>
+              <a:rPr lang="de-CH" sz="2000" b="1" dirty="0"/>
+              <a:t>draft-</a:t>
+            </a:r>
+            <a:r>
+              <a:rPr lang="de-CH" sz="2000" b="1" dirty="0" err="1"/>
+              <a:t>ietf</a:t>
+            </a:r>
+            <a:r>
+              <a:rPr lang="de-CH" sz="2000" b="1" dirty="0"/>
+              <a:t>-netconf-</a:t>
+            </a:r>
+            <a:r>
+              <a:rPr lang="de-CH" sz="2000" b="1" dirty="0" err="1"/>
+              <a:t>yang</a:t>
+            </a:r>
+            <a:r>
+              <a:rPr lang="de-CH" sz="2000" b="1" dirty="0"/>
+              <a:t>-</a:t>
+            </a:r>
+            <a:r>
+              <a:rPr lang="de-CH" sz="2000" b="1" dirty="0" err="1"/>
+              <a:t>notifications-versioning</a:t>
+            </a:r>
+            <a:r>
+              <a:rPr lang="de-CH" sz="2000" b="1" dirty="0"/>
+              <a:t> </a:t>
+            </a:r>
+            <a:r>
+              <a:rPr lang="en-US" sz="2000" b="1" dirty="0"/>
+              <a:t>concluded</a:t>
             </a:r>
           </a:p>
           <a:p>
@@ -6996,7 +7068,7 @@
               <a:rPr lang="en-US" sz="2200" smtClean="0"/>
               <a:t>12</a:t>
             </a:fld>
-            <a:endParaRPr lang="en-US" sz="2200"/>
+            <a:endParaRPr lang="en-US" sz="2200" dirty="0"/>
           </a:p>
         </p:txBody>
       </p:sp>
@@ -27344,10 +27416,10 @@
       </p:sp>
       <p:pic>
         <p:nvPicPr>
-          <p:cNvPr id="10" name="Picture 9">
+          <p:cNvPr id="11" name="Picture 10">
             <a:extLst>
               <a:ext uri="{FF2B5EF4-FFF2-40B4-BE49-F238E27FC236}">
-                <a16:creationId xmlns:a16="http://schemas.microsoft.com/office/drawing/2014/main" id="{F464C6F7-94F9-6A54-4C12-A1348ACB5C7C}"/>
+                <a16:creationId xmlns:a16="http://schemas.microsoft.com/office/drawing/2014/main" id="{8A9F32EA-7668-47FE-EFE0-3718491A23A1}"/>
               </a:ext>
             </a:extLst>
           </p:cNvPr>
@@ -27364,8 +27436,8 @@
         </p:blipFill>
         <p:spPr>
           <a:xfrm>
-            <a:off x="920904" y="1589170"/>
-            <a:ext cx="10745885" cy="2821943"/>
+            <a:off x="920904" y="4483046"/>
+            <a:ext cx="10745885" cy="874825"/>
           </a:xfrm>
           <a:prstGeom prst="rect">
             <a:avLst/>
@@ -27374,32 +27446,62 @@
       </p:pic>
       <p:pic>
         <p:nvPicPr>
-          <p:cNvPr id="11" name="Picture 10">
+          <p:cNvPr id="1026" name="Picture 1">
             <a:extLst>
               <a:ext uri="{FF2B5EF4-FFF2-40B4-BE49-F238E27FC236}">
-                <a16:creationId xmlns:a16="http://schemas.microsoft.com/office/drawing/2014/main" id="{8A9F32EA-7668-47FE-EFE0-3718491A23A1}"/>
+                <a16:creationId xmlns:a16="http://schemas.microsoft.com/office/drawing/2014/main" id="{251AF02E-F7C4-5C3C-73B9-611915A99DD2}"/>
               </a:ext>
             </a:extLst>
           </p:cNvPr>
           <p:cNvPicPr>
-            <a:picLocks noChangeAspect="1"/>
+            <a:picLocks noChangeAspect="1" noChangeArrowheads="1"/>
           </p:cNvPicPr>
           <p:nvPr/>
         </p:nvPicPr>
         <p:blipFill>
-          <a:blip r:embed="rId4"/>
+          <a:blip r:embed="rId4">
+            <a:extLst>
+              <a:ext uri="{28A0092B-C50C-407E-A947-70E740481C1C}">
+                <a14:useLocalDpi xmlns:a14="http://schemas.microsoft.com/office/drawing/2010/main" val="0"/>
+              </a:ext>
+            </a:extLst>
+          </a:blip>
+          <a:srcRect/>
           <a:stretch>
             <a:fillRect/>
           </a:stretch>
         </p:blipFill>
-        <p:spPr>
+        <p:spPr bwMode="auto">
           <a:xfrm>
-            <a:off x="920904" y="4483046"/>
-            <a:ext cx="10745885" cy="874825"/>
+            <a:off x="920905" y="1573728"/>
+            <a:ext cx="6893060" cy="2807827"/>
           </a:xfrm>
           <a:prstGeom prst="rect">
             <a:avLst/>
           </a:prstGeom>
+          <a:noFill/>
+          <a:ln>
+            <a:noFill/>
+          </a:ln>
+          <a:extLst>
+            <a:ext uri="{909E8E84-426E-40DD-AFC4-6F175D3DCCD1}">
+              <a14:hiddenFill xmlns:a14="http://schemas.microsoft.com/office/drawing/2010/main">
+                <a:solidFill>
+                  <a:srgbClr val="FFFFFF"/>
+                </a:solidFill>
+              </a14:hiddenFill>
+            </a:ext>
+            <a:ext uri="{91240B29-F687-4F45-9708-019B960494DF}">
+              <a14:hiddenLine xmlns:a14="http://schemas.microsoft.com/office/drawing/2010/main" w="9525">
+                <a:solidFill>
+                  <a:srgbClr val="000000"/>
+                </a:solidFill>
+                <a:miter lim="800000"/>
+                <a:headEnd/>
+                <a:tailEnd/>
+              </a14:hiddenLine>
+            </a:ext>
+          </a:extLst>
         </p:spPr>
       </p:pic>
     </p:spTree>

--- a/117/Side-Meetings/ietf117-netconf-yang-push-data-mesh-integration.pptx
+++ b/117/Side-Meetings/ietf117-netconf-yang-push-data-mesh-integration.pptx
@@ -5,35 +5,33 @@
     <p:sldMasterId id="2147483648" r:id="rId1"/>
   </p:sldMasterIdLst>
   <p:notesMasterIdLst>
-    <p:notesMasterId r:id="rId28"/>
+    <p:notesMasterId r:id="rId26"/>
   </p:notesMasterIdLst>
   <p:sldIdLst>
     <p:sldId id="1041" r:id="rId2"/>
     <p:sldId id="2145706226" r:id="rId3"/>
     <p:sldId id="2145706230" r:id="rId4"/>
     <p:sldId id="2145706231" r:id="rId5"/>
-    <p:sldId id="2145706232" r:id="rId6"/>
-    <p:sldId id="2145706233" r:id="rId7"/>
-    <p:sldId id="2145706234" r:id="rId8"/>
-    <p:sldId id="2145706235" r:id="rId9"/>
-    <p:sldId id="2145706229" r:id="rId10"/>
-    <p:sldId id="2145706240" r:id="rId11"/>
-    <p:sldId id="2145706225" r:id="rId12"/>
-    <p:sldId id="2145706236" r:id="rId13"/>
-    <p:sldId id="2145706228" r:id="rId14"/>
-    <p:sldId id="2145706237" r:id="rId15"/>
-    <p:sldId id="26417" r:id="rId16"/>
-    <p:sldId id="26421" r:id="rId17"/>
-    <p:sldId id="26420" r:id="rId18"/>
-    <p:sldId id="26422" r:id="rId19"/>
-    <p:sldId id="26419" r:id="rId20"/>
-    <p:sldId id="2145706200" r:id="rId21"/>
-    <p:sldId id="26423" r:id="rId22"/>
-    <p:sldId id="26418" r:id="rId23"/>
-    <p:sldId id="2145706224" r:id="rId24"/>
-    <p:sldId id="2145706227" r:id="rId25"/>
-    <p:sldId id="26413" r:id="rId26"/>
-    <p:sldId id="26415" r:id="rId27"/>
+    <p:sldId id="2145706239" r:id="rId6"/>
+    <p:sldId id="2145706238" r:id="rId7"/>
+    <p:sldId id="2145706232" r:id="rId8"/>
+    <p:sldId id="2145706229" r:id="rId9"/>
+    <p:sldId id="2145706225" r:id="rId10"/>
+    <p:sldId id="2145706236" r:id="rId11"/>
+    <p:sldId id="2145706228" r:id="rId12"/>
+    <p:sldId id="2145706237" r:id="rId13"/>
+    <p:sldId id="26417" r:id="rId14"/>
+    <p:sldId id="26421" r:id="rId15"/>
+    <p:sldId id="26420" r:id="rId16"/>
+    <p:sldId id="26422" r:id="rId17"/>
+    <p:sldId id="26419" r:id="rId18"/>
+    <p:sldId id="2145706200" r:id="rId19"/>
+    <p:sldId id="26423" r:id="rId20"/>
+    <p:sldId id="26418" r:id="rId21"/>
+    <p:sldId id="2145706224" r:id="rId22"/>
+    <p:sldId id="2145706227" r:id="rId23"/>
+    <p:sldId id="26413" r:id="rId24"/>
+    <p:sldId id="26415" r:id="rId25"/>
   </p:sldIdLst>
   <p:sldSz cx="12192000" cy="6858000"/>
   <p:notesSz cx="6858000" cy="9144000"/>
@@ -143,1055 +141,9 @@
 <file path=ppt/revisionInfo.xml><?xml version="1.0" encoding="utf-8"?>
 <p1510:revInfo xmlns:a="http://schemas.openxmlformats.org/drawingml/2006/main" xmlns:r="http://schemas.openxmlformats.org/officeDocument/2006/relationships" xmlns:p1510="http://schemas.microsoft.com/office/powerpoint/2015/10/main">
   <p1510:revLst>
-    <p1510:client id="{40188488-A9E1-4155-BFF1-5EF2EE12E93E}" v="46" dt="2023-07-24T17:44:03.183"/>
+    <p1510:client id="{40188488-A9E1-4155-BFF1-5EF2EE12E93E}" v="41" dt="2023-07-24T15:12:24.086"/>
   </p1510:revLst>
 </p1510:revInfo>
-</file>
-
-<file path=ppt/changesInfos/changesInfo1.xml><?xml version="1.0" encoding="utf-8"?>
-<pc:chgInfo xmlns:a="http://schemas.openxmlformats.org/drawingml/2006/main" xmlns:r="http://schemas.openxmlformats.org/officeDocument/2006/relationships" xmlns:ac="http://schemas.microsoft.com/office/drawing/2013/main/command" xmlns:pc="http://schemas.microsoft.com/office/powerpoint/2013/main/command">
-  <pc:docChgLst>
-    <pc:chgData name="Graf Thomas, INI-NET-VNC-HCS" userId="487bc3e3-9ce7-4cdd-b7b4-8899ea88d289" providerId="ADAL" clId="{40188488-A9E1-4155-BFF1-5EF2EE12E93E}"/>
-    <pc:docChg chg="undo custSel addSld delSld modSld sldOrd">
-      <pc:chgData name="Graf Thomas, INI-NET-VNC-HCS" userId="487bc3e3-9ce7-4cdd-b7b4-8899ea88d289" providerId="ADAL" clId="{40188488-A9E1-4155-BFF1-5EF2EE12E93E}" dt="2023-07-24T17:46:34.998" v="2479" actId="108"/>
-      <pc:docMkLst>
-        <pc:docMk/>
-      </pc:docMkLst>
-      <pc:sldChg chg="modSp mod">
-        <pc:chgData name="Graf Thomas, INI-NET-VNC-HCS" userId="487bc3e3-9ce7-4cdd-b7b4-8899ea88d289" providerId="ADAL" clId="{40188488-A9E1-4155-BFF1-5EF2EE12E93E}" dt="2023-07-24T15:11:33.999" v="2365" actId="14100"/>
-        <pc:sldMkLst>
-          <pc:docMk/>
-          <pc:sldMk cId="3578665336" sldId="1041"/>
-        </pc:sldMkLst>
-        <pc:spChg chg="mod">
-          <ac:chgData name="Graf Thomas, INI-NET-VNC-HCS" userId="487bc3e3-9ce7-4cdd-b7b4-8899ea88d289" providerId="ADAL" clId="{40188488-A9E1-4155-BFF1-5EF2EE12E93E}" dt="2023-07-24T15:11:33.999" v="2365" actId="14100"/>
-          <ac:spMkLst>
-            <pc:docMk/>
-            <pc:sldMk cId="3578665336" sldId="1041"/>
-            <ac:spMk id="6" creationId="{6CAA0765-1318-4A03-8F91-D3ECC43D8FA7}"/>
-          </ac:spMkLst>
-        </pc:spChg>
-      </pc:sldChg>
-      <pc:sldChg chg="ord">
-        <pc:chgData name="Graf Thomas, INI-NET-VNC-HCS" userId="487bc3e3-9ce7-4cdd-b7b4-8899ea88d289" providerId="ADAL" clId="{40188488-A9E1-4155-BFF1-5EF2EE12E93E}" dt="2023-07-24T14:22:14.541" v="50"/>
-        <pc:sldMkLst>
-          <pc:docMk/>
-          <pc:sldMk cId="958437681" sldId="26413"/>
-        </pc:sldMkLst>
-      </pc:sldChg>
-      <pc:sldChg chg="modSp mod ord">
-        <pc:chgData name="Graf Thomas, INI-NET-VNC-HCS" userId="487bc3e3-9ce7-4cdd-b7b4-8899ea88d289" providerId="ADAL" clId="{40188488-A9E1-4155-BFF1-5EF2EE12E93E}" dt="2023-07-24T15:12:24.101" v="2372"/>
-        <pc:sldMkLst>
-          <pc:docMk/>
-          <pc:sldMk cId="2578889968" sldId="26415"/>
-        </pc:sldMkLst>
-        <pc:spChg chg="mod">
-          <ac:chgData name="Graf Thomas, INI-NET-VNC-HCS" userId="487bc3e3-9ce7-4cdd-b7b4-8899ea88d289" providerId="ADAL" clId="{40188488-A9E1-4155-BFF1-5EF2EE12E93E}" dt="2023-07-24T15:09:54.034" v="2305" actId="20577"/>
-          <ac:spMkLst>
-            <pc:docMk/>
-            <pc:sldMk cId="2578889968" sldId="26415"/>
-            <ac:spMk id="3" creationId="{29C0DFD4-432D-4B0C-93DF-790441DCF5B9}"/>
-          </ac:spMkLst>
-        </pc:spChg>
-        <pc:spChg chg="mod">
-          <ac:chgData name="Graf Thomas, INI-NET-VNC-HCS" userId="487bc3e3-9ce7-4cdd-b7b4-8899ea88d289" providerId="ADAL" clId="{40188488-A9E1-4155-BFF1-5EF2EE12E93E}" dt="2023-07-24T15:12:24.101" v="2372"/>
-          <ac:spMkLst>
-            <pc:docMk/>
-            <pc:sldMk cId="2578889968" sldId="26415"/>
-            <ac:spMk id="7" creationId="{BF6DCC5D-2508-4A9B-B734-C8C5147F93FB}"/>
-          </ac:spMkLst>
-        </pc:spChg>
-      </pc:sldChg>
-      <pc:sldChg chg="ord">
-        <pc:chgData name="Graf Thomas, INI-NET-VNC-HCS" userId="487bc3e3-9ce7-4cdd-b7b4-8899ea88d289" providerId="ADAL" clId="{40188488-A9E1-4155-BFF1-5EF2EE12E93E}" dt="2023-07-24T14:22:14.541" v="50"/>
-        <pc:sldMkLst>
-          <pc:docMk/>
-          <pc:sldMk cId="3264932988" sldId="26418"/>
-        </pc:sldMkLst>
-      </pc:sldChg>
-      <pc:sldChg chg="modSp mod ord">
-        <pc:chgData name="Graf Thomas, INI-NET-VNC-HCS" userId="487bc3e3-9ce7-4cdd-b7b4-8899ea88d289" providerId="ADAL" clId="{40188488-A9E1-4155-BFF1-5EF2EE12E93E}" dt="2023-07-24T15:08:31.402" v="2269" actId="20577"/>
-        <pc:sldMkLst>
-          <pc:docMk/>
-          <pc:sldMk cId="1791309709" sldId="26420"/>
-        </pc:sldMkLst>
-        <pc:spChg chg="mod">
-          <ac:chgData name="Graf Thomas, INI-NET-VNC-HCS" userId="487bc3e3-9ce7-4cdd-b7b4-8899ea88d289" providerId="ADAL" clId="{40188488-A9E1-4155-BFF1-5EF2EE12E93E}" dt="2023-07-24T15:08:31.402" v="2269" actId="20577"/>
-          <ac:spMkLst>
-            <pc:docMk/>
-            <pc:sldMk cId="1791309709" sldId="26420"/>
-            <ac:spMk id="17" creationId="{BEDC0321-5E52-4A12-B60B-CA79C37A0832}"/>
-          </ac:spMkLst>
-        </pc:spChg>
-      </pc:sldChg>
-      <pc:sldChg chg="ord">
-        <pc:chgData name="Graf Thomas, INI-NET-VNC-HCS" userId="487bc3e3-9ce7-4cdd-b7b4-8899ea88d289" providerId="ADAL" clId="{40188488-A9E1-4155-BFF1-5EF2EE12E93E}" dt="2023-07-24T14:18:29.256" v="29"/>
-        <pc:sldMkLst>
-          <pc:docMk/>
-          <pc:sldMk cId="1585153174" sldId="26421"/>
-        </pc:sldMkLst>
-      </pc:sldChg>
-      <pc:sldChg chg="del">
-        <pc:chgData name="Graf Thomas, INI-NET-VNC-HCS" userId="487bc3e3-9ce7-4cdd-b7b4-8899ea88d289" providerId="ADAL" clId="{40188488-A9E1-4155-BFF1-5EF2EE12E93E}" dt="2023-07-24T14:21:18.364" v="44" actId="2696"/>
-        <pc:sldMkLst>
-          <pc:docMk/>
-          <pc:sldMk cId="320697580" sldId="26425"/>
-        </pc:sldMkLst>
-      </pc:sldChg>
-      <pc:sldChg chg="del">
-        <pc:chgData name="Graf Thomas, INI-NET-VNC-HCS" userId="487bc3e3-9ce7-4cdd-b7b4-8899ea88d289" providerId="ADAL" clId="{40188488-A9E1-4155-BFF1-5EF2EE12E93E}" dt="2023-07-24T14:21:50.291" v="48" actId="47"/>
-        <pc:sldMkLst>
-          <pc:docMk/>
-          <pc:sldMk cId="3921902082" sldId="2145706222"/>
-        </pc:sldMkLst>
-      </pc:sldChg>
-      <pc:sldChg chg="ord">
-        <pc:chgData name="Graf Thomas, INI-NET-VNC-HCS" userId="487bc3e3-9ce7-4cdd-b7b4-8899ea88d289" providerId="ADAL" clId="{40188488-A9E1-4155-BFF1-5EF2EE12E93E}" dt="2023-07-24T14:22:14.541" v="50"/>
-        <pc:sldMkLst>
-          <pc:docMk/>
-          <pc:sldMk cId="2440201748" sldId="2145706224"/>
-        </pc:sldMkLst>
-      </pc:sldChg>
-      <pc:sldChg chg="modSp mod ord">
-        <pc:chgData name="Graf Thomas, INI-NET-VNC-HCS" userId="487bc3e3-9ce7-4cdd-b7b4-8899ea88d289" providerId="ADAL" clId="{40188488-A9E1-4155-BFF1-5EF2EE12E93E}" dt="2023-07-24T15:05:01.863" v="2250" actId="20577"/>
-        <pc:sldMkLst>
-          <pc:docMk/>
-          <pc:sldMk cId="4018699234" sldId="2145706225"/>
-        </pc:sldMkLst>
-        <pc:spChg chg="mod">
-          <ac:chgData name="Graf Thomas, INI-NET-VNC-HCS" userId="487bc3e3-9ce7-4cdd-b7b4-8899ea88d289" providerId="ADAL" clId="{40188488-A9E1-4155-BFF1-5EF2EE12E93E}" dt="2023-07-24T15:05:01.863" v="2250" actId="20577"/>
-          <ac:spMkLst>
-            <pc:docMk/>
-            <pc:sldMk cId="4018699234" sldId="2145706225"/>
-            <ac:spMk id="3" creationId="{7E45BA96-FB31-4DE8-A5DA-C5B0B2154594}"/>
-          </ac:spMkLst>
-        </pc:spChg>
-      </pc:sldChg>
-      <pc:sldChg chg="addSp modSp mod ord">
-        <pc:chgData name="Graf Thomas, INI-NET-VNC-HCS" userId="487bc3e3-9ce7-4cdd-b7b4-8899ea88d289" providerId="ADAL" clId="{40188488-A9E1-4155-BFF1-5EF2EE12E93E}" dt="2023-07-24T14:23:23.534" v="60" actId="20577"/>
-        <pc:sldMkLst>
-          <pc:docMk/>
-          <pc:sldMk cId="3188824003" sldId="2145706226"/>
-        </pc:sldMkLst>
-        <pc:spChg chg="add mod">
-          <ac:chgData name="Graf Thomas, INI-NET-VNC-HCS" userId="487bc3e3-9ce7-4cdd-b7b4-8899ea88d289" providerId="ADAL" clId="{40188488-A9E1-4155-BFF1-5EF2EE12E93E}" dt="2023-07-24T14:20:03.158" v="42" actId="1076"/>
-          <ac:spMkLst>
-            <pc:docMk/>
-            <pc:sldMk cId="3188824003" sldId="2145706226"/>
-            <ac:spMk id="2" creationId="{D3F03D0C-A3B2-38F6-0A69-3E2D4F5733C1}"/>
-          </ac:spMkLst>
-        </pc:spChg>
-        <pc:spChg chg="mod">
-          <ac:chgData name="Graf Thomas, INI-NET-VNC-HCS" userId="487bc3e3-9ce7-4cdd-b7b4-8899ea88d289" providerId="ADAL" clId="{40188488-A9E1-4155-BFF1-5EF2EE12E93E}" dt="2023-07-24T14:19:49.810" v="40" actId="20577"/>
-          <ac:spMkLst>
-            <pc:docMk/>
-            <pc:sldMk cId="3188824003" sldId="2145706226"/>
-            <ac:spMk id="4" creationId="{B96F8F06-524F-4D7C-89FB-72456175BADD}"/>
-          </ac:spMkLst>
-        </pc:spChg>
-        <pc:spChg chg="mod">
-          <ac:chgData name="Graf Thomas, INI-NET-VNC-HCS" userId="487bc3e3-9ce7-4cdd-b7b4-8899ea88d289" providerId="ADAL" clId="{40188488-A9E1-4155-BFF1-5EF2EE12E93E}" dt="2023-07-24T14:23:23.534" v="60" actId="20577"/>
-          <ac:spMkLst>
-            <pc:docMk/>
-            <pc:sldMk cId="3188824003" sldId="2145706226"/>
-            <ac:spMk id="8" creationId="{C173E561-BB7B-4538-A147-1F4401F1B1C7}"/>
-          </ac:spMkLst>
-        </pc:spChg>
-      </pc:sldChg>
-      <pc:sldChg chg="ord">
-        <pc:chgData name="Graf Thomas, INI-NET-VNC-HCS" userId="487bc3e3-9ce7-4cdd-b7b4-8899ea88d289" providerId="ADAL" clId="{40188488-A9E1-4155-BFF1-5EF2EE12E93E}" dt="2023-07-24T14:22:14.541" v="50"/>
-        <pc:sldMkLst>
-          <pc:docMk/>
-          <pc:sldMk cId="1980732846" sldId="2145706227"/>
-        </pc:sldMkLst>
-      </pc:sldChg>
-      <pc:sldChg chg="add">
-        <pc:chgData name="Graf Thomas, INI-NET-VNC-HCS" userId="487bc3e3-9ce7-4cdd-b7b4-8899ea88d289" providerId="ADAL" clId="{40188488-A9E1-4155-BFF1-5EF2EE12E93E}" dt="2023-07-24T14:20:49.094" v="43"/>
-        <pc:sldMkLst>
-          <pc:docMk/>
-          <pc:sldMk cId="1339609138" sldId="2145706228"/>
-        </pc:sldMkLst>
-      </pc:sldChg>
-      <pc:sldChg chg="addSp delSp modSp add mod ord">
-        <pc:chgData name="Graf Thomas, INI-NET-VNC-HCS" userId="487bc3e3-9ce7-4cdd-b7b4-8899ea88d289" providerId="ADAL" clId="{40188488-A9E1-4155-BFF1-5EF2EE12E93E}" dt="2023-07-24T17:15:42.799" v="2384" actId="6549"/>
-        <pc:sldMkLst>
-          <pc:docMk/>
-          <pc:sldMk cId="505743577" sldId="2145706229"/>
-        </pc:sldMkLst>
-        <pc:spChg chg="mod">
-          <ac:chgData name="Graf Thomas, INI-NET-VNC-HCS" userId="487bc3e3-9ce7-4cdd-b7b4-8899ea88d289" providerId="ADAL" clId="{40188488-A9E1-4155-BFF1-5EF2EE12E93E}" dt="2023-07-24T14:53:09.152" v="1105"/>
-          <ac:spMkLst>
-            <pc:docMk/>
-            <pc:sldMk cId="505743577" sldId="2145706229"/>
-            <ac:spMk id="2" creationId="{FF20F271-6F0D-4AC0-BB1D-F5C338165C13}"/>
-          </ac:spMkLst>
-        </pc:spChg>
-        <pc:spChg chg="mod">
-          <ac:chgData name="Graf Thomas, INI-NET-VNC-HCS" userId="487bc3e3-9ce7-4cdd-b7b4-8899ea88d289" providerId="ADAL" clId="{40188488-A9E1-4155-BFF1-5EF2EE12E93E}" dt="2023-07-24T17:15:42.799" v="2384" actId="6549"/>
-          <ac:spMkLst>
-            <pc:docMk/>
-            <pc:sldMk cId="505743577" sldId="2145706229"/>
-            <ac:spMk id="3" creationId="{29C0DFD4-432D-4B0C-93DF-790441DCF5B9}"/>
-          </ac:spMkLst>
-        </pc:spChg>
-        <pc:spChg chg="add mod">
-          <ac:chgData name="Graf Thomas, INI-NET-VNC-HCS" userId="487bc3e3-9ce7-4cdd-b7b4-8899ea88d289" providerId="ADAL" clId="{40188488-A9E1-4155-BFF1-5EF2EE12E93E}" dt="2023-07-24T17:15:33.382" v="2382"/>
-          <ac:spMkLst>
-            <pc:docMk/>
-            <pc:sldMk cId="505743577" sldId="2145706229"/>
-            <ac:spMk id="4" creationId="{8261D168-84A4-F056-4C42-0ABC1EBF21E6}"/>
-          </ac:spMkLst>
-        </pc:spChg>
-        <pc:spChg chg="del mod">
-          <ac:chgData name="Graf Thomas, INI-NET-VNC-HCS" userId="487bc3e3-9ce7-4cdd-b7b4-8899ea88d289" providerId="ADAL" clId="{40188488-A9E1-4155-BFF1-5EF2EE12E93E}" dt="2023-07-24T17:15:32.900" v="2381" actId="478"/>
-          <ac:spMkLst>
-            <pc:docMk/>
-            <pc:sldMk cId="505743577" sldId="2145706229"/>
-            <ac:spMk id="6" creationId="{7C3B84B0-CEE6-9508-972D-6095E0E01E98}"/>
-          </ac:spMkLst>
-        </pc:spChg>
-      </pc:sldChg>
-      <pc:sldChg chg="addSp delSp modSp add mod">
-        <pc:chgData name="Graf Thomas, INI-NET-VNC-HCS" userId="487bc3e3-9ce7-4cdd-b7b4-8899ea88d289" providerId="ADAL" clId="{40188488-A9E1-4155-BFF1-5EF2EE12E93E}" dt="2023-07-24T14:51:41.681" v="1094" actId="108"/>
-        <pc:sldMkLst>
-          <pc:docMk/>
-          <pc:sldMk cId="1358121467" sldId="2145706230"/>
-        </pc:sldMkLst>
-        <pc:spChg chg="del">
-          <ac:chgData name="Graf Thomas, INI-NET-VNC-HCS" userId="487bc3e3-9ce7-4cdd-b7b4-8899ea88d289" providerId="ADAL" clId="{40188488-A9E1-4155-BFF1-5EF2EE12E93E}" dt="2023-07-24T14:24:54.303" v="63" actId="478"/>
-          <ac:spMkLst>
-            <pc:docMk/>
-            <pc:sldMk cId="1358121467" sldId="2145706230"/>
-            <ac:spMk id="2" creationId="{D3F03D0C-A3B2-38F6-0A69-3E2D4F5733C1}"/>
-          </ac:spMkLst>
-        </pc:spChg>
-        <pc:spChg chg="add del mod">
-          <ac:chgData name="Graf Thomas, INI-NET-VNC-HCS" userId="487bc3e3-9ce7-4cdd-b7b4-8899ea88d289" providerId="ADAL" clId="{40188488-A9E1-4155-BFF1-5EF2EE12E93E}" dt="2023-07-24T14:25:11.515" v="68"/>
-          <ac:spMkLst>
-            <pc:docMk/>
-            <pc:sldMk cId="1358121467" sldId="2145706230"/>
-            <ac:spMk id="3" creationId="{121C45CE-B675-C344-4229-674B099CF042}"/>
-          </ac:spMkLst>
-        </pc:spChg>
-        <pc:spChg chg="del">
-          <ac:chgData name="Graf Thomas, INI-NET-VNC-HCS" userId="487bc3e3-9ce7-4cdd-b7b4-8899ea88d289" providerId="ADAL" clId="{40188488-A9E1-4155-BFF1-5EF2EE12E93E}" dt="2023-07-24T14:25:14.013" v="69" actId="478"/>
-          <ac:spMkLst>
-            <pc:docMk/>
-            <pc:sldMk cId="1358121467" sldId="2145706230"/>
-            <ac:spMk id="4" creationId="{B96F8F06-524F-4D7C-89FB-72456175BADD}"/>
-          </ac:spMkLst>
-        </pc:spChg>
-        <pc:spChg chg="add del mod">
-          <ac:chgData name="Graf Thomas, INI-NET-VNC-HCS" userId="487bc3e3-9ce7-4cdd-b7b4-8899ea88d289" providerId="ADAL" clId="{40188488-A9E1-4155-BFF1-5EF2EE12E93E}" dt="2023-07-24T14:25:11.515" v="68"/>
-          <ac:spMkLst>
-            <pc:docMk/>
-            <pc:sldMk cId="1358121467" sldId="2145706230"/>
-            <ac:spMk id="5" creationId="{5A63DD53-1421-8CB2-827D-B110D5AD43F7}"/>
-          </ac:spMkLst>
-        </pc:spChg>
-        <pc:spChg chg="del">
-          <ac:chgData name="Graf Thomas, INI-NET-VNC-HCS" userId="487bc3e3-9ce7-4cdd-b7b4-8899ea88d289" providerId="ADAL" clId="{40188488-A9E1-4155-BFF1-5EF2EE12E93E}" dt="2023-07-24T14:24:55.877" v="64" actId="478"/>
-          <ac:spMkLst>
-            <pc:docMk/>
-            <pc:sldMk cId="1358121467" sldId="2145706230"/>
-            <ac:spMk id="6" creationId="{64DBE9D0-56F0-4D8D-BAF6-1ECE169C127F}"/>
-          </ac:spMkLst>
-        </pc:spChg>
-        <pc:spChg chg="mod">
-          <ac:chgData name="Graf Thomas, INI-NET-VNC-HCS" userId="487bc3e3-9ce7-4cdd-b7b4-8899ea88d289" providerId="ADAL" clId="{40188488-A9E1-4155-BFF1-5EF2EE12E93E}" dt="2023-07-24T14:51:41.681" v="1094" actId="108"/>
-          <ac:spMkLst>
-            <pc:docMk/>
-            <pc:sldMk cId="1358121467" sldId="2145706230"/>
-            <ac:spMk id="8" creationId="{C173E561-BB7B-4538-A147-1F4401F1B1C7}"/>
-          </ac:spMkLst>
-        </pc:spChg>
-        <pc:spChg chg="mod">
-          <ac:chgData name="Graf Thomas, INI-NET-VNC-HCS" userId="487bc3e3-9ce7-4cdd-b7b4-8899ea88d289" providerId="ADAL" clId="{40188488-A9E1-4155-BFF1-5EF2EE12E93E}" dt="2023-07-24T14:24:56.330" v="65"/>
-          <ac:spMkLst>
-            <pc:docMk/>
-            <pc:sldMk cId="1358121467" sldId="2145706230"/>
-            <ac:spMk id="10" creationId="{A25BFB93-C27B-ACC3-B783-2FB0A1819224}"/>
-          </ac:spMkLst>
-        </pc:spChg>
-        <pc:spChg chg="mod">
-          <ac:chgData name="Graf Thomas, INI-NET-VNC-HCS" userId="487bc3e3-9ce7-4cdd-b7b4-8899ea88d289" providerId="ADAL" clId="{40188488-A9E1-4155-BFF1-5EF2EE12E93E}" dt="2023-07-24T14:24:56.330" v="65"/>
-          <ac:spMkLst>
-            <pc:docMk/>
-            <pc:sldMk cId="1358121467" sldId="2145706230"/>
-            <ac:spMk id="11" creationId="{382E61DC-767E-082B-E367-09E06E87C54E}"/>
-          </ac:spMkLst>
-        </pc:spChg>
-        <pc:spChg chg="mod">
-          <ac:chgData name="Graf Thomas, INI-NET-VNC-HCS" userId="487bc3e3-9ce7-4cdd-b7b4-8899ea88d289" providerId="ADAL" clId="{40188488-A9E1-4155-BFF1-5EF2EE12E93E}" dt="2023-07-24T14:24:56.330" v="65"/>
-          <ac:spMkLst>
-            <pc:docMk/>
-            <pc:sldMk cId="1358121467" sldId="2145706230"/>
-            <ac:spMk id="12" creationId="{8CBB3AA4-CC7A-A1CC-ACEC-04738B470746}"/>
-          </ac:spMkLst>
-        </pc:spChg>
-        <pc:spChg chg="mod">
-          <ac:chgData name="Graf Thomas, INI-NET-VNC-HCS" userId="487bc3e3-9ce7-4cdd-b7b4-8899ea88d289" providerId="ADAL" clId="{40188488-A9E1-4155-BFF1-5EF2EE12E93E}" dt="2023-07-24T14:24:56.330" v="65"/>
-          <ac:spMkLst>
-            <pc:docMk/>
-            <pc:sldMk cId="1358121467" sldId="2145706230"/>
-            <ac:spMk id="13" creationId="{CFFA75BC-81B1-9DF0-82DB-EB23EEB2829C}"/>
-          </ac:spMkLst>
-        </pc:spChg>
-        <pc:spChg chg="mod">
-          <ac:chgData name="Graf Thomas, INI-NET-VNC-HCS" userId="487bc3e3-9ce7-4cdd-b7b4-8899ea88d289" providerId="ADAL" clId="{40188488-A9E1-4155-BFF1-5EF2EE12E93E}" dt="2023-07-24T14:24:56.330" v="65"/>
-          <ac:spMkLst>
-            <pc:docMk/>
-            <pc:sldMk cId="1358121467" sldId="2145706230"/>
-            <ac:spMk id="15" creationId="{10F860AA-9E31-1573-4D2C-8F723E90BB56}"/>
-          </ac:spMkLst>
-        </pc:spChg>
-        <pc:spChg chg="mod">
-          <ac:chgData name="Graf Thomas, INI-NET-VNC-HCS" userId="487bc3e3-9ce7-4cdd-b7b4-8899ea88d289" providerId="ADAL" clId="{40188488-A9E1-4155-BFF1-5EF2EE12E93E}" dt="2023-07-24T14:24:56.330" v="65"/>
-          <ac:spMkLst>
-            <pc:docMk/>
-            <pc:sldMk cId="1358121467" sldId="2145706230"/>
-            <ac:spMk id="17" creationId="{4DB1A36A-47DF-40CC-5051-98C6D005F763}"/>
-          </ac:spMkLst>
-        </pc:spChg>
-        <pc:spChg chg="mod">
-          <ac:chgData name="Graf Thomas, INI-NET-VNC-HCS" userId="487bc3e3-9ce7-4cdd-b7b4-8899ea88d289" providerId="ADAL" clId="{40188488-A9E1-4155-BFF1-5EF2EE12E93E}" dt="2023-07-24T14:24:56.330" v="65"/>
-          <ac:spMkLst>
-            <pc:docMk/>
-            <pc:sldMk cId="1358121467" sldId="2145706230"/>
-            <ac:spMk id="19" creationId="{9DB9869D-B3B2-06B4-21F0-AB5FEAD29A80}"/>
-          </ac:spMkLst>
-        </pc:spChg>
-        <pc:spChg chg="add del mod">
-          <ac:chgData name="Graf Thomas, INI-NET-VNC-HCS" userId="487bc3e3-9ce7-4cdd-b7b4-8899ea88d289" providerId="ADAL" clId="{40188488-A9E1-4155-BFF1-5EF2EE12E93E}" dt="2023-07-24T14:25:11.515" v="68"/>
-          <ac:spMkLst>
-            <pc:docMk/>
-            <pc:sldMk cId="1358121467" sldId="2145706230"/>
-            <ac:spMk id="20" creationId="{EF6E5E9F-B24E-6169-9A64-4035DB41DC7B}"/>
-          </ac:spMkLst>
-        </pc:spChg>
-        <pc:spChg chg="add del mod">
-          <ac:chgData name="Graf Thomas, INI-NET-VNC-HCS" userId="487bc3e3-9ce7-4cdd-b7b4-8899ea88d289" providerId="ADAL" clId="{40188488-A9E1-4155-BFF1-5EF2EE12E93E}" dt="2023-07-24T14:25:11.515" v="68"/>
-          <ac:spMkLst>
-            <pc:docMk/>
-            <pc:sldMk cId="1358121467" sldId="2145706230"/>
-            <ac:spMk id="21" creationId="{D103A16A-25E9-3937-158C-3E6844744E39}"/>
-          </ac:spMkLst>
-        </pc:spChg>
-        <pc:spChg chg="add del mod">
-          <ac:chgData name="Graf Thomas, INI-NET-VNC-HCS" userId="487bc3e3-9ce7-4cdd-b7b4-8899ea88d289" providerId="ADAL" clId="{40188488-A9E1-4155-BFF1-5EF2EE12E93E}" dt="2023-07-24T14:25:16.605" v="70" actId="478"/>
-          <ac:spMkLst>
-            <pc:docMk/>
-            <pc:sldMk cId="1358121467" sldId="2145706230"/>
-            <ac:spMk id="23" creationId="{15DAAFE9-FBFC-6E88-71C7-43E02D1B8F0F}"/>
-          </ac:spMkLst>
-        </pc:spChg>
-        <pc:spChg chg="add mod">
-          <ac:chgData name="Graf Thomas, INI-NET-VNC-HCS" userId="487bc3e3-9ce7-4cdd-b7b4-8899ea88d289" providerId="ADAL" clId="{40188488-A9E1-4155-BFF1-5EF2EE12E93E}" dt="2023-07-24T14:28:54.195" v="189" actId="1076"/>
-          <ac:spMkLst>
-            <pc:docMk/>
-            <pc:sldMk cId="1358121467" sldId="2145706230"/>
-            <ac:spMk id="24" creationId="{9B4C61B6-B972-3C83-2CA1-91B23B8BD7D4}"/>
-          </ac:spMkLst>
-        </pc:spChg>
-        <pc:spChg chg="add mod">
-          <ac:chgData name="Graf Thomas, INI-NET-VNC-HCS" userId="487bc3e3-9ce7-4cdd-b7b4-8899ea88d289" providerId="ADAL" clId="{40188488-A9E1-4155-BFF1-5EF2EE12E93E}" dt="2023-07-24T14:51:23.911" v="1082" actId="1076"/>
-          <ac:spMkLst>
-            <pc:docMk/>
-            <pc:sldMk cId="1358121467" sldId="2145706230"/>
-            <ac:spMk id="25" creationId="{64D8A190-C8A0-122D-6F7F-50F346094C3C}"/>
-          </ac:spMkLst>
-        </pc:spChg>
-        <pc:spChg chg="mod">
-          <ac:chgData name="Graf Thomas, INI-NET-VNC-HCS" userId="487bc3e3-9ce7-4cdd-b7b4-8899ea88d289" providerId="ADAL" clId="{40188488-A9E1-4155-BFF1-5EF2EE12E93E}" dt="2023-07-24T14:25:17.100" v="71"/>
-          <ac:spMkLst>
-            <pc:docMk/>
-            <pc:sldMk cId="1358121467" sldId="2145706230"/>
-            <ac:spMk id="27" creationId="{5F534107-17FD-0E8C-C031-31EC53C112B2}"/>
-          </ac:spMkLst>
-        </pc:spChg>
-        <pc:spChg chg="mod">
-          <ac:chgData name="Graf Thomas, INI-NET-VNC-HCS" userId="487bc3e3-9ce7-4cdd-b7b4-8899ea88d289" providerId="ADAL" clId="{40188488-A9E1-4155-BFF1-5EF2EE12E93E}" dt="2023-07-24T14:25:17.100" v="71"/>
-          <ac:spMkLst>
-            <pc:docMk/>
-            <pc:sldMk cId="1358121467" sldId="2145706230"/>
-            <ac:spMk id="28" creationId="{D8E3A863-DAB3-5618-09A3-D89E78B1CC81}"/>
-          </ac:spMkLst>
-        </pc:spChg>
-        <pc:spChg chg="mod">
-          <ac:chgData name="Graf Thomas, INI-NET-VNC-HCS" userId="487bc3e3-9ce7-4cdd-b7b4-8899ea88d289" providerId="ADAL" clId="{40188488-A9E1-4155-BFF1-5EF2EE12E93E}" dt="2023-07-24T14:25:17.100" v="71"/>
-          <ac:spMkLst>
-            <pc:docMk/>
-            <pc:sldMk cId="1358121467" sldId="2145706230"/>
-            <ac:spMk id="29" creationId="{76128100-A17E-1BB1-6A86-E550AAB23EAC}"/>
-          </ac:spMkLst>
-        </pc:spChg>
-        <pc:spChg chg="mod">
-          <ac:chgData name="Graf Thomas, INI-NET-VNC-HCS" userId="487bc3e3-9ce7-4cdd-b7b4-8899ea88d289" providerId="ADAL" clId="{40188488-A9E1-4155-BFF1-5EF2EE12E93E}" dt="2023-07-24T14:25:17.100" v="71"/>
-          <ac:spMkLst>
-            <pc:docMk/>
-            <pc:sldMk cId="1358121467" sldId="2145706230"/>
-            <ac:spMk id="30" creationId="{3D83CF91-234F-C5D1-20F3-47BA2631959C}"/>
-          </ac:spMkLst>
-        </pc:spChg>
-        <pc:spChg chg="mod">
-          <ac:chgData name="Graf Thomas, INI-NET-VNC-HCS" userId="487bc3e3-9ce7-4cdd-b7b4-8899ea88d289" providerId="ADAL" clId="{40188488-A9E1-4155-BFF1-5EF2EE12E93E}" dt="2023-07-24T14:25:17.100" v="71"/>
-          <ac:spMkLst>
-            <pc:docMk/>
-            <pc:sldMk cId="1358121467" sldId="2145706230"/>
-            <ac:spMk id="32" creationId="{3846B94B-70AD-B782-7A64-46B27A7E7F48}"/>
-          </ac:spMkLst>
-        </pc:spChg>
-        <pc:spChg chg="mod">
-          <ac:chgData name="Graf Thomas, INI-NET-VNC-HCS" userId="487bc3e3-9ce7-4cdd-b7b4-8899ea88d289" providerId="ADAL" clId="{40188488-A9E1-4155-BFF1-5EF2EE12E93E}" dt="2023-07-24T14:25:17.100" v="71"/>
-          <ac:spMkLst>
-            <pc:docMk/>
-            <pc:sldMk cId="1358121467" sldId="2145706230"/>
-            <ac:spMk id="34" creationId="{3A6D5F1C-5C1E-79F1-E191-03F6D5CAC322}"/>
-          </ac:spMkLst>
-        </pc:spChg>
-        <pc:spChg chg="mod">
-          <ac:chgData name="Graf Thomas, INI-NET-VNC-HCS" userId="487bc3e3-9ce7-4cdd-b7b4-8899ea88d289" providerId="ADAL" clId="{40188488-A9E1-4155-BFF1-5EF2EE12E93E}" dt="2023-07-24T14:25:17.100" v="71"/>
-          <ac:spMkLst>
-            <pc:docMk/>
-            <pc:sldMk cId="1358121467" sldId="2145706230"/>
-            <ac:spMk id="36" creationId="{369EAE12-2CFF-049F-4E49-FE6143D11173}"/>
-          </ac:spMkLst>
-        </pc:spChg>
-        <pc:spChg chg="add mod">
-          <ac:chgData name="Graf Thomas, INI-NET-VNC-HCS" userId="487bc3e3-9ce7-4cdd-b7b4-8899ea88d289" providerId="ADAL" clId="{40188488-A9E1-4155-BFF1-5EF2EE12E93E}" dt="2023-07-24T14:51:23.911" v="1082" actId="1076"/>
-          <ac:spMkLst>
-            <pc:docMk/>
-            <pc:sldMk cId="1358121467" sldId="2145706230"/>
-            <ac:spMk id="37" creationId="{F6DFE2F9-C982-CEAB-8884-DBB39E8C44CE}"/>
-          </ac:spMkLst>
-        </pc:spChg>
-        <pc:spChg chg="add mod">
-          <ac:chgData name="Graf Thomas, INI-NET-VNC-HCS" userId="487bc3e3-9ce7-4cdd-b7b4-8899ea88d289" providerId="ADAL" clId="{40188488-A9E1-4155-BFF1-5EF2EE12E93E}" dt="2023-07-24T14:29:00.201" v="190" actId="1076"/>
-          <ac:spMkLst>
-            <pc:docMk/>
-            <pc:sldMk cId="1358121467" sldId="2145706230"/>
-            <ac:spMk id="38" creationId="{9830BDA6-A807-AC20-5B12-56ACAA728F28}"/>
-          </ac:spMkLst>
-        </pc:spChg>
-        <pc:grpChg chg="add del mod">
-          <ac:chgData name="Graf Thomas, INI-NET-VNC-HCS" userId="487bc3e3-9ce7-4cdd-b7b4-8899ea88d289" providerId="ADAL" clId="{40188488-A9E1-4155-BFF1-5EF2EE12E93E}" dt="2023-07-24T14:25:11.515" v="68"/>
-          <ac:grpSpMkLst>
-            <pc:docMk/>
-            <pc:sldMk cId="1358121467" sldId="2145706230"/>
-            <ac:grpSpMk id="9" creationId="{67A46B98-B8B4-ADE9-8883-0298634CCE54}"/>
-          </ac:grpSpMkLst>
-        </pc:grpChg>
-        <pc:grpChg chg="add mod">
-          <ac:chgData name="Graf Thomas, INI-NET-VNC-HCS" userId="487bc3e3-9ce7-4cdd-b7b4-8899ea88d289" providerId="ADAL" clId="{40188488-A9E1-4155-BFF1-5EF2EE12E93E}" dt="2023-07-24T14:51:23.911" v="1082" actId="1076"/>
-          <ac:grpSpMkLst>
-            <pc:docMk/>
-            <pc:sldMk cId="1358121467" sldId="2145706230"/>
-            <ac:grpSpMk id="26" creationId="{9C37C9F3-76CE-FFEA-D5A4-D3F1244C4475}"/>
-          </ac:grpSpMkLst>
-        </pc:grpChg>
-        <pc:picChg chg="del">
-          <ac:chgData name="Graf Thomas, INI-NET-VNC-HCS" userId="487bc3e3-9ce7-4cdd-b7b4-8899ea88d289" providerId="ADAL" clId="{40188488-A9E1-4155-BFF1-5EF2EE12E93E}" dt="2023-07-24T14:24:51.948" v="62" actId="478"/>
-          <ac:picMkLst>
-            <pc:docMk/>
-            <pc:sldMk cId="1358121467" sldId="2145706230"/>
-            <ac:picMk id="7" creationId="{F929BEA7-4C87-41B2-B6EA-6BA78A422A72}"/>
-          </ac:picMkLst>
-        </pc:picChg>
-        <pc:cxnChg chg="mod">
-          <ac:chgData name="Graf Thomas, INI-NET-VNC-HCS" userId="487bc3e3-9ce7-4cdd-b7b4-8899ea88d289" providerId="ADAL" clId="{40188488-A9E1-4155-BFF1-5EF2EE12E93E}" dt="2023-07-24T14:24:56.330" v="65"/>
-          <ac:cxnSpMkLst>
-            <pc:docMk/>
-            <pc:sldMk cId="1358121467" sldId="2145706230"/>
-            <ac:cxnSpMk id="14" creationId="{3DACDB63-B411-196B-2316-E242761EADAE}"/>
-          </ac:cxnSpMkLst>
-        </pc:cxnChg>
-        <pc:cxnChg chg="mod">
-          <ac:chgData name="Graf Thomas, INI-NET-VNC-HCS" userId="487bc3e3-9ce7-4cdd-b7b4-8899ea88d289" providerId="ADAL" clId="{40188488-A9E1-4155-BFF1-5EF2EE12E93E}" dt="2023-07-24T14:24:56.330" v="65"/>
-          <ac:cxnSpMkLst>
-            <pc:docMk/>
-            <pc:sldMk cId="1358121467" sldId="2145706230"/>
-            <ac:cxnSpMk id="16" creationId="{9DA645C4-1C01-592A-4B61-A10B02966B76}"/>
-          </ac:cxnSpMkLst>
-        </pc:cxnChg>
-        <pc:cxnChg chg="mod">
-          <ac:chgData name="Graf Thomas, INI-NET-VNC-HCS" userId="487bc3e3-9ce7-4cdd-b7b4-8899ea88d289" providerId="ADAL" clId="{40188488-A9E1-4155-BFF1-5EF2EE12E93E}" dt="2023-07-24T14:24:56.330" v="65"/>
-          <ac:cxnSpMkLst>
-            <pc:docMk/>
-            <pc:sldMk cId="1358121467" sldId="2145706230"/>
-            <ac:cxnSpMk id="18" creationId="{B9BA082D-2733-68D1-6B07-8669B39B3A8C}"/>
-          </ac:cxnSpMkLst>
-        </pc:cxnChg>
-        <pc:cxnChg chg="mod">
-          <ac:chgData name="Graf Thomas, INI-NET-VNC-HCS" userId="487bc3e3-9ce7-4cdd-b7b4-8899ea88d289" providerId="ADAL" clId="{40188488-A9E1-4155-BFF1-5EF2EE12E93E}" dt="2023-07-24T14:25:17.100" v="71"/>
-          <ac:cxnSpMkLst>
-            <pc:docMk/>
-            <pc:sldMk cId="1358121467" sldId="2145706230"/>
-            <ac:cxnSpMk id="31" creationId="{89C88398-6AC9-7DA2-C9EB-9F13599913C9}"/>
-          </ac:cxnSpMkLst>
-        </pc:cxnChg>
-        <pc:cxnChg chg="mod">
-          <ac:chgData name="Graf Thomas, INI-NET-VNC-HCS" userId="487bc3e3-9ce7-4cdd-b7b4-8899ea88d289" providerId="ADAL" clId="{40188488-A9E1-4155-BFF1-5EF2EE12E93E}" dt="2023-07-24T14:25:17.100" v="71"/>
-          <ac:cxnSpMkLst>
-            <pc:docMk/>
-            <pc:sldMk cId="1358121467" sldId="2145706230"/>
-            <ac:cxnSpMk id="33" creationId="{D44309DD-AB0E-144E-96E9-9F26881E04B6}"/>
-          </ac:cxnSpMkLst>
-        </pc:cxnChg>
-        <pc:cxnChg chg="mod">
-          <ac:chgData name="Graf Thomas, INI-NET-VNC-HCS" userId="487bc3e3-9ce7-4cdd-b7b4-8899ea88d289" providerId="ADAL" clId="{40188488-A9E1-4155-BFF1-5EF2EE12E93E}" dt="2023-07-24T14:25:17.100" v="71"/>
-          <ac:cxnSpMkLst>
-            <pc:docMk/>
-            <pc:sldMk cId="1358121467" sldId="2145706230"/>
-            <ac:cxnSpMk id="35" creationId="{5957AE9F-3F26-7B8D-98A4-78E03F144DDB}"/>
-          </ac:cxnSpMkLst>
-        </pc:cxnChg>
-      </pc:sldChg>
-      <pc:sldChg chg="addSp delSp modSp add mod">
-        <pc:chgData name="Graf Thomas, INI-NET-VNC-HCS" userId="487bc3e3-9ce7-4cdd-b7b4-8899ea88d289" providerId="ADAL" clId="{40188488-A9E1-4155-BFF1-5EF2EE12E93E}" dt="2023-07-24T14:52:08.799" v="1097" actId="14100"/>
-        <pc:sldMkLst>
-          <pc:docMk/>
-          <pc:sldMk cId="2159810780" sldId="2145706231"/>
-        </pc:sldMkLst>
-        <pc:spChg chg="add mod">
-          <ac:chgData name="Graf Thomas, INI-NET-VNC-HCS" userId="487bc3e3-9ce7-4cdd-b7b4-8899ea88d289" providerId="ADAL" clId="{40188488-A9E1-4155-BFF1-5EF2EE12E93E}" dt="2023-07-24T14:33:50.815" v="339" actId="20577"/>
-          <ac:spMkLst>
-            <pc:docMk/>
-            <pc:sldMk cId="2159810780" sldId="2145706231"/>
-            <ac:spMk id="3" creationId="{82F9702A-336A-097C-7CF7-631052C1CB93}"/>
-          </ac:spMkLst>
-        </pc:spChg>
-        <pc:spChg chg="add mod">
-          <ac:chgData name="Graf Thomas, INI-NET-VNC-HCS" userId="487bc3e3-9ce7-4cdd-b7b4-8899ea88d289" providerId="ADAL" clId="{40188488-A9E1-4155-BFF1-5EF2EE12E93E}" dt="2023-07-24T14:31:13.342" v="265" actId="1076"/>
-          <ac:spMkLst>
-            <pc:docMk/>
-            <pc:sldMk cId="2159810780" sldId="2145706231"/>
-            <ac:spMk id="4" creationId="{8313D463-523B-2CC1-6C2E-0983BC5EC919}"/>
-          </ac:spMkLst>
-        </pc:spChg>
-        <pc:spChg chg="add mod">
-          <ac:chgData name="Graf Thomas, INI-NET-VNC-HCS" userId="487bc3e3-9ce7-4cdd-b7b4-8899ea88d289" providerId="ADAL" clId="{40188488-A9E1-4155-BFF1-5EF2EE12E93E}" dt="2023-07-24T14:34:27.244" v="358" actId="20577"/>
-          <ac:spMkLst>
-            <pc:docMk/>
-            <pc:sldMk cId="2159810780" sldId="2145706231"/>
-            <ac:spMk id="6" creationId="{E7186609-B4BE-3FD6-1188-0368066C00A0}"/>
-          </ac:spMkLst>
-        </pc:spChg>
-        <pc:spChg chg="mod">
-          <ac:chgData name="Graf Thomas, INI-NET-VNC-HCS" userId="487bc3e3-9ce7-4cdd-b7b4-8899ea88d289" providerId="ADAL" clId="{40188488-A9E1-4155-BFF1-5EF2EE12E93E}" dt="2023-07-24T14:52:08.799" v="1097" actId="14100"/>
-          <ac:spMkLst>
-            <pc:docMk/>
-            <pc:sldMk cId="2159810780" sldId="2145706231"/>
-            <ac:spMk id="8" creationId="{C173E561-BB7B-4538-A147-1F4401F1B1C7}"/>
-          </ac:spMkLst>
-        </pc:spChg>
-        <pc:spChg chg="del">
-          <ac:chgData name="Graf Thomas, INI-NET-VNC-HCS" userId="487bc3e3-9ce7-4cdd-b7b4-8899ea88d289" providerId="ADAL" clId="{40188488-A9E1-4155-BFF1-5EF2EE12E93E}" dt="2023-07-24T14:30:36.611" v="259" actId="478"/>
-          <ac:spMkLst>
-            <pc:docMk/>
-            <pc:sldMk cId="2159810780" sldId="2145706231"/>
-            <ac:spMk id="24" creationId="{9B4C61B6-B972-3C83-2CA1-91B23B8BD7D4}"/>
-          </ac:spMkLst>
-        </pc:spChg>
-        <pc:spChg chg="del">
-          <ac:chgData name="Graf Thomas, INI-NET-VNC-HCS" userId="487bc3e3-9ce7-4cdd-b7b4-8899ea88d289" providerId="ADAL" clId="{40188488-A9E1-4155-BFF1-5EF2EE12E93E}" dt="2023-07-24T14:30:33.815" v="258" actId="478"/>
-          <ac:spMkLst>
-            <pc:docMk/>
-            <pc:sldMk cId="2159810780" sldId="2145706231"/>
-            <ac:spMk id="25" creationId="{64D8A190-C8A0-122D-6F7F-50F346094C3C}"/>
-          </ac:spMkLst>
-        </pc:spChg>
-        <pc:spChg chg="del">
-          <ac:chgData name="Graf Thomas, INI-NET-VNC-HCS" userId="487bc3e3-9ce7-4cdd-b7b4-8899ea88d289" providerId="ADAL" clId="{40188488-A9E1-4155-BFF1-5EF2EE12E93E}" dt="2023-07-24T14:30:33.815" v="258" actId="478"/>
-          <ac:spMkLst>
-            <pc:docMk/>
-            <pc:sldMk cId="2159810780" sldId="2145706231"/>
-            <ac:spMk id="37" creationId="{F6DFE2F9-C982-CEAB-8884-DBB39E8C44CE}"/>
-          </ac:spMkLst>
-        </pc:spChg>
-        <pc:spChg chg="del">
-          <ac:chgData name="Graf Thomas, INI-NET-VNC-HCS" userId="487bc3e3-9ce7-4cdd-b7b4-8899ea88d289" providerId="ADAL" clId="{40188488-A9E1-4155-BFF1-5EF2EE12E93E}" dt="2023-07-24T14:30:36.611" v="259" actId="478"/>
-          <ac:spMkLst>
-            <pc:docMk/>
-            <pc:sldMk cId="2159810780" sldId="2145706231"/>
-            <ac:spMk id="38" creationId="{9830BDA6-A807-AC20-5B12-56ACAA728F28}"/>
-          </ac:spMkLst>
-        </pc:spChg>
-        <pc:grpChg chg="del">
-          <ac:chgData name="Graf Thomas, INI-NET-VNC-HCS" userId="487bc3e3-9ce7-4cdd-b7b4-8899ea88d289" providerId="ADAL" clId="{40188488-A9E1-4155-BFF1-5EF2EE12E93E}" dt="2023-07-24T14:30:33.815" v="258" actId="478"/>
-          <ac:grpSpMkLst>
-            <pc:docMk/>
-            <pc:sldMk cId="2159810780" sldId="2145706231"/>
-            <ac:grpSpMk id="26" creationId="{9C37C9F3-76CE-FFEA-D5A4-D3F1244C4475}"/>
-          </ac:grpSpMkLst>
-        </pc:grpChg>
-        <pc:picChg chg="add mod">
-          <ac:chgData name="Graf Thomas, INI-NET-VNC-HCS" userId="487bc3e3-9ce7-4cdd-b7b4-8899ea88d289" providerId="ADAL" clId="{40188488-A9E1-4155-BFF1-5EF2EE12E93E}" dt="2023-07-24T14:32:47.484" v="289" actId="1076"/>
-          <ac:picMkLst>
-            <pc:docMk/>
-            <pc:sldMk cId="2159810780" sldId="2145706231"/>
-            <ac:picMk id="2" creationId="{6CA0CC97-2654-4462-3AED-3AA610AA319B}"/>
-          </ac:picMkLst>
-        </pc:picChg>
-        <pc:picChg chg="add mod">
-          <ac:chgData name="Graf Thomas, INI-NET-VNC-HCS" userId="487bc3e3-9ce7-4cdd-b7b4-8899ea88d289" providerId="ADAL" clId="{40188488-A9E1-4155-BFF1-5EF2EE12E93E}" dt="2023-07-24T14:32:26.493" v="282" actId="1076"/>
-          <ac:picMkLst>
-            <pc:docMk/>
-            <pc:sldMk cId="2159810780" sldId="2145706231"/>
-            <ac:picMk id="1025" creationId="{FF355033-B1E1-DF9D-C701-CD0D622A92B0}"/>
-          </ac:picMkLst>
-        </pc:picChg>
-        <pc:cxnChg chg="mod">
-          <ac:chgData name="Graf Thomas, INI-NET-VNC-HCS" userId="487bc3e3-9ce7-4cdd-b7b4-8899ea88d289" providerId="ADAL" clId="{40188488-A9E1-4155-BFF1-5EF2EE12E93E}" dt="2023-07-24T14:30:33.815" v="258" actId="478"/>
-          <ac:cxnSpMkLst>
-            <pc:docMk/>
-            <pc:sldMk cId="2159810780" sldId="2145706231"/>
-            <ac:cxnSpMk id="31" creationId="{89C88398-6AC9-7DA2-C9EB-9F13599913C9}"/>
-          </ac:cxnSpMkLst>
-        </pc:cxnChg>
-        <pc:cxnChg chg="mod">
-          <ac:chgData name="Graf Thomas, INI-NET-VNC-HCS" userId="487bc3e3-9ce7-4cdd-b7b4-8899ea88d289" providerId="ADAL" clId="{40188488-A9E1-4155-BFF1-5EF2EE12E93E}" dt="2023-07-24T14:30:33.815" v="258" actId="478"/>
-          <ac:cxnSpMkLst>
-            <pc:docMk/>
-            <pc:sldMk cId="2159810780" sldId="2145706231"/>
-            <ac:cxnSpMk id="33" creationId="{D44309DD-AB0E-144E-96E9-9F26881E04B6}"/>
-          </ac:cxnSpMkLst>
-        </pc:cxnChg>
-        <pc:cxnChg chg="mod">
-          <ac:chgData name="Graf Thomas, INI-NET-VNC-HCS" userId="487bc3e3-9ce7-4cdd-b7b4-8899ea88d289" providerId="ADAL" clId="{40188488-A9E1-4155-BFF1-5EF2EE12E93E}" dt="2023-07-24T14:30:33.815" v="258" actId="478"/>
-          <ac:cxnSpMkLst>
-            <pc:docMk/>
-            <pc:sldMk cId="2159810780" sldId="2145706231"/>
-            <ac:cxnSpMk id="35" creationId="{5957AE9F-3F26-7B8D-98A4-78E03F144DDB}"/>
-          </ac:cxnSpMkLst>
-        </pc:cxnChg>
-      </pc:sldChg>
-      <pc:sldChg chg="addSp delSp modSp add mod">
-        <pc:chgData name="Graf Thomas, INI-NET-VNC-HCS" userId="487bc3e3-9ce7-4cdd-b7b4-8899ea88d289" providerId="ADAL" clId="{40188488-A9E1-4155-BFF1-5EF2EE12E93E}" dt="2023-07-24T17:44:03.182" v="2450" actId="14100"/>
-        <pc:sldMkLst>
-          <pc:docMk/>
-          <pc:sldMk cId="109474821" sldId="2145706232"/>
-        </pc:sldMkLst>
-        <pc:spChg chg="mod">
-          <ac:chgData name="Graf Thomas, INI-NET-VNC-HCS" userId="487bc3e3-9ce7-4cdd-b7b4-8899ea88d289" providerId="ADAL" clId="{40188488-A9E1-4155-BFF1-5EF2EE12E93E}" dt="2023-07-24T14:39:25.968" v="541" actId="20577"/>
-          <ac:spMkLst>
-            <pc:docMk/>
-            <pc:sldMk cId="109474821" sldId="2145706232"/>
-            <ac:spMk id="3" creationId="{82F9702A-336A-097C-7CF7-631052C1CB93}"/>
-          </ac:spMkLst>
-        </pc:spChg>
-        <pc:spChg chg="add del">
-          <ac:chgData name="Graf Thomas, INI-NET-VNC-HCS" userId="487bc3e3-9ce7-4cdd-b7b4-8899ea88d289" providerId="ADAL" clId="{40188488-A9E1-4155-BFF1-5EF2EE12E93E}" dt="2023-07-24T14:35:34.723" v="362"/>
-          <ac:spMkLst>
-            <pc:docMk/>
-            <pc:sldMk cId="109474821" sldId="2145706232"/>
-            <ac:spMk id="5" creationId="{41403CEB-2298-314B-D1D2-BDFB95A50117}"/>
-          </ac:spMkLst>
-        </pc:spChg>
-        <pc:spChg chg="del">
-          <ac:chgData name="Graf Thomas, INI-NET-VNC-HCS" userId="487bc3e3-9ce7-4cdd-b7b4-8899ea88d289" providerId="ADAL" clId="{40188488-A9E1-4155-BFF1-5EF2EE12E93E}" dt="2023-07-24T14:37:30.869" v="369" actId="478"/>
-          <ac:spMkLst>
-            <pc:docMk/>
-            <pc:sldMk cId="109474821" sldId="2145706232"/>
-            <ac:spMk id="6" creationId="{E7186609-B4BE-3FD6-1188-0368066C00A0}"/>
-          </ac:spMkLst>
-        </pc:spChg>
-        <pc:spChg chg="add del">
-          <ac:chgData name="Graf Thomas, INI-NET-VNC-HCS" userId="487bc3e3-9ce7-4cdd-b7b4-8899ea88d289" providerId="ADAL" clId="{40188488-A9E1-4155-BFF1-5EF2EE12E93E}" dt="2023-07-24T14:35:34.723" v="362"/>
-          <ac:spMkLst>
-            <pc:docMk/>
-            <pc:sldMk cId="109474821" sldId="2145706232"/>
-            <ac:spMk id="7" creationId="{CA304C8B-0858-B166-8F01-E5382B2569F8}"/>
-          </ac:spMkLst>
-        </pc:spChg>
-        <pc:spChg chg="mod">
-          <ac:chgData name="Graf Thomas, INI-NET-VNC-HCS" userId="487bc3e3-9ce7-4cdd-b7b4-8899ea88d289" providerId="ADAL" clId="{40188488-A9E1-4155-BFF1-5EF2EE12E93E}" dt="2023-07-24T14:52:15.313" v="1099" actId="14100"/>
-          <ac:spMkLst>
-            <pc:docMk/>
-            <pc:sldMk cId="109474821" sldId="2145706232"/>
-            <ac:spMk id="8" creationId="{C173E561-BB7B-4538-A147-1F4401F1B1C7}"/>
-          </ac:spMkLst>
-        </pc:spChg>
-        <pc:spChg chg="add del">
-          <ac:chgData name="Graf Thomas, INI-NET-VNC-HCS" userId="487bc3e3-9ce7-4cdd-b7b4-8899ea88d289" providerId="ADAL" clId="{40188488-A9E1-4155-BFF1-5EF2EE12E93E}" dt="2023-07-24T14:35:34.723" v="362"/>
-          <ac:spMkLst>
-            <pc:docMk/>
-            <pc:sldMk cId="109474821" sldId="2145706232"/>
-            <ac:spMk id="9" creationId="{1774A5F9-3AF2-3B20-F1FA-79B05ECF9C53}"/>
-          </ac:spMkLst>
-        </pc:spChg>
-        <pc:picChg chg="del">
-          <ac:chgData name="Graf Thomas, INI-NET-VNC-HCS" userId="487bc3e3-9ce7-4cdd-b7b4-8899ea88d289" providerId="ADAL" clId="{40188488-A9E1-4155-BFF1-5EF2EE12E93E}" dt="2023-07-24T14:35:30.619" v="360" actId="478"/>
-          <ac:picMkLst>
-            <pc:docMk/>
-            <pc:sldMk cId="109474821" sldId="2145706232"/>
-            <ac:picMk id="2" creationId="{6CA0CC97-2654-4462-3AED-3AA610AA319B}"/>
-          </ac:picMkLst>
-        </pc:picChg>
-        <pc:picChg chg="add del mod">
-          <ac:chgData name="Graf Thomas, INI-NET-VNC-HCS" userId="487bc3e3-9ce7-4cdd-b7b4-8899ea88d289" providerId="ADAL" clId="{40188488-A9E1-4155-BFF1-5EF2EE12E93E}" dt="2023-07-24T17:43:50.519" v="2447" actId="478"/>
-          <ac:picMkLst>
-            <pc:docMk/>
-            <pc:sldMk cId="109474821" sldId="2145706232"/>
-            <ac:picMk id="10" creationId="{F464C6F7-94F9-6A54-4C12-A1348ACB5C7C}"/>
-          </ac:picMkLst>
-        </pc:picChg>
-        <pc:picChg chg="add mod">
-          <ac:chgData name="Graf Thomas, INI-NET-VNC-HCS" userId="487bc3e3-9ce7-4cdd-b7b4-8899ea88d289" providerId="ADAL" clId="{40188488-A9E1-4155-BFF1-5EF2EE12E93E}" dt="2023-07-24T14:37:58.645" v="377" actId="14100"/>
-          <ac:picMkLst>
-            <pc:docMk/>
-            <pc:sldMk cId="109474821" sldId="2145706232"/>
-            <ac:picMk id="11" creationId="{8A9F32EA-7668-47FE-EFE0-3718491A23A1}"/>
-          </ac:picMkLst>
-        </pc:picChg>
-        <pc:picChg chg="del">
-          <ac:chgData name="Graf Thomas, INI-NET-VNC-HCS" userId="487bc3e3-9ce7-4cdd-b7b4-8899ea88d289" providerId="ADAL" clId="{40188488-A9E1-4155-BFF1-5EF2EE12E93E}" dt="2023-07-24T14:37:28.150" v="368" actId="478"/>
-          <ac:picMkLst>
-            <pc:docMk/>
-            <pc:sldMk cId="109474821" sldId="2145706232"/>
-            <ac:picMk id="1025" creationId="{FF355033-B1E1-DF9D-C701-CD0D622A92B0}"/>
-          </ac:picMkLst>
-        </pc:picChg>
-        <pc:picChg chg="add mod">
-          <ac:chgData name="Graf Thomas, INI-NET-VNC-HCS" userId="487bc3e3-9ce7-4cdd-b7b4-8899ea88d289" providerId="ADAL" clId="{40188488-A9E1-4155-BFF1-5EF2EE12E93E}" dt="2023-07-24T17:44:03.182" v="2450" actId="14100"/>
-          <ac:picMkLst>
-            <pc:docMk/>
-            <pc:sldMk cId="109474821" sldId="2145706232"/>
-            <ac:picMk id="1026" creationId="{251AF02E-F7C4-5C3C-73B9-611915A99DD2}"/>
-          </ac:picMkLst>
-        </pc:picChg>
-        <pc:picChg chg="add del">
-          <ac:chgData name="Graf Thomas, INI-NET-VNC-HCS" userId="487bc3e3-9ce7-4cdd-b7b4-8899ea88d289" providerId="ADAL" clId="{40188488-A9E1-4155-BFF1-5EF2EE12E93E}" dt="2023-07-24T14:35:34.723" v="362"/>
-          <ac:picMkLst>
-            <pc:docMk/>
-            <pc:sldMk cId="109474821" sldId="2145706232"/>
-            <ac:picMk id="2049" creationId="{6BFC0E87-CC2B-A44F-28AF-D8C7343836FD}"/>
-          </ac:picMkLst>
-        </pc:picChg>
-        <pc:picChg chg="add del">
-          <ac:chgData name="Graf Thomas, INI-NET-VNC-HCS" userId="487bc3e3-9ce7-4cdd-b7b4-8899ea88d289" providerId="ADAL" clId="{40188488-A9E1-4155-BFF1-5EF2EE12E93E}" dt="2023-07-24T14:35:34.723" v="362"/>
-          <ac:picMkLst>
-            <pc:docMk/>
-            <pc:sldMk cId="109474821" sldId="2145706232"/>
-            <ac:picMk id="2050" creationId="{119B727E-CCF8-67F2-81E6-B6E2E7E17BE4}"/>
-          </ac:picMkLst>
-        </pc:picChg>
-      </pc:sldChg>
-      <pc:sldChg chg="addSp delSp modSp add mod">
-        <pc:chgData name="Graf Thomas, INI-NET-VNC-HCS" userId="487bc3e3-9ce7-4cdd-b7b4-8899ea88d289" providerId="ADAL" clId="{40188488-A9E1-4155-BFF1-5EF2EE12E93E}" dt="2023-07-24T14:52:19.293" v="1101" actId="14100"/>
-        <pc:sldMkLst>
-          <pc:docMk/>
-          <pc:sldMk cId="4191510882" sldId="2145706233"/>
-        </pc:sldMkLst>
-        <pc:spChg chg="del mod">
-          <ac:chgData name="Graf Thomas, INI-NET-VNC-HCS" userId="487bc3e3-9ce7-4cdd-b7b4-8899ea88d289" providerId="ADAL" clId="{40188488-A9E1-4155-BFF1-5EF2EE12E93E}" dt="2023-07-24T14:43:13.912" v="612" actId="478"/>
-          <ac:spMkLst>
-            <pc:docMk/>
-            <pc:sldMk cId="4191510882" sldId="2145706233"/>
-            <ac:spMk id="3" creationId="{82F9702A-336A-097C-7CF7-631052C1CB93}"/>
-          </ac:spMkLst>
-        </pc:spChg>
-        <pc:spChg chg="add mod">
-          <ac:chgData name="Graf Thomas, INI-NET-VNC-HCS" userId="487bc3e3-9ce7-4cdd-b7b4-8899ea88d289" providerId="ADAL" clId="{40188488-A9E1-4155-BFF1-5EF2EE12E93E}" dt="2023-07-24T14:41:04.178" v="589" actId="20577"/>
-          <ac:spMkLst>
-            <pc:docMk/>
-            <pc:sldMk cId="4191510882" sldId="2145706233"/>
-            <ac:spMk id="5" creationId="{4CA7E0E8-2739-7EE8-50E2-3CDC403F0BDA}"/>
-          </ac:spMkLst>
-        </pc:spChg>
-        <pc:spChg chg="mod">
-          <ac:chgData name="Graf Thomas, INI-NET-VNC-HCS" userId="487bc3e3-9ce7-4cdd-b7b4-8899ea88d289" providerId="ADAL" clId="{40188488-A9E1-4155-BFF1-5EF2EE12E93E}" dt="2023-07-24T14:52:19.293" v="1101" actId="14100"/>
-          <ac:spMkLst>
-            <pc:docMk/>
-            <pc:sldMk cId="4191510882" sldId="2145706233"/>
-            <ac:spMk id="8" creationId="{C173E561-BB7B-4538-A147-1F4401F1B1C7}"/>
-          </ac:spMkLst>
-        </pc:spChg>
-        <pc:spChg chg="add mod">
-          <ac:chgData name="Graf Thomas, INI-NET-VNC-HCS" userId="487bc3e3-9ce7-4cdd-b7b4-8899ea88d289" providerId="ADAL" clId="{40188488-A9E1-4155-BFF1-5EF2EE12E93E}" dt="2023-07-24T14:43:55.106" v="623" actId="1076"/>
-          <ac:spMkLst>
-            <pc:docMk/>
-            <pc:sldMk cId="4191510882" sldId="2145706233"/>
-            <ac:spMk id="16" creationId="{52707559-864A-90E8-D214-40517223E5C6}"/>
-          </ac:spMkLst>
-        </pc:spChg>
-        <pc:spChg chg="add mod">
-          <ac:chgData name="Graf Thomas, INI-NET-VNC-HCS" userId="487bc3e3-9ce7-4cdd-b7b4-8899ea88d289" providerId="ADAL" clId="{40188488-A9E1-4155-BFF1-5EF2EE12E93E}" dt="2023-07-24T14:43:46.929" v="621" actId="1076"/>
-          <ac:spMkLst>
-            <pc:docMk/>
-            <pc:sldMk cId="4191510882" sldId="2145706233"/>
-            <ac:spMk id="18" creationId="{3E3E9EF3-55B2-E8D3-F662-13B59F0E39CD}"/>
-          </ac:spMkLst>
-        </pc:spChg>
-        <pc:picChg chg="add del mod">
-          <ac:chgData name="Graf Thomas, INI-NET-VNC-HCS" userId="487bc3e3-9ce7-4cdd-b7b4-8899ea88d289" providerId="ADAL" clId="{40188488-A9E1-4155-BFF1-5EF2EE12E93E}" dt="2023-07-24T14:41:54.226" v="599" actId="478"/>
-          <ac:picMkLst>
-            <pc:docMk/>
-            <pc:sldMk cId="4191510882" sldId="2145706233"/>
-            <ac:picMk id="6" creationId="{7B138D63-33D4-980B-C345-2FF5AD2F6F09}"/>
-          </ac:picMkLst>
-        </pc:picChg>
-        <pc:picChg chg="add del mod">
-          <ac:chgData name="Graf Thomas, INI-NET-VNC-HCS" userId="487bc3e3-9ce7-4cdd-b7b4-8899ea88d289" providerId="ADAL" clId="{40188488-A9E1-4155-BFF1-5EF2EE12E93E}" dt="2023-07-24T14:41:51.353" v="597" actId="478"/>
-          <ac:picMkLst>
-            <pc:docMk/>
-            <pc:sldMk cId="4191510882" sldId="2145706233"/>
-            <ac:picMk id="7" creationId="{DE7E41E7-2F14-A843-8245-817C5FE004DD}"/>
-          </ac:picMkLst>
-        </pc:picChg>
-        <pc:picChg chg="add del mod">
-          <ac:chgData name="Graf Thomas, INI-NET-VNC-HCS" userId="487bc3e3-9ce7-4cdd-b7b4-8899ea88d289" providerId="ADAL" clId="{40188488-A9E1-4155-BFF1-5EF2EE12E93E}" dt="2023-07-24T14:41:52.777" v="598" actId="478"/>
-          <ac:picMkLst>
-            <pc:docMk/>
-            <pc:sldMk cId="4191510882" sldId="2145706233"/>
-            <ac:picMk id="9" creationId="{E337F77D-3490-2A13-0CDE-FC390E93EE54}"/>
-          </ac:picMkLst>
-        </pc:picChg>
-        <pc:picChg chg="del">
-          <ac:chgData name="Graf Thomas, INI-NET-VNC-HCS" userId="487bc3e3-9ce7-4cdd-b7b4-8899ea88d289" providerId="ADAL" clId="{40188488-A9E1-4155-BFF1-5EF2EE12E93E}" dt="2023-07-24T14:40:35.918" v="579" actId="478"/>
-          <ac:picMkLst>
-            <pc:docMk/>
-            <pc:sldMk cId="4191510882" sldId="2145706233"/>
-            <ac:picMk id="10" creationId="{F464C6F7-94F9-6A54-4C12-A1348ACB5C7C}"/>
-          </ac:picMkLst>
-        </pc:picChg>
-        <pc:picChg chg="del">
-          <ac:chgData name="Graf Thomas, INI-NET-VNC-HCS" userId="487bc3e3-9ce7-4cdd-b7b4-8899ea88d289" providerId="ADAL" clId="{40188488-A9E1-4155-BFF1-5EF2EE12E93E}" dt="2023-07-24T14:40:37.045" v="580" actId="478"/>
-          <ac:picMkLst>
-            <pc:docMk/>
-            <pc:sldMk cId="4191510882" sldId="2145706233"/>
-            <ac:picMk id="11" creationId="{8A9F32EA-7668-47FE-EFE0-3718491A23A1}"/>
-          </ac:picMkLst>
-        </pc:picChg>
-        <pc:picChg chg="add mod">
-          <ac:chgData name="Graf Thomas, INI-NET-VNC-HCS" userId="487bc3e3-9ce7-4cdd-b7b4-8899ea88d289" providerId="ADAL" clId="{40188488-A9E1-4155-BFF1-5EF2EE12E93E}" dt="2023-07-24T14:43:42.609" v="620" actId="14100"/>
-          <ac:picMkLst>
-            <pc:docMk/>
-            <pc:sldMk cId="4191510882" sldId="2145706233"/>
-            <ac:picMk id="12" creationId="{B0C646C4-EBE0-32B4-3EF2-EE9B8DB5A9CC}"/>
-          </ac:picMkLst>
-        </pc:picChg>
-        <pc:picChg chg="add mod">
-          <ac:chgData name="Graf Thomas, INI-NET-VNC-HCS" userId="487bc3e3-9ce7-4cdd-b7b4-8899ea88d289" providerId="ADAL" clId="{40188488-A9E1-4155-BFF1-5EF2EE12E93E}" dt="2023-07-24T14:43:50.653" v="622" actId="1076"/>
-          <ac:picMkLst>
-            <pc:docMk/>
-            <pc:sldMk cId="4191510882" sldId="2145706233"/>
-            <ac:picMk id="13" creationId="{1A5DB341-F1FF-1BB7-B9DF-779F63A7A44C}"/>
-          </ac:picMkLst>
-        </pc:picChg>
-        <pc:picChg chg="add mod">
-          <ac:chgData name="Graf Thomas, INI-NET-VNC-HCS" userId="487bc3e3-9ce7-4cdd-b7b4-8899ea88d289" providerId="ADAL" clId="{40188488-A9E1-4155-BFF1-5EF2EE12E93E}" dt="2023-07-24T14:43:38.503" v="619" actId="14100"/>
-          <ac:picMkLst>
-            <pc:docMk/>
-            <pc:sldMk cId="4191510882" sldId="2145706233"/>
-            <ac:picMk id="14" creationId="{323F50ED-F849-6753-F496-82E302929185}"/>
-          </ac:picMkLst>
-        </pc:picChg>
-      </pc:sldChg>
-      <pc:sldChg chg="addSp delSp modSp add mod">
-        <pc:chgData name="Graf Thomas, INI-NET-VNC-HCS" userId="487bc3e3-9ce7-4cdd-b7b4-8899ea88d289" providerId="ADAL" clId="{40188488-A9E1-4155-BFF1-5EF2EE12E93E}" dt="2023-07-24T14:52:21.733" v="1102"/>
-        <pc:sldMkLst>
-          <pc:docMk/>
-          <pc:sldMk cId="2769434038" sldId="2145706234"/>
-        </pc:sldMkLst>
-        <pc:spChg chg="mod">
-          <ac:chgData name="Graf Thomas, INI-NET-VNC-HCS" userId="487bc3e3-9ce7-4cdd-b7b4-8899ea88d289" providerId="ADAL" clId="{40188488-A9E1-4155-BFF1-5EF2EE12E93E}" dt="2023-07-24T14:47:59.490" v="992" actId="20577"/>
-          <ac:spMkLst>
-            <pc:docMk/>
-            <pc:sldMk cId="2769434038" sldId="2145706234"/>
-            <ac:spMk id="5" creationId="{4CA7E0E8-2739-7EE8-50E2-3CDC403F0BDA}"/>
-          </ac:spMkLst>
-        </pc:spChg>
-        <pc:spChg chg="mod">
-          <ac:chgData name="Graf Thomas, INI-NET-VNC-HCS" userId="487bc3e3-9ce7-4cdd-b7b4-8899ea88d289" providerId="ADAL" clId="{40188488-A9E1-4155-BFF1-5EF2EE12E93E}" dt="2023-07-24T14:52:21.733" v="1102"/>
-          <ac:spMkLst>
-            <pc:docMk/>
-            <pc:sldMk cId="2769434038" sldId="2145706234"/>
-            <ac:spMk id="8" creationId="{C173E561-BB7B-4538-A147-1F4401F1B1C7}"/>
-          </ac:spMkLst>
-        </pc:spChg>
-        <pc:spChg chg="del">
-          <ac:chgData name="Graf Thomas, INI-NET-VNC-HCS" userId="487bc3e3-9ce7-4cdd-b7b4-8899ea88d289" providerId="ADAL" clId="{40188488-A9E1-4155-BFF1-5EF2EE12E93E}" dt="2023-07-24T14:46:11.710" v="775" actId="478"/>
-          <ac:spMkLst>
-            <pc:docMk/>
-            <pc:sldMk cId="2769434038" sldId="2145706234"/>
-            <ac:spMk id="16" creationId="{52707559-864A-90E8-D214-40517223E5C6}"/>
-          </ac:spMkLst>
-        </pc:spChg>
-        <pc:spChg chg="del">
-          <ac:chgData name="Graf Thomas, INI-NET-VNC-HCS" userId="487bc3e3-9ce7-4cdd-b7b4-8899ea88d289" providerId="ADAL" clId="{40188488-A9E1-4155-BFF1-5EF2EE12E93E}" dt="2023-07-24T14:46:10.340" v="774" actId="478"/>
-          <ac:spMkLst>
-            <pc:docMk/>
-            <pc:sldMk cId="2769434038" sldId="2145706234"/>
-            <ac:spMk id="18" creationId="{3E3E9EF3-55B2-E8D3-F662-13B59F0E39CD}"/>
-          </ac:spMkLst>
-        </pc:spChg>
-        <pc:picChg chg="add mod">
-          <ac:chgData name="Graf Thomas, INI-NET-VNC-HCS" userId="487bc3e3-9ce7-4cdd-b7b4-8899ea88d289" providerId="ADAL" clId="{40188488-A9E1-4155-BFF1-5EF2EE12E93E}" dt="2023-07-24T14:46:24.367" v="780"/>
-          <ac:picMkLst>
-            <pc:docMk/>
-            <pc:sldMk cId="2769434038" sldId="2145706234"/>
-            <ac:picMk id="2" creationId="{7A909531-C011-EFCA-9F8E-D25FFEB221AB}"/>
-          </ac:picMkLst>
-        </pc:picChg>
-        <pc:picChg chg="add mod">
-          <ac:chgData name="Graf Thomas, INI-NET-VNC-HCS" userId="487bc3e3-9ce7-4cdd-b7b4-8899ea88d289" providerId="ADAL" clId="{40188488-A9E1-4155-BFF1-5EF2EE12E93E}" dt="2023-07-24T14:48:04.374" v="994" actId="14100"/>
-          <ac:picMkLst>
-            <pc:docMk/>
-            <pc:sldMk cId="2769434038" sldId="2145706234"/>
-            <ac:picMk id="3" creationId="{F0AE9DF1-1F53-D8C3-C767-9EF7346A1869}"/>
-          </ac:picMkLst>
-        </pc:picChg>
-        <pc:picChg chg="del">
-          <ac:chgData name="Graf Thomas, INI-NET-VNC-HCS" userId="487bc3e3-9ce7-4cdd-b7b4-8899ea88d289" providerId="ADAL" clId="{40188488-A9E1-4155-BFF1-5EF2EE12E93E}" dt="2023-07-24T14:46:04.765" v="771" actId="478"/>
-          <ac:picMkLst>
-            <pc:docMk/>
-            <pc:sldMk cId="2769434038" sldId="2145706234"/>
-            <ac:picMk id="12" creationId="{B0C646C4-EBE0-32B4-3EF2-EE9B8DB5A9CC}"/>
-          </ac:picMkLst>
-        </pc:picChg>
-        <pc:picChg chg="del">
-          <ac:chgData name="Graf Thomas, INI-NET-VNC-HCS" userId="487bc3e3-9ce7-4cdd-b7b4-8899ea88d289" providerId="ADAL" clId="{40188488-A9E1-4155-BFF1-5EF2EE12E93E}" dt="2023-07-24T14:46:05.320" v="772" actId="478"/>
-          <ac:picMkLst>
-            <pc:docMk/>
-            <pc:sldMk cId="2769434038" sldId="2145706234"/>
-            <ac:picMk id="13" creationId="{1A5DB341-F1FF-1BB7-B9DF-779F63A7A44C}"/>
-          </ac:picMkLst>
-        </pc:picChg>
-        <pc:picChg chg="del">
-          <ac:chgData name="Graf Thomas, INI-NET-VNC-HCS" userId="487bc3e3-9ce7-4cdd-b7b4-8899ea88d289" providerId="ADAL" clId="{40188488-A9E1-4155-BFF1-5EF2EE12E93E}" dt="2023-07-24T14:46:05.865" v="773" actId="478"/>
-          <ac:picMkLst>
-            <pc:docMk/>
-            <pc:sldMk cId="2769434038" sldId="2145706234"/>
-            <ac:picMk id="14" creationId="{323F50ED-F849-6753-F496-82E302929185}"/>
-          </ac:picMkLst>
-        </pc:picChg>
-      </pc:sldChg>
-      <pc:sldChg chg="addSp delSp modSp add mod">
-        <pc:chgData name="Graf Thomas, INI-NET-VNC-HCS" userId="487bc3e3-9ce7-4cdd-b7b4-8899ea88d289" providerId="ADAL" clId="{40188488-A9E1-4155-BFF1-5EF2EE12E93E}" dt="2023-07-24T14:52:26.306" v="1103"/>
-        <pc:sldMkLst>
-          <pc:docMk/>
-          <pc:sldMk cId="3387771482" sldId="2145706235"/>
-        </pc:sldMkLst>
-        <pc:spChg chg="mod">
-          <ac:chgData name="Graf Thomas, INI-NET-VNC-HCS" userId="487bc3e3-9ce7-4cdd-b7b4-8899ea88d289" providerId="ADAL" clId="{40188488-A9E1-4155-BFF1-5EF2EE12E93E}" dt="2023-07-24T14:49:56.540" v="1038" actId="14100"/>
-          <ac:spMkLst>
-            <pc:docMk/>
-            <pc:sldMk cId="3387771482" sldId="2145706235"/>
-            <ac:spMk id="5" creationId="{4CA7E0E8-2739-7EE8-50E2-3CDC403F0BDA}"/>
-          </ac:spMkLst>
-        </pc:spChg>
-        <pc:spChg chg="mod">
-          <ac:chgData name="Graf Thomas, INI-NET-VNC-HCS" userId="487bc3e3-9ce7-4cdd-b7b4-8899ea88d289" providerId="ADAL" clId="{40188488-A9E1-4155-BFF1-5EF2EE12E93E}" dt="2023-07-24T14:52:26.306" v="1103"/>
-          <ac:spMkLst>
-            <pc:docMk/>
-            <pc:sldMk cId="3387771482" sldId="2145706235"/>
-            <ac:spMk id="8" creationId="{C173E561-BB7B-4538-A147-1F4401F1B1C7}"/>
-          </ac:spMkLst>
-        </pc:spChg>
-        <pc:picChg chg="add mod">
-          <ac:chgData name="Graf Thomas, INI-NET-VNC-HCS" userId="487bc3e3-9ce7-4cdd-b7b4-8899ea88d289" providerId="ADAL" clId="{40188488-A9E1-4155-BFF1-5EF2EE12E93E}" dt="2023-07-24T14:49:19.829" v="1009" actId="14100"/>
-          <ac:picMkLst>
-            <pc:docMk/>
-            <pc:sldMk cId="3387771482" sldId="2145706235"/>
-            <ac:picMk id="2" creationId="{90BE14DF-6601-0F4B-7726-6871014C9638}"/>
-          </ac:picMkLst>
-        </pc:picChg>
-        <pc:picChg chg="del">
-          <ac:chgData name="Graf Thomas, INI-NET-VNC-HCS" userId="487bc3e3-9ce7-4cdd-b7b4-8899ea88d289" providerId="ADAL" clId="{40188488-A9E1-4155-BFF1-5EF2EE12E93E}" dt="2023-07-24T14:48:31.798" v="996" actId="478"/>
-          <ac:picMkLst>
-            <pc:docMk/>
-            <pc:sldMk cId="3387771482" sldId="2145706235"/>
-            <ac:picMk id="3" creationId="{F0AE9DF1-1F53-D8C3-C767-9EF7346A1869}"/>
-          </ac:picMkLst>
-        </pc:picChg>
-      </pc:sldChg>
-      <pc:sldChg chg="modSp add mod">
-        <pc:chgData name="Graf Thomas, INI-NET-VNC-HCS" userId="487bc3e3-9ce7-4cdd-b7b4-8899ea88d289" providerId="ADAL" clId="{40188488-A9E1-4155-BFF1-5EF2EE12E93E}" dt="2023-07-24T17:46:34.998" v="2479" actId="108"/>
-        <pc:sldMkLst>
-          <pc:docMk/>
-          <pc:sldMk cId="1912627419" sldId="2145706236"/>
-        </pc:sldMkLst>
-        <pc:spChg chg="mod">
-          <ac:chgData name="Graf Thomas, INI-NET-VNC-HCS" userId="487bc3e3-9ce7-4cdd-b7b4-8899ea88d289" providerId="ADAL" clId="{40188488-A9E1-4155-BFF1-5EF2EE12E93E}" dt="2023-07-24T17:46:23.102" v="2469" actId="20577"/>
-          <ac:spMkLst>
-            <pc:docMk/>
-            <pc:sldMk cId="1912627419" sldId="2145706236"/>
-            <ac:spMk id="2" creationId="{FF20F271-6F0D-4AC0-BB1D-F5C338165C13}"/>
-          </ac:spMkLst>
-        </pc:spChg>
-        <pc:spChg chg="mod">
-          <ac:chgData name="Graf Thomas, INI-NET-VNC-HCS" userId="487bc3e3-9ce7-4cdd-b7b4-8899ea88d289" providerId="ADAL" clId="{40188488-A9E1-4155-BFF1-5EF2EE12E93E}" dt="2023-07-24T17:46:34.998" v="2479" actId="108"/>
-          <ac:spMkLst>
-            <pc:docMk/>
-            <pc:sldMk cId="1912627419" sldId="2145706236"/>
-            <ac:spMk id="3" creationId="{29C0DFD4-432D-4B0C-93DF-790441DCF5B9}"/>
-          </ac:spMkLst>
-        </pc:spChg>
-        <pc:spChg chg="mod">
-          <ac:chgData name="Graf Thomas, INI-NET-VNC-HCS" userId="487bc3e3-9ce7-4cdd-b7b4-8899ea88d289" providerId="ADAL" clId="{40188488-A9E1-4155-BFF1-5EF2EE12E93E}" dt="2023-07-24T17:46:26.489" v="2472" actId="14100"/>
-          <ac:spMkLst>
-            <pc:docMk/>
-            <pc:sldMk cId="1912627419" sldId="2145706236"/>
-            <ac:spMk id="16" creationId="{4D0044F8-1C12-4A59-883A-7B56B9370029}"/>
-          </ac:spMkLst>
-        </pc:spChg>
-      </pc:sldChg>
-      <pc:sldChg chg="add">
-        <pc:chgData name="Graf Thomas, INI-NET-VNC-HCS" userId="487bc3e3-9ce7-4cdd-b7b4-8899ea88d289" providerId="ADAL" clId="{40188488-A9E1-4155-BFF1-5EF2EE12E93E}" dt="2023-07-24T15:04:23.164" v="2212"/>
-        <pc:sldMkLst>
-          <pc:docMk/>
-          <pc:sldMk cId="4168080765" sldId="2145706237"/>
-        </pc:sldMkLst>
-      </pc:sldChg>
-      <pc:sldChg chg="add del">
-        <pc:chgData name="Graf Thomas, INI-NET-VNC-HCS" userId="487bc3e3-9ce7-4cdd-b7b4-8899ea88d289" providerId="ADAL" clId="{40188488-A9E1-4155-BFF1-5EF2EE12E93E}" dt="2023-07-24T17:16:36.535" v="2446" actId="47"/>
-        <pc:sldMkLst>
-          <pc:docMk/>
-          <pc:sldMk cId="3515510456" sldId="2145706239"/>
-        </pc:sldMkLst>
-      </pc:sldChg>
-      <pc:sldChg chg="modSp add mod">
-        <pc:chgData name="Graf Thomas, INI-NET-VNC-HCS" userId="487bc3e3-9ce7-4cdd-b7b4-8899ea88d289" providerId="ADAL" clId="{40188488-A9E1-4155-BFF1-5EF2EE12E93E}" dt="2023-07-24T17:45:08.765" v="2451" actId="14100"/>
-        <pc:sldMkLst>
-          <pc:docMk/>
-          <pc:sldMk cId="2425809725" sldId="2145706240"/>
-        </pc:sldMkLst>
-        <pc:spChg chg="mod">
-          <ac:chgData name="Graf Thomas, INI-NET-VNC-HCS" userId="487bc3e3-9ce7-4cdd-b7b4-8899ea88d289" providerId="ADAL" clId="{40188488-A9E1-4155-BFF1-5EF2EE12E93E}" dt="2023-07-24T17:16:26.766" v="2445" actId="20577"/>
-          <ac:spMkLst>
-            <pc:docMk/>
-            <pc:sldMk cId="2425809725" sldId="2145706240"/>
-            <ac:spMk id="2" creationId="{FF20F271-6F0D-4AC0-BB1D-F5C338165C13}"/>
-          </ac:spMkLst>
-        </pc:spChg>
-        <pc:spChg chg="mod">
-          <ac:chgData name="Graf Thomas, INI-NET-VNC-HCS" userId="487bc3e3-9ce7-4cdd-b7b4-8899ea88d289" providerId="ADAL" clId="{40188488-A9E1-4155-BFF1-5EF2EE12E93E}" dt="2023-07-24T17:15:53.645" v="2387" actId="20577"/>
-          <ac:spMkLst>
-            <pc:docMk/>
-            <pc:sldMk cId="2425809725" sldId="2145706240"/>
-            <ac:spMk id="3" creationId="{29C0DFD4-432D-4B0C-93DF-790441DCF5B9}"/>
-          </ac:spMkLst>
-        </pc:spChg>
-        <pc:spChg chg="mod">
-          <ac:chgData name="Graf Thomas, INI-NET-VNC-HCS" userId="487bc3e3-9ce7-4cdd-b7b4-8899ea88d289" providerId="ADAL" clId="{40188488-A9E1-4155-BFF1-5EF2EE12E93E}" dt="2023-07-24T17:15:26.574" v="2380" actId="14100"/>
-          <ac:spMkLst>
-            <pc:docMk/>
-            <pc:sldMk cId="2425809725" sldId="2145706240"/>
-            <ac:spMk id="6" creationId="{7C3B84B0-CEE6-9508-972D-6095E0E01E98}"/>
-          </ac:spMkLst>
-        </pc:spChg>
-        <pc:spChg chg="mod">
-          <ac:chgData name="Graf Thomas, INI-NET-VNC-HCS" userId="487bc3e3-9ce7-4cdd-b7b4-8899ea88d289" providerId="ADAL" clId="{40188488-A9E1-4155-BFF1-5EF2EE12E93E}" dt="2023-07-24T17:45:08.765" v="2451" actId="14100"/>
-          <ac:spMkLst>
-            <pc:docMk/>
-            <pc:sldMk cId="2425809725" sldId="2145706240"/>
-            <ac:spMk id="16" creationId="{4D0044F8-1C12-4A59-883A-7B56B9370029}"/>
-          </ac:spMkLst>
-        </pc:spChg>
-      </pc:sldChg>
-    </pc:docChg>
-  </pc:docChgLst>
-</pc:chgInfo>
 </file>
 
 <file path=ppt/notesMasters/notesMaster1.xml><?xml version="1.0" encoding="utf-8"?>
@@ -1870,7 +822,7 @@
     </p:spTree>
     <p:extLst>
       <p:ext uri="{BB962C8B-B14F-4D97-AF65-F5344CB8AC3E}">
-        <p14:creationId xmlns:p14="http://schemas.microsoft.com/office/powerpoint/2010/main" val="4096344198"/>
+        <p14:creationId xmlns:p14="http://schemas.microsoft.com/office/powerpoint/2010/main" val="1103277945"/>
       </p:ext>
     </p:extLst>
   </p:cSld>
@@ -1954,7 +906,7 @@
     </p:spTree>
     <p:extLst>
       <p:ext uri="{BB962C8B-B14F-4D97-AF65-F5344CB8AC3E}">
-        <p14:creationId xmlns:p14="http://schemas.microsoft.com/office/powerpoint/2010/main" val="2692734158"/>
+        <p14:creationId xmlns:p14="http://schemas.microsoft.com/office/powerpoint/2010/main" val="3079170585"/>
       </p:ext>
     </p:extLst>
   </p:cSld>
@@ -2038,91 +990,7 @@
     </p:spTree>
     <p:extLst>
       <p:ext uri="{BB962C8B-B14F-4D97-AF65-F5344CB8AC3E}">
-        <p14:creationId xmlns:p14="http://schemas.microsoft.com/office/powerpoint/2010/main" val="541504269"/>
-      </p:ext>
-    </p:extLst>
-  </p:cSld>
-  <p:clrMapOvr>
-    <a:masterClrMapping/>
-  </p:clrMapOvr>
-</p:notes>
-</file>
-
-<file path=ppt/notesSlides/notesSlide7.xml><?xml version="1.0" encoding="utf-8"?>
-<p:notes xmlns:a="http://schemas.openxmlformats.org/drawingml/2006/main" xmlns:r="http://schemas.openxmlformats.org/officeDocument/2006/relationships" xmlns:p="http://schemas.openxmlformats.org/presentationml/2006/main">
-  <p:cSld>
-    <p:spTree>
-      <p:nvGrpSpPr>
-        <p:cNvPr id="1" name=""/>
-        <p:cNvGrpSpPr/>
-        <p:nvPr/>
-      </p:nvGrpSpPr>
-      <p:grpSpPr>
-        <a:xfrm>
-          <a:off x="0" y="0"/>
-          <a:ext cx="0" cy="0"/>
-          <a:chOff x="0" y="0"/>
-          <a:chExt cx="0" cy="0"/>
-        </a:xfrm>
-      </p:grpSpPr>
-      <p:sp>
-        <p:nvSpPr>
-          <p:cNvPr id="2" name="Slide Image Placeholder 1"/>
-          <p:cNvSpPr>
-            <a:spLocks noGrp="1" noRot="1" noChangeAspect="1"/>
-          </p:cNvSpPr>
-          <p:nvPr>
-            <p:ph type="sldImg"/>
-          </p:nvPr>
-        </p:nvSpPr>
-        <p:spPr/>
-      </p:sp>
-      <p:sp>
-        <p:nvSpPr>
-          <p:cNvPr id="3" name="Notes Placeholder 2"/>
-          <p:cNvSpPr>
-            <a:spLocks noGrp="1"/>
-          </p:cNvSpPr>
-          <p:nvPr>
-            <p:ph type="body" idx="1"/>
-          </p:nvPr>
-        </p:nvSpPr>
-        <p:spPr/>
-        <p:txBody>
-          <a:bodyPr/>
-          <a:lstStyle/>
-          <a:p>
-            <a:endParaRPr lang="de-CH" dirty="0"/>
-          </a:p>
-        </p:txBody>
-      </p:sp>
-      <p:sp>
-        <p:nvSpPr>
-          <p:cNvPr id="4" name="Slide Number Placeholder 3"/>
-          <p:cNvSpPr>
-            <a:spLocks noGrp="1"/>
-          </p:cNvSpPr>
-          <p:nvPr>
-            <p:ph type="sldNum" sz="quarter" idx="5"/>
-          </p:nvPr>
-        </p:nvSpPr>
-        <p:spPr/>
-        <p:txBody>
-          <a:bodyPr/>
-          <a:lstStyle/>
-          <a:p>
-            <a:fld id="{3CB1C083-703C-451B-9F49-71D74F7A8ADE}" type="slidenum">
-              <a:rPr lang="de-CH" smtClean="0"/>
-              <a:t>8</a:t>
-            </a:fld>
-            <a:endParaRPr lang="de-CH"/>
-          </a:p>
-        </p:txBody>
-      </p:sp>
-    </p:spTree>
-    <p:extLst>
-      <p:ext uri="{BB962C8B-B14F-4D97-AF65-F5344CB8AC3E}">
-        <p14:creationId xmlns:p14="http://schemas.microsoft.com/office/powerpoint/2010/main" val="1633131052"/>
+        <p14:creationId xmlns:p14="http://schemas.microsoft.com/office/powerpoint/2010/main" val="4096344198"/>
       </p:ext>
     </p:extLst>
   </p:cSld>
@@ -6077,7 +4945,7 @@
           <a:p>
             <a:r>
               <a:rPr lang="en-US" sz="2800" b="1" dirty="0"/>
-              <a:t>Validating Semantics in YANG Push messages</a:t>
+              <a:t>Versioning in YANG Notifications Subscription</a:t>
             </a:r>
             <a:br>
               <a:rPr lang="en-GB" sz="3600" dirty="0"/>
@@ -6123,841 +4991,9 @@
           </a:bodyPr>
           <a:lstStyle/>
           <a:p>
-            <a:pPr marL="0" indent="0">
-              <a:buFont typeface="Arial" panose="020B0604020202020204" pitchFamily="34" charset="0"/>
-              <a:buNone/>
-            </a:pPr>
             <a:r>
               <a:rPr lang="en-US" sz="2000" b="1" dirty="0"/>
-              <a:t>Status</a:t>
-            </a:r>
-          </a:p>
-          <a:p>
-            <a:pPr marL="285750" marR="0" indent="-285750">
-              <a:lnSpc>
-                <a:spcPct val="107000"/>
-              </a:lnSpc>
-              <a:spcBef>
-                <a:spcPts val="0"/>
-              </a:spcBef>
-              <a:spcAft>
-                <a:spcPts val="800"/>
-              </a:spcAft>
-              <a:buFont typeface="Arial" panose="020B0604020202020204" pitchFamily="34" charset="0"/>
-              <a:buChar char="•"/>
-            </a:pPr>
-            <a:r>
-              <a:rPr lang="en-US" sz="1800" dirty="0">
-                <a:effectLst/>
-                <a:latin typeface="Calibri" panose="020F0502020204030204" pitchFamily="34" charset="0"/>
-                <a:ea typeface="Calibri" panose="020F0502020204030204" pitchFamily="34" charset="0"/>
-                <a:cs typeface="Times New Roman" panose="02020603050405020304" pitchFamily="18" charset="0"/>
-              </a:rPr>
-              <a:t>YANG modules defines the schema body of the notification message.</a:t>
-            </a:r>
-          </a:p>
-          <a:p>
-            <a:pPr marL="285750" marR="0" indent="-285750">
-              <a:lnSpc>
-                <a:spcPct val="107000"/>
-              </a:lnSpc>
-              <a:spcBef>
-                <a:spcPts val="0"/>
-              </a:spcBef>
-              <a:spcAft>
-                <a:spcPts val="800"/>
-              </a:spcAft>
-              <a:buFont typeface="Arial" panose="020B0604020202020204" pitchFamily="34" charset="0"/>
-              <a:buChar char="•"/>
-            </a:pPr>
-            <a:r>
-              <a:rPr lang="en-US" sz="1800" dirty="0">
-                <a:latin typeface="Calibri" panose="020F0502020204030204" pitchFamily="34" charset="0"/>
-                <a:ea typeface="Calibri" panose="020F0502020204030204" pitchFamily="34" charset="0"/>
-                <a:cs typeface="Times New Roman" panose="02020603050405020304" pitchFamily="18" charset="0"/>
-              </a:rPr>
-              <a:t>The body of the message is defined as XPath over the YANG module.</a:t>
-            </a:r>
-            <a:endParaRPr lang="en-US" sz="1800" dirty="0">
-              <a:effectLst/>
-              <a:latin typeface="Calibri" panose="020F0502020204030204" pitchFamily="34" charset="0"/>
-              <a:ea typeface="Calibri" panose="020F0502020204030204" pitchFamily="34" charset="0"/>
-              <a:cs typeface="Times New Roman" panose="02020603050405020304" pitchFamily="18" charset="0"/>
-            </a:endParaRPr>
-          </a:p>
-          <a:p>
-            <a:pPr marL="285750" marR="0" indent="-285750">
-              <a:lnSpc>
-                <a:spcPct val="107000"/>
-              </a:lnSpc>
-              <a:spcBef>
-                <a:spcPts val="0"/>
-              </a:spcBef>
-              <a:spcAft>
-                <a:spcPts val="800"/>
-              </a:spcAft>
-              <a:buFont typeface="Arial" panose="020B0604020202020204" pitchFamily="34" charset="0"/>
-              <a:buChar char="•"/>
-            </a:pPr>
-            <a:r>
-              <a:rPr lang="en-US" sz="1800" dirty="0"/>
-              <a:t>Various RFCs and drafts define the NETCONF envelop to send the message.</a:t>
-            </a:r>
-          </a:p>
-          <a:p>
-            <a:pPr marL="285750" marR="0" indent="-285750">
-              <a:lnSpc>
-                <a:spcPct val="107000"/>
-              </a:lnSpc>
-              <a:spcBef>
-                <a:spcPts val="0"/>
-              </a:spcBef>
-              <a:spcAft>
-                <a:spcPts val="800"/>
-              </a:spcAft>
-              <a:buFont typeface="Arial" panose="020B0604020202020204" pitchFamily="34" charset="0"/>
-              <a:buChar char="•"/>
-            </a:pPr>
-            <a:r>
-              <a:rPr lang="en-US" sz="1800" dirty="0"/>
-              <a:t>YANG Validators uses special flags to validate notifications: </a:t>
-            </a:r>
-          </a:p>
-          <a:p>
-            <a:pPr marL="742950" lvl="1" indent="-285750">
-              <a:lnSpc>
-                <a:spcPct val="107000"/>
-              </a:lnSpc>
-              <a:spcBef>
-                <a:spcPts val="0"/>
-              </a:spcBef>
-              <a:spcAft>
-                <a:spcPts val="800"/>
-              </a:spcAft>
-            </a:pPr>
-            <a:r>
-              <a:rPr lang="en-US" sz="1400" b="0" i="0" u="none" strike="noStrike" dirty="0" err="1">
-                <a:solidFill>
-                  <a:srgbClr val="000000"/>
-                </a:solidFill>
-                <a:effectLst/>
-                <a:latin typeface="Courier New" panose="02070309020205020404" pitchFamily="49" charset="0"/>
-              </a:rPr>
-              <a:t>yanglint</a:t>
-            </a:r>
-            <a:r>
-              <a:rPr lang="en-US" sz="1400" dirty="0">
-                <a:solidFill>
-                  <a:srgbClr val="000000"/>
-                </a:solidFill>
-                <a:latin typeface="Courier New" panose="02070309020205020404" pitchFamily="49" charset="0"/>
-              </a:rPr>
-              <a:t> </a:t>
-            </a:r>
-            <a:r>
-              <a:rPr lang="en-US" sz="1400" b="0" i="0" u="none" strike="noStrike" dirty="0">
-                <a:solidFill>
-                  <a:srgbClr val="000000"/>
-                </a:solidFill>
-                <a:effectLst/>
-                <a:latin typeface="Courier New" panose="02070309020205020404" pitchFamily="49" charset="0"/>
-              </a:rPr>
-              <a:t>-strict --</a:t>
-            </a:r>
-            <a:r>
-              <a:rPr lang="en-US" sz="1400" b="0" i="0" u="none" strike="noStrike" dirty="0">
-                <a:solidFill>
-                  <a:srgbClr val="007ACC"/>
-                </a:solidFill>
-                <a:effectLst/>
-                <a:latin typeface="Courier New" panose="02070309020205020404" pitchFamily="49" charset="0"/>
-              </a:rPr>
-              <a:t>type</a:t>
-            </a:r>
-            <a:r>
-              <a:rPr lang="en-US" sz="1400" b="0" i="0" u="none" strike="noStrike" dirty="0">
-                <a:solidFill>
-                  <a:srgbClr val="000000"/>
-                </a:solidFill>
-                <a:effectLst/>
-                <a:latin typeface="Courier New" panose="02070309020205020404" pitchFamily="49" charset="0"/>
-              </a:rPr>
-              <a:t> </a:t>
-            </a:r>
-            <a:r>
-              <a:rPr lang="en-US" sz="1400" b="0" i="0" u="none" strike="noStrike" dirty="0" err="1">
-                <a:solidFill>
-                  <a:srgbClr val="000000"/>
-                </a:solidFill>
-                <a:effectLst/>
-                <a:latin typeface="Courier New" panose="02070309020205020404" pitchFamily="49" charset="0"/>
-              </a:rPr>
-              <a:t>nc-notif</a:t>
-            </a:r>
-            <a:r>
-              <a:rPr lang="en-US" sz="1400" b="0" i="0" u="none" strike="noStrike" dirty="0">
-                <a:solidFill>
-                  <a:srgbClr val="000000"/>
-                </a:solidFill>
-                <a:effectLst/>
-                <a:latin typeface="Courier New" panose="02070309020205020404" pitchFamily="49" charset="0"/>
-              </a:rPr>
-              <a:t> -f xml </a:t>
-            </a:r>
-            <a:r>
-              <a:rPr lang="en-US" sz="1400" b="0" i="0" u="none" strike="noStrike" dirty="0" err="1">
-                <a:solidFill>
-                  <a:srgbClr val="000000"/>
-                </a:solidFill>
-                <a:effectLst/>
-                <a:latin typeface="Courier New" panose="02070309020205020404" pitchFamily="49" charset="0"/>
-              </a:rPr>
-              <a:t>notification.yang</a:t>
-            </a:r>
-            <a:r>
-              <a:rPr lang="en-US" sz="1400" b="0" i="0" u="none" strike="noStrike" dirty="0">
-                <a:solidFill>
-                  <a:srgbClr val="000000"/>
-                </a:solidFill>
-                <a:effectLst/>
-                <a:latin typeface="Courier New" panose="02070309020205020404" pitchFamily="49" charset="0"/>
-              </a:rPr>
-              <a:t> test.xml</a:t>
-            </a:r>
-            <a:endParaRPr lang="en-US" sz="1400" dirty="0"/>
-          </a:p>
-          <a:p>
-            <a:pPr marL="285750" marR="0" indent="-285750">
-              <a:lnSpc>
-                <a:spcPct val="107000"/>
-              </a:lnSpc>
-              <a:spcBef>
-                <a:spcPts val="0"/>
-              </a:spcBef>
-              <a:spcAft>
-                <a:spcPts val="800"/>
-              </a:spcAft>
-              <a:buFont typeface="Arial" panose="020B0604020202020204" pitchFamily="34" charset="0"/>
-              <a:buChar char="•"/>
-            </a:pPr>
-            <a:r>
-              <a:rPr lang="en-US" sz="1800" dirty="0"/>
-              <a:t>Kafka </a:t>
-            </a:r>
-            <a:r>
-              <a:rPr lang="en-US" sz="1800" dirty="0" err="1"/>
-              <a:t>serdes</a:t>
-            </a:r>
-            <a:r>
-              <a:rPr lang="en-US" sz="1800" dirty="0"/>
-              <a:t> expects one schema to describe a message.</a:t>
-            </a:r>
-          </a:p>
-          <a:p>
-            <a:pPr marL="0" indent="0">
-              <a:buFont typeface="Arial" panose="020B0604020202020204" pitchFamily="34" charset="0"/>
-              <a:buNone/>
-            </a:pPr>
-            <a:r>
-              <a:rPr lang="en-US" sz="2000" b="1" dirty="0"/>
-              <a:t>Next Step</a:t>
-            </a:r>
-          </a:p>
-          <a:p>
-            <a:r>
-              <a:rPr lang="en-US" sz="1800" dirty="0"/>
-              <a:t>Check if the existing validators can validate seamlessly NETCONF and YANG push envelope extensions.</a:t>
-            </a:r>
-          </a:p>
-          <a:p>
-            <a:r>
-              <a:rPr lang="en-US" sz="1800" dirty="0"/>
-              <a:t>Develop algorithm to generate a single YANG module that describe a </a:t>
-            </a:r>
-            <a:br>
-              <a:rPr lang="en-US" sz="1800" dirty="0"/>
-            </a:br>
-            <a:r>
-              <a:rPr lang="en-US" sz="1800" dirty="0"/>
-              <a:t>full message including the NETCONF and YANG push headers.</a:t>
-            </a:r>
-          </a:p>
-        </p:txBody>
-      </p:sp>
-      <p:sp>
-        <p:nvSpPr>
-          <p:cNvPr id="16" name="Slide Number Placeholder 1">
-            <a:extLst>
-              <a:ext uri="{FF2B5EF4-FFF2-40B4-BE49-F238E27FC236}">
-                <a16:creationId xmlns:a16="http://schemas.microsoft.com/office/drawing/2014/main" id="{4D0044F8-1C12-4A59-883A-7B56B9370029}"/>
-              </a:ext>
-            </a:extLst>
-          </p:cNvPr>
-          <p:cNvSpPr>
-            <a:spLocks noGrp="1"/>
-          </p:cNvSpPr>
-          <p:nvPr>
-            <p:ph type="sldNum" sz="quarter" idx="12"/>
-          </p:nvPr>
-        </p:nvSpPr>
-        <p:spPr>
-          <a:xfrm>
-            <a:off x="11479876" y="6362700"/>
-            <a:ext cx="542262" cy="365125"/>
-          </a:xfrm>
-        </p:spPr>
-        <p:txBody>
-          <a:bodyPr/>
-          <a:lstStyle/>
-          <a:p>
-            <a:fld id="{FC4AC485-25DE-431E-B345-9C0A15BB7F8A}" type="slidenum">
-              <a:rPr lang="en-US" sz="2200" smtClean="0"/>
-              <a:t>10</a:t>
-            </a:fld>
-            <a:endParaRPr lang="en-US" sz="2200" dirty="0"/>
-          </a:p>
-        </p:txBody>
-      </p:sp>
-      <p:pic>
-        <p:nvPicPr>
-          <p:cNvPr id="5" name="Picture 4">
-            <a:extLst>
-              <a:ext uri="{FF2B5EF4-FFF2-40B4-BE49-F238E27FC236}">
-                <a16:creationId xmlns:a16="http://schemas.microsoft.com/office/drawing/2014/main" id="{0A90BC99-792A-481A-9F32-B4255E7EE4CA}"/>
-              </a:ext>
-            </a:extLst>
-          </p:cNvPr>
-          <p:cNvPicPr>
-            <a:picLocks noChangeAspect="1"/>
-          </p:cNvPicPr>
-          <p:nvPr/>
-        </p:nvPicPr>
-        <p:blipFill>
-          <a:blip r:embed="rId2"/>
-          <a:stretch>
-            <a:fillRect/>
-          </a:stretch>
-        </p:blipFill>
-        <p:spPr>
-          <a:xfrm>
-            <a:off x="8955462" y="812290"/>
-            <a:ext cx="3048962" cy="4314869"/>
-          </a:xfrm>
-          <a:prstGeom prst="rect">
-            <a:avLst/>
-          </a:prstGeom>
-        </p:spPr>
-      </p:pic>
-      <p:sp>
-        <p:nvSpPr>
-          <p:cNvPr id="6" name="Subtitle 4">
-            <a:extLst>
-              <a:ext uri="{FF2B5EF4-FFF2-40B4-BE49-F238E27FC236}">
-                <a16:creationId xmlns:a16="http://schemas.microsoft.com/office/drawing/2014/main" id="{7C3B84B0-CEE6-9508-972D-6095E0E01E98}"/>
-              </a:ext>
-            </a:extLst>
-          </p:cNvPr>
-          <p:cNvSpPr txBox="1">
-            <a:spLocks/>
-          </p:cNvSpPr>
-          <p:nvPr/>
-        </p:nvSpPr>
-        <p:spPr>
-          <a:xfrm>
-            <a:off x="838200" y="5574325"/>
-            <a:ext cx="11163943" cy="787312"/>
-          </a:xfrm>
-          <a:prstGeom prst="rect">
-            <a:avLst/>
-          </a:prstGeom>
-        </p:spPr>
-        <p:txBody>
-          <a:bodyPr vert="horz" lIns="91440" tIns="45720" rIns="91440" bIns="45720" rtlCol="0">
-            <a:normAutofit fontScale="25000" lnSpcReduction="20000"/>
-          </a:bodyPr>
-          <a:lstStyle>
-            <a:lvl1pPr marL="228600" indent="-228600" algn="l" defTabSz="914400" rtl="0" eaLnBrk="1" latinLnBrk="0" hangingPunct="1">
-              <a:lnSpc>
-                <a:spcPct val="90000"/>
-              </a:lnSpc>
-              <a:spcBef>
-                <a:spcPts val="1000"/>
-              </a:spcBef>
-              <a:buFont typeface="Arial" panose="020B0604020202020204" pitchFamily="34" charset="0"/>
-              <a:buChar char="•"/>
-              <a:defRPr sz="2800" kern="1200">
-                <a:solidFill>
-                  <a:schemeClr val="tx1"/>
-                </a:solidFill>
-                <a:latin typeface="+mn-lt"/>
-                <a:ea typeface="+mn-ea"/>
-                <a:cs typeface="+mn-cs"/>
-              </a:defRPr>
-            </a:lvl1pPr>
-            <a:lvl2pPr marL="685800" indent="-228600" algn="l" defTabSz="914400" rtl="0" eaLnBrk="1" latinLnBrk="0" hangingPunct="1">
-              <a:lnSpc>
-                <a:spcPct val="90000"/>
-              </a:lnSpc>
-              <a:spcBef>
-                <a:spcPts val="500"/>
-              </a:spcBef>
-              <a:buFont typeface="Arial" panose="020B0604020202020204" pitchFamily="34" charset="0"/>
-              <a:buChar char="•"/>
-              <a:defRPr sz="2400" kern="1200">
-                <a:solidFill>
-                  <a:schemeClr val="tx1"/>
-                </a:solidFill>
-                <a:latin typeface="+mn-lt"/>
-                <a:ea typeface="+mn-ea"/>
-                <a:cs typeface="+mn-cs"/>
-              </a:defRPr>
-            </a:lvl2pPr>
-            <a:lvl3pPr marL="1143000" indent="-228600" algn="l" defTabSz="914400" rtl="0" eaLnBrk="1" latinLnBrk="0" hangingPunct="1">
-              <a:lnSpc>
-                <a:spcPct val="90000"/>
-              </a:lnSpc>
-              <a:spcBef>
-                <a:spcPts val="500"/>
-              </a:spcBef>
-              <a:buFont typeface="Arial" panose="020B0604020202020204" pitchFamily="34" charset="0"/>
-              <a:buChar char="•"/>
-              <a:defRPr sz="2000" kern="1200">
-                <a:solidFill>
-                  <a:schemeClr val="tx1"/>
-                </a:solidFill>
-                <a:latin typeface="+mn-lt"/>
-                <a:ea typeface="+mn-ea"/>
-                <a:cs typeface="+mn-cs"/>
-              </a:defRPr>
-            </a:lvl3pPr>
-            <a:lvl4pPr marL="1600200" indent="-228600" algn="l" defTabSz="914400" rtl="0" eaLnBrk="1" latinLnBrk="0" hangingPunct="1">
-              <a:lnSpc>
-                <a:spcPct val="90000"/>
-              </a:lnSpc>
-              <a:spcBef>
-                <a:spcPts val="500"/>
-              </a:spcBef>
-              <a:buFont typeface="Arial" panose="020B0604020202020204" pitchFamily="34" charset="0"/>
-              <a:buChar char="•"/>
-              <a:defRPr sz="1800" kern="1200">
-                <a:solidFill>
-                  <a:schemeClr val="tx1"/>
-                </a:solidFill>
-                <a:latin typeface="+mn-lt"/>
-                <a:ea typeface="+mn-ea"/>
-                <a:cs typeface="+mn-cs"/>
-              </a:defRPr>
-            </a:lvl4pPr>
-            <a:lvl5pPr marL="2057400" indent="-228600" algn="l" defTabSz="914400" rtl="0" eaLnBrk="1" latinLnBrk="0" hangingPunct="1">
-              <a:lnSpc>
-                <a:spcPct val="90000"/>
-              </a:lnSpc>
-              <a:spcBef>
-                <a:spcPts val="500"/>
-              </a:spcBef>
-              <a:buFont typeface="Arial" panose="020B0604020202020204" pitchFamily="34" charset="0"/>
-              <a:buChar char="•"/>
-              <a:defRPr sz="1800" kern="1200">
-                <a:solidFill>
-                  <a:schemeClr val="tx1"/>
-                </a:solidFill>
-                <a:latin typeface="+mn-lt"/>
-                <a:ea typeface="+mn-ea"/>
-                <a:cs typeface="+mn-cs"/>
-              </a:defRPr>
-            </a:lvl5pPr>
-            <a:lvl6pPr marL="2514600" indent="-228600" algn="l" defTabSz="914400" rtl="0" eaLnBrk="1" latinLnBrk="0" hangingPunct="1">
-              <a:lnSpc>
-                <a:spcPct val="90000"/>
-              </a:lnSpc>
-              <a:spcBef>
-                <a:spcPts val="500"/>
-              </a:spcBef>
-              <a:buFont typeface="Arial" panose="020B0604020202020204" pitchFamily="34" charset="0"/>
-              <a:buChar char="•"/>
-              <a:defRPr sz="1800" kern="1200">
-                <a:solidFill>
-                  <a:schemeClr val="tx1"/>
-                </a:solidFill>
-                <a:latin typeface="+mn-lt"/>
-                <a:ea typeface="+mn-ea"/>
-                <a:cs typeface="+mn-cs"/>
-              </a:defRPr>
-            </a:lvl6pPr>
-            <a:lvl7pPr marL="2971800" indent="-228600" algn="l" defTabSz="914400" rtl="0" eaLnBrk="1" latinLnBrk="0" hangingPunct="1">
-              <a:lnSpc>
-                <a:spcPct val="90000"/>
-              </a:lnSpc>
-              <a:spcBef>
-                <a:spcPts val="500"/>
-              </a:spcBef>
-              <a:buFont typeface="Arial" panose="020B0604020202020204" pitchFamily="34" charset="0"/>
-              <a:buChar char="•"/>
-              <a:defRPr sz="1800" kern="1200">
-                <a:solidFill>
-                  <a:schemeClr val="tx1"/>
-                </a:solidFill>
-                <a:latin typeface="+mn-lt"/>
-                <a:ea typeface="+mn-ea"/>
-                <a:cs typeface="+mn-cs"/>
-              </a:defRPr>
-            </a:lvl7pPr>
-            <a:lvl8pPr marL="3429000" indent="-228600" algn="l" defTabSz="914400" rtl="0" eaLnBrk="1" latinLnBrk="0" hangingPunct="1">
-              <a:lnSpc>
-                <a:spcPct val="90000"/>
-              </a:lnSpc>
-              <a:spcBef>
-                <a:spcPts val="500"/>
-              </a:spcBef>
-              <a:buFont typeface="Arial" panose="020B0604020202020204" pitchFamily="34" charset="0"/>
-              <a:buChar char="•"/>
-              <a:defRPr sz="1800" kern="1200">
-                <a:solidFill>
-                  <a:schemeClr val="tx1"/>
-                </a:solidFill>
-                <a:latin typeface="+mn-lt"/>
-                <a:ea typeface="+mn-ea"/>
-                <a:cs typeface="+mn-cs"/>
-              </a:defRPr>
-            </a:lvl8pPr>
-            <a:lvl9pPr marL="3886200" indent="-228600" algn="l" defTabSz="914400" rtl="0" eaLnBrk="1" latinLnBrk="0" hangingPunct="1">
-              <a:lnSpc>
-                <a:spcPct val="90000"/>
-              </a:lnSpc>
-              <a:spcBef>
-                <a:spcPts val="500"/>
-              </a:spcBef>
-              <a:buFont typeface="Arial" panose="020B0604020202020204" pitchFamily="34" charset="0"/>
-              <a:buChar char="•"/>
-              <a:defRPr sz="1800" kern="1200">
-                <a:solidFill>
-                  <a:schemeClr val="tx1"/>
-                </a:solidFill>
-                <a:latin typeface="+mn-lt"/>
-                <a:ea typeface="+mn-ea"/>
-                <a:cs typeface="+mn-cs"/>
-              </a:defRPr>
-            </a:lvl9pPr>
-          </a:lstStyle>
-          <a:p>
-            <a:pPr marL="0" indent="0" algn="r">
-              <a:spcBef>
-                <a:spcPts val="300"/>
-              </a:spcBef>
-              <a:buNone/>
-            </a:pPr>
-            <a:r>
-              <a:rPr lang="de-CH" sz="4000" dirty="0">
-                <a:latin typeface="+mj-lt"/>
-                <a:hlinkClick r:id="rId3"/>
-              </a:rPr>
-              <a:t>zhuoyao.lin@huawei.com, jean.quilbeuf@huawei.com</a:t>
-            </a:r>
-          </a:p>
-          <a:p>
-            <a:pPr marL="0" indent="0" algn="r">
-              <a:spcBef>
-                <a:spcPts val="300"/>
-              </a:spcBef>
-              <a:buNone/>
-            </a:pPr>
-            <a:r>
-              <a:rPr lang="de-CH" sz="4000" dirty="0">
-                <a:latin typeface="+mj-lt"/>
-                <a:hlinkClick r:id="rId3"/>
-              </a:rPr>
-              <a:t>ahmed.elhassany@swisscom.com, </a:t>
-            </a:r>
-            <a:r>
-              <a:rPr lang="de-CH" sz="4000" dirty="0">
-                <a:latin typeface="+mj-lt"/>
-                <a:hlinkClick r:id="rId4"/>
-              </a:rPr>
-              <a:t>alex.huang-feng@insa-lyon.fr</a:t>
-            </a:r>
-            <a:endParaRPr lang="de-CH" sz="4000" dirty="0">
-              <a:latin typeface="+mj-lt"/>
-            </a:endParaRPr>
-          </a:p>
-          <a:p>
-            <a:pPr marL="0" indent="0" algn="r">
-              <a:spcBef>
-                <a:spcPts val="300"/>
-              </a:spcBef>
-              <a:buNone/>
-            </a:pPr>
-            <a:r>
-              <a:rPr lang="de-CH" sz="4000" dirty="0">
-                <a:latin typeface="+mj-lt"/>
-                <a:hlinkClick r:id="rId3"/>
-              </a:rPr>
-              <a:t>benoit.claise@huawei.com, thomas.graf@swisscom.com</a:t>
-            </a:r>
-            <a:endParaRPr lang="de-CH" sz="4000" dirty="0">
-              <a:latin typeface="+mj-lt"/>
-            </a:endParaRPr>
-          </a:p>
-          <a:p>
-            <a:pPr marL="0" indent="0" algn="r">
-              <a:spcBef>
-                <a:spcPts val="300"/>
-              </a:spcBef>
-              <a:buNone/>
-            </a:pPr>
-            <a:endParaRPr lang="de-CH" sz="3800" dirty="0">
-              <a:latin typeface="+mj-lt"/>
-            </a:endParaRPr>
-          </a:p>
-          <a:p>
-            <a:pPr marL="0" indent="0" algn="r">
-              <a:spcBef>
-                <a:spcPts val="300"/>
-              </a:spcBef>
-              <a:buNone/>
-            </a:pPr>
-            <a:r>
-              <a:rPr lang="de-CH" sz="3800" dirty="0">
-                <a:latin typeface="+mj-lt"/>
-              </a:rPr>
-              <a:t>24. </a:t>
-            </a:r>
-            <a:r>
-              <a:rPr lang="de-CH" sz="3800" dirty="0" err="1">
-                <a:latin typeface="+mj-lt"/>
-                <a:ea typeface="+mj-ea"/>
-                <a:cs typeface="+mj-cs"/>
-              </a:rPr>
-              <a:t>July</a:t>
-            </a:r>
-            <a:r>
-              <a:rPr lang="de-CH" sz="3800" dirty="0">
-                <a:latin typeface="+mj-lt"/>
-                <a:ea typeface="+mj-ea"/>
-                <a:cs typeface="+mj-cs"/>
-              </a:rPr>
-              <a:t> 2023</a:t>
-            </a:r>
-            <a:endParaRPr lang="de-CH" sz="3800" dirty="0">
-              <a:latin typeface="+mj-lt"/>
-            </a:endParaRPr>
-          </a:p>
-          <a:p>
-            <a:pPr algn="r"/>
-            <a:endParaRPr lang="de-CH" sz="2200" dirty="0"/>
-          </a:p>
-        </p:txBody>
-      </p:sp>
-    </p:spTree>
-    <p:extLst>
-      <p:ext uri="{BB962C8B-B14F-4D97-AF65-F5344CB8AC3E}">
-        <p14:creationId xmlns:p14="http://schemas.microsoft.com/office/powerpoint/2010/main" val="2425809725"/>
-      </p:ext>
-    </p:extLst>
-  </p:cSld>
-  <p:clrMapOvr>
-    <a:masterClrMapping/>
-  </p:clrMapOvr>
-</p:sld>
-</file>
-
-<file path=ppt/slides/slide11.xml><?xml version="1.0" encoding="utf-8"?>
-<p:sld xmlns:a="http://schemas.openxmlformats.org/drawingml/2006/main" xmlns:r="http://schemas.openxmlformats.org/officeDocument/2006/relationships" xmlns:p="http://schemas.openxmlformats.org/presentationml/2006/main">
-  <p:cSld>
-    <p:spTree>
-      <p:nvGrpSpPr>
-        <p:cNvPr id="1" name=""/>
-        <p:cNvGrpSpPr/>
-        <p:nvPr/>
-      </p:nvGrpSpPr>
-      <p:grpSpPr>
-        <a:xfrm>
-          <a:off x="0" y="0"/>
-          <a:ext cx="0" cy="0"/>
-          <a:chOff x="0" y="0"/>
-          <a:chExt cx="0" cy="0"/>
-        </a:xfrm>
-      </p:grpSpPr>
-      <p:sp>
-        <p:nvSpPr>
-          <p:cNvPr id="3" name="Content Placeholder 2">
-            <a:extLst>
-              <a:ext uri="{FF2B5EF4-FFF2-40B4-BE49-F238E27FC236}">
-                <a16:creationId xmlns:a16="http://schemas.microsoft.com/office/drawing/2014/main" id="{7E45BA96-FB31-4DE8-A5DA-C5B0B2154594}"/>
-              </a:ext>
-            </a:extLst>
-          </p:cNvPr>
-          <p:cNvSpPr>
-            <a:spLocks noGrp="1"/>
-          </p:cNvSpPr>
-          <p:nvPr>
-            <p:ph idx="1"/>
-          </p:nvPr>
-        </p:nvSpPr>
-        <p:spPr>
-          <a:xfrm>
-            <a:off x="838200" y="2310937"/>
-            <a:ext cx="10515600" cy="3866025"/>
-          </a:xfrm>
-        </p:spPr>
-        <p:txBody>
-          <a:bodyPr>
-            <a:normAutofit/>
-          </a:bodyPr>
-          <a:lstStyle/>
-          <a:p>
-            <a:pPr marL="0" indent="0" algn="ctr">
-              <a:buNone/>
-            </a:pPr>
-            <a:r>
-              <a:rPr lang="de-CH" sz="7200" dirty="0"/>
-              <a:t>Netconf Working</a:t>
-            </a:r>
-            <a:br>
-              <a:rPr lang="de-CH" sz="7200" dirty="0"/>
-            </a:br>
-            <a:r>
-              <a:rPr lang="de-CH" sz="7200" dirty="0"/>
-              <a:t>Group update</a:t>
-            </a:r>
-          </a:p>
-        </p:txBody>
-      </p:sp>
-    </p:spTree>
-    <p:extLst>
-      <p:ext uri="{BB962C8B-B14F-4D97-AF65-F5344CB8AC3E}">
-        <p14:creationId xmlns:p14="http://schemas.microsoft.com/office/powerpoint/2010/main" val="4018699234"/>
-      </p:ext>
-    </p:extLst>
-  </p:cSld>
-  <p:clrMapOvr>
-    <a:masterClrMapping/>
-  </p:clrMapOvr>
-</p:sld>
-</file>
-
-<file path=ppt/slides/slide12.xml><?xml version="1.0" encoding="utf-8"?>
-<p:sld xmlns:a="http://schemas.openxmlformats.org/drawingml/2006/main" xmlns:r="http://schemas.openxmlformats.org/officeDocument/2006/relationships" xmlns:p="http://schemas.openxmlformats.org/presentationml/2006/main">
-  <p:cSld>
-    <p:spTree>
-      <p:nvGrpSpPr>
-        <p:cNvPr id="1" name=""/>
-        <p:cNvGrpSpPr/>
-        <p:nvPr/>
-      </p:nvGrpSpPr>
-      <p:grpSpPr>
-        <a:xfrm>
-          <a:off x="0" y="0"/>
-          <a:ext cx="0" cy="0"/>
-          <a:chOff x="0" y="0"/>
-          <a:chExt cx="0" cy="0"/>
-        </a:xfrm>
-      </p:grpSpPr>
-      <p:sp>
-        <p:nvSpPr>
-          <p:cNvPr id="2" name="Title 1">
-            <a:extLst>
-              <a:ext uri="{FF2B5EF4-FFF2-40B4-BE49-F238E27FC236}">
-                <a16:creationId xmlns:a16="http://schemas.microsoft.com/office/drawing/2014/main" id="{FF20F271-6F0D-4AC0-BB1D-F5C338165C13}"/>
-              </a:ext>
-            </a:extLst>
-          </p:cNvPr>
-          <p:cNvSpPr>
-            <a:spLocks noGrp="1"/>
-          </p:cNvSpPr>
-          <p:nvPr>
-            <p:ph type="title"/>
-          </p:nvPr>
-        </p:nvSpPr>
-        <p:spPr/>
-        <p:txBody>
-          <a:bodyPr>
-            <a:normAutofit/>
-          </a:bodyPr>
-          <a:lstStyle/>
-          <a:p>
-            <a:r>
-              <a:rPr lang="en-US" sz="2800" b="1" dirty="0"/>
-              <a:t>Versioning in YANG Notifications Subscription</a:t>
-            </a:r>
-            <a:br>
-              <a:rPr lang="en-GB" sz="3600" dirty="0"/>
-            </a:br>
-            <a:r>
-              <a:rPr lang="en-US" sz="2700" dirty="0">
-                <a:solidFill>
-                  <a:schemeClr val="bg2">
-                    <a:lumMod val="75000"/>
-                  </a:schemeClr>
-                </a:solidFill>
-              </a:rPr>
-              <a:t>Status and Next Steps</a:t>
-            </a:r>
-          </a:p>
-        </p:txBody>
-      </p:sp>
-      <p:sp>
-        <p:nvSpPr>
-          <p:cNvPr id="3" name="Content Placeholder 2">
-            <a:extLst>
-              <a:ext uri="{FF2B5EF4-FFF2-40B4-BE49-F238E27FC236}">
-                <a16:creationId xmlns:a16="http://schemas.microsoft.com/office/drawing/2014/main" id="{29C0DFD4-432D-4B0C-93DF-790441DCF5B9}"/>
-              </a:ext>
-            </a:extLst>
-          </p:cNvPr>
-          <p:cNvSpPr>
-            <a:spLocks noGrp="1"/>
-          </p:cNvSpPr>
-          <p:nvPr>
-            <p:ph idx="1"/>
-          </p:nvPr>
-        </p:nvSpPr>
-        <p:spPr>
-          <a:xfrm>
-            <a:off x="838199" y="1884420"/>
-            <a:ext cx="8208819" cy="4292543"/>
-          </a:xfrm>
-        </p:spPr>
-        <p:txBody>
-          <a:bodyPr>
-            <a:noAutofit/>
-          </a:bodyPr>
-          <a:lstStyle/>
-          <a:p>
-            <a:r>
-              <a:rPr lang="en-US" sz="2000" b="1" dirty="0"/>
-              <a:t> -03 NETCONF adoption call for </a:t>
-            </a:r>
-            <a:r>
-              <a:rPr lang="de-CH" sz="2000" b="1" dirty="0"/>
-              <a:t>draft-</a:t>
-            </a:r>
-            <a:r>
-              <a:rPr lang="de-CH" sz="2000" b="1" dirty="0" err="1"/>
-              <a:t>ietf</a:t>
-            </a:r>
-            <a:r>
-              <a:rPr lang="de-CH" sz="2000" b="1" dirty="0"/>
-              <a:t>-netconf-</a:t>
-            </a:r>
-            <a:r>
-              <a:rPr lang="de-CH" sz="2000" b="1" dirty="0" err="1"/>
-              <a:t>yang</a:t>
-            </a:r>
-            <a:r>
-              <a:rPr lang="de-CH" sz="2000" b="1" dirty="0"/>
-              <a:t>-</a:t>
-            </a:r>
-            <a:r>
-              <a:rPr lang="de-CH" sz="2000" b="1" dirty="0" err="1"/>
-              <a:t>notifications-versioning</a:t>
-            </a:r>
-            <a:r>
-              <a:rPr lang="de-CH" sz="2000" b="1" dirty="0"/>
-              <a:t> </a:t>
-            </a:r>
-            <a:r>
-              <a:rPr lang="en-US" sz="2000" b="1" dirty="0"/>
-              <a:t>concluded</a:t>
+              <a:t> -03 NETCONF adoption call concluded</a:t>
             </a:r>
           </a:p>
           <a:p>
@@ -7066,9 +5102,9 @@
           <a:p>
             <a:fld id="{FC4AC485-25DE-431E-B345-9C0A15BB7F8A}" type="slidenum">
               <a:rPr lang="en-US" sz="2200" smtClean="0"/>
-              <a:t>12</a:t>
+              <a:t>10</a:t>
             </a:fld>
-            <a:endParaRPr lang="en-US" sz="2200" dirty="0"/>
+            <a:endParaRPr lang="en-US" sz="2200"/>
           </a:p>
         </p:txBody>
       </p:sp>
@@ -7398,7 +5434,7 @@
 </p:sld>
 </file>
 
-<file path=ppt/slides/slide13.xml><?xml version="1.0" encoding="utf-8"?>
+<file path=ppt/slides/slide11.xml><?xml version="1.0" encoding="utf-8"?>
 <p:sld xmlns:a="http://schemas.openxmlformats.org/drawingml/2006/main" xmlns:r="http://schemas.openxmlformats.org/officeDocument/2006/relationships" xmlns:p="http://schemas.openxmlformats.org/presentationml/2006/main">
   <p:cSld>
     <p:spTree>
@@ -9754,7 +7790,7 @@
           <a:p>
             <a:fld id="{FC4AC485-25DE-431E-B345-9C0A15BB7F8A}" type="slidenum">
               <a:rPr lang="de-CH" sz="1400" smtClean="0"/>
-              <a:t>13</a:t>
+              <a:t>11</a:t>
             </a:fld>
             <a:endParaRPr lang="de-CH" sz="1400" dirty="0"/>
           </a:p>
@@ -9773,7 +7809,7 @@
 </p:sld>
 </file>
 
-<file path=ppt/slides/slide14.xml><?xml version="1.0" encoding="utf-8"?>
+<file path=ppt/slides/slide12.xml><?xml version="1.0" encoding="utf-8"?>
 <p:sld xmlns:a="http://schemas.openxmlformats.org/drawingml/2006/main" xmlns:r="http://schemas.openxmlformats.org/officeDocument/2006/relationships" xmlns:p="http://schemas.openxmlformats.org/presentationml/2006/main">
   <p:cSld>
     <p:spTree>
@@ -9841,7 +7877,7 @@
 </p:sld>
 </file>
 
-<file path=ppt/slides/slide15.xml><?xml version="1.0" encoding="utf-8"?>
+<file path=ppt/slides/slide13.xml><?xml version="1.0" encoding="utf-8"?>
 <p:sld xmlns:a="http://schemas.openxmlformats.org/drawingml/2006/main" xmlns:r="http://schemas.openxmlformats.org/officeDocument/2006/relationships" xmlns:p="http://schemas.openxmlformats.org/presentationml/2006/main">
   <p:cSld>
     <p:bg>
@@ -14685,7 +12721,7 @@
                   <a:spcPts val="600"/>
                 </a:spcAft>
               </a:pPr>
-              <a:t>15</a:t>
+              <a:t>13</a:t>
             </a:fld>
             <a:endParaRPr lang="en-US">
               <a:solidFill>
@@ -15038,7 +13074,7 @@
 </p:sld>
 </file>
 
-<file path=ppt/slides/slide16.xml><?xml version="1.0" encoding="utf-8"?>
+<file path=ppt/slides/slide14.xml><?xml version="1.0" encoding="utf-8"?>
 <p:sld xmlns:a="http://schemas.openxmlformats.org/drawingml/2006/main" xmlns:r="http://schemas.openxmlformats.org/officeDocument/2006/relationships" xmlns:p="http://schemas.openxmlformats.org/presentationml/2006/main">
   <p:cSld>
     <p:spTree>
@@ -15802,7 +13838,7 @@
           <a:p>
             <a:fld id="{FC4AC485-25DE-431E-B345-9C0A15BB7F8A}" type="slidenum">
               <a:rPr lang="de-CH" sz="1400" smtClean="0"/>
-              <a:t>16</a:t>
+              <a:t>14</a:t>
             </a:fld>
             <a:endParaRPr lang="de-CH" sz="1400" dirty="0"/>
           </a:p>
@@ -15821,7 +13857,7 @@
 </p:sld>
 </file>
 
-<file path=ppt/slides/slide17.xml><?xml version="1.0" encoding="utf-8"?>
+<file path=ppt/slides/slide15.xml><?xml version="1.0" encoding="utf-8"?>
 <p:sld xmlns:a="http://schemas.openxmlformats.org/drawingml/2006/main" xmlns:r="http://schemas.openxmlformats.org/officeDocument/2006/relationships" xmlns:p="http://schemas.openxmlformats.org/presentationml/2006/main">
   <p:cSld>
     <p:spTree>
@@ -16085,7 +14121,7 @@
           <a:p>
             <a:fld id="{FC4AC485-25DE-431E-B345-9C0A15BB7F8A}" type="slidenum">
               <a:rPr lang="de-CH" sz="1400" smtClean="0"/>
-              <a:t>17</a:t>
+              <a:t>15</a:t>
             </a:fld>
             <a:endParaRPr lang="de-CH" sz="1400" dirty="0"/>
           </a:p>
@@ -16104,7 +14140,7 @@
 </p:sld>
 </file>
 
-<file path=ppt/slides/slide18.xml><?xml version="1.0" encoding="utf-8"?>
+<file path=ppt/slides/slide16.xml><?xml version="1.0" encoding="utf-8"?>
 <p:sld xmlns:a="http://schemas.openxmlformats.org/drawingml/2006/main" xmlns:r="http://schemas.openxmlformats.org/officeDocument/2006/relationships" xmlns:p="http://schemas.openxmlformats.org/presentationml/2006/main">
   <p:cSld>
     <p:spTree>
@@ -16404,7 +14440,7 @@
           <a:p>
             <a:fld id="{FC4AC485-25DE-431E-B345-9C0A15BB7F8A}" type="slidenum">
               <a:rPr lang="de-CH" sz="1400" smtClean="0"/>
-              <a:t>18</a:t>
+              <a:t>16</a:t>
             </a:fld>
             <a:endParaRPr lang="de-CH" sz="1400" dirty="0"/>
           </a:p>
@@ -16423,7 +14459,7 @@
 </p:sld>
 </file>
 
-<file path=ppt/slides/slide19.xml><?xml version="1.0" encoding="utf-8"?>
+<file path=ppt/slides/slide17.xml><?xml version="1.0" encoding="utf-8"?>
 <p:sld xmlns:a="http://schemas.openxmlformats.org/drawingml/2006/main" xmlns:r="http://schemas.openxmlformats.org/officeDocument/2006/relationships" xmlns:p="http://schemas.openxmlformats.org/presentationml/2006/main">
   <p:cSld>
     <p:spTree>
@@ -17840,7 +15876,7 @@
           <a:p>
             <a:fld id="{FC4AC485-25DE-431E-B345-9C0A15BB7F8A}" type="slidenum">
               <a:rPr lang="de-CH" sz="1400" smtClean="0"/>
-              <a:t>19</a:t>
+              <a:t>17</a:t>
             </a:fld>
             <a:endParaRPr lang="de-CH" sz="1400" dirty="0"/>
           </a:p>
@@ -17859,532 +15895,7 @@
 </p:sld>
 </file>
 
-<file path=ppt/slides/slide2.xml><?xml version="1.0" encoding="utf-8"?>
-<p:sld xmlns:a="http://schemas.openxmlformats.org/drawingml/2006/main" xmlns:r="http://schemas.openxmlformats.org/officeDocument/2006/relationships" xmlns:p="http://schemas.openxmlformats.org/presentationml/2006/main">
-  <p:cSld>
-    <p:spTree>
-      <p:nvGrpSpPr>
-        <p:cNvPr id="1" name=""/>
-        <p:cNvGrpSpPr/>
-        <p:nvPr/>
-      </p:nvGrpSpPr>
-      <p:grpSpPr>
-        <a:xfrm>
-          <a:off x="0" y="0"/>
-          <a:ext cx="0" cy="0"/>
-          <a:chOff x="0" y="0"/>
-          <a:chExt cx="0" cy="0"/>
-        </a:xfrm>
-      </p:grpSpPr>
-      <p:pic>
-        <p:nvPicPr>
-          <p:cNvPr id="7" name="Picture 6">
-            <a:extLst>
-              <a:ext uri="{FF2B5EF4-FFF2-40B4-BE49-F238E27FC236}">
-                <a16:creationId xmlns:a16="http://schemas.microsoft.com/office/drawing/2014/main" id="{F929BEA7-4C87-41B2-B6EA-6BA78A422A72}"/>
-              </a:ext>
-            </a:extLst>
-          </p:cNvPr>
-          <p:cNvPicPr>
-            <a:picLocks noChangeAspect="1"/>
-          </p:cNvPicPr>
-          <p:nvPr/>
-        </p:nvPicPr>
-        <p:blipFill>
-          <a:blip r:embed="rId3"/>
-          <a:stretch>
-            <a:fillRect/>
-          </a:stretch>
-        </p:blipFill>
-        <p:spPr>
-          <a:xfrm>
-            <a:off x="423949" y="1782128"/>
-            <a:ext cx="7397188" cy="4409986"/>
-          </a:xfrm>
-          <a:prstGeom prst="rect">
-            <a:avLst/>
-          </a:prstGeom>
-        </p:spPr>
-      </p:pic>
-      <p:sp>
-        <p:nvSpPr>
-          <p:cNvPr id="4" name="Content Placeholder 1">
-            <a:extLst>
-              <a:ext uri="{FF2B5EF4-FFF2-40B4-BE49-F238E27FC236}">
-                <a16:creationId xmlns:a16="http://schemas.microsoft.com/office/drawing/2014/main" id="{B96F8F06-524F-4D7C-89FB-72456175BADD}"/>
-              </a:ext>
-            </a:extLst>
-          </p:cNvPr>
-          <p:cNvSpPr>
-            <a:spLocks noGrp="1"/>
-          </p:cNvSpPr>
-          <p:nvPr>
-            <p:ph idx="1"/>
-          </p:nvPr>
-        </p:nvSpPr>
-        <p:spPr>
-          <a:xfrm>
-            <a:off x="8012784" y="133004"/>
-            <a:ext cx="3949831" cy="6475613"/>
-          </a:xfrm>
-        </p:spPr>
-        <p:txBody>
-          <a:bodyPr>
-            <a:noAutofit/>
-          </a:bodyPr>
-          <a:lstStyle/>
-          <a:p>
-            <a:pPr marL="285750" indent="-285750">
-              <a:spcBef>
-                <a:spcPts val="300"/>
-              </a:spcBef>
-              <a:spcAft>
-                <a:spcPts val="300"/>
-              </a:spcAft>
-            </a:pPr>
-            <a:r>
-              <a:rPr lang="en-US" sz="1600" b="1" dirty="0"/>
-              <a:t>Data Mesh </a:t>
-            </a:r>
-            <a:r>
-              <a:rPr lang="en-US" sz="1600" dirty="0"/>
-              <a:t>is a big data architecture where different domains can exchange data with a </a:t>
-            </a:r>
-            <a:r>
-              <a:rPr lang="en-US" sz="1600" b="1" dirty="0"/>
-              <a:t>bounded context and SLO's </a:t>
-            </a:r>
-            <a:r>
-              <a:rPr lang="en-US" sz="1600" dirty="0"/>
-              <a:t>are defined in Data Products. </a:t>
-            </a:r>
-            <a:r>
-              <a:rPr lang="en-US" sz="1600" b="1" dirty="0"/>
-              <a:t>Same principle as in networks.</a:t>
-            </a:r>
-          </a:p>
-          <a:p>
-            <a:pPr marL="285750" indent="-285750">
-              <a:spcBef>
-                <a:spcPts val="300"/>
-              </a:spcBef>
-              <a:spcAft>
-                <a:spcPts val="300"/>
-              </a:spcAft>
-              <a:buFont typeface="Arial" panose="020B0604020202020204" pitchFamily="34" charset="0"/>
-              <a:buChar char="•"/>
-            </a:pPr>
-            <a:r>
-              <a:rPr lang="en-US" sz="1600" b="1" dirty="0"/>
-              <a:t>Semantics</a:t>
-            </a:r>
-            <a:r>
-              <a:rPr lang="en-US" sz="1600" dirty="0"/>
-              <a:t> are needed to describe the data. </a:t>
-            </a:r>
-            <a:r>
-              <a:rPr lang="en-US" sz="1600" b="1" dirty="0"/>
-              <a:t>A gauge32 is not the same as counter32. </a:t>
-            </a:r>
-            <a:r>
-              <a:rPr lang="en-US" sz="1600" dirty="0"/>
-              <a:t>Values can increase or decrease. Needs monotonic increasing counter normalization or not.</a:t>
-            </a:r>
-          </a:p>
-          <a:p>
-            <a:pPr marL="285750" indent="-285750">
-              <a:spcBef>
-                <a:spcPts val="300"/>
-              </a:spcBef>
-              <a:spcAft>
-                <a:spcPts val="300"/>
-              </a:spcAft>
-            </a:pPr>
-            <a:r>
-              <a:rPr lang="en-US" sz="1600" b="1" dirty="0"/>
-              <a:t>Versioning </a:t>
-            </a:r>
-            <a:r>
-              <a:rPr lang="en-US" sz="1600" dirty="0"/>
-              <a:t>is needed to</a:t>
-            </a:r>
-            <a:r>
-              <a:rPr lang="en-US" sz="1600" b="1" dirty="0"/>
-              <a:t> </a:t>
-            </a:r>
-            <a:r>
-              <a:rPr lang="en-US" sz="1600" dirty="0"/>
-              <a:t>not only understand that the semantic has changed, but also wherever the new semantic is backward compatible or not. </a:t>
-            </a:r>
-            <a:r>
-              <a:rPr lang="en-US" sz="1600" b="1" dirty="0"/>
-              <a:t>Preventing to break the data processing pipeline.</a:t>
-            </a:r>
-          </a:p>
-          <a:p>
-            <a:pPr marL="285750" indent="-285750">
-              <a:spcBef>
-                <a:spcPts val="300"/>
-              </a:spcBef>
-              <a:spcAft>
-                <a:spcPts val="300"/>
-              </a:spcAft>
-            </a:pPr>
-            <a:r>
-              <a:rPr lang="en-US" sz="1600" b="1" dirty="0"/>
-              <a:t>Hostname, publisher ID, sequence numbers and observation timestamping </a:t>
-            </a:r>
-            <a:r>
-              <a:rPr lang="en-US" sz="1600" dirty="0"/>
-              <a:t>are needed to </a:t>
-            </a:r>
-            <a:r>
-              <a:rPr lang="en-US" sz="1600" b="1" dirty="0"/>
-              <a:t>measure loss and delay for SLO's.</a:t>
-            </a:r>
-          </a:p>
-          <a:p>
-            <a:pPr marL="285750" indent="-285750">
-              <a:spcBef>
-                <a:spcPts val="300"/>
-              </a:spcBef>
-              <a:spcAft>
-                <a:spcPts val="300"/>
-              </a:spcAft>
-              <a:buFont typeface="Arial" panose="020B0604020202020204" pitchFamily="34" charset="0"/>
-              <a:buChar char="•"/>
-            </a:pPr>
-            <a:r>
-              <a:rPr lang="en-US" sz="1600" b="1" dirty="0"/>
-              <a:t>YANG push as defined in RFC8641 is missing </a:t>
-            </a:r>
-            <a:r>
-              <a:rPr lang="en-US" sz="1600" dirty="0"/>
-              <a:t>hostname, sequence numbers, observation timestamping and versioning</a:t>
-            </a:r>
-            <a:r>
-              <a:rPr lang="en-US" sz="1600" b="1" dirty="0"/>
-              <a:t>. </a:t>
-            </a:r>
-            <a:r>
-              <a:rPr lang="en-US" sz="1600" dirty="0">
-                <a:solidFill>
-                  <a:srgbClr val="FF0000"/>
-                </a:solidFill>
-              </a:rPr>
-              <a:t>draft-</a:t>
-            </a:r>
-            <a:r>
-              <a:rPr lang="en-US" sz="1600" dirty="0" err="1">
-                <a:solidFill>
-                  <a:srgbClr val="FF0000"/>
-                </a:solidFill>
-              </a:rPr>
-              <a:t>ahuang</a:t>
-            </a:r>
-            <a:r>
-              <a:rPr lang="en-US" sz="1600" dirty="0">
-                <a:solidFill>
-                  <a:srgbClr val="FF0000"/>
-                </a:solidFill>
-              </a:rPr>
-              <a:t>-netconf-</a:t>
-            </a:r>
-            <a:r>
-              <a:rPr lang="en-US" sz="1600" dirty="0" err="1">
-                <a:solidFill>
-                  <a:srgbClr val="FF0000"/>
-                </a:solidFill>
-              </a:rPr>
-              <a:t>notif</a:t>
-            </a:r>
-            <a:r>
-              <a:rPr lang="en-US" sz="1600" dirty="0">
-                <a:solidFill>
-                  <a:srgbClr val="FF0000"/>
-                </a:solidFill>
-              </a:rPr>
-              <a:t>-yang, draft-</a:t>
-            </a:r>
-            <a:r>
-              <a:rPr lang="en-US" sz="1600" dirty="0" err="1">
-                <a:solidFill>
-                  <a:srgbClr val="FF0000"/>
-                </a:solidFill>
-              </a:rPr>
-              <a:t>tgraf</a:t>
-            </a:r>
-            <a:r>
-              <a:rPr lang="en-US" sz="1600" dirty="0">
-                <a:solidFill>
-                  <a:srgbClr val="FF0000"/>
-                </a:solidFill>
-              </a:rPr>
-              <a:t>-netconf-</a:t>
-            </a:r>
-            <a:r>
-              <a:rPr lang="en-US" sz="1600" dirty="0" err="1">
-                <a:solidFill>
-                  <a:srgbClr val="FF0000"/>
-                </a:solidFill>
-              </a:rPr>
-              <a:t>notif</a:t>
-            </a:r>
-            <a:r>
-              <a:rPr lang="en-US" sz="1600" dirty="0">
-                <a:solidFill>
-                  <a:srgbClr val="FF0000"/>
-                </a:solidFill>
-              </a:rPr>
-              <a:t>-sequencing, draft-</a:t>
-            </a:r>
-            <a:r>
-              <a:rPr lang="en-US" sz="1600" dirty="0" err="1">
-                <a:solidFill>
-                  <a:srgbClr val="FF0000"/>
-                </a:solidFill>
-              </a:rPr>
-              <a:t>tgraf</a:t>
-            </a:r>
-            <a:r>
-              <a:rPr lang="en-US" sz="1600" dirty="0">
-                <a:solidFill>
-                  <a:srgbClr val="FF0000"/>
-                </a:solidFill>
-              </a:rPr>
-              <a:t>-yang-push-observation-time and draft-</a:t>
-            </a:r>
-            <a:r>
-              <a:rPr lang="en-US" sz="1600" dirty="0" err="1">
-                <a:solidFill>
-                  <a:srgbClr val="FF0000"/>
-                </a:solidFill>
-              </a:rPr>
-              <a:t>ietf</a:t>
-            </a:r>
-            <a:r>
-              <a:rPr lang="en-US" sz="1600" dirty="0">
-                <a:solidFill>
-                  <a:srgbClr val="FF0000"/>
-                </a:solidFill>
-              </a:rPr>
-              <a:t>-netconf-yang-notifications-versioning</a:t>
-            </a:r>
-            <a:r>
-              <a:rPr lang="en-US" sz="1600" dirty="0"/>
-              <a:t> addresses this.</a:t>
-            </a:r>
-          </a:p>
-        </p:txBody>
-      </p:sp>
-      <p:sp>
-        <p:nvSpPr>
-          <p:cNvPr id="8" name="Title 1">
-            <a:extLst>
-              <a:ext uri="{FF2B5EF4-FFF2-40B4-BE49-F238E27FC236}">
-                <a16:creationId xmlns:a16="http://schemas.microsoft.com/office/drawing/2014/main" id="{C173E561-BB7B-4538-A147-1F4401F1B1C7}"/>
-              </a:ext>
-            </a:extLst>
-          </p:cNvPr>
-          <p:cNvSpPr txBox="1">
-            <a:spLocks/>
-          </p:cNvSpPr>
-          <p:nvPr/>
-        </p:nvSpPr>
-        <p:spPr bwMode="black">
-          <a:xfrm>
-            <a:off x="838200" y="365125"/>
-            <a:ext cx="6982937" cy="1325563"/>
-          </a:xfrm>
-          <a:prstGeom prst="rect">
-            <a:avLst/>
-          </a:prstGeom>
-        </p:spPr>
-        <p:txBody>
-          <a:bodyPr vert="horz" lIns="91440" tIns="45720" rIns="91440" bIns="45720" rtlCol="0" anchor="ctr">
-            <a:normAutofit/>
-          </a:bodyPr>
-          <a:lstStyle>
-            <a:lvl1pPr algn="l" defTabSz="914400" rtl="0" eaLnBrk="1" latinLnBrk="0" hangingPunct="1">
-              <a:lnSpc>
-                <a:spcPct val="90000"/>
-              </a:lnSpc>
-              <a:spcBef>
-                <a:spcPct val="0"/>
-              </a:spcBef>
-              <a:buNone/>
-              <a:defRPr sz="4400" kern="1200">
-                <a:solidFill>
-                  <a:schemeClr val="tx1"/>
-                </a:solidFill>
-                <a:latin typeface="+mj-lt"/>
-                <a:ea typeface="+mj-ea"/>
-                <a:cs typeface="+mj-cs"/>
-              </a:defRPr>
-            </a:lvl1pPr>
-          </a:lstStyle>
-          <a:p>
-            <a:r>
-              <a:rPr lang="en-US" sz="3100" b="1" dirty="0"/>
-              <a:t>When Big Data and Network becomes </a:t>
-            </a:r>
-            <a:r>
-              <a:rPr lang="en-US" sz="3100" b="1" dirty="0">
-                <a:solidFill>
-                  <a:srgbClr val="FF0000"/>
-                </a:solidFill>
-              </a:rPr>
-              <a:t>one</a:t>
-            </a:r>
-            <a:br>
-              <a:rPr lang="en-GB" sz="2800" dirty="0"/>
-            </a:br>
-            <a:r>
-              <a:rPr lang="en-US" sz="2700" dirty="0">
-                <a:solidFill>
-                  <a:schemeClr val="bg1">
-                    <a:lumMod val="65000"/>
-                  </a:schemeClr>
-                </a:solidFill>
-              </a:rPr>
-              <a:t>Marrying two messaging protocols</a:t>
-            </a:r>
-            <a:endParaRPr lang="en-US" sz="2700" dirty="0">
-              <a:solidFill>
-                <a:schemeClr val="bg2">
-                  <a:lumMod val="75000"/>
-                </a:schemeClr>
-              </a:solidFill>
-            </a:endParaRPr>
-          </a:p>
-        </p:txBody>
-      </p:sp>
-      <p:sp>
-        <p:nvSpPr>
-          <p:cNvPr id="6" name="Oval 5">
-            <a:extLst>
-              <a:ext uri="{FF2B5EF4-FFF2-40B4-BE49-F238E27FC236}">
-                <a16:creationId xmlns:a16="http://schemas.microsoft.com/office/drawing/2014/main" id="{64DBE9D0-56F0-4D8D-BAF6-1ECE169C127F}"/>
-              </a:ext>
-            </a:extLst>
-          </p:cNvPr>
-          <p:cNvSpPr/>
-          <p:nvPr/>
-        </p:nvSpPr>
-        <p:spPr>
-          <a:xfrm>
-            <a:off x="3979347" y="5158456"/>
-            <a:ext cx="1008669" cy="1033658"/>
-          </a:xfrm>
-          <a:prstGeom prst="ellipse">
-            <a:avLst/>
-          </a:prstGeom>
-          <a:solidFill>
-            <a:srgbClr val="FF0000">
-              <a:alpha val="10000"/>
-            </a:srgbClr>
-          </a:solidFill>
-          <a:ln w="25400">
-            <a:solidFill>
-              <a:srgbClr val="FF0000"/>
-            </a:solidFill>
-          </a:ln>
-        </p:spPr>
-        <p:style>
-          <a:lnRef idx="2">
-            <a:schemeClr val="accent1">
-              <a:shade val="50000"/>
-            </a:schemeClr>
-          </a:lnRef>
-          <a:fillRef idx="1">
-            <a:schemeClr val="accent1"/>
-          </a:fillRef>
-          <a:effectRef idx="0">
-            <a:schemeClr val="accent1"/>
-          </a:effectRef>
-          <a:fontRef idx="minor">
-            <a:schemeClr val="lt1"/>
-          </a:fontRef>
-        </p:style>
-        <p:txBody>
-          <a:bodyPr rtlCol="0" anchor="ctr"/>
-          <a:lstStyle/>
-          <a:p>
-            <a:pPr algn="ctr"/>
-            <a:endParaRPr lang="de-CH"/>
-          </a:p>
-        </p:txBody>
-      </p:sp>
-      <p:sp>
-        <p:nvSpPr>
-          <p:cNvPr id="2" name="Oval 1">
-            <a:extLst>
-              <a:ext uri="{FF2B5EF4-FFF2-40B4-BE49-F238E27FC236}">
-                <a16:creationId xmlns:a16="http://schemas.microsoft.com/office/drawing/2014/main" id="{D3F03D0C-A3B2-38F6-0A69-3E2D4F5733C1}"/>
-              </a:ext>
-            </a:extLst>
-          </p:cNvPr>
-          <p:cNvSpPr/>
-          <p:nvPr/>
-        </p:nvSpPr>
-        <p:spPr>
-          <a:xfrm>
-            <a:off x="1779245" y="4246827"/>
-            <a:ext cx="1008669" cy="1033658"/>
-          </a:xfrm>
-          <a:prstGeom prst="ellipse">
-            <a:avLst/>
-          </a:prstGeom>
-          <a:solidFill>
-            <a:srgbClr val="FF0000">
-              <a:alpha val="10000"/>
-            </a:srgbClr>
-          </a:solidFill>
-          <a:ln w="25400">
-            <a:solidFill>
-              <a:srgbClr val="FF0000"/>
-            </a:solidFill>
-          </a:ln>
-        </p:spPr>
-        <p:style>
-          <a:lnRef idx="2">
-            <a:schemeClr val="accent1">
-              <a:shade val="50000"/>
-            </a:schemeClr>
-          </a:lnRef>
-          <a:fillRef idx="1">
-            <a:schemeClr val="accent1"/>
-          </a:fillRef>
-          <a:effectRef idx="0">
-            <a:schemeClr val="accent1"/>
-          </a:effectRef>
-          <a:fontRef idx="minor">
-            <a:schemeClr val="lt1"/>
-          </a:fontRef>
-        </p:style>
-        <p:txBody>
-          <a:bodyPr rtlCol="0" anchor="ctr"/>
-          <a:lstStyle/>
-          <a:p>
-            <a:pPr algn="ctr"/>
-            <a:endParaRPr lang="de-CH"/>
-          </a:p>
-        </p:txBody>
-      </p:sp>
-    </p:spTree>
-    <p:extLst>
-      <p:ext uri="{BB962C8B-B14F-4D97-AF65-F5344CB8AC3E}">
-        <p14:creationId xmlns:p14="http://schemas.microsoft.com/office/powerpoint/2010/main" val="3188824003"/>
-      </p:ext>
-    </p:extLst>
-  </p:cSld>
-  <p:clrMapOvr>
-    <a:masterClrMapping/>
-  </p:clrMapOvr>
-</p:sld>
-</file>
-
-<file path=ppt/slides/slide20.xml><?xml version="1.0" encoding="utf-8"?>
+<file path=ppt/slides/slide18.xml><?xml version="1.0" encoding="utf-8"?>
 <p:sld xmlns:a="http://schemas.openxmlformats.org/drawingml/2006/main" xmlns:r="http://schemas.openxmlformats.org/officeDocument/2006/relationships" xmlns:p="http://schemas.openxmlformats.org/presentationml/2006/main">
   <p:cSld>
     <p:spTree>
@@ -18670,7 +16181,7 @@
           <a:p>
             <a:fld id="{FC4AC485-25DE-431E-B345-9C0A15BB7F8A}" type="slidenum">
               <a:rPr lang="de-CH" sz="1400" smtClean="0"/>
-              <a:t>20</a:t>
+              <a:t>18</a:t>
             </a:fld>
             <a:endParaRPr lang="de-CH" sz="1400" dirty="0"/>
           </a:p>
@@ -18689,7 +16200,7 @@
 </p:sld>
 </file>
 
-<file path=ppt/slides/slide21.xml><?xml version="1.0" encoding="utf-8"?>
+<file path=ppt/slides/slide19.xml><?xml version="1.0" encoding="utf-8"?>
 <p:sld xmlns:a="http://schemas.openxmlformats.org/drawingml/2006/main" xmlns:r="http://schemas.openxmlformats.org/officeDocument/2006/relationships" xmlns:p="http://schemas.openxmlformats.org/presentationml/2006/main">
   <p:cSld>
     <p:spTree>
@@ -19845,7 +17356,7 @@
           <a:p>
             <a:fld id="{FC4AC485-25DE-431E-B345-9C0A15BB7F8A}" type="slidenum">
               <a:rPr lang="de-CH" sz="1400" smtClean="0"/>
-              <a:t>21</a:t>
+              <a:t>19</a:t>
             </a:fld>
             <a:endParaRPr lang="de-CH" sz="1400" dirty="0"/>
           </a:p>
@@ -20583,7 +18094,532 @@
 </p:sld>
 </file>
 
-<file path=ppt/slides/slide22.xml><?xml version="1.0" encoding="utf-8"?>
+<file path=ppt/slides/slide2.xml><?xml version="1.0" encoding="utf-8"?>
+<p:sld xmlns:a="http://schemas.openxmlformats.org/drawingml/2006/main" xmlns:r="http://schemas.openxmlformats.org/officeDocument/2006/relationships" xmlns:p="http://schemas.openxmlformats.org/presentationml/2006/main">
+  <p:cSld>
+    <p:spTree>
+      <p:nvGrpSpPr>
+        <p:cNvPr id="1" name=""/>
+        <p:cNvGrpSpPr/>
+        <p:nvPr/>
+      </p:nvGrpSpPr>
+      <p:grpSpPr>
+        <a:xfrm>
+          <a:off x="0" y="0"/>
+          <a:ext cx="0" cy="0"/>
+          <a:chOff x="0" y="0"/>
+          <a:chExt cx="0" cy="0"/>
+        </a:xfrm>
+      </p:grpSpPr>
+      <p:pic>
+        <p:nvPicPr>
+          <p:cNvPr id="7" name="Picture 6">
+            <a:extLst>
+              <a:ext uri="{FF2B5EF4-FFF2-40B4-BE49-F238E27FC236}">
+                <a16:creationId xmlns:a16="http://schemas.microsoft.com/office/drawing/2014/main" id="{F929BEA7-4C87-41B2-B6EA-6BA78A422A72}"/>
+              </a:ext>
+            </a:extLst>
+          </p:cNvPr>
+          <p:cNvPicPr>
+            <a:picLocks noChangeAspect="1"/>
+          </p:cNvPicPr>
+          <p:nvPr/>
+        </p:nvPicPr>
+        <p:blipFill>
+          <a:blip r:embed="rId3"/>
+          <a:stretch>
+            <a:fillRect/>
+          </a:stretch>
+        </p:blipFill>
+        <p:spPr>
+          <a:xfrm>
+            <a:off x="423949" y="1782128"/>
+            <a:ext cx="7397188" cy="4409986"/>
+          </a:xfrm>
+          <a:prstGeom prst="rect">
+            <a:avLst/>
+          </a:prstGeom>
+        </p:spPr>
+      </p:pic>
+      <p:sp>
+        <p:nvSpPr>
+          <p:cNvPr id="4" name="Content Placeholder 1">
+            <a:extLst>
+              <a:ext uri="{FF2B5EF4-FFF2-40B4-BE49-F238E27FC236}">
+                <a16:creationId xmlns:a16="http://schemas.microsoft.com/office/drawing/2014/main" id="{B96F8F06-524F-4D7C-89FB-72456175BADD}"/>
+              </a:ext>
+            </a:extLst>
+          </p:cNvPr>
+          <p:cNvSpPr>
+            <a:spLocks noGrp="1"/>
+          </p:cNvSpPr>
+          <p:nvPr>
+            <p:ph idx="1"/>
+          </p:nvPr>
+        </p:nvSpPr>
+        <p:spPr>
+          <a:xfrm>
+            <a:off x="8012784" y="133004"/>
+            <a:ext cx="3949831" cy="6475613"/>
+          </a:xfrm>
+        </p:spPr>
+        <p:txBody>
+          <a:bodyPr>
+            <a:noAutofit/>
+          </a:bodyPr>
+          <a:lstStyle/>
+          <a:p>
+            <a:pPr marL="285750" indent="-285750">
+              <a:spcBef>
+                <a:spcPts val="300"/>
+              </a:spcBef>
+              <a:spcAft>
+                <a:spcPts val="300"/>
+              </a:spcAft>
+            </a:pPr>
+            <a:r>
+              <a:rPr lang="en-US" sz="1600" b="1" dirty="0"/>
+              <a:t>Data Mesh </a:t>
+            </a:r>
+            <a:r>
+              <a:rPr lang="en-US" sz="1600" dirty="0"/>
+              <a:t>is a big data architecture where different domains can exchange data with a </a:t>
+            </a:r>
+            <a:r>
+              <a:rPr lang="en-US" sz="1600" b="1" dirty="0"/>
+              <a:t>bounded context and SLO's </a:t>
+            </a:r>
+            <a:r>
+              <a:rPr lang="en-US" sz="1600" dirty="0"/>
+              <a:t>are defined in Data Products. </a:t>
+            </a:r>
+            <a:r>
+              <a:rPr lang="en-US" sz="1600" b="1" dirty="0"/>
+              <a:t>Same principle as in networks.</a:t>
+            </a:r>
+          </a:p>
+          <a:p>
+            <a:pPr marL="285750" indent="-285750">
+              <a:spcBef>
+                <a:spcPts val="300"/>
+              </a:spcBef>
+              <a:spcAft>
+                <a:spcPts val="300"/>
+              </a:spcAft>
+              <a:buFont typeface="Arial" panose="020B0604020202020204" pitchFamily="34" charset="0"/>
+              <a:buChar char="•"/>
+            </a:pPr>
+            <a:r>
+              <a:rPr lang="en-US" sz="1600" b="1" dirty="0"/>
+              <a:t>Semantics</a:t>
+            </a:r>
+            <a:r>
+              <a:rPr lang="en-US" sz="1600" dirty="0"/>
+              <a:t> are needed to describe the data. </a:t>
+            </a:r>
+            <a:r>
+              <a:rPr lang="en-US" sz="1600" b="1" dirty="0"/>
+              <a:t>A gauge32 is not the same as counter32. </a:t>
+            </a:r>
+            <a:r>
+              <a:rPr lang="en-US" sz="1600" dirty="0"/>
+              <a:t>Values can increase or decrease. Needs monotonic increasing counter normalization or not.</a:t>
+            </a:r>
+          </a:p>
+          <a:p>
+            <a:pPr marL="285750" indent="-285750">
+              <a:spcBef>
+                <a:spcPts val="300"/>
+              </a:spcBef>
+              <a:spcAft>
+                <a:spcPts val="300"/>
+              </a:spcAft>
+            </a:pPr>
+            <a:r>
+              <a:rPr lang="en-US" sz="1600" b="1" dirty="0"/>
+              <a:t>Versioning </a:t>
+            </a:r>
+            <a:r>
+              <a:rPr lang="en-US" sz="1600" dirty="0"/>
+              <a:t>is needed to</a:t>
+            </a:r>
+            <a:r>
+              <a:rPr lang="en-US" sz="1600" b="1" dirty="0"/>
+              <a:t> </a:t>
+            </a:r>
+            <a:r>
+              <a:rPr lang="en-US" sz="1600" dirty="0"/>
+              <a:t>not only understand that the semantic has changed, but also wherever the new semantic is backward compatible or not. </a:t>
+            </a:r>
+            <a:r>
+              <a:rPr lang="en-US" sz="1600" b="1" dirty="0"/>
+              <a:t>Preventing to break the data processing pipeline.</a:t>
+            </a:r>
+          </a:p>
+          <a:p>
+            <a:pPr marL="285750" indent="-285750">
+              <a:spcBef>
+                <a:spcPts val="300"/>
+              </a:spcBef>
+              <a:spcAft>
+                <a:spcPts val="300"/>
+              </a:spcAft>
+            </a:pPr>
+            <a:r>
+              <a:rPr lang="en-US" sz="1600" b="1" dirty="0"/>
+              <a:t>Hostname, publisher ID, sequence numbers and observation timestamping </a:t>
+            </a:r>
+            <a:r>
+              <a:rPr lang="en-US" sz="1600" dirty="0"/>
+              <a:t>are needed to </a:t>
+            </a:r>
+            <a:r>
+              <a:rPr lang="en-US" sz="1600" b="1" dirty="0"/>
+              <a:t>measure loss and delay for SLO's.</a:t>
+            </a:r>
+          </a:p>
+          <a:p>
+            <a:pPr marL="285750" indent="-285750">
+              <a:spcBef>
+                <a:spcPts val="300"/>
+              </a:spcBef>
+              <a:spcAft>
+                <a:spcPts val="300"/>
+              </a:spcAft>
+              <a:buFont typeface="Arial" panose="020B0604020202020204" pitchFamily="34" charset="0"/>
+              <a:buChar char="•"/>
+            </a:pPr>
+            <a:r>
+              <a:rPr lang="en-US" sz="1600" b="1" dirty="0"/>
+              <a:t>YANG push as defined in RFC8641 is missing </a:t>
+            </a:r>
+            <a:r>
+              <a:rPr lang="en-US" sz="1600" dirty="0"/>
+              <a:t>hostname, sequence numbers, observation timestamping and versioning</a:t>
+            </a:r>
+            <a:r>
+              <a:rPr lang="en-US" sz="1600" b="1" dirty="0"/>
+              <a:t>. </a:t>
+            </a:r>
+            <a:r>
+              <a:rPr lang="en-US" sz="1600" dirty="0">
+                <a:solidFill>
+                  <a:srgbClr val="FF0000"/>
+                </a:solidFill>
+              </a:rPr>
+              <a:t>draft-</a:t>
+            </a:r>
+            <a:r>
+              <a:rPr lang="en-US" sz="1600" dirty="0" err="1">
+                <a:solidFill>
+                  <a:srgbClr val="FF0000"/>
+                </a:solidFill>
+              </a:rPr>
+              <a:t>ahuang</a:t>
+            </a:r>
+            <a:r>
+              <a:rPr lang="en-US" sz="1600" dirty="0">
+                <a:solidFill>
+                  <a:srgbClr val="FF0000"/>
+                </a:solidFill>
+              </a:rPr>
+              <a:t>-netconf-</a:t>
+            </a:r>
+            <a:r>
+              <a:rPr lang="en-US" sz="1600" dirty="0" err="1">
+                <a:solidFill>
+                  <a:srgbClr val="FF0000"/>
+                </a:solidFill>
+              </a:rPr>
+              <a:t>notif</a:t>
+            </a:r>
+            <a:r>
+              <a:rPr lang="en-US" sz="1600" dirty="0">
+                <a:solidFill>
+                  <a:srgbClr val="FF0000"/>
+                </a:solidFill>
+              </a:rPr>
+              <a:t>-yang, draft-</a:t>
+            </a:r>
+            <a:r>
+              <a:rPr lang="en-US" sz="1600" dirty="0" err="1">
+                <a:solidFill>
+                  <a:srgbClr val="FF0000"/>
+                </a:solidFill>
+              </a:rPr>
+              <a:t>tgraf</a:t>
+            </a:r>
+            <a:r>
+              <a:rPr lang="en-US" sz="1600" dirty="0">
+                <a:solidFill>
+                  <a:srgbClr val="FF0000"/>
+                </a:solidFill>
+              </a:rPr>
+              <a:t>-netconf-</a:t>
+            </a:r>
+            <a:r>
+              <a:rPr lang="en-US" sz="1600" dirty="0" err="1">
+                <a:solidFill>
+                  <a:srgbClr val="FF0000"/>
+                </a:solidFill>
+              </a:rPr>
+              <a:t>notif</a:t>
+            </a:r>
+            <a:r>
+              <a:rPr lang="en-US" sz="1600" dirty="0">
+                <a:solidFill>
+                  <a:srgbClr val="FF0000"/>
+                </a:solidFill>
+              </a:rPr>
+              <a:t>-sequencing, draft-</a:t>
+            </a:r>
+            <a:r>
+              <a:rPr lang="en-US" sz="1600" dirty="0" err="1">
+                <a:solidFill>
+                  <a:srgbClr val="FF0000"/>
+                </a:solidFill>
+              </a:rPr>
+              <a:t>tgraf</a:t>
+            </a:r>
+            <a:r>
+              <a:rPr lang="en-US" sz="1600" dirty="0">
+                <a:solidFill>
+                  <a:srgbClr val="FF0000"/>
+                </a:solidFill>
+              </a:rPr>
+              <a:t>-yang-push-observation-time and draft-</a:t>
+            </a:r>
+            <a:r>
+              <a:rPr lang="en-US" sz="1600" dirty="0" err="1">
+                <a:solidFill>
+                  <a:srgbClr val="FF0000"/>
+                </a:solidFill>
+              </a:rPr>
+              <a:t>ietf</a:t>
+            </a:r>
+            <a:r>
+              <a:rPr lang="en-US" sz="1600" dirty="0">
+                <a:solidFill>
+                  <a:srgbClr val="FF0000"/>
+                </a:solidFill>
+              </a:rPr>
+              <a:t>-netconf-yang-notifications-versioning</a:t>
+            </a:r>
+            <a:r>
+              <a:rPr lang="en-US" sz="1600" dirty="0"/>
+              <a:t> addresses this.</a:t>
+            </a:r>
+          </a:p>
+        </p:txBody>
+      </p:sp>
+      <p:sp>
+        <p:nvSpPr>
+          <p:cNvPr id="8" name="Title 1">
+            <a:extLst>
+              <a:ext uri="{FF2B5EF4-FFF2-40B4-BE49-F238E27FC236}">
+                <a16:creationId xmlns:a16="http://schemas.microsoft.com/office/drawing/2014/main" id="{C173E561-BB7B-4538-A147-1F4401F1B1C7}"/>
+              </a:ext>
+            </a:extLst>
+          </p:cNvPr>
+          <p:cNvSpPr txBox="1">
+            <a:spLocks/>
+          </p:cNvSpPr>
+          <p:nvPr/>
+        </p:nvSpPr>
+        <p:spPr bwMode="black">
+          <a:xfrm>
+            <a:off x="838200" y="365125"/>
+            <a:ext cx="6982937" cy="1325563"/>
+          </a:xfrm>
+          <a:prstGeom prst="rect">
+            <a:avLst/>
+          </a:prstGeom>
+        </p:spPr>
+        <p:txBody>
+          <a:bodyPr vert="horz" lIns="91440" tIns="45720" rIns="91440" bIns="45720" rtlCol="0" anchor="ctr">
+            <a:normAutofit/>
+          </a:bodyPr>
+          <a:lstStyle>
+            <a:lvl1pPr algn="l" defTabSz="914400" rtl="0" eaLnBrk="1" latinLnBrk="0" hangingPunct="1">
+              <a:lnSpc>
+                <a:spcPct val="90000"/>
+              </a:lnSpc>
+              <a:spcBef>
+                <a:spcPct val="0"/>
+              </a:spcBef>
+              <a:buNone/>
+              <a:defRPr sz="4400" kern="1200">
+                <a:solidFill>
+                  <a:schemeClr val="tx1"/>
+                </a:solidFill>
+                <a:latin typeface="+mj-lt"/>
+                <a:ea typeface="+mj-ea"/>
+                <a:cs typeface="+mj-cs"/>
+              </a:defRPr>
+            </a:lvl1pPr>
+          </a:lstStyle>
+          <a:p>
+            <a:r>
+              <a:rPr lang="en-US" sz="3100" b="1" dirty="0"/>
+              <a:t>When Big Data and Network becomes </a:t>
+            </a:r>
+            <a:r>
+              <a:rPr lang="en-US" sz="3100" b="1" dirty="0">
+                <a:solidFill>
+                  <a:srgbClr val="FF0000"/>
+                </a:solidFill>
+              </a:rPr>
+              <a:t>one</a:t>
+            </a:r>
+            <a:br>
+              <a:rPr lang="en-GB" sz="2800" dirty="0"/>
+            </a:br>
+            <a:r>
+              <a:rPr lang="en-US" sz="2700" dirty="0">
+                <a:solidFill>
+                  <a:schemeClr val="bg1">
+                    <a:lumMod val="65000"/>
+                  </a:schemeClr>
+                </a:solidFill>
+              </a:rPr>
+              <a:t>Marrying two messaging protocols</a:t>
+            </a:r>
+            <a:endParaRPr lang="en-US" sz="2700" dirty="0">
+              <a:solidFill>
+                <a:schemeClr val="bg2">
+                  <a:lumMod val="75000"/>
+                </a:schemeClr>
+              </a:solidFill>
+            </a:endParaRPr>
+          </a:p>
+        </p:txBody>
+      </p:sp>
+      <p:sp>
+        <p:nvSpPr>
+          <p:cNvPr id="6" name="Oval 5">
+            <a:extLst>
+              <a:ext uri="{FF2B5EF4-FFF2-40B4-BE49-F238E27FC236}">
+                <a16:creationId xmlns:a16="http://schemas.microsoft.com/office/drawing/2014/main" id="{64DBE9D0-56F0-4D8D-BAF6-1ECE169C127F}"/>
+              </a:ext>
+            </a:extLst>
+          </p:cNvPr>
+          <p:cNvSpPr/>
+          <p:nvPr/>
+        </p:nvSpPr>
+        <p:spPr>
+          <a:xfrm>
+            <a:off x="3979347" y="5158456"/>
+            <a:ext cx="1008669" cy="1033658"/>
+          </a:xfrm>
+          <a:prstGeom prst="ellipse">
+            <a:avLst/>
+          </a:prstGeom>
+          <a:solidFill>
+            <a:srgbClr val="FF0000">
+              <a:alpha val="10000"/>
+            </a:srgbClr>
+          </a:solidFill>
+          <a:ln w="25400">
+            <a:solidFill>
+              <a:srgbClr val="FF0000"/>
+            </a:solidFill>
+          </a:ln>
+        </p:spPr>
+        <p:style>
+          <a:lnRef idx="2">
+            <a:schemeClr val="accent1">
+              <a:shade val="50000"/>
+            </a:schemeClr>
+          </a:lnRef>
+          <a:fillRef idx="1">
+            <a:schemeClr val="accent1"/>
+          </a:fillRef>
+          <a:effectRef idx="0">
+            <a:schemeClr val="accent1"/>
+          </a:effectRef>
+          <a:fontRef idx="minor">
+            <a:schemeClr val="lt1"/>
+          </a:fontRef>
+        </p:style>
+        <p:txBody>
+          <a:bodyPr rtlCol="0" anchor="ctr"/>
+          <a:lstStyle/>
+          <a:p>
+            <a:pPr algn="ctr"/>
+            <a:endParaRPr lang="de-CH"/>
+          </a:p>
+        </p:txBody>
+      </p:sp>
+      <p:sp>
+        <p:nvSpPr>
+          <p:cNvPr id="2" name="Oval 1">
+            <a:extLst>
+              <a:ext uri="{FF2B5EF4-FFF2-40B4-BE49-F238E27FC236}">
+                <a16:creationId xmlns:a16="http://schemas.microsoft.com/office/drawing/2014/main" id="{D3F03D0C-A3B2-38F6-0A69-3E2D4F5733C1}"/>
+              </a:ext>
+            </a:extLst>
+          </p:cNvPr>
+          <p:cNvSpPr/>
+          <p:nvPr/>
+        </p:nvSpPr>
+        <p:spPr>
+          <a:xfrm>
+            <a:off x="1779245" y="4246827"/>
+            <a:ext cx="1008669" cy="1033658"/>
+          </a:xfrm>
+          <a:prstGeom prst="ellipse">
+            <a:avLst/>
+          </a:prstGeom>
+          <a:solidFill>
+            <a:srgbClr val="FF0000">
+              <a:alpha val="10000"/>
+            </a:srgbClr>
+          </a:solidFill>
+          <a:ln w="25400">
+            <a:solidFill>
+              <a:srgbClr val="FF0000"/>
+            </a:solidFill>
+          </a:ln>
+        </p:spPr>
+        <p:style>
+          <a:lnRef idx="2">
+            <a:schemeClr val="accent1">
+              <a:shade val="50000"/>
+            </a:schemeClr>
+          </a:lnRef>
+          <a:fillRef idx="1">
+            <a:schemeClr val="accent1"/>
+          </a:fillRef>
+          <a:effectRef idx="0">
+            <a:schemeClr val="accent1"/>
+          </a:effectRef>
+          <a:fontRef idx="minor">
+            <a:schemeClr val="lt1"/>
+          </a:fontRef>
+        </p:style>
+        <p:txBody>
+          <a:bodyPr rtlCol="0" anchor="ctr"/>
+          <a:lstStyle/>
+          <a:p>
+            <a:pPr algn="ctr"/>
+            <a:endParaRPr lang="de-CH"/>
+          </a:p>
+        </p:txBody>
+      </p:sp>
+    </p:spTree>
+    <p:extLst>
+      <p:ext uri="{BB962C8B-B14F-4D97-AF65-F5344CB8AC3E}">
+        <p14:creationId xmlns:p14="http://schemas.microsoft.com/office/powerpoint/2010/main" val="3188824003"/>
+      </p:ext>
+    </p:extLst>
+  </p:cSld>
+  <p:clrMapOvr>
+    <a:masterClrMapping/>
+  </p:clrMapOvr>
+</p:sld>
+</file>
+
+<file path=ppt/slides/slide20.xml><?xml version="1.0" encoding="utf-8"?>
 <p:sld xmlns:a="http://schemas.openxmlformats.org/drawingml/2006/main" xmlns:r="http://schemas.openxmlformats.org/officeDocument/2006/relationships" xmlns:p="http://schemas.openxmlformats.org/presentationml/2006/main">
   <p:cSld>
     <p:spTree>
@@ -21648,7 +19684,7 @@
           <a:p>
             <a:fld id="{FC4AC485-25DE-431E-B345-9C0A15BB7F8A}" type="slidenum">
               <a:rPr lang="de-CH" sz="1400" smtClean="0"/>
-              <a:t>22</a:t>
+              <a:t>20</a:t>
             </a:fld>
             <a:endParaRPr lang="de-CH" sz="1400" dirty="0"/>
           </a:p>
@@ -21667,7 +19703,7 @@
 </p:sld>
 </file>
 
-<file path=ppt/slides/slide23.xml><?xml version="1.0" encoding="utf-8"?>
+<file path=ppt/slides/slide21.xml><?xml version="1.0" encoding="utf-8"?>
 <p:sld xmlns:a="http://schemas.openxmlformats.org/drawingml/2006/main" xmlns:r="http://schemas.openxmlformats.org/officeDocument/2006/relationships" xmlns:p="http://schemas.openxmlformats.org/presentationml/2006/main">
   <p:cSld>
     <p:spTree>
@@ -21870,7 +19906,7 @@
           <a:p>
             <a:fld id="{FC4AC485-25DE-431E-B345-9C0A15BB7F8A}" type="slidenum">
               <a:rPr lang="de-CH" sz="1400" smtClean="0"/>
-              <a:t>23</a:t>
+              <a:t>21</a:t>
             </a:fld>
             <a:endParaRPr lang="de-CH" sz="1400" dirty="0"/>
           </a:p>
@@ -21889,7 +19925,7 @@
 </p:sld>
 </file>
 
-<file path=ppt/slides/slide24.xml><?xml version="1.0" encoding="utf-8"?>
+<file path=ppt/slides/slide22.xml><?xml version="1.0" encoding="utf-8"?>
 <p:sld xmlns:a="http://schemas.openxmlformats.org/drawingml/2006/main" xmlns:r="http://schemas.openxmlformats.org/officeDocument/2006/relationships" xmlns:p="http://schemas.openxmlformats.org/presentationml/2006/main">
   <p:cSld>
     <p:spTree>
@@ -23510,7 +21546,7 @@
           <a:p>
             <a:fld id="{FC4AC485-25DE-431E-B345-9C0A15BB7F8A}" type="slidenum">
               <a:rPr lang="de-CH" sz="1400" smtClean="0"/>
-              <a:t>24</a:t>
+              <a:t>22</a:t>
             </a:fld>
             <a:endParaRPr lang="de-CH" sz="1400" dirty="0"/>
           </a:p>
@@ -23529,7 +21565,7 @@
 </p:sld>
 </file>
 
-<file path=ppt/slides/slide25.xml><?xml version="1.0" encoding="utf-8"?>
+<file path=ppt/slides/slide23.xml><?xml version="1.0" encoding="utf-8"?>
 <p:sld xmlns:a="http://schemas.openxmlformats.org/drawingml/2006/main" xmlns:r="http://schemas.openxmlformats.org/officeDocument/2006/relationships" xmlns:p="http://schemas.openxmlformats.org/presentationml/2006/main">
   <p:cSld>
     <p:spTree>
@@ -24738,7 +22774,7 @@
           <a:p>
             <a:fld id="{FC4AC485-25DE-431E-B345-9C0A15BB7F8A}" type="slidenum">
               <a:rPr lang="de-CH" sz="1400" smtClean="0"/>
-              <a:t>25</a:t>
+              <a:t>23</a:t>
             </a:fld>
             <a:endParaRPr lang="de-CH" sz="1400" dirty="0"/>
           </a:p>
@@ -24757,7 +22793,7 @@
 </p:sld>
 </file>
 
-<file path=ppt/slides/slide26.xml><?xml version="1.0" encoding="utf-8"?>
+<file path=ppt/slides/slide24.xml><?xml version="1.0" encoding="utf-8"?>
 <p:sld xmlns:a="http://schemas.openxmlformats.org/drawingml/2006/main" xmlns:r="http://schemas.openxmlformats.org/officeDocument/2006/relationships" xmlns:p="http://schemas.openxmlformats.org/presentationml/2006/main">
   <p:cSld>
     <p:spTree>
@@ -25253,7 +23289,7 @@
           <a:p>
             <a:fld id="{FC4AC485-25DE-431E-B345-9C0A15BB7F8A}" type="slidenum">
               <a:rPr lang="de-CH" sz="1400" smtClean="0"/>
-              <a:t>26</a:t>
+              <a:t>24</a:t>
             </a:fld>
             <a:endParaRPr lang="de-CH" sz="1400" dirty="0"/>
           </a:p>
@@ -25387,7 +23423,7 @@
         </p:nvSpPr>
         <p:spPr>
           <a:xfrm>
-            <a:off x="841345" y="1957158"/>
+            <a:off x="838200" y="1863122"/>
             <a:ext cx="5445149" cy="646331"/>
           </a:xfrm>
           <a:prstGeom prst="rect">
@@ -25427,7 +23463,7 @@
         <p:spPr>
           <a:xfrm>
             <a:off x="7030738" y="1296895"/>
-            <a:ext cx="3953233" cy="1477328"/>
+            <a:ext cx="3953233" cy="2031325"/>
           </a:xfrm>
           <a:prstGeom prst="rect">
             <a:avLst/>
@@ -25456,7 +23492,7 @@
             </a:r>
             <a:r>
               <a:rPr lang="en-US" dirty="0"/>
-              <a:t> a-container</a:t>
+              <a:t> a</a:t>
             </a:r>
           </a:p>
           <a:p>
@@ -25470,7 +23506,35 @@
             </a:r>
             <a:r>
               <a:rPr lang="en-US" dirty="0"/>
-              <a:t> x?     b:bar</a:t>
+              <a:t> a-instance* [name]</a:t>
+            </a:r>
+          </a:p>
+          <a:p>
+            <a:r>
+              <a:rPr lang="en-US" dirty="0"/>
+              <a:t>     |  +--</a:t>
+            </a:r>
+            <a:r>
+              <a:rPr lang="en-US" dirty="0" err="1"/>
+              <a:t>rw</a:t>
+            </a:r>
+            <a:r>
+              <a:rPr lang="en-US" dirty="0"/>
+              <a:t> name     string</a:t>
+            </a:r>
+          </a:p>
+          <a:p>
+            <a:r>
+              <a:rPr lang="en-US" dirty="0"/>
+              <a:t>     |  +--</a:t>
+            </a:r>
+            <a:r>
+              <a:rPr lang="en-US" dirty="0" err="1"/>
+              <a:t>rw</a:t>
+            </a:r>
+            <a:r>
+              <a:rPr lang="en-US" dirty="0"/>
+              <a:t> state?   string</a:t>
             </a:r>
           </a:p>
           <a:p>
@@ -25484,7 +23548,19 @@
             </a:r>
             <a:r>
               <a:rPr lang="en-US" dirty="0"/>
-              <a:t> d:y</a:t>
+              <a:t> </a:t>
+            </a:r>
+            <a:r>
+              <a:rPr lang="en-US" dirty="0">
+                <a:solidFill>
+                  <a:srgbClr val="FF0000"/>
+                </a:solidFill>
+              </a:rPr>
+              <a:t>d</a:t>
+            </a:r>
+            <a:r>
+              <a:rPr lang="en-US" dirty="0"/>
+              <a:t>:y</a:t>
             </a:r>
           </a:p>
           <a:p>
@@ -25498,463 +23574,23 @@
             </a:r>
             <a:r>
               <a:rPr lang="en-US" dirty="0"/>
-              <a:t> d:y-leaf?   b:myenum</a:t>
+              <a:t> d:y-leaf?   </a:t>
+            </a:r>
+            <a:r>
+              <a:rPr lang="en-US" dirty="0">
+                <a:solidFill>
+                  <a:srgbClr val="FF0000"/>
+                </a:solidFill>
+              </a:rPr>
+              <a:t>e</a:t>
+            </a:r>
+            <a:r>
+              <a:rPr lang="en-US" dirty="0"/>
+              <a:t>:e-enum</a:t>
             </a:r>
           </a:p>
         </p:txBody>
       </p:sp>
-      <p:grpSp>
-        <p:nvGrpSpPr>
-          <p:cNvPr id="26" name="Group 25">
-            <a:extLst>
-              <a:ext uri="{FF2B5EF4-FFF2-40B4-BE49-F238E27FC236}">
-                <a16:creationId xmlns:a16="http://schemas.microsoft.com/office/drawing/2014/main" id="{9C37C9F3-76CE-FFEA-D5A4-D3F1244C4475}"/>
-              </a:ext>
-            </a:extLst>
-          </p:cNvPr>
-          <p:cNvGrpSpPr/>
-          <p:nvPr/>
-        </p:nvGrpSpPr>
-        <p:grpSpPr>
-          <a:xfrm>
-            <a:off x="7030738" y="3064213"/>
-            <a:ext cx="2811953" cy="2262689"/>
-            <a:chOff x="5823282" y="2875002"/>
-            <a:chExt cx="2811953" cy="2262689"/>
-          </a:xfrm>
-        </p:grpSpPr>
-        <p:sp>
-          <p:nvSpPr>
-            <p:cNvPr id="27" name="TextBox 26">
-              <a:extLst>
-                <a:ext uri="{FF2B5EF4-FFF2-40B4-BE49-F238E27FC236}">
-                  <a16:creationId xmlns:a16="http://schemas.microsoft.com/office/drawing/2014/main" id="{5F534107-17FD-0E8C-C031-31EC53C112B2}"/>
-                </a:ext>
-              </a:extLst>
-            </p:cNvPr>
-            <p:cNvSpPr txBox="1"/>
-            <p:nvPr/>
-          </p:nvSpPr>
-          <p:spPr>
-            <a:xfrm>
-              <a:off x="7143318" y="3856309"/>
-              <a:ext cx="825023" cy="369332"/>
-            </a:xfrm>
-            <a:prstGeom prst="rect">
-              <a:avLst/>
-            </a:prstGeom>
-          </p:spPr>
-          <p:style>
-            <a:lnRef idx="2">
-              <a:schemeClr val="accent1"/>
-            </a:lnRef>
-            <a:fillRef idx="1">
-              <a:schemeClr val="lt1"/>
-            </a:fillRef>
-            <a:effectRef idx="0">
-              <a:schemeClr val="accent1"/>
-            </a:effectRef>
-            <a:fontRef idx="minor">
-              <a:schemeClr val="dk1"/>
-            </a:fontRef>
-          </p:style>
-          <p:txBody>
-            <a:bodyPr wrap="square" rtlCol="0">
-              <a:spAutoFit/>
-            </a:bodyPr>
-            <a:lstStyle/>
-            <a:p>
-              <a:r>
-                <a:rPr lang="en-US" dirty="0" err="1"/>
-                <a:t>a.yang</a:t>
-              </a:r>
-              <a:endParaRPr lang="en-US" dirty="0"/>
-            </a:p>
-          </p:txBody>
-        </p:sp>
-        <p:sp>
-          <p:nvSpPr>
-            <p:cNvPr id="28" name="TextBox 27">
-              <a:extLst>
-                <a:ext uri="{FF2B5EF4-FFF2-40B4-BE49-F238E27FC236}">
-                  <a16:creationId xmlns:a16="http://schemas.microsoft.com/office/drawing/2014/main" id="{D8E3A863-DAB3-5618-09A3-D89E78B1CC81}"/>
-                </a:ext>
-              </a:extLst>
-            </p:cNvPr>
-            <p:cNvSpPr txBox="1"/>
-            <p:nvPr/>
-          </p:nvSpPr>
-          <p:spPr>
-            <a:xfrm>
-              <a:off x="7143317" y="2875002"/>
-              <a:ext cx="825023" cy="369332"/>
-            </a:xfrm>
-            <a:prstGeom prst="rect">
-              <a:avLst/>
-            </a:prstGeom>
-          </p:spPr>
-          <p:style>
-            <a:lnRef idx="2">
-              <a:schemeClr val="accent1"/>
-            </a:lnRef>
-            <a:fillRef idx="1">
-              <a:schemeClr val="lt1"/>
-            </a:fillRef>
-            <a:effectRef idx="0">
-              <a:schemeClr val="accent1"/>
-            </a:effectRef>
-            <a:fontRef idx="minor">
-              <a:schemeClr val="dk1"/>
-            </a:fontRef>
-          </p:style>
-          <p:txBody>
-            <a:bodyPr wrap="square" rtlCol="0">
-              <a:spAutoFit/>
-            </a:bodyPr>
-            <a:lstStyle/>
-            <a:p>
-              <a:r>
-                <a:rPr lang="en-US" dirty="0" err="1"/>
-                <a:t>b.yang</a:t>
-              </a:r>
-              <a:endParaRPr lang="en-US" dirty="0"/>
-            </a:p>
-          </p:txBody>
-        </p:sp>
-        <p:sp>
-          <p:nvSpPr>
-            <p:cNvPr id="29" name="TextBox 28">
-              <a:extLst>
-                <a:ext uri="{FF2B5EF4-FFF2-40B4-BE49-F238E27FC236}">
-                  <a16:creationId xmlns:a16="http://schemas.microsoft.com/office/drawing/2014/main" id="{76128100-A17E-1BB1-6A86-E550AAB23EAC}"/>
-                </a:ext>
-              </a:extLst>
-            </p:cNvPr>
-            <p:cNvSpPr txBox="1"/>
-            <p:nvPr/>
-          </p:nvSpPr>
-          <p:spPr>
-            <a:xfrm>
-              <a:off x="7652083" y="4768359"/>
-              <a:ext cx="825023" cy="369332"/>
-            </a:xfrm>
-            <a:prstGeom prst="rect">
-              <a:avLst/>
-            </a:prstGeom>
-          </p:spPr>
-          <p:style>
-            <a:lnRef idx="2">
-              <a:schemeClr val="accent1"/>
-            </a:lnRef>
-            <a:fillRef idx="1">
-              <a:schemeClr val="lt1"/>
-            </a:fillRef>
-            <a:effectRef idx="0">
-              <a:schemeClr val="accent1"/>
-            </a:effectRef>
-            <a:fontRef idx="minor">
-              <a:schemeClr val="dk1"/>
-            </a:fontRef>
-          </p:style>
-          <p:txBody>
-            <a:bodyPr wrap="square" rtlCol="0">
-              <a:spAutoFit/>
-            </a:bodyPr>
-            <a:lstStyle/>
-            <a:p>
-              <a:r>
-                <a:rPr lang="en-US" dirty="0" err="1"/>
-                <a:t>d.yang</a:t>
-              </a:r>
-              <a:endParaRPr lang="en-US" dirty="0"/>
-            </a:p>
-          </p:txBody>
-        </p:sp>
-        <p:sp>
-          <p:nvSpPr>
-            <p:cNvPr id="30" name="TextBox 29">
-              <a:extLst>
-                <a:ext uri="{FF2B5EF4-FFF2-40B4-BE49-F238E27FC236}">
-                  <a16:creationId xmlns:a16="http://schemas.microsoft.com/office/drawing/2014/main" id="{3D83CF91-234F-C5D1-20F3-47BA2631959C}"/>
-                </a:ext>
-              </a:extLst>
-            </p:cNvPr>
-            <p:cNvSpPr txBox="1"/>
-            <p:nvPr/>
-          </p:nvSpPr>
-          <p:spPr>
-            <a:xfrm>
-              <a:off x="5823282" y="4768359"/>
-              <a:ext cx="1732549" cy="369332"/>
-            </a:xfrm>
-            <a:prstGeom prst="rect">
-              <a:avLst/>
-            </a:prstGeom>
-          </p:spPr>
-          <p:style>
-            <a:lnRef idx="2">
-              <a:schemeClr val="accent1"/>
-            </a:lnRef>
-            <a:fillRef idx="1">
-              <a:schemeClr val="lt1"/>
-            </a:fillRef>
-            <a:effectRef idx="0">
-              <a:schemeClr val="accent1"/>
-            </a:effectRef>
-            <a:fontRef idx="minor">
-              <a:schemeClr val="dk1"/>
-            </a:fontRef>
-          </p:style>
-          <p:txBody>
-            <a:bodyPr wrap="square" rtlCol="0">
-              <a:spAutoFit/>
-            </a:bodyPr>
-            <a:lstStyle/>
-            <a:p>
-              <a:r>
-                <a:rPr lang="en-US" dirty="0"/>
-                <a:t>a-</a:t>
-              </a:r>
-              <a:r>
-                <a:rPr lang="en-US" dirty="0" err="1"/>
-                <a:t>deviation.yang</a:t>
-              </a:r>
-              <a:endParaRPr lang="en-US" dirty="0"/>
-            </a:p>
-          </p:txBody>
-        </p:sp>
-        <p:cxnSp>
-          <p:nvCxnSpPr>
-            <p:cNvPr id="31" name="Connector: Elbow 30">
-              <a:extLst>
-                <a:ext uri="{FF2B5EF4-FFF2-40B4-BE49-F238E27FC236}">
-                  <a16:creationId xmlns:a16="http://schemas.microsoft.com/office/drawing/2014/main" id="{89C88398-6AC9-7DA2-C9EB-9F13599913C9}"/>
-                </a:ext>
-              </a:extLst>
-            </p:cNvPr>
-            <p:cNvCxnSpPr>
-              <a:stCxn id="27" idx="0"/>
-              <a:endCxn id="28" idx="2"/>
-            </p:cNvCxnSpPr>
-            <p:nvPr/>
-          </p:nvCxnSpPr>
-          <p:spPr>
-            <a:xfrm rot="16200000" flipV="1">
-              <a:off x="7249843" y="3550321"/>
-              <a:ext cx="611975" cy="1"/>
-            </a:xfrm>
-            <a:prstGeom prst="bentConnector3">
-              <a:avLst/>
-            </a:prstGeom>
-            <a:ln>
-              <a:tailEnd type="triangle"/>
-            </a:ln>
-          </p:spPr>
-          <p:style>
-            <a:lnRef idx="1">
-              <a:schemeClr val="accent1"/>
-            </a:lnRef>
-            <a:fillRef idx="0">
-              <a:schemeClr val="accent1"/>
-            </a:fillRef>
-            <a:effectRef idx="0">
-              <a:schemeClr val="accent1"/>
-            </a:effectRef>
-            <a:fontRef idx="minor">
-              <a:schemeClr val="tx1"/>
-            </a:fontRef>
-          </p:style>
-        </p:cxnSp>
-        <p:sp>
-          <p:nvSpPr>
-            <p:cNvPr id="32" name="TextBox 31">
-              <a:extLst>
-                <a:ext uri="{FF2B5EF4-FFF2-40B4-BE49-F238E27FC236}">
-                  <a16:creationId xmlns:a16="http://schemas.microsoft.com/office/drawing/2014/main" id="{3846B94B-70AD-B782-7A64-46B27A7E7F48}"/>
-                </a:ext>
-              </a:extLst>
-            </p:cNvPr>
-            <p:cNvSpPr txBox="1"/>
-            <p:nvPr/>
-          </p:nvSpPr>
-          <p:spPr>
-            <a:xfrm>
-              <a:off x="7535203" y="3474696"/>
-              <a:ext cx="680644" cy="261610"/>
-            </a:xfrm>
-            <a:prstGeom prst="rect">
-              <a:avLst/>
-            </a:prstGeom>
-            <a:noFill/>
-          </p:spPr>
-          <p:txBody>
-            <a:bodyPr wrap="square" rtlCol="0">
-              <a:spAutoFit/>
-            </a:bodyPr>
-            <a:lstStyle/>
-            <a:p>
-              <a:r>
-                <a:rPr lang="en-US" sz="1100" dirty="0"/>
-                <a:t>import</a:t>
-              </a:r>
-            </a:p>
-          </p:txBody>
-        </p:sp>
-        <p:cxnSp>
-          <p:nvCxnSpPr>
-            <p:cNvPr id="33" name="Straight Arrow Connector 32">
-              <a:extLst>
-                <a:ext uri="{FF2B5EF4-FFF2-40B4-BE49-F238E27FC236}">
-                  <a16:creationId xmlns:a16="http://schemas.microsoft.com/office/drawing/2014/main" id="{D44309DD-AB0E-144E-96E9-9F26881E04B6}"/>
-                </a:ext>
-              </a:extLst>
-            </p:cNvPr>
-            <p:cNvCxnSpPr>
-              <a:stCxn id="30" idx="0"/>
-              <a:endCxn id="27" idx="2"/>
-            </p:cNvCxnSpPr>
-            <p:nvPr/>
-          </p:nvCxnSpPr>
-          <p:spPr>
-            <a:xfrm flipV="1">
-              <a:off x="6689557" y="4225641"/>
-              <a:ext cx="866273" cy="542718"/>
-            </a:xfrm>
-            <a:prstGeom prst="straightConnector1">
-              <a:avLst/>
-            </a:prstGeom>
-            <a:ln>
-              <a:tailEnd type="triangle"/>
-            </a:ln>
-          </p:spPr>
-          <p:style>
-            <a:lnRef idx="1">
-              <a:schemeClr val="accent1"/>
-            </a:lnRef>
-            <a:fillRef idx="0">
-              <a:schemeClr val="accent1"/>
-            </a:fillRef>
-            <a:effectRef idx="0">
-              <a:schemeClr val="accent1"/>
-            </a:effectRef>
-            <a:fontRef idx="minor">
-              <a:schemeClr val="tx1"/>
-            </a:fontRef>
-          </p:style>
-        </p:cxnSp>
-        <p:sp>
-          <p:nvSpPr>
-            <p:cNvPr id="34" name="TextBox 33">
-              <a:extLst>
-                <a:ext uri="{FF2B5EF4-FFF2-40B4-BE49-F238E27FC236}">
-                  <a16:creationId xmlns:a16="http://schemas.microsoft.com/office/drawing/2014/main" id="{3A6D5F1C-5C1E-79F1-E191-03F6D5CAC322}"/>
-                </a:ext>
-              </a:extLst>
-            </p:cNvPr>
-            <p:cNvSpPr txBox="1"/>
-            <p:nvPr/>
-          </p:nvSpPr>
-          <p:spPr>
-            <a:xfrm>
-              <a:off x="6534865" y="4316286"/>
-              <a:ext cx="680644" cy="261610"/>
-            </a:xfrm>
-            <a:prstGeom prst="rect">
-              <a:avLst/>
-            </a:prstGeom>
-            <a:noFill/>
-          </p:spPr>
-          <p:txBody>
-            <a:bodyPr wrap="square" rtlCol="0">
-              <a:spAutoFit/>
-            </a:bodyPr>
-            <a:lstStyle/>
-            <a:p>
-              <a:r>
-                <a:rPr lang="en-US" sz="1100" dirty="0"/>
-                <a:t>deviate</a:t>
-              </a:r>
-            </a:p>
-          </p:txBody>
-        </p:sp>
-        <p:cxnSp>
-          <p:nvCxnSpPr>
-            <p:cNvPr id="35" name="Straight Arrow Connector 34">
-              <a:extLst>
-                <a:ext uri="{FF2B5EF4-FFF2-40B4-BE49-F238E27FC236}">
-                  <a16:creationId xmlns:a16="http://schemas.microsoft.com/office/drawing/2014/main" id="{5957AE9F-3F26-7B8D-98A4-78E03F144DDB}"/>
-                </a:ext>
-              </a:extLst>
-            </p:cNvPr>
-            <p:cNvCxnSpPr>
-              <a:stCxn id="29" idx="0"/>
-              <a:endCxn id="27" idx="2"/>
-            </p:cNvCxnSpPr>
-            <p:nvPr/>
-          </p:nvCxnSpPr>
-          <p:spPr>
-            <a:xfrm flipH="1" flipV="1">
-              <a:off x="7555830" y="4225641"/>
-              <a:ext cx="508765" cy="542718"/>
-            </a:xfrm>
-            <a:prstGeom prst="straightConnector1">
-              <a:avLst/>
-            </a:prstGeom>
-            <a:ln>
-              <a:tailEnd type="triangle"/>
-            </a:ln>
-          </p:spPr>
-          <p:style>
-            <a:lnRef idx="1">
-              <a:schemeClr val="accent1"/>
-            </a:lnRef>
-            <a:fillRef idx="0">
-              <a:schemeClr val="accent1"/>
-            </a:fillRef>
-            <a:effectRef idx="0">
-              <a:schemeClr val="accent1"/>
-            </a:effectRef>
-            <a:fontRef idx="minor">
-              <a:schemeClr val="tx1"/>
-            </a:fontRef>
-          </p:style>
-        </p:cxnSp>
-        <p:sp>
-          <p:nvSpPr>
-            <p:cNvPr id="36" name="TextBox 35">
-              <a:extLst>
-                <a:ext uri="{FF2B5EF4-FFF2-40B4-BE49-F238E27FC236}">
-                  <a16:creationId xmlns:a16="http://schemas.microsoft.com/office/drawing/2014/main" id="{369EAE12-2CFF-049F-4E49-FE6143D11173}"/>
-                </a:ext>
-              </a:extLst>
-            </p:cNvPr>
-            <p:cNvSpPr txBox="1"/>
-            <p:nvPr/>
-          </p:nvSpPr>
-          <p:spPr>
-            <a:xfrm>
-              <a:off x="7875524" y="4316286"/>
-              <a:ext cx="759711" cy="261610"/>
-            </a:xfrm>
-            <a:prstGeom prst="rect">
-              <a:avLst/>
-            </a:prstGeom>
-            <a:noFill/>
-          </p:spPr>
-          <p:txBody>
-            <a:bodyPr wrap="square" rtlCol="0">
-              <a:spAutoFit/>
-            </a:bodyPr>
-            <a:lstStyle/>
-            <a:p>
-              <a:r>
-                <a:rPr lang="en-US" sz="1100" dirty="0"/>
-                <a:t>augment</a:t>
-              </a:r>
-            </a:p>
-          </p:txBody>
-        </p:sp>
-      </p:grpSp>
       <p:sp>
         <p:nvSpPr>
           <p:cNvPr id="37" name="TextBox 36">
@@ -25969,8 +23605,8 @@
         </p:nvSpPr>
         <p:spPr>
           <a:xfrm>
-            <a:off x="6931048" y="5569545"/>
-            <a:ext cx="4101053" cy="923330"/>
+            <a:off x="8240586" y="3637497"/>
+            <a:ext cx="3240168" cy="923330"/>
           </a:xfrm>
           <a:prstGeom prst="rect">
             <a:avLst/>
@@ -25985,28 +23621,7 @@
           <a:p>
             <a:r>
               <a:rPr lang="en-US" dirty="0"/>
-              <a:t>Subscribe to: </a:t>
-            </a:r>
-            <a:r>
-              <a:rPr lang="en-US" b="1" dirty="0"/>
-              <a:t>/</a:t>
-            </a:r>
-            <a:r>
-              <a:rPr lang="en-US" b="1" dirty="0" err="1"/>
-              <a:t>a-module:a-container</a:t>
-            </a:r>
-            <a:endParaRPr lang="en-US" b="1" dirty="0"/>
-          </a:p>
-          <a:p>
-            <a:r>
-              <a:rPr lang="en-US" dirty="0"/>
-              <a:t>Require to fetch all these modules.</a:t>
-            </a:r>
-          </a:p>
-          <a:p>
-            <a:r>
-              <a:rPr lang="en-US" dirty="0"/>
-              <a:t>Then register then into schema registry.</a:t>
+              <a:t>The schema for a-module require to register a-modules, e-module and d-module.</a:t>
             </a:r>
           </a:p>
         </p:txBody>
@@ -26154,7 +23769,7 @@
                 </a:solidFill>
                 <a:latin typeface="Consolas" panose="020B0609020204030204" pitchFamily="49" charset="0"/>
               </a:rPr>
-              <a:t>2222</a:t>
+              <a:t>6666</a:t>
             </a:r>
             <a:r>
               <a:rPr lang="en-US" sz="1400" dirty="0">
@@ -26343,7 +23958,7 @@
                 </a:solidFill>
                 <a:latin typeface="Consolas" panose="020B0609020204030204" pitchFamily="49" charset="0"/>
               </a:rPr>
-              <a:t>a-module:a-container</a:t>
+              <a:t>a-module:a</a:t>
             </a:r>
             <a:endParaRPr lang="en-US" sz="1400" dirty="0">
               <a:solidFill>
@@ -26721,6 +24336,676 @@
                 <a:latin typeface="Consolas" panose="020B0609020204030204" pitchFamily="49" charset="0"/>
               </a:rPr>
               <a:t>&gt;</a:t>
+            </a:r>
+          </a:p>
+        </p:txBody>
+      </p:sp>
+      <p:grpSp>
+        <p:nvGrpSpPr>
+          <p:cNvPr id="11" name="Group 10">
+            <a:extLst>
+              <a:ext uri="{FF2B5EF4-FFF2-40B4-BE49-F238E27FC236}">
+                <a16:creationId xmlns:a16="http://schemas.microsoft.com/office/drawing/2014/main" id="{09518026-640E-4F98-990E-1DC2FBD5CB48}"/>
+              </a:ext>
+            </a:extLst>
+          </p:cNvPr>
+          <p:cNvGrpSpPr/>
+          <p:nvPr/>
+        </p:nvGrpSpPr>
+        <p:grpSpPr>
+          <a:xfrm>
+            <a:off x="5875697" y="3767374"/>
+            <a:ext cx="2110702" cy="1162348"/>
+            <a:chOff x="7515441" y="3231329"/>
+            <a:chExt cx="2110698" cy="1162348"/>
+          </a:xfrm>
+        </p:grpSpPr>
+        <p:grpSp>
+          <p:nvGrpSpPr>
+            <p:cNvPr id="26" name="Group 25">
+              <a:extLst>
+                <a:ext uri="{FF2B5EF4-FFF2-40B4-BE49-F238E27FC236}">
+                  <a16:creationId xmlns:a16="http://schemas.microsoft.com/office/drawing/2014/main" id="{9C37C9F3-76CE-FFEA-D5A4-D3F1244C4475}"/>
+                </a:ext>
+              </a:extLst>
+            </p:cNvPr>
+            <p:cNvGrpSpPr/>
+            <p:nvPr/>
+          </p:nvGrpSpPr>
+          <p:grpSpPr>
+            <a:xfrm>
+              <a:off x="7515441" y="3234896"/>
+              <a:ext cx="1491913" cy="1158781"/>
+              <a:chOff x="7143322" y="3856309"/>
+              <a:chExt cx="1491913" cy="1158781"/>
+            </a:xfrm>
+          </p:grpSpPr>
+          <p:sp>
+            <p:nvSpPr>
+              <p:cNvPr id="27" name="TextBox 26">
+                <a:extLst>
+                  <a:ext uri="{FF2B5EF4-FFF2-40B4-BE49-F238E27FC236}">
+                    <a16:creationId xmlns:a16="http://schemas.microsoft.com/office/drawing/2014/main" id="{5F534107-17FD-0E8C-C031-31EC53C112B2}"/>
+                  </a:ext>
+                </a:extLst>
+              </p:cNvPr>
+              <p:cNvSpPr txBox="1"/>
+              <p:nvPr/>
+            </p:nvSpPr>
+            <p:spPr>
+              <a:xfrm>
+                <a:off x="7143322" y="3856309"/>
+                <a:ext cx="825023" cy="276999"/>
+              </a:xfrm>
+              <a:prstGeom prst="rect">
+                <a:avLst/>
+              </a:prstGeom>
+            </p:spPr>
+            <p:style>
+              <a:lnRef idx="2">
+                <a:schemeClr val="accent1"/>
+              </a:lnRef>
+              <a:fillRef idx="1">
+                <a:schemeClr val="lt1"/>
+              </a:fillRef>
+              <a:effectRef idx="0">
+                <a:schemeClr val="accent1"/>
+              </a:effectRef>
+              <a:fontRef idx="minor">
+                <a:schemeClr val="dk1"/>
+              </a:fontRef>
+            </p:style>
+            <p:txBody>
+              <a:bodyPr wrap="square" rtlCol="0">
+                <a:spAutoFit/>
+              </a:bodyPr>
+              <a:lstStyle/>
+              <a:p>
+                <a:r>
+                  <a:rPr lang="en-US" sz="1200" dirty="0"/>
+                  <a:t>a-module</a:t>
+                </a:r>
+              </a:p>
+            </p:txBody>
+          </p:sp>
+          <p:sp>
+            <p:nvSpPr>
+              <p:cNvPr id="29" name="TextBox 28">
+                <a:extLst>
+                  <a:ext uri="{FF2B5EF4-FFF2-40B4-BE49-F238E27FC236}">
+                    <a16:creationId xmlns:a16="http://schemas.microsoft.com/office/drawing/2014/main" id="{76128100-A17E-1BB1-6A86-E550AAB23EAC}"/>
+                  </a:ext>
+                </a:extLst>
+              </p:cNvPr>
+              <p:cNvSpPr txBox="1"/>
+              <p:nvPr/>
+            </p:nvSpPr>
+            <p:spPr>
+              <a:xfrm>
+                <a:off x="7810212" y="4738091"/>
+                <a:ext cx="825023" cy="276999"/>
+              </a:xfrm>
+              <a:prstGeom prst="rect">
+                <a:avLst/>
+              </a:prstGeom>
+            </p:spPr>
+            <p:style>
+              <a:lnRef idx="2">
+                <a:schemeClr val="accent1"/>
+              </a:lnRef>
+              <a:fillRef idx="1">
+                <a:schemeClr val="lt1"/>
+              </a:fillRef>
+              <a:effectRef idx="0">
+                <a:schemeClr val="accent1"/>
+              </a:effectRef>
+              <a:fontRef idx="minor">
+                <a:schemeClr val="dk1"/>
+              </a:fontRef>
+            </p:style>
+            <p:txBody>
+              <a:bodyPr wrap="square" rtlCol="0">
+                <a:spAutoFit/>
+              </a:bodyPr>
+              <a:lstStyle/>
+              <a:p>
+                <a:r>
+                  <a:rPr lang="en-US" sz="1200" dirty="0"/>
+                  <a:t>d-module</a:t>
+                </a:r>
+              </a:p>
+            </p:txBody>
+          </p:sp>
+          <p:cxnSp>
+            <p:nvCxnSpPr>
+              <p:cNvPr id="35" name="Straight Arrow Connector 34">
+                <a:extLst>
+                  <a:ext uri="{FF2B5EF4-FFF2-40B4-BE49-F238E27FC236}">
+                    <a16:creationId xmlns:a16="http://schemas.microsoft.com/office/drawing/2014/main" id="{5957AE9F-3F26-7B8D-98A4-78E03F144DDB}"/>
+                  </a:ext>
+                </a:extLst>
+              </p:cNvPr>
+              <p:cNvCxnSpPr>
+                <a:cxnSpLocks/>
+                <a:stCxn id="29" idx="0"/>
+                <a:endCxn id="27" idx="2"/>
+              </p:cNvCxnSpPr>
+              <p:nvPr/>
+            </p:nvCxnSpPr>
+            <p:spPr>
+              <a:xfrm flipH="1" flipV="1">
+                <a:off x="7555834" y="4133308"/>
+                <a:ext cx="666890" cy="604783"/>
+              </a:xfrm>
+              <a:prstGeom prst="straightConnector1">
+                <a:avLst/>
+              </a:prstGeom>
+              <a:ln>
+                <a:tailEnd type="triangle"/>
+              </a:ln>
+            </p:spPr>
+            <p:style>
+              <a:lnRef idx="1">
+                <a:schemeClr val="accent1"/>
+              </a:lnRef>
+              <a:fillRef idx="0">
+                <a:schemeClr val="accent1"/>
+              </a:fillRef>
+              <a:effectRef idx="0">
+                <a:schemeClr val="accent1"/>
+              </a:effectRef>
+              <a:fontRef idx="minor">
+                <a:schemeClr val="tx1"/>
+              </a:fontRef>
+            </p:style>
+          </p:cxnSp>
+          <p:sp>
+            <p:nvSpPr>
+              <p:cNvPr id="36" name="TextBox 35">
+                <a:extLst>
+                  <a:ext uri="{FF2B5EF4-FFF2-40B4-BE49-F238E27FC236}">
+                    <a16:creationId xmlns:a16="http://schemas.microsoft.com/office/drawing/2014/main" id="{369EAE12-2CFF-049F-4E49-FE6143D11173}"/>
+                  </a:ext>
+                </a:extLst>
+              </p:cNvPr>
+              <p:cNvSpPr txBox="1"/>
+              <p:nvPr/>
+            </p:nvSpPr>
+            <p:spPr>
+              <a:xfrm>
+                <a:off x="7430356" y="4327406"/>
+                <a:ext cx="759711" cy="261610"/>
+              </a:xfrm>
+              <a:prstGeom prst="rect">
+                <a:avLst/>
+              </a:prstGeom>
+              <a:noFill/>
+            </p:spPr>
+            <p:txBody>
+              <a:bodyPr wrap="square" rtlCol="0">
+                <a:spAutoFit/>
+              </a:bodyPr>
+              <a:lstStyle/>
+              <a:p>
+                <a:r>
+                  <a:rPr lang="en-US" sz="1100" dirty="0"/>
+                  <a:t>augment</a:t>
+                </a:r>
+              </a:p>
+            </p:txBody>
+          </p:sp>
+        </p:grpSp>
+        <p:sp>
+          <p:nvSpPr>
+            <p:cNvPr id="41" name="TextBox 40">
+              <a:extLst>
+                <a:ext uri="{FF2B5EF4-FFF2-40B4-BE49-F238E27FC236}">
+                  <a16:creationId xmlns:a16="http://schemas.microsoft.com/office/drawing/2014/main" id="{B55D0F18-6D71-42FE-A678-5F33686B538A}"/>
+                </a:ext>
+              </a:extLst>
+            </p:cNvPr>
+            <p:cNvSpPr txBox="1"/>
+            <p:nvPr/>
+          </p:nvSpPr>
+          <p:spPr>
+            <a:xfrm>
+              <a:off x="8801116" y="3231329"/>
+              <a:ext cx="825023" cy="276999"/>
+            </a:xfrm>
+            <a:prstGeom prst="rect">
+              <a:avLst/>
+            </a:prstGeom>
+          </p:spPr>
+          <p:style>
+            <a:lnRef idx="2">
+              <a:schemeClr val="accent1"/>
+            </a:lnRef>
+            <a:fillRef idx="1">
+              <a:schemeClr val="lt1"/>
+            </a:fillRef>
+            <a:effectRef idx="0">
+              <a:schemeClr val="accent1"/>
+            </a:effectRef>
+            <a:fontRef idx="minor">
+              <a:schemeClr val="dk1"/>
+            </a:fontRef>
+          </p:style>
+          <p:txBody>
+            <a:bodyPr wrap="square" rtlCol="0">
+              <a:spAutoFit/>
+            </a:bodyPr>
+            <a:lstStyle/>
+            <a:p>
+              <a:r>
+                <a:rPr lang="en-US" sz="1200" dirty="0"/>
+                <a:t>e-module</a:t>
+              </a:r>
+            </a:p>
+          </p:txBody>
+        </p:sp>
+        <p:cxnSp>
+          <p:nvCxnSpPr>
+            <p:cNvPr id="6" name="Straight Arrow Connector 5">
+              <a:extLst>
+                <a:ext uri="{FF2B5EF4-FFF2-40B4-BE49-F238E27FC236}">
+                  <a16:creationId xmlns:a16="http://schemas.microsoft.com/office/drawing/2014/main" id="{2BDDE933-C8A6-4E01-900E-1E7940ED04F0}"/>
+                </a:ext>
+              </a:extLst>
+            </p:cNvPr>
+            <p:cNvCxnSpPr>
+              <a:cxnSpLocks/>
+              <a:stCxn id="29" idx="0"/>
+              <a:endCxn id="41" idx="2"/>
+            </p:cNvCxnSpPr>
+            <p:nvPr/>
+          </p:nvCxnSpPr>
+          <p:spPr>
+            <a:xfrm flipV="1">
+              <a:off x="8594843" y="3508328"/>
+              <a:ext cx="618784" cy="608350"/>
+            </a:xfrm>
+            <a:prstGeom prst="straightConnector1">
+              <a:avLst/>
+            </a:prstGeom>
+            <a:ln>
+              <a:tailEnd type="triangle"/>
+            </a:ln>
+          </p:spPr>
+          <p:style>
+            <a:lnRef idx="1">
+              <a:schemeClr val="accent1"/>
+            </a:lnRef>
+            <a:fillRef idx="0">
+              <a:schemeClr val="accent1"/>
+            </a:fillRef>
+            <a:effectRef idx="0">
+              <a:schemeClr val="accent1"/>
+            </a:effectRef>
+            <a:fontRef idx="minor">
+              <a:schemeClr val="tx1"/>
+            </a:fontRef>
+          </p:style>
+        </p:cxnSp>
+        <p:sp>
+          <p:nvSpPr>
+            <p:cNvPr id="42" name="TextBox 41">
+              <a:extLst>
+                <a:ext uri="{FF2B5EF4-FFF2-40B4-BE49-F238E27FC236}">
+                  <a16:creationId xmlns:a16="http://schemas.microsoft.com/office/drawing/2014/main" id="{FE76185D-9907-49CC-ADAA-56D6BA01C826}"/>
+                </a:ext>
+              </a:extLst>
+            </p:cNvPr>
+            <p:cNvSpPr txBox="1"/>
+            <p:nvPr/>
+          </p:nvSpPr>
+          <p:spPr>
+            <a:xfrm>
+              <a:off x="8628200" y="3705993"/>
+              <a:ext cx="759711" cy="261610"/>
+            </a:xfrm>
+            <a:prstGeom prst="rect">
+              <a:avLst/>
+            </a:prstGeom>
+            <a:noFill/>
+          </p:spPr>
+          <p:txBody>
+            <a:bodyPr wrap="square" rtlCol="0">
+              <a:spAutoFit/>
+            </a:bodyPr>
+            <a:lstStyle/>
+            <a:p>
+              <a:r>
+                <a:rPr lang="en-US" sz="1100" dirty="0"/>
+                <a:t>import</a:t>
+              </a:r>
+            </a:p>
+          </p:txBody>
+        </p:sp>
+      </p:grpSp>
+      <p:sp>
+        <p:nvSpPr>
+          <p:cNvPr id="44" name="Oval 43">
+            <a:extLst>
+              <a:ext uri="{FF2B5EF4-FFF2-40B4-BE49-F238E27FC236}">
+                <a16:creationId xmlns:a16="http://schemas.microsoft.com/office/drawing/2014/main" id="{F7B02C9C-FFBD-4310-9DD0-5A9A9D4DF410}"/>
+              </a:ext>
+            </a:extLst>
+          </p:cNvPr>
+          <p:cNvSpPr/>
+          <p:nvPr/>
+        </p:nvSpPr>
+        <p:spPr>
+          <a:xfrm>
+            <a:off x="1632857" y="3921147"/>
+            <a:ext cx="986978" cy="343358"/>
+          </a:xfrm>
+          <a:prstGeom prst="ellipse">
+            <a:avLst/>
+          </a:prstGeom>
+          <a:solidFill>
+            <a:srgbClr val="FF0000">
+              <a:alpha val="10000"/>
+            </a:srgbClr>
+          </a:solidFill>
+          <a:ln w="25400">
+            <a:solidFill>
+              <a:srgbClr val="FF0000"/>
+            </a:solidFill>
+          </a:ln>
+        </p:spPr>
+        <p:style>
+          <a:lnRef idx="2">
+            <a:schemeClr val="accent1">
+              <a:shade val="50000"/>
+            </a:schemeClr>
+          </a:lnRef>
+          <a:fillRef idx="1">
+            <a:schemeClr val="accent1"/>
+          </a:fillRef>
+          <a:effectRef idx="0">
+            <a:schemeClr val="accent1"/>
+          </a:effectRef>
+          <a:fontRef idx="minor">
+            <a:schemeClr val="lt1"/>
+          </a:fontRef>
+        </p:style>
+        <p:txBody>
+          <a:bodyPr rtlCol="0" anchor="ctr"/>
+          <a:lstStyle/>
+          <a:p>
+            <a:pPr algn="ctr"/>
+            <a:endParaRPr lang="de-CH"/>
+          </a:p>
+        </p:txBody>
+      </p:sp>
+      <p:cxnSp>
+        <p:nvCxnSpPr>
+          <p:cNvPr id="45" name="Straight Arrow Connector 44">
+            <a:extLst>
+              <a:ext uri="{FF2B5EF4-FFF2-40B4-BE49-F238E27FC236}">
+                <a16:creationId xmlns:a16="http://schemas.microsoft.com/office/drawing/2014/main" id="{B6B0E409-08C1-40F6-89A2-6BB20008DFB7}"/>
+              </a:ext>
+            </a:extLst>
+          </p:cNvPr>
+          <p:cNvCxnSpPr>
+            <a:cxnSpLocks/>
+            <a:stCxn id="44" idx="7"/>
+          </p:cNvCxnSpPr>
+          <p:nvPr/>
+        </p:nvCxnSpPr>
+        <p:spPr>
+          <a:xfrm flipV="1">
+            <a:off x="2475295" y="3952448"/>
+            <a:ext cx="3313926" cy="18983"/>
+          </a:xfrm>
+          <a:prstGeom prst="straightConnector1">
+            <a:avLst/>
+          </a:prstGeom>
+          <a:ln w="12700">
+            <a:solidFill>
+              <a:srgbClr val="FF0000"/>
+            </a:solidFill>
+            <a:tailEnd type="triangle"/>
+          </a:ln>
+        </p:spPr>
+        <p:style>
+          <a:lnRef idx="1">
+            <a:schemeClr val="accent1"/>
+          </a:lnRef>
+          <a:fillRef idx="0">
+            <a:schemeClr val="accent1"/>
+          </a:fillRef>
+          <a:effectRef idx="0">
+            <a:schemeClr val="accent1"/>
+          </a:effectRef>
+          <a:fontRef idx="minor">
+            <a:schemeClr val="tx1"/>
+          </a:fontRef>
+        </p:style>
+      </p:cxnSp>
+      <p:sp>
+        <p:nvSpPr>
+          <p:cNvPr id="48" name="TextBox 47">
+            <a:extLst>
+              <a:ext uri="{FF2B5EF4-FFF2-40B4-BE49-F238E27FC236}">
+                <a16:creationId xmlns:a16="http://schemas.microsoft.com/office/drawing/2014/main" id="{1BEB628A-E858-4234-B46C-7985B480FB7D}"/>
+              </a:ext>
+            </a:extLst>
+          </p:cNvPr>
+          <p:cNvSpPr txBox="1"/>
+          <p:nvPr/>
+        </p:nvSpPr>
+        <p:spPr>
+          <a:xfrm>
+            <a:off x="8240586" y="4652723"/>
+            <a:ext cx="3240168" cy="369332"/>
+          </a:xfrm>
+          <a:prstGeom prst="rect">
+            <a:avLst/>
+          </a:prstGeom>
+          <a:noFill/>
+        </p:spPr>
+        <p:txBody>
+          <a:bodyPr wrap="square" rtlCol="0">
+            <a:spAutoFit/>
+          </a:bodyPr>
+          <a:lstStyle/>
+          <a:p>
+            <a:r>
+              <a:rPr lang="en-US" dirty="0"/>
+              <a:t>Schema registration Order:</a:t>
+            </a:r>
+          </a:p>
+        </p:txBody>
+      </p:sp>
+      <p:sp>
+        <p:nvSpPr>
+          <p:cNvPr id="50" name="TextBox 49">
+            <a:extLst>
+              <a:ext uri="{FF2B5EF4-FFF2-40B4-BE49-F238E27FC236}">
+                <a16:creationId xmlns:a16="http://schemas.microsoft.com/office/drawing/2014/main" id="{FCBEBCC1-0197-4AE5-8C69-CB62F8739CE8}"/>
+              </a:ext>
+            </a:extLst>
+          </p:cNvPr>
+          <p:cNvSpPr txBox="1"/>
+          <p:nvPr/>
+        </p:nvSpPr>
+        <p:spPr>
+          <a:xfrm>
+            <a:off x="8385777" y="5104861"/>
+            <a:ext cx="2018575" cy="276999"/>
+          </a:xfrm>
+          <a:prstGeom prst="rect">
+            <a:avLst/>
+          </a:prstGeom>
+        </p:spPr>
+        <p:style>
+          <a:lnRef idx="2">
+            <a:schemeClr val="accent1"/>
+          </a:lnRef>
+          <a:fillRef idx="1">
+            <a:schemeClr val="lt1"/>
+          </a:fillRef>
+          <a:effectRef idx="0">
+            <a:schemeClr val="accent1"/>
+          </a:effectRef>
+          <a:fontRef idx="minor">
+            <a:schemeClr val="dk1"/>
+          </a:fontRef>
+        </p:style>
+        <p:txBody>
+          <a:bodyPr wrap="square" rtlCol="0">
+            <a:spAutoFit/>
+          </a:bodyPr>
+          <a:lstStyle/>
+          <a:p>
+            <a:r>
+              <a:rPr lang="en-US" sz="1200" dirty="0"/>
+              <a:t>a-module, reference{}</a:t>
+            </a:r>
+          </a:p>
+        </p:txBody>
+      </p:sp>
+      <p:sp>
+        <p:nvSpPr>
+          <p:cNvPr id="51" name="TextBox 50">
+            <a:extLst>
+              <a:ext uri="{FF2B5EF4-FFF2-40B4-BE49-F238E27FC236}">
+                <a16:creationId xmlns:a16="http://schemas.microsoft.com/office/drawing/2014/main" id="{E40BF8A1-EFE5-4308-890F-057E5E5A3C24}"/>
+              </a:ext>
+            </a:extLst>
+          </p:cNvPr>
+          <p:cNvSpPr txBox="1"/>
+          <p:nvPr/>
+        </p:nvSpPr>
+        <p:spPr>
+          <a:xfrm>
+            <a:off x="8385776" y="5488128"/>
+            <a:ext cx="2018575" cy="276999"/>
+          </a:xfrm>
+          <a:prstGeom prst="rect">
+            <a:avLst/>
+          </a:prstGeom>
+        </p:spPr>
+        <p:style>
+          <a:lnRef idx="2">
+            <a:schemeClr val="accent1"/>
+          </a:lnRef>
+          <a:fillRef idx="1">
+            <a:schemeClr val="lt1"/>
+          </a:fillRef>
+          <a:effectRef idx="0">
+            <a:schemeClr val="accent1"/>
+          </a:effectRef>
+          <a:fontRef idx="minor">
+            <a:schemeClr val="dk1"/>
+          </a:fontRef>
+        </p:style>
+        <p:txBody>
+          <a:bodyPr wrap="square" rtlCol="0">
+            <a:spAutoFit/>
+          </a:bodyPr>
+          <a:lstStyle/>
+          <a:p>
+            <a:r>
+              <a:rPr lang="en-US" sz="1200" dirty="0"/>
+              <a:t>e-module, reference{}</a:t>
+            </a:r>
+          </a:p>
+        </p:txBody>
+      </p:sp>
+      <p:sp>
+        <p:nvSpPr>
+          <p:cNvPr id="52" name="TextBox 51">
+            <a:extLst>
+              <a:ext uri="{FF2B5EF4-FFF2-40B4-BE49-F238E27FC236}">
+                <a16:creationId xmlns:a16="http://schemas.microsoft.com/office/drawing/2014/main" id="{02ECD7C4-8ACB-4582-87EE-454A94BFAED1}"/>
+              </a:ext>
+            </a:extLst>
+          </p:cNvPr>
+          <p:cNvSpPr txBox="1"/>
+          <p:nvPr/>
+        </p:nvSpPr>
+        <p:spPr>
+          <a:xfrm>
+            <a:off x="8385776" y="5871395"/>
+            <a:ext cx="2351085" cy="276999"/>
+          </a:xfrm>
+          <a:prstGeom prst="rect">
+            <a:avLst/>
+          </a:prstGeom>
+        </p:spPr>
+        <p:style>
+          <a:lnRef idx="2">
+            <a:schemeClr val="accent1"/>
+          </a:lnRef>
+          <a:fillRef idx="1">
+            <a:schemeClr val="lt1"/>
+          </a:fillRef>
+          <a:effectRef idx="0">
+            <a:schemeClr val="accent1"/>
+          </a:effectRef>
+          <a:fontRef idx="minor">
+            <a:schemeClr val="dk1"/>
+          </a:fontRef>
+        </p:style>
+        <p:txBody>
+          <a:bodyPr wrap="square" rtlCol="0">
+            <a:spAutoFit/>
+          </a:bodyPr>
+          <a:lstStyle/>
+          <a:p>
+            <a:r>
+              <a:rPr lang="en-US" sz="1200" dirty="0"/>
+              <a:t>d-module, reference{e-module}</a:t>
+            </a:r>
+          </a:p>
+        </p:txBody>
+      </p:sp>
+      <p:sp>
+        <p:nvSpPr>
+          <p:cNvPr id="53" name="TextBox 52">
+            <a:extLst>
+              <a:ext uri="{FF2B5EF4-FFF2-40B4-BE49-F238E27FC236}">
+                <a16:creationId xmlns:a16="http://schemas.microsoft.com/office/drawing/2014/main" id="{0FD8A3E4-7480-4C09-AE61-0B3553076957}"/>
+              </a:ext>
+            </a:extLst>
+          </p:cNvPr>
+          <p:cNvSpPr txBox="1"/>
+          <p:nvPr/>
+        </p:nvSpPr>
+        <p:spPr>
+          <a:xfrm>
+            <a:off x="8385776" y="6254662"/>
+            <a:ext cx="3158607" cy="276999"/>
+          </a:xfrm>
+          <a:prstGeom prst="rect">
+            <a:avLst/>
+          </a:prstGeom>
+        </p:spPr>
+        <p:style>
+          <a:lnRef idx="2">
+            <a:schemeClr val="accent1"/>
+          </a:lnRef>
+          <a:fillRef idx="1">
+            <a:schemeClr val="lt1"/>
+          </a:fillRef>
+          <a:effectRef idx="0">
+            <a:schemeClr val="accent1"/>
+          </a:effectRef>
+          <a:fontRef idx="minor">
+            <a:schemeClr val="dk1"/>
+          </a:fontRef>
+        </p:style>
+        <p:txBody>
+          <a:bodyPr wrap="square" rtlCol="0">
+            <a:spAutoFit/>
+          </a:bodyPr>
+          <a:lstStyle/>
+          <a:p>
+            <a:r>
+              <a:rPr lang="en-US" sz="1200" dirty="0"/>
+              <a:t>a-module, reference{e-module, d-module}</a:t>
             </a:r>
           </a:p>
         </p:txBody>
@@ -27173,6 +25458,36 @@
           <a:chExt cx="0" cy="0"/>
         </a:xfrm>
       </p:grpSpPr>
+      <p:pic>
+        <p:nvPicPr>
+          <p:cNvPr id="15" name="Picture 14">
+            <a:extLst>
+              <a:ext uri="{FF2B5EF4-FFF2-40B4-BE49-F238E27FC236}">
+                <a16:creationId xmlns:a16="http://schemas.microsoft.com/office/drawing/2014/main" id="{DF2200D9-2FCA-43DE-A98E-51EEF683B9DF}"/>
+              </a:ext>
+            </a:extLst>
+          </p:cNvPr>
+          <p:cNvPicPr>
+            <a:picLocks noChangeAspect="1"/>
+          </p:cNvPicPr>
+          <p:nvPr/>
+        </p:nvPicPr>
+        <p:blipFill>
+          <a:blip r:embed="rId3"/>
+          <a:stretch>
+            <a:fillRect/>
+          </a:stretch>
+        </p:blipFill>
+        <p:spPr>
+          <a:xfrm>
+            <a:off x="838200" y="3026662"/>
+            <a:ext cx="10235045" cy="1751161"/>
+          </a:xfrm>
+          <a:prstGeom prst="rect">
+            <a:avLst/>
+          </a:prstGeom>
+        </p:spPr>
+      </p:pic>
       <p:sp>
         <p:nvSpPr>
           <p:cNvPr id="8" name="Title 1">
@@ -27247,100 +25562,6 @@
                   <a:lumMod val="75000"/>
                 </a:schemeClr>
               </a:solidFill>
-            </a:endParaRPr>
-          </a:p>
-        </p:txBody>
-      </p:sp>
-      <p:sp>
-        <p:nvSpPr>
-          <p:cNvPr id="3" name="Rectangle 2">
-            <a:extLst>
-              <a:ext uri="{FF2B5EF4-FFF2-40B4-BE49-F238E27FC236}">
-                <a16:creationId xmlns:a16="http://schemas.microsoft.com/office/drawing/2014/main" id="{82F9702A-336A-097C-7CF7-631052C1CB93}"/>
-              </a:ext>
-            </a:extLst>
-          </p:cNvPr>
-          <p:cNvSpPr>
-            <a:spLocks noChangeArrowheads="1"/>
-          </p:cNvSpPr>
-          <p:nvPr/>
-        </p:nvSpPr>
-        <p:spPr bwMode="auto">
-          <a:xfrm>
-            <a:off x="838200" y="5459362"/>
-            <a:ext cx="10745884" cy="968278"/>
-          </a:xfrm>
-          <a:prstGeom prst="rect">
-            <a:avLst/>
-          </a:prstGeom>
-          <a:noFill/>
-          <a:ln>
-            <a:noFill/>
-          </a:ln>
-          <a:effectLst/>
-          <a:extLst>
-            <a:ext uri="{909E8E84-426E-40DD-AFC4-6F175D3DCCD1}">
-              <a14:hiddenFill xmlns:a14="http://schemas.microsoft.com/office/drawing/2010/main">
-                <a:solidFill>
-                  <a:schemeClr val="accent1"/>
-                </a:solidFill>
-              </a14:hiddenFill>
-            </a:ext>
-            <a:ext uri="{91240B29-F687-4F45-9708-019B960494DF}">
-              <a14:hiddenLine xmlns:a14="http://schemas.microsoft.com/office/drawing/2010/main" w="9525">
-                <a:solidFill>
-                  <a:schemeClr val="tx1"/>
-                </a:solidFill>
-                <a:miter lim="800000"/>
-                <a:headEnd/>
-                <a:tailEnd/>
-              </a14:hiddenLine>
-            </a:ext>
-            <a:ext uri="{AF507438-7753-43E0-B8FC-AC1667EBCBE1}">
-              <a14:hiddenEffects xmlns:a14="http://schemas.microsoft.com/office/drawing/2010/main">
-                <a:effectLst>
-                  <a:outerShdw dist="35921" dir="2700000" algn="ctr" rotWithShape="0">
-                    <a:schemeClr val="bg2"/>
-                  </a:outerShdw>
-                </a:effectLst>
-              </a14:hiddenEffects>
-            </a:ext>
-          </a:extLst>
-        </p:spPr>
-        <p:txBody>
-          <a:bodyPr vert="horz" wrap="square" lIns="91440" tIns="45720" rIns="91440" bIns="45720" numCol="1" anchor="ctr" anchorCtr="0" compatLnSpc="1">
-            <a:prstTxWarp prst="textNoShape">
-              <a:avLst/>
-            </a:prstTxWarp>
-            <a:spAutoFit/>
-          </a:bodyPr>
-          <a:lstStyle/>
-          <a:p>
-            <a:pPr marL="0" marR="0">
-              <a:lnSpc>
-                <a:spcPct val="107000"/>
-              </a:lnSpc>
-              <a:spcBef>
-                <a:spcPts val="0"/>
-              </a:spcBef>
-              <a:spcAft>
-                <a:spcPts val="800"/>
-              </a:spcAft>
-            </a:pPr>
-            <a:r>
-              <a:rPr lang="en-US" sz="1800" dirty="0">
-                <a:effectLst/>
-                <a:latin typeface="Calibri" panose="020F0502020204030204" pitchFamily="34" charset="0"/>
-                <a:ea typeface="Calibri" panose="020F0502020204030204" pitchFamily="34" charset="0"/>
-                <a:cs typeface="Times New Roman" panose="02020603050405020304" pitchFamily="18" charset="0"/>
-              </a:rPr>
-              <a:t>The demo fetches all YANG modules from the NETCONF server, parses the input messages and selects the corresponding YANG module needed to build the schema for incoming messages on that subscription to register in the Confluent schema register for serializing the messages in Apache Kafka.</a:t>
-            </a:r>
-            <a:endParaRPr lang="de-CH" sz="1800" dirty="0">
-              <a:effectLst/>
-              <a:latin typeface="Calibri" panose="020F0502020204030204" pitchFamily="34" charset="0"/>
-              <a:ea typeface="Calibri" panose="020F0502020204030204" pitchFamily="34" charset="0"/>
-              <a:cs typeface="Times New Roman" panose="02020603050405020304" pitchFamily="18" charset="0"/>
             </a:endParaRPr>
           </a:p>
         </p:txBody>
@@ -27414,67 +25635,401 @@
           </a:p>
         </p:txBody>
       </p:sp>
-      <p:pic>
-        <p:nvPicPr>
-          <p:cNvPr id="11" name="Picture 10">
+      <p:grpSp>
+        <p:nvGrpSpPr>
+          <p:cNvPr id="13" name="Group 12">
             <a:extLst>
               <a:ext uri="{FF2B5EF4-FFF2-40B4-BE49-F238E27FC236}">
-                <a16:creationId xmlns:a16="http://schemas.microsoft.com/office/drawing/2014/main" id="{8A9F32EA-7668-47FE-EFE0-3718491A23A1}"/>
+                <a16:creationId xmlns:a16="http://schemas.microsoft.com/office/drawing/2014/main" id="{40C562BC-6659-455C-8EF9-EE148B6FE1D1}"/>
               </a:ext>
             </a:extLst>
           </p:cNvPr>
-          <p:cNvPicPr>
-            <a:picLocks noChangeAspect="1"/>
-          </p:cNvPicPr>
+          <p:cNvGrpSpPr/>
           <p:nvPr/>
-        </p:nvPicPr>
-        <p:blipFill>
-          <a:blip r:embed="rId3"/>
-          <a:stretch>
-            <a:fillRect/>
-          </a:stretch>
-        </p:blipFill>
+        </p:nvGrpSpPr>
+        <p:grpSpPr>
+          <a:xfrm>
+            <a:off x="7638193" y="5249363"/>
+            <a:ext cx="2110702" cy="1162348"/>
+            <a:chOff x="7515441" y="3231329"/>
+            <a:chExt cx="2110698" cy="1162348"/>
+          </a:xfrm>
+        </p:grpSpPr>
+        <p:grpSp>
+          <p:nvGrpSpPr>
+            <p:cNvPr id="16" name="Group 15">
+              <a:extLst>
+                <a:ext uri="{FF2B5EF4-FFF2-40B4-BE49-F238E27FC236}">
+                  <a16:creationId xmlns:a16="http://schemas.microsoft.com/office/drawing/2014/main" id="{63F5EECD-350E-4F04-90E0-C79A71437EF3}"/>
+                </a:ext>
+              </a:extLst>
+            </p:cNvPr>
+            <p:cNvGrpSpPr/>
+            <p:nvPr/>
+          </p:nvGrpSpPr>
+          <p:grpSpPr>
+            <a:xfrm>
+              <a:off x="7515441" y="3234896"/>
+              <a:ext cx="1491913" cy="1158781"/>
+              <a:chOff x="7143322" y="3856309"/>
+              <a:chExt cx="1491913" cy="1158781"/>
+            </a:xfrm>
+          </p:grpSpPr>
+          <p:sp>
+            <p:nvSpPr>
+              <p:cNvPr id="20" name="TextBox 19">
+                <a:extLst>
+                  <a:ext uri="{FF2B5EF4-FFF2-40B4-BE49-F238E27FC236}">
+                    <a16:creationId xmlns:a16="http://schemas.microsoft.com/office/drawing/2014/main" id="{1D3C9F0E-4E67-4EF3-8D20-91092BA57E6C}"/>
+                  </a:ext>
+                </a:extLst>
+              </p:cNvPr>
+              <p:cNvSpPr txBox="1"/>
+              <p:nvPr/>
+            </p:nvSpPr>
+            <p:spPr>
+              <a:xfrm>
+                <a:off x="7143322" y="3856309"/>
+                <a:ext cx="825023" cy="276999"/>
+              </a:xfrm>
+              <a:prstGeom prst="rect">
+                <a:avLst/>
+              </a:prstGeom>
+            </p:spPr>
+            <p:style>
+              <a:lnRef idx="2">
+                <a:schemeClr val="accent1"/>
+              </a:lnRef>
+              <a:fillRef idx="1">
+                <a:schemeClr val="lt1"/>
+              </a:fillRef>
+              <a:effectRef idx="0">
+                <a:schemeClr val="accent1"/>
+              </a:effectRef>
+              <a:fontRef idx="minor">
+                <a:schemeClr val="dk1"/>
+              </a:fontRef>
+            </p:style>
+            <p:txBody>
+              <a:bodyPr wrap="square" rtlCol="0">
+                <a:spAutoFit/>
+              </a:bodyPr>
+              <a:lstStyle/>
+              <a:p>
+                <a:r>
+                  <a:rPr lang="en-US" sz="1200" dirty="0"/>
+                  <a:t>a-module</a:t>
+                </a:r>
+              </a:p>
+            </p:txBody>
+          </p:sp>
+          <p:sp>
+            <p:nvSpPr>
+              <p:cNvPr id="21" name="TextBox 20">
+                <a:extLst>
+                  <a:ext uri="{FF2B5EF4-FFF2-40B4-BE49-F238E27FC236}">
+                    <a16:creationId xmlns:a16="http://schemas.microsoft.com/office/drawing/2014/main" id="{71506DD8-85E5-4B44-BC3B-6DAB7156443A}"/>
+                  </a:ext>
+                </a:extLst>
+              </p:cNvPr>
+              <p:cNvSpPr txBox="1"/>
+              <p:nvPr/>
+            </p:nvSpPr>
+            <p:spPr>
+              <a:xfrm>
+                <a:off x="7810212" y="4738091"/>
+                <a:ext cx="825023" cy="276999"/>
+              </a:xfrm>
+              <a:prstGeom prst="rect">
+                <a:avLst/>
+              </a:prstGeom>
+            </p:spPr>
+            <p:style>
+              <a:lnRef idx="2">
+                <a:schemeClr val="accent1"/>
+              </a:lnRef>
+              <a:fillRef idx="1">
+                <a:schemeClr val="lt1"/>
+              </a:fillRef>
+              <a:effectRef idx="0">
+                <a:schemeClr val="accent1"/>
+              </a:effectRef>
+              <a:fontRef idx="minor">
+                <a:schemeClr val="dk1"/>
+              </a:fontRef>
+            </p:style>
+            <p:txBody>
+              <a:bodyPr wrap="square" rtlCol="0">
+                <a:spAutoFit/>
+              </a:bodyPr>
+              <a:lstStyle/>
+              <a:p>
+                <a:r>
+                  <a:rPr lang="en-US" sz="1200" dirty="0"/>
+                  <a:t>d-module</a:t>
+                </a:r>
+              </a:p>
+            </p:txBody>
+          </p:sp>
+          <p:cxnSp>
+            <p:nvCxnSpPr>
+              <p:cNvPr id="22" name="Straight Arrow Connector 21">
+                <a:extLst>
+                  <a:ext uri="{FF2B5EF4-FFF2-40B4-BE49-F238E27FC236}">
+                    <a16:creationId xmlns:a16="http://schemas.microsoft.com/office/drawing/2014/main" id="{BEBDBAA0-7591-4624-801F-1F43E16946BC}"/>
+                  </a:ext>
+                </a:extLst>
+              </p:cNvPr>
+              <p:cNvCxnSpPr>
+                <a:cxnSpLocks/>
+                <a:stCxn id="21" idx="0"/>
+                <a:endCxn id="20" idx="2"/>
+              </p:cNvCxnSpPr>
+              <p:nvPr/>
+            </p:nvCxnSpPr>
+            <p:spPr>
+              <a:xfrm flipH="1" flipV="1">
+                <a:off x="7555834" y="4133308"/>
+                <a:ext cx="666890" cy="604783"/>
+              </a:xfrm>
+              <a:prstGeom prst="straightConnector1">
+                <a:avLst/>
+              </a:prstGeom>
+              <a:ln>
+                <a:tailEnd type="triangle"/>
+              </a:ln>
+            </p:spPr>
+            <p:style>
+              <a:lnRef idx="1">
+                <a:schemeClr val="accent1"/>
+              </a:lnRef>
+              <a:fillRef idx="0">
+                <a:schemeClr val="accent1"/>
+              </a:fillRef>
+              <a:effectRef idx="0">
+                <a:schemeClr val="accent1"/>
+              </a:effectRef>
+              <a:fontRef idx="minor">
+                <a:schemeClr val="tx1"/>
+              </a:fontRef>
+            </p:style>
+          </p:cxnSp>
+          <p:sp>
+            <p:nvSpPr>
+              <p:cNvPr id="23" name="TextBox 22">
+                <a:extLst>
+                  <a:ext uri="{FF2B5EF4-FFF2-40B4-BE49-F238E27FC236}">
+                    <a16:creationId xmlns:a16="http://schemas.microsoft.com/office/drawing/2014/main" id="{3D05D59E-B7A7-415B-8612-A8A197CFA11F}"/>
+                  </a:ext>
+                </a:extLst>
+              </p:cNvPr>
+              <p:cNvSpPr txBox="1"/>
+              <p:nvPr/>
+            </p:nvSpPr>
+            <p:spPr>
+              <a:xfrm>
+                <a:off x="7430356" y="4327406"/>
+                <a:ext cx="759711" cy="261610"/>
+              </a:xfrm>
+              <a:prstGeom prst="rect">
+                <a:avLst/>
+              </a:prstGeom>
+              <a:noFill/>
+            </p:spPr>
+            <p:txBody>
+              <a:bodyPr wrap="square" rtlCol="0">
+                <a:spAutoFit/>
+              </a:bodyPr>
+              <a:lstStyle/>
+              <a:p>
+                <a:r>
+                  <a:rPr lang="en-US" sz="1100" dirty="0"/>
+                  <a:t>augment</a:t>
+                </a:r>
+              </a:p>
+            </p:txBody>
+          </p:sp>
+        </p:grpSp>
+        <p:sp>
+          <p:nvSpPr>
+            <p:cNvPr id="17" name="TextBox 16">
+              <a:extLst>
+                <a:ext uri="{FF2B5EF4-FFF2-40B4-BE49-F238E27FC236}">
+                  <a16:creationId xmlns:a16="http://schemas.microsoft.com/office/drawing/2014/main" id="{A2127928-8BBB-4DF8-B3F1-E5A217CE9E1E}"/>
+                </a:ext>
+              </a:extLst>
+            </p:cNvPr>
+            <p:cNvSpPr txBox="1"/>
+            <p:nvPr/>
+          </p:nvSpPr>
+          <p:spPr>
+            <a:xfrm>
+              <a:off x="8801116" y="3231329"/>
+              <a:ext cx="825023" cy="276999"/>
+            </a:xfrm>
+            <a:prstGeom prst="rect">
+              <a:avLst/>
+            </a:prstGeom>
+          </p:spPr>
+          <p:style>
+            <a:lnRef idx="2">
+              <a:schemeClr val="accent1"/>
+            </a:lnRef>
+            <a:fillRef idx="1">
+              <a:schemeClr val="lt1"/>
+            </a:fillRef>
+            <a:effectRef idx="0">
+              <a:schemeClr val="accent1"/>
+            </a:effectRef>
+            <a:fontRef idx="minor">
+              <a:schemeClr val="dk1"/>
+            </a:fontRef>
+          </p:style>
+          <p:txBody>
+            <a:bodyPr wrap="square" rtlCol="0">
+              <a:spAutoFit/>
+            </a:bodyPr>
+            <a:lstStyle/>
+            <a:p>
+              <a:r>
+                <a:rPr lang="en-US" sz="1200" dirty="0"/>
+                <a:t>e-module</a:t>
+              </a:r>
+            </a:p>
+          </p:txBody>
+        </p:sp>
+        <p:cxnSp>
+          <p:nvCxnSpPr>
+            <p:cNvPr id="18" name="Straight Arrow Connector 17">
+              <a:extLst>
+                <a:ext uri="{FF2B5EF4-FFF2-40B4-BE49-F238E27FC236}">
+                  <a16:creationId xmlns:a16="http://schemas.microsoft.com/office/drawing/2014/main" id="{32E6A68F-AC23-4408-BDC9-CACCB87E9105}"/>
+                </a:ext>
+              </a:extLst>
+            </p:cNvPr>
+            <p:cNvCxnSpPr>
+              <a:cxnSpLocks/>
+              <a:stCxn id="21" idx="0"/>
+              <a:endCxn id="17" idx="2"/>
+            </p:cNvCxnSpPr>
+            <p:nvPr/>
+          </p:nvCxnSpPr>
+          <p:spPr>
+            <a:xfrm flipV="1">
+              <a:off x="8594843" y="3508328"/>
+              <a:ext cx="618784" cy="608350"/>
+            </a:xfrm>
+            <a:prstGeom prst="straightConnector1">
+              <a:avLst/>
+            </a:prstGeom>
+            <a:ln>
+              <a:tailEnd type="triangle"/>
+            </a:ln>
+          </p:spPr>
+          <p:style>
+            <a:lnRef idx="1">
+              <a:schemeClr val="accent1"/>
+            </a:lnRef>
+            <a:fillRef idx="0">
+              <a:schemeClr val="accent1"/>
+            </a:fillRef>
+            <a:effectRef idx="0">
+              <a:schemeClr val="accent1"/>
+            </a:effectRef>
+            <a:fontRef idx="minor">
+              <a:schemeClr val="tx1"/>
+            </a:fontRef>
+          </p:style>
+        </p:cxnSp>
+        <p:sp>
+          <p:nvSpPr>
+            <p:cNvPr id="19" name="TextBox 18">
+              <a:extLst>
+                <a:ext uri="{FF2B5EF4-FFF2-40B4-BE49-F238E27FC236}">
+                  <a16:creationId xmlns:a16="http://schemas.microsoft.com/office/drawing/2014/main" id="{322C443A-7C3F-4D14-8923-441FD13BD533}"/>
+                </a:ext>
+              </a:extLst>
+            </p:cNvPr>
+            <p:cNvSpPr txBox="1"/>
+            <p:nvPr/>
+          </p:nvSpPr>
+          <p:spPr>
+            <a:xfrm>
+              <a:off x="8628200" y="3705993"/>
+              <a:ext cx="759711" cy="261610"/>
+            </a:xfrm>
+            <a:prstGeom prst="rect">
+              <a:avLst/>
+            </a:prstGeom>
+            <a:noFill/>
+          </p:spPr>
+          <p:txBody>
+            <a:bodyPr wrap="square" rtlCol="0">
+              <a:spAutoFit/>
+            </a:bodyPr>
+            <a:lstStyle/>
+            <a:p>
+              <a:r>
+                <a:rPr lang="en-US" sz="1100" dirty="0"/>
+                <a:t>import</a:t>
+              </a:r>
+            </a:p>
+          </p:txBody>
+        </p:sp>
+      </p:grpSp>
+      <p:sp>
+        <p:nvSpPr>
+          <p:cNvPr id="2" name="TextBox 1">
+            <a:extLst>
+              <a:ext uri="{FF2B5EF4-FFF2-40B4-BE49-F238E27FC236}">
+                <a16:creationId xmlns:a16="http://schemas.microsoft.com/office/drawing/2014/main" id="{AEB02331-5BED-4EC2-A734-8E8301372203}"/>
+              </a:ext>
+            </a:extLst>
+          </p:cNvPr>
+          <p:cNvSpPr txBox="1"/>
+          <p:nvPr/>
+        </p:nvSpPr>
         <p:spPr>
           <a:xfrm>
-            <a:off x="920904" y="4483046"/>
-            <a:ext cx="10745885" cy="874825"/>
+            <a:off x="838200" y="5148498"/>
+            <a:ext cx="6013862" cy="646331"/>
           </a:xfrm>
           <a:prstGeom prst="rect">
             <a:avLst/>
           </a:prstGeom>
+          <a:noFill/>
         </p:spPr>
-      </p:pic>
-      <p:pic>
-        <p:nvPicPr>
-          <p:cNvPr id="1026" name="Picture 1">
+        <p:txBody>
+          <a:bodyPr wrap="square" rtlCol="0">
+            <a:spAutoFit/>
+          </a:bodyPr>
+          <a:lstStyle/>
+          <a:p>
+            <a:r>
+              <a:rPr lang="en-US" dirty="0"/>
+              <a:t>Starting from a-module, we discover d-module(augment) then e-module(import for d-module).</a:t>
+            </a:r>
+          </a:p>
+        </p:txBody>
+      </p:sp>
+      <p:sp>
+        <p:nvSpPr>
+          <p:cNvPr id="24" name="Rectangle 23">
             <a:extLst>
               <a:ext uri="{FF2B5EF4-FFF2-40B4-BE49-F238E27FC236}">
-                <a16:creationId xmlns:a16="http://schemas.microsoft.com/office/drawing/2014/main" id="{251AF02E-F7C4-5C3C-73B9-611915A99DD2}"/>
+                <a16:creationId xmlns:a16="http://schemas.microsoft.com/office/drawing/2014/main" id="{A2BBEE50-2F8F-4E53-A715-E4ABA2B0CFCE}"/>
               </a:ext>
             </a:extLst>
           </p:cNvPr>
-          <p:cNvPicPr>
-            <a:picLocks noChangeAspect="1" noChangeArrowheads="1"/>
-          </p:cNvPicPr>
+          <p:cNvSpPr>
+            <a:spLocks noChangeArrowheads="1"/>
+          </p:cNvSpPr>
           <p:nvPr/>
-        </p:nvPicPr>
-        <p:blipFill>
-          <a:blip r:embed="rId4">
-            <a:extLst>
-              <a:ext uri="{28A0092B-C50C-407E-A947-70E740481C1C}">
-                <a14:useLocalDpi xmlns:a14="http://schemas.microsoft.com/office/drawing/2010/main" val="0"/>
-              </a:ext>
-            </a:extLst>
-          </a:blip>
-          <a:srcRect/>
-          <a:stretch>
-            <a:fillRect/>
-          </a:stretch>
-        </p:blipFill>
+        </p:nvSpPr>
         <p:spPr bwMode="auto">
           <a:xfrm>
-            <a:off x="920905" y="1573728"/>
-            <a:ext cx="6893060" cy="2807827"/>
+            <a:off x="838200" y="1677771"/>
+            <a:ext cx="9705455" cy="968278"/>
           </a:xfrm>
           <a:prstGeom prst="rect">
             <a:avLst/>
@@ -27483,31 +26038,78 @@
           <a:ln>
             <a:noFill/>
           </a:ln>
+          <a:effectLst/>
           <a:extLst>
             <a:ext uri="{909E8E84-426E-40DD-AFC4-6F175D3DCCD1}">
               <a14:hiddenFill xmlns:a14="http://schemas.microsoft.com/office/drawing/2010/main">
                 <a:solidFill>
-                  <a:srgbClr val="FFFFFF"/>
+                  <a:schemeClr val="accent1"/>
                 </a:solidFill>
               </a14:hiddenFill>
             </a:ext>
             <a:ext uri="{91240B29-F687-4F45-9708-019B960494DF}">
               <a14:hiddenLine xmlns:a14="http://schemas.microsoft.com/office/drawing/2010/main" w="9525">
                 <a:solidFill>
-                  <a:srgbClr val="000000"/>
+                  <a:schemeClr val="tx1"/>
                 </a:solidFill>
                 <a:miter lim="800000"/>
                 <a:headEnd/>
                 <a:tailEnd/>
               </a14:hiddenLine>
             </a:ext>
+            <a:ext uri="{AF507438-7753-43E0-B8FC-AC1667EBCBE1}">
+              <a14:hiddenEffects xmlns:a14="http://schemas.microsoft.com/office/drawing/2010/main">
+                <a:effectLst>
+                  <a:outerShdw dist="35921" dir="2700000" algn="ctr" rotWithShape="0">
+                    <a:schemeClr val="bg2"/>
+                  </a:outerShdw>
+                </a:effectLst>
+              </a14:hiddenEffects>
+            </a:ext>
           </a:extLst>
         </p:spPr>
-      </p:pic>
+        <p:txBody>
+          <a:bodyPr vert="horz" wrap="square" lIns="91440" tIns="45720" rIns="91440" bIns="45720" numCol="1" anchor="ctr" anchorCtr="0" compatLnSpc="1">
+            <a:prstTxWarp prst="textNoShape">
+              <a:avLst/>
+            </a:prstTxWarp>
+            <a:spAutoFit/>
+          </a:bodyPr>
+          <a:lstStyle/>
+          <a:p>
+            <a:pPr marL="0" marR="0">
+              <a:lnSpc>
+                <a:spcPct val="107000"/>
+              </a:lnSpc>
+              <a:spcBef>
+                <a:spcPts val="0"/>
+              </a:spcBef>
+              <a:spcAft>
+                <a:spcPts val="800"/>
+              </a:spcAft>
+            </a:pPr>
+            <a:r>
+              <a:rPr lang="en-US" sz="1800" dirty="0">
+                <a:effectLst/>
+                <a:latin typeface="Calibri" panose="020F0502020204030204" pitchFamily="34" charset="0"/>
+                <a:ea typeface="Calibri" panose="020F0502020204030204" pitchFamily="34" charset="0"/>
+                <a:cs typeface="Times New Roman" panose="02020603050405020304" pitchFamily="18" charset="0"/>
+              </a:rPr>
+              <a:t>The demo fetches all YANG modules from the NETCONF server, parses the input messages and selects the corresponding YANG module needed to build the schema for incoming messages on that subscription to register in the Confluent schema register for serializing the messages in Apache Kafka.</a:t>
+            </a:r>
+            <a:endParaRPr lang="de-CH" sz="1800" dirty="0">
+              <a:effectLst/>
+              <a:latin typeface="Calibri" panose="020F0502020204030204" pitchFamily="34" charset="0"/>
+              <a:ea typeface="Calibri" panose="020F0502020204030204" pitchFamily="34" charset="0"/>
+              <a:cs typeface="Times New Roman" panose="02020603050405020304" pitchFamily="18" charset="0"/>
+            </a:endParaRPr>
+          </a:p>
+        </p:txBody>
+      </p:sp>
     </p:spTree>
     <p:extLst>
       <p:ext uri="{BB962C8B-B14F-4D97-AF65-F5344CB8AC3E}">
-        <p14:creationId xmlns:p14="http://schemas.microsoft.com/office/powerpoint/2010/main" val="109474821"/>
+        <p14:creationId xmlns:p14="http://schemas.microsoft.com/office/powerpoint/2010/main" val="1616082505"/>
       </p:ext>
     </p:extLst>
   </p:cSld>
@@ -27551,7 +26153,7 @@
         <p:spPr bwMode="black">
           <a:xfrm>
             <a:off x="838200" y="365125"/>
-            <a:ext cx="9893531" cy="1325563"/>
+            <a:ext cx="10591800" cy="1325563"/>
           </a:xfrm>
           <a:prstGeom prst="rect">
             <a:avLst/>
@@ -27600,7 +26202,7 @@
                   </a:schemeClr>
                 </a:solidFill>
               </a:rPr>
-              <a:t>Step 2 – Finding the YANG Module dependencies</a:t>
+              <a:t>Step 3 – Register the YANG Semantics in Confluent Schema Registry</a:t>
             </a:r>
             <a:endParaRPr lang="en-US" sz="2700" dirty="0">
               <a:solidFill>
@@ -27681,91 +26283,12 @@
           </a:p>
         </p:txBody>
       </p:sp>
-      <p:sp>
-        <p:nvSpPr>
-          <p:cNvPr id="5" name="TextBox 4">
+      <p:pic>
+        <p:nvPicPr>
+          <p:cNvPr id="6" name="Picture 5">
             <a:extLst>
               <a:ext uri="{FF2B5EF4-FFF2-40B4-BE49-F238E27FC236}">
-                <a16:creationId xmlns:a16="http://schemas.microsoft.com/office/drawing/2014/main" id="{4CA7E0E8-2739-7EE8-50E2-3CDC403F0BDA}"/>
-              </a:ext>
-            </a:extLst>
-          </p:cNvPr>
-          <p:cNvSpPr txBox="1"/>
-          <p:nvPr/>
-        </p:nvSpPr>
-        <p:spPr>
-          <a:xfrm>
-            <a:off x="838199" y="1583021"/>
-            <a:ext cx="10832869" cy="1264642"/>
-          </a:xfrm>
-          <a:prstGeom prst="rect">
-            <a:avLst/>
-          </a:prstGeom>
-          <a:noFill/>
-        </p:spPr>
-        <p:txBody>
-          <a:bodyPr wrap="square">
-            <a:spAutoFit/>
-          </a:bodyPr>
-          <a:lstStyle/>
-          <a:p>
-            <a:pPr>
-              <a:lnSpc>
-                <a:spcPct val="107000"/>
-              </a:lnSpc>
-              <a:spcAft>
-                <a:spcPts val="800"/>
-              </a:spcAft>
-            </a:pPr>
-            <a:r>
-              <a:rPr lang="en-US" sz="1800" dirty="0">
-                <a:effectLst/>
-                <a:latin typeface="Calibri" panose="020F0502020204030204" pitchFamily="34" charset="0"/>
-                <a:ea typeface="Calibri" panose="020F0502020204030204" pitchFamily="34" charset="0"/>
-                <a:cs typeface="Times New Roman" panose="02020603050405020304" pitchFamily="18" charset="0"/>
-              </a:rPr>
-              <a:t>The modules are registered in the correct order into the YANG schema registry and the corresponding schema-ids are returned. Here is the list of messages for registering the modules:</a:t>
-            </a:r>
-            <a:br>
-              <a:rPr lang="en-US" sz="1800" dirty="0">
-                <a:effectLst/>
-                <a:latin typeface="Calibri" panose="020F0502020204030204" pitchFamily="34" charset="0"/>
-                <a:ea typeface="Calibri" panose="020F0502020204030204" pitchFamily="34" charset="0"/>
-                <a:cs typeface="Times New Roman" panose="02020603050405020304" pitchFamily="18" charset="0"/>
-              </a:rPr>
-            </a:br>
-            <a:br>
-              <a:rPr lang="en-US" sz="1800" dirty="0">
-                <a:effectLst/>
-                <a:latin typeface="Calibri" panose="020F0502020204030204" pitchFamily="34" charset="0"/>
-                <a:ea typeface="Calibri" panose="020F0502020204030204" pitchFamily="34" charset="0"/>
-                <a:cs typeface="Times New Roman" panose="02020603050405020304" pitchFamily="18" charset="0"/>
-              </a:rPr>
-            </a:br>
-            <a:r>
-              <a:rPr lang="en-US" sz="1800" dirty="0">
-                <a:effectLst/>
-                <a:latin typeface="Calibri" panose="020F0502020204030204" pitchFamily="34" charset="0"/>
-                <a:ea typeface="Calibri" panose="020F0502020204030204" pitchFamily="34" charset="0"/>
-                <a:cs typeface="Times New Roman" panose="02020603050405020304" pitchFamily="18" charset="0"/>
-              </a:rPr>
-              <a:t>First module-a (no dependencies)</a:t>
-            </a:r>
-            <a:endParaRPr lang="de-CH" sz="1800" dirty="0">
-              <a:effectLst/>
-              <a:latin typeface="Calibri" panose="020F0502020204030204" pitchFamily="34" charset="0"/>
-              <a:ea typeface="Calibri" panose="020F0502020204030204" pitchFamily="34" charset="0"/>
-              <a:cs typeface="Times New Roman" panose="02020603050405020304" pitchFamily="18" charset="0"/>
-            </a:endParaRPr>
-          </a:p>
-        </p:txBody>
-      </p:sp>
-      <p:pic>
-        <p:nvPicPr>
-          <p:cNvPr id="12" name="Picture 11">
-            <a:extLst>
-              <a:ext uri="{FF2B5EF4-FFF2-40B4-BE49-F238E27FC236}">
-                <a16:creationId xmlns:a16="http://schemas.microsoft.com/office/drawing/2014/main" id="{B0C646C4-EBE0-32B4-3EF2-EE9B8DB5A9CC}"/>
+                <a16:creationId xmlns:a16="http://schemas.microsoft.com/office/drawing/2014/main" id="{DCB48C33-9094-41D8-8569-E7C5B4F53D44}"/>
               </a:ext>
             </a:extLst>
           </p:cNvPr>
@@ -27775,75 +26298,21 @@
           <p:nvPr/>
         </p:nvPicPr>
         <p:blipFill>
-          <a:blip r:embed="rId3"/>
+          <a:blip r:embed="rId3">
+            <a:extLst>
+              <a:ext uri="{28A0092B-C50C-407E-A947-70E740481C1C}">
+                <a14:useLocalDpi xmlns:a14="http://schemas.microsoft.com/office/drawing/2010/main" val="0"/>
+              </a:ext>
+            </a:extLst>
+          </a:blip>
           <a:stretch>
             <a:fillRect/>
           </a:stretch>
         </p:blipFill>
         <p:spPr>
           <a:xfrm>
-            <a:off x="920904" y="2851818"/>
-            <a:ext cx="9511293" cy="577181"/>
-          </a:xfrm>
-          <a:prstGeom prst="rect">
-            <a:avLst/>
-          </a:prstGeom>
-        </p:spPr>
-      </p:pic>
-      <p:pic>
-        <p:nvPicPr>
-          <p:cNvPr id="13" name="Picture 12">
-            <a:extLst>
-              <a:ext uri="{FF2B5EF4-FFF2-40B4-BE49-F238E27FC236}">
-                <a16:creationId xmlns:a16="http://schemas.microsoft.com/office/drawing/2014/main" id="{1A5DB341-F1FF-1BB7-B9DF-779F63A7A44C}"/>
-              </a:ext>
-            </a:extLst>
-          </p:cNvPr>
-          <p:cNvPicPr>
-            <a:picLocks noChangeAspect="1"/>
-          </p:cNvPicPr>
-          <p:nvPr/>
-        </p:nvPicPr>
-        <p:blipFill>
-          <a:blip r:embed="rId4"/>
-          <a:stretch>
-            <a:fillRect/>
-          </a:stretch>
-        </p:blipFill>
-        <p:spPr>
-          <a:xfrm>
-            <a:off x="902173" y="3924469"/>
-            <a:ext cx="9530024" cy="598681"/>
-          </a:xfrm>
-          <a:prstGeom prst="rect">
-            <a:avLst/>
-          </a:prstGeom>
-        </p:spPr>
-      </p:pic>
-      <p:pic>
-        <p:nvPicPr>
-          <p:cNvPr id="14" name="Picture 13">
-            <a:extLst>
-              <a:ext uri="{FF2B5EF4-FFF2-40B4-BE49-F238E27FC236}">
-                <a16:creationId xmlns:a16="http://schemas.microsoft.com/office/drawing/2014/main" id="{323F50ED-F849-6753-F496-82E302929185}"/>
-              </a:ext>
-            </a:extLst>
-          </p:cNvPr>
-          <p:cNvPicPr>
-            <a:picLocks noChangeAspect="1"/>
-          </p:cNvPicPr>
-          <p:nvPr/>
-        </p:nvPicPr>
-        <p:blipFill>
-          <a:blip r:embed="rId5"/>
-          <a:stretch>
-            <a:fillRect/>
-          </a:stretch>
-        </p:blipFill>
-        <p:spPr>
-          <a:xfrm>
-            <a:off x="915090" y="5053972"/>
-            <a:ext cx="9535839" cy="1552630"/>
+            <a:off x="920905" y="1690688"/>
+            <a:ext cx="10617746" cy="4222967"/>
           </a:xfrm>
           <a:prstGeom prst="rect">
             <a:avLst/>
@@ -27852,140 +26321,314 @@
       </p:pic>
       <p:sp>
         <p:nvSpPr>
-          <p:cNvPr id="16" name="TextBox 15">
+          <p:cNvPr id="7" name="Rectangle 6">
             <a:extLst>
               <a:ext uri="{FF2B5EF4-FFF2-40B4-BE49-F238E27FC236}">
-                <a16:creationId xmlns:a16="http://schemas.microsoft.com/office/drawing/2014/main" id="{52707559-864A-90E8-D214-40517223E5C6}"/>
+                <a16:creationId xmlns:a16="http://schemas.microsoft.com/office/drawing/2014/main" id="{ED6AC3A2-6DD8-4B08-90F2-020BEDF823BF}"/>
               </a:ext>
             </a:extLst>
           </p:cNvPr>
-          <p:cNvSpPr txBox="1"/>
+          <p:cNvSpPr/>
           <p:nvPr/>
         </p:nvSpPr>
         <p:spPr>
           <a:xfrm>
-            <a:off x="838198" y="3548917"/>
-            <a:ext cx="6097384" cy="375552"/>
+            <a:off x="4304806" y="1690688"/>
+            <a:ext cx="1211282" cy="156906"/>
           </a:xfrm>
           <a:prstGeom prst="rect">
             <a:avLst/>
           </a:prstGeom>
           <a:noFill/>
+          <a:ln w="19050">
+            <a:solidFill>
+              <a:schemeClr val="accent4">
+                <a:lumMod val="60000"/>
+                <a:lumOff val="40000"/>
+              </a:schemeClr>
+            </a:solidFill>
+          </a:ln>
         </p:spPr>
+        <p:style>
+          <a:lnRef idx="2">
+            <a:schemeClr val="accent1">
+              <a:shade val="50000"/>
+            </a:schemeClr>
+          </a:lnRef>
+          <a:fillRef idx="1">
+            <a:schemeClr val="accent1"/>
+          </a:fillRef>
+          <a:effectRef idx="0">
+            <a:schemeClr val="accent1"/>
+          </a:effectRef>
+          <a:fontRef idx="minor">
+            <a:schemeClr val="lt1"/>
+          </a:fontRef>
+        </p:style>
         <p:txBody>
-          <a:bodyPr wrap="square">
-            <a:spAutoFit/>
-          </a:bodyPr>
+          <a:bodyPr rtlCol="0" anchor="ctr"/>
           <a:lstStyle/>
           <a:p>
-            <a:pPr marL="0" marR="0">
-              <a:lnSpc>
-                <a:spcPct val="107000"/>
-              </a:lnSpc>
-              <a:spcBef>
-                <a:spcPts val="0"/>
-              </a:spcBef>
-              <a:spcAft>
-                <a:spcPts val="800"/>
-              </a:spcAft>
-            </a:pPr>
-            <a:r>
-              <a:rPr lang="en-US" sz="1800" dirty="0">
-                <a:effectLst/>
-                <a:latin typeface="Calibri" panose="020F0502020204030204" pitchFamily="34" charset="0"/>
-                <a:ea typeface="Calibri" panose="020F0502020204030204" pitchFamily="34" charset="0"/>
-                <a:cs typeface="Times New Roman" panose="02020603050405020304" pitchFamily="18" charset="0"/>
-              </a:rPr>
-              <a:t>Then module e (no dependencies)</a:t>
-            </a:r>
-            <a:endParaRPr lang="de-CH" sz="1800" dirty="0">
-              <a:effectLst/>
-              <a:latin typeface="Calibri" panose="020F0502020204030204" pitchFamily="34" charset="0"/>
-              <a:ea typeface="Calibri" panose="020F0502020204030204" pitchFamily="34" charset="0"/>
-              <a:cs typeface="Times New Roman" panose="02020603050405020304" pitchFamily="18" charset="0"/>
-            </a:endParaRPr>
+            <a:pPr algn="ctr"/>
+            <a:endParaRPr lang="en-US"/>
           </a:p>
         </p:txBody>
       </p:sp>
       <p:sp>
         <p:nvSpPr>
-          <p:cNvPr id="18" name="TextBox 17">
+          <p:cNvPr id="12" name="Rectangle 11">
             <a:extLst>
               <a:ext uri="{FF2B5EF4-FFF2-40B4-BE49-F238E27FC236}">
-                <a16:creationId xmlns:a16="http://schemas.microsoft.com/office/drawing/2014/main" id="{3E3E9EF3-55B2-E8D3-F662-13B59F0E39CD}"/>
+                <a16:creationId xmlns:a16="http://schemas.microsoft.com/office/drawing/2014/main" id="{1876FCDD-9A53-43CA-9125-44CC2FD39EF6}"/>
               </a:ext>
             </a:extLst>
           </p:cNvPr>
-          <p:cNvSpPr txBox="1"/>
+          <p:cNvSpPr/>
           <p:nvPr/>
         </p:nvSpPr>
         <p:spPr>
           <a:xfrm>
-            <a:off x="838198" y="4626174"/>
-            <a:ext cx="10832869" cy="375552"/>
+            <a:off x="1838696" y="4373410"/>
+            <a:ext cx="1211282" cy="156906"/>
           </a:xfrm>
           <a:prstGeom prst="rect">
             <a:avLst/>
           </a:prstGeom>
           <a:noFill/>
+          <a:ln w="19050">
+            <a:solidFill>
+              <a:schemeClr val="accent4">
+                <a:lumMod val="60000"/>
+                <a:lumOff val="40000"/>
+              </a:schemeClr>
+            </a:solidFill>
+          </a:ln>
         </p:spPr>
+        <p:style>
+          <a:lnRef idx="2">
+            <a:schemeClr val="accent1">
+              <a:shade val="50000"/>
+            </a:schemeClr>
+          </a:lnRef>
+          <a:fillRef idx="1">
+            <a:schemeClr val="accent1"/>
+          </a:fillRef>
+          <a:effectRef idx="0">
+            <a:schemeClr val="accent1"/>
+          </a:effectRef>
+          <a:fontRef idx="minor">
+            <a:schemeClr val="lt1"/>
+          </a:fontRef>
+        </p:style>
         <p:txBody>
-          <a:bodyPr wrap="square">
-            <a:spAutoFit/>
-          </a:bodyPr>
+          <a:bodyPr rtlCol="0" anchor="ctr"/>
           <a:lstStyle/>
           <a:p>
-            <a:pPr marL="0" marR="0">
-              <a:lnSpc>
-                <a:spcPct val="107000"/>
-              </a:lnSpc>
-              <a:spcBef>
-                <a:spcPts val="0"/>
-              </a:spcBef>
-              <a:spcAft>
-                <a:spcPts val="800"/>
-              </a:spcAft>
-            </a:pPr>
-            <a:r>
-              <a:rPr lang="en-US" sz="1800" dirty="0">
-                <a:effectLst/>
-                <a:latin typeface="Calibri" panose="020F0502020204030204" pitchFamily="34" charset="0"/>
-                <a:ea typeface="Calibri" panose="020F0502020204030204" pitchFamily="34" charset="0"/>
-                <a:cs typeface="Times New Roman" panose="02020603050405020304" pitchFamily="18" charset="0"/>
-              </a:rPr>
-              <a:t>Then module d (</a:t>
-            </a:r>
-            <a:r>
-              <a:rPr lang="en-US" sz="1800" dirty="0" err="1">
-                <a:effectLst/>
-                <a:latin typeface="Calibri" panose="020F0502020204030204" pitchFamily="34" charset="0"/>
-                <a:ea typeface="Calibri" panose="020F0502020204030204" pitchFamily="34" charset="0"/>
-                <a:cs typeface="Times New Roman" panose="02020603050405020304" pitchFamily="18" charset="0"/>
-              </a:rPr>
-              <a:t>augements</a:t>
-            </a:r>
-            <a:r>
-              <a:rPr lang="en-US" sz="1800" dirty="0">
-                <a:effectLst/>
-                <a:latin typeface="Calibri" panose="020F0502020204030204" pitchFamily="34" charset="0"/>
-                <a:ea typeface="Calibri" panose="020F0502020204030204" pitchFamily="34" charset="0"/>
-                <a:cs typeface="Times New Roman" panose="02020603050405020304" pitchFamily="18" charset="0"/>
-              </a:rPr>
-              <a:t> a and thus depends on a, depends on e)</a:t>
-            </a:r>
-            <a:endParaRPr lang="de-CH" sz="1800" dirty="0">
-              <a:effectLst/>
-              <a:latin typeface="Calibri" panose="020F0502020204030204" pitchFamily="34" charset="0"/>
-              <a:ea typeface="Calibri" panose="020F0502020204030204" pitchFamily="34" charset="0"/>
-              <a:cs typeface="Times New Roman" panose="02020603050405020304" pitchFamily="18" charset="0"/>
-            </a:endParaRPr>
+            <a:pPr algn="ctr"/>
+            <a:endParaRPr lang="en-US"/>
           </a:p>
         </p:txBody>
       </p:sp>
+      <p:sp>
+        <p:nvSpPr>
+          <p:cNvPr id="18" name="Rectangle 17">
+            <a:extLst>
+              <a:ext uri="{FF2B5EF4-FFF2-40B4-BE49-F238E27FC236}">
+                <a16:creationId xmlns:a16="http://schemas.microsoft.com/office/drawing/2014/main" id="{08080618-E806-4E7D-A42E-7A9C318F30A0}"/>
+              </a:ext>
+            </a:extLst>
+          </p:cNvPr>
+          <p:cNvSpPr/>
+          <p:nvPr/>
+        </p:nvSpPr>
+        <p:spPr>
+          <a:xfrm>
+            <a:off x="4304806" y="2730113"/>
+            <a:ext cx="1211282" cy="156906"/>
+          </a:xfrm>
+          <a:prstGeom prst="rect">
+            <a:avLst/>
+          </a:prstGeom>
+          <a:noFill/>
+          <a:ln w="19050">
+            <a:solidFill>
+              <a:schemeClr val="accent6"/>
+            </a:solidFill>
+          </a:ln>
+        </p:spPr>
+        <p:style>
+          <a:lnRef idx="2">
+            <a:schemeClr val="accent1">
+              <a:shade val="50000"/>
+            </a:schemeClr>
+          </a:lnRef>
+          <a:fillRef idx="1">
+            <a:schemeClr val="accent1"/>
+          </a:fillRef>
+          <a:effectRef idx="0">
+            <a:schemeClr val="accent1"/>
+          </a:effectRef>
+          <a:fontRef idx="minor">
+            <a:schemeClr val="lt1"/>
+          </a:fontRef>
+        </p:style>
+        <p:txBody>
+          <a:bodyPr rtlCol="0" anchor="ctr"/>
+          <a:lstStyle/>
+          <a:p>
+            <a:pPr algn="ctr"/>
+            <a:endParaRPr lang="en-US"/>
+          </a:p>
+        </p:txBody>
+      </p:sp>
+      <p:sp>
+        <p:nvSpPr>
+          <p:cNvPr id="19" name="Rectangle 18">
+            <a:extLst>
+              <a:ext uri="{FF2B5EF4-FFF2-40B4-BE49-F238E27FC236}">
+                <a16:creationId xmlns:a16="http://schemas.microsoft.com/office/drawing/2014/main" id="{0DCDC98F-9C36-40E3-B1CD-E0E7CED0F8C1}"/>
+              </a:ext>
+            </a:extLst>
+          </p:cNvPr>
+          <p:cNvSpPr/>
+          <p:nvPr/>
+        </p:nvSpPr>
+        <p:spPr>
+          <a:xfrm>
+            <a:off x="1838696" y="4908173"/>
+            <a:ext cx="1211282" cy="156906"/>
+          </a:xfrm>
+          <a:prstGeom prst="rect">
+            <a:avLst/>
+          </a:prstGeom>
+          <a:noFill/>
+          <a:ln w="19050">
+            <a:solidFill>
+              <a:schemeClr val="accent6"/>
+            </a:solidFill>
+          </a:ln>
+        </p:spPr>
+        <p:style>
+          <a:lnRef idx="2">
+            <a:schemeClr val="accent1">
+              <a:shade val="50000"/>
+            </a:schemeClr>
+          </a:lnRef>
+          <a:fillRef idx="1">
+            <a:schemeClr val="accent1"/>
+          </a:fillRef>
+          <a:effectRef idx="0">
+            <a:schemeClr val="accent1"/>
+          </a:effectRef>
+          <a:fontRef idx="minor">
+            <a:schemeClr val="lt1"/>
+          </a:fontRef>
+        </p:style>
+        <p:txBody>
+          <a:bodyPr rtlCol="0" anchor="ctr"/>
+          <a:lstStyle/>
+          <a:p>
+            <a:pPr algn="ctr"/>
+            <a:endParaRPr lang="en-US"/>
+          </a:p>
+        </p:txBody>
+      </p:sp>
+      <p:cxnSp>
+        <p:nvCxnSpPr>
+          <p:cNvPr id="21" name="Straight Arrow Connector 20">
+            <a:extLst>
+              <a:ext uri="{FF2B5EF4-FFF2-40B4-BE49-F238E27FC236}">
+                <a16:creationId xmlns:a16="http://schemas.microsoft.com/office/drawing/2014/main" id="{FC5441A7-7247-466D-B4A1-F0D9DFFC632A}"/>
+              </a:ext>
+            </a:extLst>
+          </p:cNvPr>
+          <p:cNvCxnSpPr>
+            <a:stCxn id="19" idx="3"/>
+            <a:endCxn id="18" idx="2"/>
+          </p:cNvCxnSpPr>
+          <p:nvPr/>
+        </p:nvCxnSpPr>
+        <p:spPr>
+          <a:xfrm flipV="1">
+            <a:off x="3049978" y="2887019"/>
+            <a:ext cx="1860469" cy="2099607"/>
+          </a:xfrm>
+          <a:prstGeom prst="straightConnector1">
+            <a:avLst/>
+          </a:prstGeom>
+          <a:ln w="9525">
+            <a:solidFill>
+              <a:schemeClr val="accent6"/>
+            </a:solidFill>
+            <a:tailEnd type="triangle"/>
+          </a:ln>
+        </p:spPr>
+        <p:style>
+          <a:lnRef idx="1">
+            <a:schemeClr val="accent1"/>
+          </a:lnRef>
+          <a:fillRef idx="0">
+            <a:schemeClr val="accent1"/>
+          </a:fillRef>
+          <a:effectRef idx="0">
+            <a:schemeClr val="accent1"/>
+          </a:effectRef>
+          <a:fontRef idx="minor">
+            <a:schemeClr val="tx1"/>
+          </a:fontRef>
+        </p:style>
+      </p:cxnSp>
+      <p:cxnSp>
+        <p:nvCxnSpPr>
+          <p:cNvPr id="23" name="Straight Arrow Connector 22">
+            <a:extLst>
+              <a:ext uri="{FF2B5EF4-FFF2-40B4-BE49-F238E27FC236}">
+                <a16:creationId xmlns:a16="http://schemas.microsoft.com/office/drawing/2014/main" id="{A80290CC-5809-4071-95A9-14DAA6F8D4B7}"/>
+              </a:ext>
+            </a:extLst>
+          </p:cNvPr>
+          <p:cNvCxnSpPr>
+            <a:stCxn id="12" idx="0"/>
+          </p:cNvCxnSpPr>
+          <p:nvPr/>
+        </p:nvCxnSpPr>
+        <p:spPr>
+          <a:xfrm flipV="1">
+            <a:off x="2444337" y="1847594"/>
+            <a:ext cx="2466110" cy="2525816"/>
+          </a:xfrm>
+          <a:prstGeom prst="straightConnector1">
+            <a:avLst/>
+          </a:prstGeom>
+          <a:ln w="9525">
+            <a:solidFill>
+              <a:schemeClr val="accent4">
+                <a:lumMod val="60000"/>
+                <a:lumOff val="40000"/>
+              </a:schemeClr>
+            </a:solidFill>
+            <a:tailEnd type="triangle"/>
+          </a:ln>
+        </p:spPr>
+        <p:style>
+          <a:lnRef idx="1">
+            <a:schemeClr val="accent1"/>
+          </a:lnRef>
+          <a:fillRef idx="0">
+            <a:schemeClr val="accent1"/>
+          </a:fillRef>
+          <a:effectRef idx="0">
+            <a:schemeClr val="accent1"/>
+          </a:effectRef>
+          <a:fontRef idx="minor">
+            <a:schemeClr val="tx1"/>
+          </a:fontRef>
+        </p:style>
+      </p:cxnSp>
     </p:spTree>
     <p:extLst>
       <p:ext uri="{BB962C8B-B14F-4D97-AF65-F5344CB8AC3E}">
-        <p14:creationId xmlns:p14="http://schemas.microsoft.com/office/powerpoint/2010/main" val="4191510882"/>
+        <p14:creationId xmlns:p14="http://schemas.microsoft.com/office/powerpoint/2010/main" val="3260523608"/>
       </p:ext>
     </p:extLst>
   </p:cSld>
@@ -28029,7 +26672,7 @@
         <p:spPr bwMode="black">
           <a:xfrm>
             <a:off x="838200" y="365125"/>
-            <a:ext cx="9718964" cy="1325563"/>
+            <a:ext cx="10591800" cy="1325563"/>
           </a:xfrm>
           <a:prstGeom prst="rect">
             <a:avLst/>
@@ -28078,7 +26721,7 @@
                   </a:schemeClr>
                 </a:solidFill>
               </a:rPr>
-              <a:t>Step 2 – Register the YANG Semantics in Confluent Schema Registry</a:t>
+              <a:t>Step 3 – Register the YANG Semantics in Confluent Schema Registry</a:t>
             </a:r>
             <a:endParaRPr lang="en-US" sz="2700" dirty="0">
               <a:solidFill>
@@ -28159,69 +26802,12 @@
           </a:p>
         </p:txBody>
       </p:sp>
-      <p:sp>
-        <p:nvSpPr>
-          <p:cNvPr id="5" name="TextBox 4">
+      <p:pic>
+        <p:nvPicPr>
+          <p:cNvPr id="5" name="Picture 4">
             <a:extLst>
               <a:ext uri="{FF2B5EF4-FFF2-40B4-BE49-F238E27FC236}">
-                <a16:creationId xmlns:a16="http://schemas.microsoft.com/office/drawing/2014/main" id="{4CA7E0E8-2739-7EE8-50E2-3CDC403F0BDA}"/>
-              </a:ext>
-            </a:extLst>
-          </p:cNvPr>
-          <p:cNvSpPr txBox="1"/>
-          <p:nvPr/>
-        </p:nvSpPr>
-        <p:spPr>
-          <a:xfrm>
-            <a:off x="838200" y="1866591"/>
-            <a:ext cx="10832869" cy="968278"/>
-          </a:xfrm>
-          <a:prstGeom prst="rect">
-            <a:avLst/>
-          </a:prstGeom>
-          <a:noFill/>
-        </p:spPr>
-        <p:txBody>
-          <a:bodyPr wrap="square">
-            <a:spAutoFit/>
-          </a:bodyPr>
-          <a:lstStyle/>
-          <a:p>
-            <a:pPr marL="0" marR="0">
-              <a:lnSpc>
-                <a:spcPct val="107000"/>
-              </a:lnSpc>
-              <a:spcBef>
-                <a:spcPts val="0"/>
-              </a:spcBef>
-              <a:spcAft>
-                <a:spcPts val="800"/>
-              </a:spcAft>
-            </a:pPr>
-            <a:r>
-              <a:rPr lang="en-US" sz="1800" dirty="0">
-                <a:effectLst/>
-                <a:latin typeface="Calibri" panose="020F0502020204030204" pitchFamily="34" charset="0"/>
-                <a:ea typeface="Calibri" panose="020F0502020204030204" pitchFamily="34" charset="0"/>
-                <a:cs typeface="Times New Roman" panose="02020603050405020304" pitchFamily="18" charset="0"/>
-              </a:rPr>
-              <a:t>Finally, the augmented version of YANG module a, which is the one that matches the passed subscription is registered in the Confluent schema registry. Returning schema id 8 which then can be used to serialize the YANG push push-update message in a Apache Kafka topic.</a:t>
-            </a:r>
-            <a:endParaRPr lang="de-CH" sz="1800" dirty="0">
-              <a:effectLst/>
-              <a:latin typeface="Calibri" panose="020F0502020204030204" pitchFamily="34" charset="0"/>
-              <a:ea typeface="Calibri" panose="020F0502020204030204" pitchFamily="34" charset="0"/>
-              <a:cs typeface="Times New Roman" panose="02020603050405020304" pitchFamily="18" charset="0"/>
-            </a:endParaRPr>
-          </a:p>
-        </p:txBody>
-      </p:sp>
-      <p:pic>
-        <p:nvPicPr>
-          <p:cNvPr id="3" name="Picture 2">
-            <a:extLst>
-              <a:ext uri="{FF2B5EF4-FFF2-40B4-BE49-F238E27FC236}">
-                <a16:creationId xmlns:a16="http://schemas.microsoft.com/office/drawing/2014/main" id="{F0AE9DF1-1F53-D8C3-C767-9EF7346A1869}"/>
+                <a16:creationId xmlns:a16="http://schemas.microsoft.com/office/drawing/2014/main" id="{84035C2C-820B-4337-AEF0-B46C067E5BAF}"/>
               </a:ext>
             </a:extLst>
           </p:cNvPr>
@@ -28231,15 +26817,21 @@
           <p:nvPr/>
         </p:nvPicPr>
         <p:blipFill>
-          <a:blip r:embed="rId3"/>
+          <a:blip r:embed="rId3">
+            <a:extLst>
+              <a:ext uri="{28A0092B-C50C-407E-A947-70E740481C1C}">
+                <a14:useLocalDpi xmlns:a14="http://schemas.microsoft.com/office/drawing/2010/main" val="0"/>
+              </a:ext>
+            </a:extLst>
+          </a:blip>
           <a:stretch>
             <a:fillRect/>
           </a:stretch>
         </p:blipFill>
         <p:spPr>
           <a:xfrm>
-            <a:off x="880777" y="3050554"/>
-            <a:ext cx="10979910" cy="1812389"/>
+            <a:off x="796652" y="2365320"/>
+            <a:ext cx="10598695" cy="2127359"/>
           </a:xfrm>
           <a:prstGeom prst="rect">
             <a:avLst/>
@@ -28249,7 +26841,7 @@
     </p:spTree>
     <p:extLst>
       <p:ext uri="{BB962C8B-B14F-4D97-AF65-F5344CB8AC3E}">
-        <p14:creationId xmlns:p14="http://schemas.microsoft.com/office/powerpoint/2010/main" val="2769434038"/>
+        <p14:creationId xmlns:p14="http://schemas.microsoft.com/office/powerpoint/2010/main" val="109474821"/>
       </p:ext>
     </p:extLst>
   </p:cSld>
@@ -28260,270 +26852,6 @@
 </file>
 
 <file path=ppt/slides/slide8.xml><?xml version="1.0" encoding="utf-8"?>
-<p:sld xmlns:a="http://schemas.openxmlformats.org/drawingml/2006/main" xmlns:r="http://schemas.openxmlformats.org/officeDocument/2006/relationships" xmlns:p="http://schemas.openxmlformats.org/presentationml/2006/main">
-  <p:cSld>
-    <p:spTree>
-      <p:nvGrpSpPr>
-        <p:cNvPr id="1" name=""/>
-        <p:cNvGrpSpPr/>
-        <p:nvPr/>
-      </p:nvGrpSpPr>
-      <p:grpSpPr>
-        <a:xfrm>
-          <a:off x="0" y="0"/>
-          <a:ext cx="0" cy="0"/>
-          <a:chOff x="0" y="0"/>
-          <a:chExt cx="0" cy="0"/>
-        </a:xfrm>
-      </p:grpSpPr>
-      <p:sp>
-        <p:nvSpPr>
-          <p:cNvPr id="8" name="Title 1">
-            <a:extLst>
-              <a:ext uri="{FF2B5EF4-FFF2-40B4-BE49-F238E27FC236}">
-                <a16:creationId xmlns:a16="http://schemas.microsoft.com/office/drawing/2014/main" id="{C173E561-BB7B-4538-A147-1F4401F1B1C7}"/>
-              </a:ext>
-            </a:extLst>
-          </p:cNvPr>
-          <p:cNvSpPr txBox="1">
-            <a:spLocks/>
-          </p:cNvSpPr>
-          <p:nvPr/>
-        </p:nvSpPr>
-        <p:spPr bwMode="black">
-          <a:xfrm>
-            <a:off x="838200" y="365125"/>
-            <a:ext cx="9718964" cy="1325563"/>
-          </a:xfrm>
-          <a:prstGeom prst="rect">
-            <a:avLst/>
-          </a:prstGeom>
-        </p:spPr>
-        <p:txBody>
-          <a:bodyPr vert="horz" lIns="91440" tIns="45720" rIns="91440" bIns="45720" rtlCol="0" anchor="ctr">
-            <a:normAutofit/>
-          </a:bodyPr>
-          <a:lstStyle>
-            <a:lvl1pPr algn="l" defTabSz="914400" rtl="0" eaLnBrk="1" latinLnBrk="0" hangingPunct="1">
-              <a:lnSpc>
-                <a:spcPct val="90000"/>
-              </a:lnSpc>
-              <a:spcBef>
-                <a:spcPct val="0"/>
-              </a:spcBef>
-              <a:buNone/>
-              <a:defRPr sz="4400" kern="1200">
-                <a:solidFill>
-                  <a:schemeClr val="tx1"/>
-                </a:solidFill>
-                <a:latin typeface="+mj-lt"/>
-                <a:ea typeface="+mj-ea"/>
-                <a:cs typeface="+mj-cs"/>
-              </a:defRPr>
-            </a:lvl1pPr>
-          </a:lstStyle>
-          <a:p>
-            <a:r>
-              <a:rPr lang="en-US" sz="3100" b="1" dirty="0"/>
-              <a:t>Obtaining the YANG semantics</a:t>
-            </a:r>
-            <a:r>
-              <a:rPr lang="en-US" sz="2800" b="1" dirty="0"/>
-              <a:t> and Module dependencies</a:t>
-            </a:r>
-            <a:br>
-              <a:rPr lang="en-GB" sz="2800" dirty="0"/>
-            </a:br>
-            <a:r>
-              <a:rPr lang="en-US" sz="2700" dirty="0">
-                <a:solidFill>
-                  <a:schemeClr val="bg1">
-                    <a:lumMod val="65000"/>
-                  </a:schemeClr>
-                </a:solidFill>
-              </a:rPr>
-              <a:t>Step 2 – Caching YANG Modules</a:t>
-            </a:r>
-            <a:endParaRPr lang="en-US" sz="2700" dirty="0">
-              <a:solidFill>
-                <a:schemeClr val="bg2">
-                  <a:lumMod val="75000"/>
-                </a:schemeClr>
-              </a:solidFill>
-            </a:endParaRPr>
-          </a:p>
-        </p:txBody>
-      </p:sp>
-      <p:sp>
-        <p:nvSpPr>
-          <p:cNvPr id="4" name="Rectangle 3">
-            <a:extLst>
-              <a:ext uri="{FF2B5EF4-FFF2-40B4-BE49-F238E27FC236}">
-                <a16:creationId xmlns:a16="http://schemas.microsoft.com/office/drawing/2014/main" id="{8313D463-523B-2CC1-6C2E-0983BC5EC919}"/>
-              </a:ext>
-            </a:extLst>
-          </p:cNvPr>
-          <p:cNvSpPr>
-            <a:spLocks noChangeArrowheads="1"/>
-          </p:cNvSpPr>
-          <p:nvPr/>
-        </p:nvSpPr>
-        <p:spPr bwMode="auto">
-          <a:xfrm>
-            <a:off x="920905" y="6709626"/>
-            <a:ext cx="12192000" cy="0"/>
-          </a:xfrm>
-          <a:prstGeom prst="rect">
-            <a:avLst/>
-          </a:prstGeom>
-          <a:noFill/>
-          <a:ln>
-            <a:noFill/>
-          </a:ln>
-          <a:effectLst/>
-          <a:extLst>
-            <a:ext uri="{909E8E84-426E-40DD-AFC4-6F175D3DCCD1}">
-              <a14:hiddenFill xmlns:a14="http://schemas.microsoft.com/office/drawing/2010/main">
-                <a:solidFill>
-                  <a:schemeClr val="accent1"/>
-                </a:solidFill>
-              </a14:hiddenFill>
-            </a:ext>
-            <a:ext uri="{91240B29-F687-4F45-9708-019B960494DF}">
-              <a14:hiddenLine xmlns:a14="http://schemas.microsoft.com/office/drawing/2010/main" w="9525">
-                <a:solidFill>
-                  <a:schemeClr val="tx1"/>
-                </a:solidFill>
-                <a:miter lim="800000"/>
-                <a:headEnd/>
-                <a:tailEnd/>
-              </a14:hiddenLine>
-            </a:ext>
-            <a:ext uri="{AF507438-7753-43E0-B8FC-AC1667EBCBE1}">
-              <a14:hiddenEffects xmlns:a14="http://schemas.microsoft.com/office/drawing/2010/main">
-                <a:effectLst>
-                  <a:outerShdw dist="35921" dir="2700000" algn="ctr" rotWithShape="0">
-                    <a:schemeClr val="bg2"/>
-                  </a:outerShdw>
-                </a:effectLst>
-              </a14:hiddenEffects>
-            </a:ext>
-          </a:extLst>
-        </p:spPr>
-        <p:txBody>
-          <a:bodyPr vert="horz" wrap="none" lIns="91440" tIns="45720" rIns="91440" bIns="45720" numCol="1" anchor="ctr" anchorCtr="0" compatLnSpc="1">
-            <a:prstTxWarp prst="textNoShape">
-              <a:avLst/>
-            </a:prstTxWarp>
-            <a:spAutoFit/>
-          </a:bodyPr>
-          <a:lstStyle/>
-          <a:p>
-            <a:endParaRPr lang="de-CH"/>
-          </a:p>
-        </p:txBody>
-      </p:sp>
-      <p:sp>
-        <p:nvSpPr>
-          <p:cNvPr id="5" name="TextBox 4">
-            <a:extLst>
-              <a:ext uri="{FF2B5EF4-FFF2-40B4-BE49-F238E27FC236}">
-                <a16:creationId xmlns:a16="http://schemas.microsoft.com/office/drawing/2014/main" id="{4CA7E0E8-2739-7EE8-50E2-3CDC403F0BDA}"/>
-              </a:ext>
-            </a:extLst>
-          </p:cNvPr>
-          <p:cNvSpPr txBox="1"/>
-          <p:nvPr/>
-        </p:nvSpPr>
-        <p:spPr>
-          <a:xfrm>
-            <a:off x="920905" y="1887931"/>
-            <a:ext cx="10832869" cy="375552"/>
-          </a:xfrm>
-          <a:prstGeom prst="rect">
-            <a:avLst/>
-          </a:prstGeom>
-          <a:noFill/>
-        </p:spPr>
-        <p:txBody>
-          <a:bodyPr wrap="square">
-            <a:spAutoFit/>
-          </a:bodyPr>
-          <a:lstStyle/>
-          <a:p>
-            <a:pPr marL="0" marR="0">
-              <a:lnSpc>
-                <a:spcPct val="107000"/>
-              </a:lnSpc>
-              <a:spcBef>
-                <a:spcPts val="0"/>
-              </a:spcBef>
-              <a:spcAft>
-                <a:spcPts val="800"/>
-              </a:spcAft>
-            </a:pPr>
-            <a:r>
-              <a:rPr lang="en-US" sz="1800" dirty="0">
-                <a:effectLst/>
-                <a:latin typeface="Calibri" panose="020F0502020204030204" pitchFamily="34" charset="0"/>
-                <a:ea typeface="Calibri" panose="020F0502020204030204" pitchFamily="34" charset="0"/>
-                <a:cs typeface="Times New Roman" panose="02020603050405020304" pitchFamily="18" charset="0"/>
-              </a:rPr>
-              <a:t>After the run, the YANG modules are cached in the “modules” folder:</a:t>
-            </a:r>
-            <a:endParaRPr lang="de-CH" sz="1800" dirty="0">
-              <a:effectLst/>
-              <a:latin typeface="Calibri" panose="020F0502020204030204" pitchFamily="34" charset="0"/>
-              <a:ea typeface="Calibri" panose="020F0502020204030204" pitchFamily="34" charset="0"/>
-              <a:cs typeface="Times New Roman" panose="02020603050405020304" pitchFamily="18" charset="0"/>
-            </a:endParaRPr>
-          </a:p>
-        </p:txBody>
-      </p:sp>
-      <p:pic>
-        <p:nvPicPr>
-          <p:cNvPr id="2" name="Picture 1">
-            <a:extLst>
-              <a:ext uri="{FF2B5EF4-FFF2-40B4-BE49-F238E27FC236}">
-                <a16:creationId xmlns:a16="http://schemas.microsoft.com/office/drawing/2014/main" id="{90BE14DF-6601-0F4B-7726-6871014C9638}"/>
-              </a:ext>
-            </a:extLst>
-          </p:cNvPr>
-          <p:cNvPicPr>
-            <a:picLocks noChangeAspect="1"/>
-          </p:cNvPicPr>
-          <p:nvPr/>
-        </p:nvPicPr>
-        <p:blipFill>
-          <a:blip r:embed="rId3"/>
-          <a:stretch>
-            <a:fillRect/>
-          </a:stretch>
-        </p:blipFill>
-        <p:spPr>
-          <a:xfrm>
-            <a:off x="920905" y="2460727"/>
-            <a:ext cx="10525720" cy="969356"/>
-          </a:xfrm>
-          <a:prstGeom prst="rect">
-            <a:avLst/>
-          </a:prstGeom>
-        </p:spPr>
-      </p:pic>
-    </p:spTree>
-    <p:extLst>
-      <p:ext uri="{BB962C8B-B14F-4D97-AF65-F5344CB8AC3E}">
-        <p14:creationId xmlns:p14="http://schemas.microsoft.com/office/powerpoint/2010/main" val="3387771482"/>
-      </p:ext>
-    </p:extLst>
-  </p:cSld>
-  <p:clrMapOvr>
-    <a:masterClrMapping/>
-  </p:clrMapOvr>
-</p:sld>
-</file>
-
-<file path=ppt/slides/slide9.xml><?xml version="1.0" encoding="utf-8"?>
 <p:sld xmlns:a="http://schemas.openxmlformats.org/drawingml/2006/main" xmlns:r="http://schemas.openxmlformats.org/officeDocument/2006/relationships" xmlns:p="http://schemas.openxmlformats.org/presentationml/2006/main">
   <p:cSld>
     <p:spTree>
@@ -28605,7 +26933,7 @@
         </p:nvSpPr>
         <p:spPr>
           <a:xfrm>
-            <a:off x="838199" y="1884420"/>
+            <a:off x="838200" y="1690688"/>
             <a:ext cx="8208819" cy="4292543"/>
           </a:xfrm>
         </p:spPr>
@@ -28659,7 +26987,14 @@
           <a:p>
             <a:r>
               <a:rPr lang="en-US" sz="2000" dirty="0"/>
-              <a:t>Propose changes in netconf notification header to validate properly in </a:t>
+              <a:t>Propose changes in netconf notification header </a:t>
+            </a:r>
+            <a:br>
+              <a:rPr lang="en-US" sz="2000" dirty="0"/>
+            </a:br>
+            <a:r>
+              <a:rPr lang="en-US" sz="2000" dirty="0"/>
+              <a:t>to validate properly in </a:t>
             </a:r>
             <a:r>
               <a:rPr lang="en-US" sz="2000" dirty="0" err="1"/>
@@ -28670,7 +27005,14 @@
           <a:p>
             <a:r>
               <a:rPr lang="en-US" sz="2000" dirty="0"/>
-              <a:t>Enable schema validation and data serialization in Apache Kafka</a:t>
+              <a:t>Enable schema validation and data serialization </a:t>
+            </a:r>
+            <a:br>
+              <a:rPr lang="en-US" sz="2000" dirty="0"/>
+            </a:br>
+            <a:r>
+              <a:rPr lang="en-US" sz="2000" dirty="0"/>
+              <a:t>in Apache Kafka</a:t>
             </a:r>
           </a:p>
         </p:txBody>
@@ -28703,7 +27045,7 @@
           <a:p>
             <a:fld id="{FC4AC485-25DE-431E-B345-9C0A15BB7F8A}" type="slidenum">
               <a:rPr lang="en-US" sz="2200" smtClean="0"/>
-              <a:t>9</a:t>
+              <a:t>8</a:t>
             </a:fld>
             <a:endParaRPr lang="en-US" sz="2200"/>
           </a:p>
@@ -28741,10 +27083,10 @@
       </p:pic>
       <p:sp>
         <p:nvSpPr>
-          <p:cNvPr id="4" name="Subtitle 4">
+          <p:cNvPr id="6" name="Subtitle 4">
             <a:extLst>
               <a:ext uri="{FF2B5EF4-FFF2-40B4-BE49-F238E27FC236}">
-                <a16:creationId xmlns:a16="http://schemas.microsoft.com/office/drawing/2014/main" id="{8261D168-84A4-F056-4C42-0ABC1EBF21E6}"/>
+                <a16:creationId xmlns:a16="http://schemas.microsoft.com/office/drawing/2014/main" id="{7C3B84B0-CEE6-9508-972D-6095E0E01E98}"/>
               </a:ext>
             </a:extLst>
           </p:cNvPr>
@@ -28755,8 +27097,8 @@
         </p:nvSpPr>
         <p:spPr>
           <a:xfrm>
-            <a:off x="838200" y="5574325"/>
-            <a:ext cx="11163943" cy="787312"/>
+            <a:off x="838200" y="5212081"/>
+            <a:ext cx="11163943" cy="1149556"/>
           </a:xfrm>
           <a:prstGeom prst="rect">
             <a:avLst/>
@@ -28764,7 +27106,7 @@
         </p:spPr>
         <p:txBody>
           <a:bodyPr vert="horz" lIns="91440" tIns="45720" rIns="91440" bIns="45720" rtlCol="0">
-            <a:normAutofit fontScale="25000" lnSpcReduction="20000"/>
+            <a:normAutofit fontScale="40000" lnSpcReduction="20000"/>
           </a:bodyPr>
           <a:lstStyle>
             <a:lvl1pPr marL="228600" indent="-228600" algn="l" defTabSz="914400" rtl="0" eaLnBrk="1" latinLnBrk="0" hangingPunct="1">
@@ -29042,6 +27384,81 @@
     <p:extLst>
       <p:ext uri="{BB962C8B-B14F-4D97-AF65-F5344CB8AC3E}">
         <p14:creationId xmlns:p14="http://schemas.microsoft.com/office/powerpoint/2010/main" val="505743577"/>
+      </p:ext>
+    </p:extLst>
+  </p:cSld>
+  <p:clrMapOvr>
+    <a:masterClrMapping/>
+  </p:clrMapOvr>
+</p:sld>
+</file>
+
+<file path=ppt/slides/slide9.xml><?xml version="1.0" encoding="utf-8"?>
+<p:sld xmlns:a="http://schemas.openxmlformats.org/drawingml/2006/main" xmlns:r="http://schemas.openxmlformats.org/officeDocument/2006/relationships" xmlns:p="http://schemas.openxmlformats.org/presentationml/2006/main">
+  <p:cSld>
+    <p:spTree>
+      <p:nvGrpSpPr>
+        <p:cNvPr id="1" name=""/>
+        <p:cNvGrpSpPr/>
+        <p:nvPr/>
+      </p:nvGrpSpPr>
+      <p:grpSpPr>
+        <a:xfrm>
+          <a:off x="0" y="0"/>
+          <a:ext cx="0" cy="0"/>
+          <a:chOff x="0" y="0"/>
+          <a:chExt cx="0" cy="0"/>
+        </a:xfrm>
+      </p:grpSpPr>
+      <p:sp>
+        <p:nvSpPr>
+          <p:cNvPr id="3" name="Content Placeholder 2">
+            <a:extLst>
+              <a:ext uri="{FF2B5EF4-FFF2-40B4-BE49-F238E27FC236}">
+                <a16:creationId xmlns:a16="http://schemas.microsoft.com/office/drawing/2014/main" id="{7E45BA96-FB31-4DE8-A5DA-C5B0B2154594}"/>
+              </a:ext>
+            </a:extLst>
+          </p:cNvPr>
+          <p:cNvSpPr>
+            <a:spLocks noGrp="1"/>
+          </p:cNvSpPr>
+          <p:nvPr>
+            <p:ph idx="1"/>
+          </p:nvPr>
+        </p:nvSpPr>
+        <p:spPr>
+          <a:xfrm>
+            <a:off x="838200" y="2310937"/>
+            <a:ext cx="10515600" cy="3866025"/>
+          </a:xfrm>
+        </p:spPr>
+        <p:txBody>
+          <a:bodyPr>
+            <a:normAutofit/>
+          </a:bodyPr>
+          <a:lstStyle/>
+          <a:p>
+            <a:pPr marL="0" indent="0" algn="ctr">
+              <a:buNone/>
+            </a:pPr>
+            <a:r>
+              <a:rPr lang="de-CH" sz="7200" dirty="0"/>
+              <a:t>Netconf Working</a:t>
+            </a:r>
+            <a:br>
+              <a:rPr lang="de-CH" sz="7200" dirty="0"/>
+            </a:br>
+            <a:r>
+              <a:rPr lang="de-CH" sz="7200" dirty="0"/>
+              <a:t>Group update</a:t>
+            </a:r>
+          </a:p>
+        </p:txBody>
+      </p:sp>
+    </p:spTree>
+    <p:extLst>
+      <p:ext uri="{BB962C8B-B14F-4D97-AF65-F5344CB8AC3E}">
+        <p14:creationId xmlns:p14="http://schemas.microsoft.com/office/powerpoint/2010/main" val="4018699234"/>
       </p:ext>
     </p:extLst>
   </p:cSld>

--- a/117/Side-Meetings/ietf117-netconf-yang-push-data-mesh-integration.pptx
+++ b/117/Side-Meetings/ietf117-netconf-yang-push-data-mesh-integration.pptx
@@ -5,7 +5,7 @@
     <p:sldMasterId id="2147483648" r:id="rId1"/>
   </p:sldMasterIdLst>
   <p:notesMasterIdLst>
-    <p:notesMasterId r:id="rId26"/>
+    <p:notesMasterId r:id="rId27"/>
   </p:notesMasterIdLst>
   <p:sldIdLst>
     <p:sldId id="1041" r:id="rId2"/>
@@ -16,22 +16,23 @@
     <p:sldId id="2145706238" r:id="rId7"/>
     <p:sldId id="2145706232" r:id="rId8"/>
     <p:sldId id="2145706229" r:id="rId9"/>
-    <p:sldId id="2145706225" r:id="rId10"/>
-    <p:sldId id="2145706236" r:id="rId11"/>
-    <p:sldId id="2145706228" r:id="rId12"/>
-    <p:sldId id="2145706237" r:id="rId13"/>
-    <p:sldId id="26417" r:id="rId14"/>
-    <p:sldId id="26421" r:id="rId15"/>
-    <p:sldId id="26420" r:id="rId16"/>
-    <p:sldId id="26422" r:id="rId17"/>
-    <p:sldId id="26419" r:id="rId18"/>
-    <p:sldId id="2145706200" r:id="rId19"/>
-    <p:sldId id="26423" r:id="rId20"/>
-    <p:sldId id="26418" r:id="rId21"/>
-    <p:sldId id="2145706224" r:id="rId22"/>
-    <p:sldId id="2145706227" r:id="rId23"/>
-    <p:sldId id="26413" r:id="rId24"/>
-    <p:sldId id="26415" r:id="rId25"/>
+    <p:sldId id="2145706240" r:id="rId10"/>
+    <p:sldId id="2145706225" r:id="rId11"/>
+    <p:sldId id="2145706236" r:id="rId12"/>
+    <p:sldId id="2145706228" r:id="rId13"/>
+    <p:sldId id="2145706237" r:id="rId14"/>
+    <p:sldId id="26417" r:id="rId15"/>
+    <p:sldId id="26421" r:id="rId16"/>
+    <p:sldId id="26420" r:id="rId17"/>
+    <p:sldId id="26422" r:id="rId18"/>
+    <p:sldId id="26419" r:id="rId19"/>
+    <p:sldId id="2145706200" r:id="rId20"/>
+    <p:sldId id="26423" r:id="rId21"/>
+    <p:sldId id="26418" r:id="rId22"/>
+    <p:sldId id="2145706224" r:id="rId23"/>
+    <p:sldId id="2145706227" r:id="rId24"/>
+    <p:sldId id="26413" r:id="rId25"/>
+    <p:sldId id="26415" r:id="rId26"/>
   </p:sldIdLst>
   <p:sldSz cx="12192000" cy="6858000"/>
   <p:notesSz cx="6858000" cy="9144000"/>
@@ -142,8 +143,30 @@
 <p1510:revInfo xmlns:a="http://schemas.openxmlformats.org/drawingml/2006/main" xmlns:r="http://schemas.openxmlformats.org/officeDocument/2006/relationships" xmlns:p1510="http://schemas.microsoft.com/office/powerpoint/2015/10/main">
   <p1510:revLst>
     <p1510:client id="{40188488-A9E1-4155-BFF1-5EF2EE12E93E}" v="41" dt="2023-07-24T15:12:24.086"/>
+    <p1510:client id="{B9D0A0E3-578E-40BA-8245-73B11950422A}" v="1" dt="2023-07-25T00:46:01.150"/>
   </p1510:revLst>
 </p1510:revInfo>
+</file>
+
+<file path=ppt/changesInfos/changesInfo1.xml><?xml version="1.0" encoding="utf-8"?>
+<pc:chgInfo xmlns:a="http://schemas.openxmlformats.org/drawingml/2006/main" xmlns:r="http://schemas.openxmlformats.org/officeDocument/2006/relationships" xmlns:ac="http://schemas.microsoft.com/office/drawing/2013/main/command" xmlns:pc="http://schemas.microsoft.com/office/powerpoint/2013/main/command">
+  <pc:docChgLst>
+    <pc:chgData name="Graf Thomas, INI-NET-VNC-HCS" userId="487bc3e3-9ce7-4cdd-b7b4-8899ea88d289" providerId="ADAL" clId="{B9D0A0E3-578E-40BA-8245-73B11950422A}"/>
+    <pc:docChg chg="addSld modSld">
+      <pc:chgData name="Graf Thomas, INI-NET-VNC-HCS" userId="487bc3e3-9ce7-4cdd-b7b4-8899ea88d289" providerId="ADAL" clId="{B9D0A0E3-578E-40BA-8245-73B11950422A}" dt="2023-07-25T00:46:01.147" v="0"/>
+      <pc:docMkLst>
+        <pc:docMk/>
+      </pc:docMkLst>
+      <pc:sldChg chg="add">
+        <pc:chgData name="Graf Thomas, INI-NET-VNC-HCS" userId="487bc3e3-9ce7-4cdd-b7b4-8899ea88d289" providerId="ADAL" clId="{B9D0A0E3-578E-40BA-8245-73B11950422A}" dt="2023-07-25T00:46:01.147" v="0"/>
+        <pc:sldMkLst>
+          <pc:docMk/>
+          <pc:sldMk cId="2425809725" sldId="2145706240"/>
+        </pc:sldMkLst>
+      </pc:sldChg>
+    </pc:docChg>
+  </pc:docChgLst>
+</pc:chgInfo>
 </file>
 
 <file path=ppt/notesMasters/notesMaster1.xml><?xml version="1.0" encoding="utf-8"?>
@@ -4922,6 +4945,81 @@
       </p:grpSpPr>
       <p:sp>
         <p:nvSpPr>
+          <p:cNvPr id="3" name="Content Placeholder 2">
+            <a:extLst>
+              <a:ext uri="{FF2B5EF4-FFF2-40B4-BE49-F238E27FC236}">
+                <a16:creationId xmlns:a16="http://schemas.microsoft.com/office/drawing/2014/main" id="{7E45BA96-FB31-4DE8-A5DA-C5B0B2154594}"/>
+              </a:ext>
+            </a:extLst>
+          </p:cNvPr>
+          <p:cNvSpPr>
+            <a:spLocks noGrp="1"/>
+          </p:cNvSpPr>
+          <p:nvPr>
+            <p:ph idx="1"/>
+          </p:nvPr>
+        </p:nvSpPr>
+        <p:spPr>
+          <a:xfrm>
+            <a:off x="838200" y="2310937"/>
+            <a:ext cx="10515600" cy="3866025"/>
+          </a:xfrm>
+        </p:spPr>
+        <p:txBody>
+          <a:bodyPr>
+            <a:normAutofit/>
+          </a:bodyPr>
+          <a:lstStyle/>
+          <a:p>
+            <a:pPr marL="0" indent="0" algn="ctr">
+              <a:buNone/>
+            </a:pPr>
+            <a:r>
+              <a:rPr lang="de-CH" sz="7200" dirty="0"/>
+              <a:t>Netconf Working</a:t>
+            </a:r>
+            <a:br>
+              <a:rPr lang="de-CH" sz="7200" dirty="0"/>
+            </a:br>
+            <a:r>
+              <a:rPr lang="de-CH" sz="7200" dirty="0"/>
+              <a:t>Group update</a:t>
+            </a:r>
+          </a:p>
+        </p:txBody>
+      </p:sp>
+    </p:spTree>
+    <p:extLst>
+      <p:ext uri="{BB962C8B-B14F-4D97-AF65-F5344CB8AC3E}">
+        <p14:creationId xmlns:p14="http://schemas.microsoft.com/office/powerpoint/2010/main" val="4018699234"/>
+      </p:ext>
+    </p:extLst>
+  </p:cSld>
+  <p:clrMapOvr>
+    <a:masterClrMapping/>
+  </p:clrMapOvr>
+</p:sld>
+</file>
+
+<file path=ppt/slides/slide11.xml><?xml version="1.0" encoding="utf-8"?>
+<p:sld xmlns:a="http://schemas.openxmlformats.org/drawingml/2006/main" xmlns:r="http://schemas.openxmlformats.org/officeDocument/2006/relationships" xmlns:p="http://schemas.openxmlformats.org/presentationml/2006/main">
+  <p:cSld>
+    <p:spTree>
+      <p:nvGrpSpPr>
+        <p:cNvPr id="1" name=""/>
+        <p:cNvGrpSpPr/>
+        <p:nvPr/>
+      </p:nvGrpSpPr>
+      <p:grpSpPr>
+        <a:xfrm>
+          <a:off x="0" y="0"/>
+          <a:ext cx="0" cy="0"/>
+          <a:chOff x="0" y="0"/>
+          <a:chExt cx="0" cy="0"/>
+        </a:xfrm>
+      </p:grpSpPr>
+      <p:sp>
+        <p:nvSpPr>
           <p:cNvPr id="2" name="Title 1">
             <a:extLst>
               <a:ext uri="{FF2B5EF4-FFF2-40B4-BE49-F238E27FC236}">
@@ -5102,7 +5200,7 @@
           <a:p>
             <a:fld id="{FC4AC485-25DE-431E-B345-9C0A15BB7F8A}" type="slidenum">
               <a:rPr lang="en-US" sz="2200" smtClean="0"/>
-              <a:t>10</a:t>
+              <a:t>11</a:t>
             </a:fld>
             <a:endParaRPr lang="en-US" sz="2200"/>
           </a:p>
@@ -5434,7 +5532,7 @@
 </p:sld>
 </file>
 
-<file path=ppt/slides/slide11.xml><?xml version="1.0" encoding="utf-8"?>
+<file path=ppt/slides/slide12.xml><?xml version="1.0" encoding="utf-8"?>
 <p:sld xmlns:a="http://schemas.openxmlformats.org/drawingml/2006/main" xmlns:r="http://schemas.openxmlformats.org/officeDocument/2006/relationships" xmlns:p="http://schemas.openxmlformats.org/presentationml/2006/main">
   <p:cSld>
     <p:spTree>
@@ -7790,7 +7888,7 @@
           <a:p>
             <a:fld id="{FC4AC485-25DE-431E-B345-9C0A15BB7F8A}" type="slidenum">
               <a:rPr lang="de-CH" sz="1400" smtClean="0"/>
-              <a:t>11</a:t>
+              <a:t>12</a:t>
             </a:fld>
             <a:endParaRPr lang="de-CH" sz="1400" dirty="0"/>
           </a:p>
@@ -7809,7 +7907,7 @@
 </p:sld>
 </file>
 
-<file path=ppt/slides/slide12.xml><?xml version="1.0" encoding="utf-8"?>
+<file path=ppt/slides/slide13.xml><?xml version="1.0" encoding="utf-8"?>
 <p:sld xmlns:a="http://schemas.openxmlformats.org/drawingml/2006/main" xmlns:r="http://schemas.openxmlformats.org/officeDocument/2006/relationships" xmlns:p="http://schemas.openxmlformats.org/presentationml/2006/main">
   <p:cSld>
     <p:spTree>
@@ -7877,7 +7975,7 @@
 </p:sld>
 </file>
 
-<file path=ppt/slides/slide13.xml><?xml version="1.0" encoding="utf-8"?>
+<file path=ppt/slides/slide14.xml><?xml version="1.0" encoding="utf-8"?>
 <p:sld xmlns:a="http://schemas.openxmlformats.org/drawingml/2006/main" xmlns:r="http://schemas.openxmlformats.org/officeDocument/2006/relationships" xmlns:p="http://schemas.openxmlformats.org/presentationml/2006/main">
   <p:cSld>
     <p:bg>
@@ -12721,7 +12819,7 @@
                   <a:spcPts val="600"/>
                 </a:spcAft>
               </a:pPr>
-              <a:t>13</a:t>
+              <a:t>14</a:t>
             </a:fld>
             <a:endParaRPr lang="en-US">
               <a:solidFill>
@@ -13074,7 +13172,7 @@
 </p:sld>
 </file>
 
-<file path=ppt/slides/slide14.xml><?xml version="1.0" encoding="utf-8"?>
+<file path=ppt/slides/slide15.xml><?xml version="1.0" encoding="utf-8"?>
 <p:sld xmlns:a="http://schemas.openxmlformats.org/drawingml/2006/main" xmlns:r="http://schemas.openxmlformats.org/officeDocument/2006/relationships" xmlns:p="http://schemas.openxmlformats.org/presentationml/2006/main">
   <p:cSld>
     <p:spTree>
@@ -13838,7 +13936,7 @@
           <a:p>
             <a:fld id="{FC4AC485-25DE-431E-B345-9C0A15BB7F8A}" type="slidenum">
               <a:rPr lang="de-CH" sz="1400" smtClean="0"/>
-              <a:t>14</a:t>
+              <a:t>15</a:t>
             </a:fld>
             <a:endParaRPr lang="de-CH" sz="1400" dirty="0"/>
           </a:p>
@@ -13857,7 +13955,7 @@
 </p:sld>
 </file>
 
-<file path=ppt/slides/slide15.xml><?xml version="1.0" encoding="utf-8"?>
+<file path=ppt/slides/slide16.xml><?xml version="1.0" encoding="utf-8"?>
 <p:sld xmlns:a="http://schemas.openxmlformats.org/drawingml/2006/main" xmlns:r="http://schemas.openxmlformats.org/officeDocument/2006/relationships" xmlns:p="http://schemas.openxmlformats.org/presentationml/2006/main">
   <p:cSld>
     <p:spTree>
@@ -14121,7 +14219,7 @@
           <a:p>
             <a:fld id="{FC4AC485-25DE-431E-B345-9C0A15BB7F8A}" type="slidenum">
               <a:rPr lang="de-CH" sz="1400" smtClean="0"/>
-              <a:t>15</a:t>
+              <a:t>16</a:t>
             </a:fld>
             <a:endParaRPr lang="de-CH" sz="1400" dirty="0"/>
           </a:p>
@@ -14140,7 +14238,7 @@
 </p:sld>
 </file>
 
-<file path=ppt/slides/slide16.xml><?xml version="1.0" encoding="utf-8"?>
+<file path=ppt/slides/slide17.xml><?xml version="1.0" encoding="utf-8"?>
 <p:sld xmlns:a="http://schemas.openxmlformats.org/drawingml/2006/main" xmlns:r="http://schemas.openxmlformats.org/officeDocument/2006/relationships" xmlns:p="http://schemas.openxmlformats.org/presentationml/2006/main">
   <p:cSld>
     <p:spTree>
@@ -14440,7 +14538,7 @@
           <a:p>
             <a:fld id="{FC4AC485-25DE-431E-B345-9C0A15BB7F8A}" type="slidenum">
               <a:rPr lang="de-CH" sz="1400" smtClean="0"/>
-              <a:t>16</a:t>
+              <a:t>17</a:t>
             </a:fld>
             <a:endParaRPr lang="de-CH" sz="1400" dirty="0"/>
           </a:p>
@@ -14459,7 +14557,7 @@
 </p:sld>
 </file>
 
-<file path=ppt/slides/slide17.xml><?xml version="1.0" encoding="utf-8"?>
+<file path=ppt/slides/slide18.xml><?xml version="1.0" encoding="utf-8"?>
 <p:sld xmlns:a="http://schemas.openxmlformats.org/drawingml/2006/main" xmlns:r="http://schemas.openxmlformats.org/officeDocument/2006/relationships" xmlns:p="http://schemas.openxmlformats.org/presentationml/2006/main">
   <p:cSld>
     <p:spTree>
@@ -15876,7 +15974,7 @@
           <a:p>
             <a:fld id="{FC4AC485-25DE-431E-B345-9C0A15BB7F8A}" type="slidenum">
               <a:rPr lang="de-CH" sz="1400" smtClean="0"/>
-              <a:t>17</a:t>
+              <a:t>18</a:t>
             </a:fld>
             <a:endParaRPr lang="de-CH" sz="1400" dirty="0"/>
           </a:p>
@@ -15895,7 +15993,7 @@
 </p:sld>
 </file>
 
-<file path=ppt/slides/slide18.xml><?xml version="1.0" encoding="utf-8"?>
+<file path=ppt/slides/slide19.xml><?xml version="1.0" encoding="utf-8"?>
 <p:sld xmlns:a="http://schemas.openxmlformats.org/drawingml/2006/main" xmlns:r="http://schemas.openxmlformats.org/officeDocument/2006/relationships" xmlns:p="http://schemas.openxmlformats.org/presentationml/2006/main">
   <p:cSld>
     <p:spTree>
@@ -16181,7 +16279,7 @@
           <a:p>
             <a:fld id="{FC4AC485-25DE-431E-B345-9C0A15BB7F8A}" type="slidenum">
               <a:rPr lang="de-CH" sz="1400" smtClean="0"/>
-              <a:t>18</a:t>
+              <a:t>19</a:t>
             </a:fld>
             <a:endParaRPr lang="de-CH" sz="1400" dirty="0"/>
           </a:p>
@@ -16200,7 +16298,532 @@
 </p:sld>
 </file>
 
-<file path=ppt/slides/slide19.xml><?xml version="1.0" encoding="utf-8"?>
+<file path=ppt/slides/slide2.xml><?xml version="1.0" encoding="utf-8"?>
+<p:sld xmlns:a="http://schemas.openxmlformats.org/drawingml/2006/main" xmlns:r="http://schemas.openxmlformats.org/officeDocument/2006/relationships" xmlns:p="http://schemas.openxmlformats.org/presentationml/2006/main">
+  <p:cSld>
+    <p:spTree>
+      <p:nvGrpSpPr>
+        <p:cNvPr id="1" name=""/>
+        <p:cNvGrpSpPr/>
+        <p:nvPr/>
+      </p:nvGrpSpPr>
+      <p:grpSpPr>
+        <a:xfrm>
+          <a:off x="0" y="0"/>
+          <a:ext cx="0" cy="0"/>
+          <a:chOff x="0" y="0"/>
+          <a:chExt cx="0" cy="0"/>
+        </a:xfrm>
+      </p:grpSpPr>
+      <p:pic>
+        <p:nvPicPr>
+          <p:cNvPr id="7" name="Picture 6">
+            <a:extLst>
+              <a:ext uri="{FF2B5EF4-FFF2-40B4-BE49-F238E27FC236}">
+                <a16:creationId xmlns:a16="http://schemas.microsoft.com/office/drawing/2014/main" id="{F929BEA7-4C87-41B2-B6EA-6BA78A422A72}"/>
+              </a:ext>
+            </a:extLst>
+          </p:cNvPr>
+          <p:cNvPicPr>
+            <a:picLocks noChangeAspect="1"/>
+          </p:cNvPicPr>
+          <p:nvPr/>
+        </p:nvPicPr>
+        <p:blipFill>
+          <a:blip r:embed="rId3"/>
+          <a:stretch>
+            <a:fillRect/>
+          </a:stretch>
+        </p:blipFill>
+        <p:spPr>
+          <a:xfrm>
+            <a:off x="423949" y="1782128"/>
+            <a:ext cx="7397188" cy="4409986"/>
+          </a:xfrm>
+          <a:prstGeom prst="rect">
+            <a:avLst/>
+          </a:prstGeom>
+        </p:spPr>
+      </p:pic>
+      <p:sp>
+        <p:nvSpPr>
+          <p:cNvPr id="4" name="Content Placeholder 1">
+            <a:extLst>
+              <a:ext uri="{FF2B5EF4-FFF2-40B4-BE49-F238E27FC236}">
+                <a16:creationId xmlns:a16="http://schemas.microsoft.com/office/drawing/2014/main" id="{B96F8F06-524F-4D7C-89FB-72456175BADD}"/>
+              </a:ext>
+            </a:extLst>
+          </p:cNvPr>
+          <p:cNvSpPr>
+            <a:spLocks noGrp="1"/>
+          </p:cNvSpPr>
+          <p:nvPr>
+            <p:ph idx="1"/>
+          </p:nvPr>
+        </p:nvSpPr>
+        <p:spPr>
+          <a:xfrm>
+            <a:off x="8012784" y="133004"/>
+            <a:ext cx="3949831" cy="6475613"/>
+          </a:xfrm>
+        </p:spPr>
+        <p:txBody>
+          <a:bodyPr>
+            <a:noAutofit/>
+          </a:bodyPr>
+          <a:lstStyle/>
+          <a:p>
+            <a:pPr marL="285750" indent="-285750">
+              <a:spcBef>
+                <a:spcPts val="300"/>
+              </a:spcBef>
+              <a:spcAft>
+                <a:spcPts val="300"/>
+              </a:spcAft>
+            </a:pPr>
+            <a:r>
+              <a:rPr lang="en-US" sz="1600" b="1" dirty="0"/>
+              <a:t>Data Mesh </a:t>
+            </a:r>
+            <a:r>
+              <a:rPr lang="en-US" sz="1600" dirty="0"/>
+              <a:t>is a big data architecture where different domains can exchange data with a </a:t>
+            </a:r>
+            <a:r>
+              <a:rPr lang="en-US" sz="1600" b="1" dirty="0"/>
+              <a:t>bounded context and SLO's </a:t>
+            </a:r>
+            <a:r>
+              <a:rPr lang="en-US" sz="1600" dirty="0"/>
+              <a:t>are defined in Data Products. </a:t>
+            </a:r>
+            <a:r>
+              <a:rPr lang="en-US" sz="1600" b="1" dirty="0"/>
+              <a:t>Same principle as in networks.</a:t>
+            </a:r>
+          </a:p>
+          <a:p>
+            <a:pPr marL="285750" indent="-285750">
+              <a:spcBef>
+                <a:spcPts val="300"/>
+              </a:spcBef>
+              <a:spcAft>
+                <a:spcPts val="300"/>
+              </a:spcAft>
+              <a:buFont typeface="Arial" panose="020B0604020202020204" pitchFamily="34" charset="0"/>
+              <a:buChar char="•"/>
+            </a:pPr>
+            <a:r>
+              <a:rPr lang="en-US" sz="1600" b="1" dirty="0"/>
+              <a:t>Semantics</a:t>
+            </a:r>
+            <a:r>
+              <a:rPr lang="en-US" sz="1600" dirty="0"/>
+              <a:t> are needed to describe the data. </a:t>
+            </a:r>
+            <a:r>
+              <a:rPr lang="en-US" sz="1600" b="1" dirty="0"/>
+              <a:t>A gauge32 is not the same as counter32. </a:t>
+            </a:r>
+            <a:r>
+              <a:rPr lang="en-US" sz="1600" dirty="0"/>
+              <a:t>Values can increase or decrease. Needs monotonic increasing counter normalization or not.</a:t>
+            </a:r>
+          </a:p>
+          <a:p>
+            <a:pPr marL="285750" indent="-285750">
+              <a:spcBef>
+                <a:spcPts val="300"/>
+              </a:spcBef>
+              <a:spcAft>
+                <a:spcPts val="300"/>
+              </a:spcAft>
+            </a:pPr>
+            <a:r>
+              <a:rPr lang="en-US" sz="1600" b="1" dirty="0"/>
+              <a:t>Versioning </a:t>
+            </a:r>
+            <a:r>
+              <a:rPr lang="en-US" sz="1600" dirty="0"/>
+              <a:t>is needed to</a:t>
+            </a:r>
+            <a:r>
+              <a:rPr lang="en-US" sz="1600" b="1" dirty="0"/>
+              <a:t> </a:t>
+            </a:r>
+            <a:r>
+              <a:rPr lang="en-US" sz="1600" dirty="0"/>
+              <a:t>not only understand that the semantic has changed, but also wherever the new semantic is backward compatible or not. </a:t>
+            </a:r>
+            <a:r>
+              <a:rPr lang="en-US" sz="1600" b="1" dirty="0"/>
+              <a:t>Preventing to break the data processing pipeline.</a:t>
+            </a:r>
+          </a:p>
+          <a:p>
+            <a:pPr marL="285750" indent="-285750">
+              <a:spcBef>
+                <a:spcPts val="300"/>
+              </a:spcBef>
+              <a:spcAft>
+                <a:spcPts val="300"/>
+              </a:spcAft>
+            </a:pPr>
+            <a:r>
+              <a:rPr lang="en-US" sz="1600" b="1" dirty="0"/>
+              <a:t>Hostname, publisher ID, sequence numbers and observation timestamping </a:t>
+            </a:r>
+            <a:r>
+              <a:rPr lang="en-US" sz="1600" dirty="0"/>
+              <a:t>are needed to </a:t>
+            </a:r>
+            <a:r>
+              <a:rPr lang="en-US" sz="1600" b="1" dirty="0"/>
+              <a:t>measure loss and delay for SLO's.</a:t>
+            </a:r>
+          </a:p>
+          <a:p>
+            <a:pPr marL="285750" indent="-285750">
+              <a:spcBef>
+                <a:spcPts val="300"/>
+              </a:spcBef>
+              <a:spcAft>
+                <a:spcPts val="300"/>
+              </a:spcAft>
+              <a:buFont typeface="Arial" panose="020B0604020202020204" pitchFamily="34" charset="0"/>
+              <a:buChar char="•"/>
+            </a:pPr>
+            <a:r>
+              <a:rPr lang="en-US" sz="1600" b="1" dirty="0"/>
+              <a:t>YANG push as defined in RFC8641 is missing </a:t>
+            </a:r>
+            <a:r>
+              <a:rPr lang="en-US" sz="1600" dirty="0"/>
+              <a:t>hostname, sequence numbers, observation timestamping and versioning</a:t>
+            </a:r>
+            <a:r>
+              <a:rPr lang="en-US" sz="1600" b="1" dirty="0"/>
+              <a:t>. </a:t>
+            </a:r>
+            <a:r>
+              <a:rPr lang="en-US" sz="1600" dirty="0">
+                <a:solidFill>
+                  <a:srgbClr val="FF0000"/>
+                </a:solidFill>
+              </a:rPr>
+              <a:t>draft-</a:t>
+            </a:r>
+            <a:r>
+              <a:rPr lang="en-US" sz="1600" dirty="0" err="1">
+                <a:solidFill>
+                  <a:srgbClr val="FF0000"/>
+                </a:solidFill>
+              </a:rPr>
+              <a:t>ahuang</a:t>
+            </a:r>
+            <a:r>
+              <a:rPr lang="en-US" sz="1600" dirty="0">
+                <a:solidFill>
+                  <a:srgbClr val="FF0000"/>
+                </a:solidFill>
+              </a:rPr>
+              <a:t>-netconf-</a:t>
+            </a:r>
+            <a:r>
+              <a:rPr lang="en-US" sz="1600" dirty="0" err="1">
+                <a:solidFill>
+                  <a:srgbClr val="FF0000"/>
+                </a:solidFill>
+              </a:rPr>
+              <a:t>notif</a:t>
+            </a:r>
+            <a:r>
+              <a:rPr lang="en-US" sz="1600" dirty="0">
+                <a:solidFill>
+                  <a:srgbClr val="FF0000"/>
+                </a:solidFill>
+              </a:rPr>
+              <a:t>-yang, draft-</a:t>
+            </a:r>
+            <a:r>
+              <a:rPr lang="en-US" sz="1600" dirty="0" err="1">
+                <a:solidFill>
+                  <a:srgbClr val="FF0000"/>
+                </a:solidFill>
+              </a:rPr>
+              <a:t>tgraf</a:t>
+            </a:r>
+            <a:r>
+              <a:rPr lang="en-US" sz="1600" dirty="0">
+                <a:solidFill>
+                  <a:srgbClr val="FF0000"/>
+                </a:solidFill>
+              </a:rPr>
+              <a:t>-netconf-</a:t>
+            </a:r>
+            <a:r>
+              <a:rPr lang="en-US" sz="1600" dirty="0" err="1">
+                <a:solidFill>
+                  <a:srgbClr val="FF0000"/>
+                </a:solidFill>
+              </a:rPr>
+              <a:t>notif</a:t>
+            </a:r>
+            <a:r>
+              <a:rPr lang="en-US" sz="1600" dirty="0">
+                <a:solidFill>
+                  <a:srgbClr val="FF0000"/>
+                </a:solidFill>
+              </a:rPr>
+              <a:t>-sequencing, draft-</a:t>
+            </a:r>
+            <a:r>
+              <a:rPr lang="en-US" sz="1600" dirty="0" err="1">
+                <a:solidFill>
+                  <a:srgbClr val="FF0000"/>
+                </a:solidFill>
+              </a:rPr>
+              <a:t>tgraf</a:t>
+            </a:r>
+            <a:r>
+              <a:rPr lang="en-US" sz="1600" dirty="0">
+                <a:solidFill>
+                  <a:srgbClr val="FF0000"/>
+                </a:solidFill>
+              </a:rPr>
+              <a:t>-yang-push-observation-time and draft-</a:t>
+            </a:r>
+            <a:r>
+              <a:rPr lang="en-US" sz="1600" dirty="0" err="1">
+                <a:solidFill>
+                  <a:srgbClr val="FF0000"/>
+                </a:solidFill>
+              </a:rPr>
+              <a:t>ietf</a:t>
+            </a:r>
+            <a:r>
+              <a:rPr lang="en-US" sz="1600" dirty="0">
+                <a:solidFill>
+                  <a:srgbClr val="FF0000"/>
+                </a:solidFill>
+              </a:rPr>
+              <a:t>-netconf-yang-notifications-versioning</a:t>
+            </a:r>
+            <a:r>
+              <a:rPr lang="en-US" sz="1600" dirty="0"/>
+              <a:t> addresses this.</a:t>
+            </a:r>
+          </a:p>
+        </p:txBody>
+      </p:sp>
+      <p:sp>
+        <p:nvSpPr>
+          <p:cNvPr id="8" name="Title 1">
+            <a:extLst>
+              <a:ext uri="{FF2B5EF4-FFF2-40B4-BE49-F238E27FC236}">
+                <a16:creationId xmlns:a16="http://schemas.microsoft.com/office/drawing/2014/main" id="{C173E561-BB7B-4538-A147-1F4401F1B1C7}"/>
+              </a:ext>
+            </a:extLst>
+          </p:cNvPr>
+          <p:cNvSpPr txBox="1">
+            <a:spLocks/>
+          </p:cNvSpPr>
+          <p:nvPr/>
+        </p:nvSpPr>
+        <p:spPr bwMode="black">
+          <a:xfrm>
+            <a:off x="838200" y="365125"/>
+            <a:ext cx="6982937" cy="1325563"/>
+          </a:xfrm>
+          <a:prstGeom prst="rect">
+            <a:avLst/>
+          </a:prstGeom>
+        </p:spPr>
+        <p:txBody>
+          <a:bodyPr vert="horz" lIns="91440" tIns="45720" rIns="91440" bIns="45720" rtlCol="0" anchor="ctr">
+            <a:normAutofit/>
+          </a:bodyPr>
+          <a:lstStyle>
+            <a:lvl1pPr algn="l" defTabSz="914400" rtl="0" eaLnBrk="1" latinLnBrk="0" hangingPunct="1">
+              <a:lnSpc>
+                <a:spcPct val="90000"/>
+              </a:lnSpc>
+              <a:spcBef>
+                <a:spcPct val="0"/>
+              </a:spcBef>
+              <a:buNone/>
+              <a:defRPr sz="4400" kern="1200">
+                <a:solidFill>
+                  <a:schemeClr val="tx1"/>
+                </a:solidFill>
+                <a:latin typeface="+mj-lt"/>
+                <a:ea typeface="+mj-ea"/>
+                <a:cs typeface="+mj-cs"/>
+              </a:defRPr>
+            </a:lvl1pPr>
+          </a:lstStyle>
+          <a:p>
+            <a:r>
+              <a:rPr lang="en-US" sz="3100" b="1" dirty="0"/>
+              <a:t>When Big Data and Network becomes </a:t>
+            </a:r>
+            <a:r>
+              <a:rPr lang="en-US" sz="3100" b="1" dirty="0">
+                <a:solidFill>
+                  <a:srgbClr val="FF0000"/>
+                </a:solidFill>
+              </a:rPr>
+              <a:t>one</a:t>
+            </a:r>
+            <a:br>
+              <a:rPr lang="en-GB" sz="2800" dirty="0"/>
+            </a:br>
+            <a:r>
+              <a:rPr lang="en-US" sz="2700" dirty="0">
+                <a:solidFill>
+                  <a:schemeClr val="bg1">
+                    <a:lumMod val="65000"/>
+                  </a:schemeClr>
+                </a:solidFill>
+              </a:rPr>
+              <a:t>Marrying two messaging protocols</a:t>
+            </a:r>
+            <a:endParaRPr lang="en-US" sz="2700" dirty="0">
+              <a:solidFill>
+                <a:schemeClr val="bg2">
+                  <a:lumMod val="75000"/>
+                </a:schemeClr>
+              </a:solidFill>
+            </a:endParaRPr>
+          </a:p>
+        </p:txBody>
+      </p:sp>
+      <p:sp>
+        <p:nvSpPr>
+          <p:cNvPr id="6" name="Oval 5">
+            <a:extLst>
+              <a:ext uri="{FF2B5EF4-FFF2-40B4-BE49-F238E27FC236}">
+                <a16:creationId xmlns:a16="http://schemas.microsoft.com/office/drawing/2014/main" id="{64DBE9D0-56F0-4D8D-BAF6-1ECE169C127F}"/>
+              </a:ext>
+            </a:extLst>
+          </p:cNvPr>
+          <p:cNvSpPr/>
+          <p:nvPr/>
+        </p:nvSpPr>
+        <p:spPr>
+          <a:xfrm>
+            <a:off x="3979347" y="5158456"/>
+            <a:ext cx="1008669" cy="1033658"/>
+          </a:xfrm>
+          <a:prstGeom prst="ellipse">
+            <a:avLst/>
+          </a:prstGeom>
+          <a:solidFill>
+            <a:srgbClr val="FF0000">
+              <a:alpha val="10000"/>
+            </a:srgbClr>
+          </a:solidFill>
+          <a:ln w="25400">
+            <a:solidFill>
+              <a:srgbClr val="FF0000"/>
+            </a:solidFill>
+          </a:ln>
+        </p:spPr>
+        <p:style>
+          <a:lnRef idx="2">
+            <a:schemeClr val="accent1">
+              <a:shade val="50000"/>
+            </a:schemeClr>
+          </a:lnRef>
+          <a:fillRef idx="1">
+            <a:schemeClr val="accent1"/>
+          </a:fillRef>
+          <a:effectRef idx="0">
+            <a:schemeClr val="accent1"/>
+          </a:effectRef>
+          <a:fontRef idx="minor">
+            <a:schemeClr val="lt1"/>
+          </a:fontRef>
+        </p:style>
+        <p:txBody>
+          <a:bodyPr rtlCol="0" anchor="ctr"/>
+          <a:lstStyle/>
+          <a:p>
+            <a:pPr algn="ctr"/>
+            <a:endParaRPr lang="de-CH"/>
+          </a:p>
+        </p:txBody>
+      </p:sp>
+      <p:sp>
+        <p:nvSpPr>
+          <p:cNvPr id="2" name="Oval 1">
+            <a:extLst>
+              <a:ext uri="{FF2B5EF4-FFF2-40B4-BE49-F238E27FC236}">
+                <a16:creationId xmlns:a16="http://schemas.microsoft.com/office/drawing/2014/main" id="{D3F03D0C-A3B2-38F6-0A69-3E2D4F5733C1}"/>
+              </a:ext>
+            </a:extLst>
+          </p:cNvPr>
+          <p:cNvSpPr/>
+          <p:nvPr/>
+        </p:nvSpPr>
+        <p:spPr>
+          <a:xfrm>
+            <a:off x="1779245" y="4246827"/>
+            <a:ext cx="1008669" cy="1033658"/>
+          </a:xfrm>
+          <a:prstGeom prst="ellipse">
+            <a:avLst/>
+          </a:prstGeom>
+          <a:solidFill>
+            <a:srgbClr val="FF0000">
+              <a:alpha val="10000"/>
+            </a:srgbClr>
+          </a:solidFill>
+          <a:ln w="25400">
+            <a:solidFill>
+              <a:srgbClr val="FF0000"/>
+            </a:solidFill>
+          </a:ln>
+        </p:spPr>
+        <p:style>
+          <a:lnRef idx="2">
+            <a:schemeClr val="accent1">
+              <a:shade val="50000"/>
+            </a:schemeClr>
+          </a:lnRef>
+          <a:fillRef idx="1">
+            <a:schemeClr val="accent1"/>
+          </a:fillRef>
+          <a:effectRef idx="0">
+            <a:schemeClr val="accent1"/>
+          </a:effectRef>
+          <a:fontRef idx="minor">
+            <a:schemeClr val="lt1"/>
+          </a:fontRef>
+        </p:style>
+        <p:txBody>
+          <a:bodyPr rtlCol="0" anchor="ctr"/>
+          <a:lstStyle/>
+          <a:p>
+            <a:pPr algn="ctr"/>
+            <a:endParaRPr lang="de-CH"/>
+          </a:p>
+        </p:txBody>
+      </p:sp>
+    </p:spTree>
+    <p:extLst>
+      <p:ext uri="{BB962C8B-B14F-4D97-AF65-F5344CB8AC3E}">
+        <p14:creationId xmlns:p14="http://schemas.microsoft.com/office/powerpoint/2010/main" val="3188824003"/>
+      </p:ext>
+    </p:extLst>
+  </p:cSld>
+  <p:clrMapOvr>
+    <a:masterClrMapping/>
+  </p:clrMapOvr>
+</p:sld>
+</file>
+
+<file path=ppt/slides/slide20.xml><?xml version="1.0" encoding="utf-8"?>
 <p:sld xmlns:a="http://schemas.openxmlformats.org/drawingml/2006/main" xmlns:r="http://schemas.openxmlformats.org/officeDocument/2006/relationships" xmlns:p="http://schemas.openxmlformats.org/presentationml/2006/main">
   <p:cSld>
     <p:spTree>
@@ -17356,7 +17979,7 @@
           <a:p>
             <a:fld id="{FC4AC485-25DE-431E-B345-9C0A15BB7F8A}" type="slidenum">
               <a:rPr lang="de-CH" sz="1400" smtClean="0"/>
-              <a:t>19</a:t>
+              <a:t>20</a:t>
             </a:fld>
             <a:endParaRPr lang="de-CH" sz="1400" dirty="0"/>
           </a:p>
@@ -18094,532 +18717,7 @@
 </p:sld>
 </file>
 
-<file path=ppt/slides/slide2.xml><?xml version="1.0" encoding="utf-8"?>
-<p:sld xmlns:a="http://schemas.openxmlformats.org/drawingml/2006/main" xmlns:r="http://schemas.openxmlformats.org/officeDocument/2006/relationships" xmlns:p="http://schemas.openxmlformats.org/presentationml/2006/main">
-  <p:cSld>
-    <p:spTree>
-      <p:nvGrpSpPr>
-        <p:cNvPr id="1" name=""/>
-        <p:cNvGrpSpPr/>
-        <p:nvPr/>
-      </p:nvGrpSpPr>
-      <p:grpSpPr>
-        <a:xfrm>
-          <a:off x="0" y="0"/>
-          <a:ext cx="0" cy="0"/>
-          <a:chOff x="0" y="0"/>
-          <a:chExt cx="0" cy="0"/>
-        </a:xfrm>
-      </p:grpSpPr>
-      <p:pic>
-        <p:nvPicPr>
-          <p:cNvPr id="7" name="Picture 6">
-            <a:extLst>
-              <a:ext uri="{FF2B5EF4-FFF2-40B4-BE49-F238E27FC236}">
-                <a16:creationId xmlns:a16="http://schemas.microsoft.com/office/drawing/2014/main" id="{F929BEA7-4C87-41B2-B6EA-6BA78A422A72}"/>
-              </a:ext>
-            </a:extLst>
-          </p:cNvPr>
-          <p:cNvPicPr>
-            <a:picLocks noChangeAspect="1"/>
-          </p:cNvPicPr>
-          <p:nvPr/>
-        </p:nvPicPr>
-        <p:blipFill>
-          <a:blip r:embed="rId3"/>
-          <a:stretch>
-            <a:fillRect/>
-          </a:stretch>
-        </p:blipFill>
-        <p:spPr>
-          <a:xfrm>
-            <a:off x="423949" y="1782128"/>
-            <a:ext cx="7397188" cy="4409986"/>
-          </a:xfrm>
-          <a:prstGeom prst="rect">
-            <a:avLst/>
-          </a:prstGeom>
-        </p:spPr>
-      </p:pic>
-      <p:sp>
-        <p:nvSpPr>
-          <p:cNvPr id="4" name="Content Placeholder 1">
-            <a:extLst>
-              <a:ext uri="{FF2B5EF4-FFF2-40B4-BE49-F238E27FC236}">
-                <a16:creationId xmlns:a16="http://schemas.microsoft.com/office/drawing/2014/main" id="{B96F8F06-524F-4D7C-89FB-72456175BADD}"/>
-              </a:ext>
-            </a:extLst>
-          </p:cNvPr>
-          <p:cNvSpPr>
-            <a:spLocks noGrp="1"/>
-          </p:cNvSpPr>
-          <p:nvPr>
-            <p:ph idx="1"/>
-          </p:nvPr>
-        </p:nvSpPr>
-        <p:spPr>
-          <a:xfrm>
-            <a:off x="8012784" y="133004"/>
-            <a:ext cx="3949831" cy="6475613"/>
-          </a:xfrm>
-        </p:spPr>
-        <p:txBody>
-          <a:bodyPr>
-            <a:noAutofit/>
-          </a:bodyPr>
-          <a:lstStyle/>
-          <a:p>
-            <a:pPr marL="285750" indent="-285750">
-              <a:spcBef>
-                <a:spcPts val="300"/>
-              </a:spcBef>
-              <a:spcAft>
-                <a:spcPts val="300"/>
-              </a:spcAft>
-            </a:pPr>
-            <a:r>
-              <a:rPr lang="en-US" sz="1600" b="1" dirty="0"/>
-              <a:t>Data Mesh </a:t>
-            </a:r>
-            <a:r>
-              <a:rPr lang="en-US" sz="1600" dirty="0"/>
-              <a:t>is a big data architecture where different domains can exchange data with a </a:t>
-            </a:r>
-            <a:r>
-              <a:rPr lang="en-US" sz="1600" b="1" dirty="0"/>
-              <a:t>bounded context and SLO's </a:t>
-            </a:r>
-            <a:r>
-              <a:rPr lang="en-US" sz="1600" dirty="0"/>
-              <a:t>are defined in Data Products. </a:t>
-            </a:r>
-            <a:r>
-              <a:rPr lang="en-US" sz="1600" b="1" dirty="0"/>
-              <a:t>Same principle as in networks.</a:t>
-            </a:r>
-          </a:p>
-          <a:p>
-            <a:pPr marL="285750" indent="-285750">
-              <a:spcBef>
-                <a:spcPts val="300"/>
-              </a:spcBef>
-              <a:spcAft>
-                <a:spcPts val="300"/>
-              </a:spcAft>
-              <a:buFont typeface="Arial" panose="020B0604020202020204" pitchFamily="34" charset="0"/>
-              <a:buChar char="•"/>
-            </a:pPr>
-            <a:r>
-              <a:rPr lang="en-US" sz="1600" b="1" dirty="0"/>
-              <a:t>Semantics</a:t>
-            </a:r>
-            <a:r>
-              <a:rPr lang="en-US" sz="1600" dirty="0"/>
-              <a:t> are needed to describe the data. </a:t>
-            </a:r>
-            <a:r>
-              <a:rPr lang="en-US" sz="1600" b="1" dirty="0"/>
-              <a:t>A gauge32 is not the same as counter32. </a:t>
-            </a:r>
-            <a:r>
-              <a:rPr lang="en-US" sz="1600" dirty="0"/>
-              <a:t>Values can increase or decrease. Needs monotonic increasing counter normalization or not.</a:t>
-            </a:r>
-          </a:p>
-          <a:p>
-            <a:pPr marL="285750" indent="-285750">
-              <a:spcBef>
-                <a:spcPts val="300"/>
-              </a:spcBef>
-              <a:spcAft>
-                <a:spcPts val="300"/>
-              </a:spcAft>
-            </a:pPr>
-            <a:r>
-              <a:rPr lang="en-US" sz="1600" b="1" dirty="0"/>
-              <a:t>Versioning </a:t>
-            </a:r>
-            <a:r>
-              <a:rPr lang="en-US" sz="1600" dirty="0"/>
-              <a:t>is needed to</a:t>
-            </a:r>
-            <a:r>
-              <a:rPr lang="en-US" sz="1600" b="1" dirty="0"/>
-              <a:t> </a:t>
-            </a:r>
-            <a:r>
-              <a:rPr lang="en-US" sz="1600" dirty="0"/>
-              <a:t>not only understand that the semantic has changed, but also wherever the new semantic is backward compatible or not. </a:t>
-            </a:r>
-            <a:r>
-              <a:rPr lang="en-US" sz="1600" b="1" dirty="0"/>
-              <a:t>Preventing to break the data processing pipeline.</a:t>
-            </a:r>
-          </a:p>
-          <a:p>
-            <a:pPr marL="285750" indent="-285750">
-              <a:spcBef>
-                <a:spcPts val="300"/>
-              </a:spcBef>
-              <a:spcAft>
-                <a:spcPts val="300"/>
-              </a:spcAft>
-            </a:pPr>
-            <a:r>
-              <a:rPr lang="en-US" sz="1600" b="1" dirty="0"/>
-              <a:t>Hostname, publisher ID, sequence numbers and observation timestamping </a:t>
-            </a:r>
-            <a:r>
-              <a:rPr lang="en-US" sz="1600" dirty="0"/>
-              <a:t>are needed to </a:t>
-            </a:r>
-            <a:r>
-              <a:rPr lang="en-US" sz="1600" b="1" dirty="0"/>
-              <a:t>measure loss and delay for SLO's.</a:t>
-            </a:r>
-          </a:p>
-          <a:p>
-            <a:pPr marL="285750" indent="-285750">
-              <a:spcBef>
-                <a:spcPts val="300"/>
-              </a:spcBef>
-              <a:spcAft>
-                <a:spcPts val="300"/>
-              </a:spcAft>
-              <a:buFont typeface="Arial" panose="020B0604020202020204" pitchFamily="34" charset="0"/>
-              <a:buChar char="•"/>
-            </a:pPr>
-            <a:r>
-              <a:rPr lang="en-US" sz="1600" b="1" dirty="0"/>
-              <a:t>YANG push as defined in RFC8641 is missing </a:t>
-            </a:r>
-            <a:r>
-              <a:rPr lang="en-US" sz="1600" dirty="0"/>
-              <a:t>hostname, sequence numbers, observation timestamping and versioning</a:t>
-            </a:r>
-            <a:r>
-              <a:rPr lang="en-US" sz="1600" b="1" dirty="0"/>
-              <a:t>. </a:t>
-            </a:r>
-            <a:r>
-              <a:rPr lang="en-US" sz="1600" dirty="0">
-                <a:solidFill>
-                  <a:srgbClr val="FF0000"/>
-                </a:solidFill>
-              </a:rPr>
-              <a:t>draft-</a:t>
-            </a:r>
-            <a:r>
-              <a:rPr lang="en-US" sz="1600" dirty="0" err="1">
-                <a:solidFill>
-                  <a:srgbClr val="FF0000"/>
-                </a:solidFill>
-              </a:rPr>
-              <a:t>ahuang</a:t>
-            </a:r>
-            <a:r>
-              <a:rPr lang="en-US" sz="1600" dirty="0">
-                <a:solidFill>
-                  <a:srgbClr val="FF0000"/>
-                </a:solidFill>
-              </a:rPr>
-              <a:t>-netconf-</a:t>
-            </a:r>
-            <a:r>
-              <a:rPr lang="en-US" sz="1600" dirty="0" err="1">
-                <a:solidFill>
-                  <a:srgbClr val="FF0000"/>
-                </a:solidFill>
-              </a:rPr>
-              <a:t>notif</a:t>
-            </a:r>
-            <a:r>
-              <a:rPr lang="en-US" sz="1600" dirty="0">
-                <a:solidFill>
-                  <a:srgbClr val="FF0000"/>
-                </a:solidFill>
-              </a:rPr>
-              <a:t>-yang, draft-</a:t>
-            </a:r>
-            <a:r>
-              <a:rPr lang="en-US" sz="1600" dirty="0" err="1">
-                <a:solidFill>
-                  <a:srgbClr val="FF0000"/>
-                </a:solidFill>
-              </a:rPr>
-              <a:t>tgraf</a:t>
-            </a:r>
-            <a:r>
-              <a:rPr lang="en-US" sz="1600" dirty="0">
-                <a:solidFill>
-                  <a:srgbClr val="FF0000"/>
-                </a:solidFill>
-              </a:rPr>
-              <a:t>-netconf-</a:t>
-            </a:r>
-            <a:r>
-              <a:rPr lang="en-US" sz="1600" dirty="0" err="1">
-                <a:solidFill>
-                  <a:srgbClr val="FF0000"/>
-                </a:solidFill>
-              </a:rPr>
-              <a:t>notif</a:t>
-            </a:r>
-            <a:r>
-              <a:rPr lang="en-US" sz="1600" dirty="0">
-                <a:solidFill>
-                  <a:srgbClr val="FF0000"/>
-                </a:solidFill>
-              </a:rPr>
-              <a:t>-sequencing, draft-</a:t>
-            </a:r>
-            <a:r>
-              <a:rPr lang="en-US" sz="1600" dirty="0" err="1">
-                <a:solidFill>
-                  <a:srgbClr val="FF0000"/>
-                </a:solidFill>
-              </a:rPr>
-              <a:t>tgraf</a:t>
-            </a:r>
-            <a:r>
-              <a:rPr lang="en-US" sz="1600" dirty="0">
-                <a:solidFill>
-                  <a:srgbClr val="FF0000"/>
-                </a:solidFill>
-              </a:rPr>
-              <a:t>-yang-push-observation-time and draft-</a:t>
-            </a:r>
-            <a:r>
-              <a:rPr lang="en-US" sz="1600" dirty="0" err="1">
-                <a:solidFill>
-                  <a:srgbClr val="FF0000"/>
-                </a:solidFill>
-              </a:rPr>
-              <a:t>ietf</a:t>
-            </a:r>
-            <a:r>
-              <a:rPr lang="en-US" sz="1600" dirty="0">
-                <a:solidFill>
-                  <a:srgbClr val="FF0000"/>
-                </a:solidFill>
-              </a:rPr>
-              <a:t>-netconf-yang-notifications-versioning</a:t>
-            </a:r>
-            <a:r>
-              <a:rPr lang="en-US" sz="1600" dirty="0"/>
-              <a:t> addresses this.</a:t>
-            </a:r>
-          </a:p>
-        </p:txBody>
-      </p:sp>
-      <p:sp>
-        <p:nvSpPr>
-          <p:cNvPr id="8" name="Title 1">
-            <a:extLst>
-              <a:ext uri="{FF2B5EF4-FFF2-40B4-BE49-F238E27FC236}">
-                <a16:creationId xmlns:a16="http://schemas.microsoft.com/office/drawing/2014/main" id="{C173E561-BB7B-4538-A147-1F4401F1B1C7}"/>
-              </a:ext>
-            </a:extLst>
-          </p:cNvPr>
-          <p:cNvSpPr txBox="1">
-            <a:spLocks/>
-          </p:cNvSpPr>
-          <p:nvPr/>
-        </p:nvSpPr>
-        <p:spPr bwMode="black">
-          <a:xfrm>
-            <a:off x="838200" y="365125"/>
-            <a:ext cx="6982937" cy="1325563"/>
-          </a:xfrm>
-          <a:prstGeom prst="rect">
-            <a:avLst/>
-          </a:prstGeom>
-        </p:spPr>
-        <p:txBody>
-          <a:bodyPr vert="horz" lIns="91440" tIns="45720" rIns="91440" bIns="45720" rtlCol="0" anchor="ctr">
-            <a:normAutofit/>
-          </a:bodyPr>
-          <a:lstStyle>
-            <a:lvl1pPr algn="l" defTabSz="914400" rtl="0" eaLnBrk="1" latinLnBrk="0" hangingPunct="1">
-              <a:lnSpc>
-                <a:spcPct val="90000"/>
-              </a:lnSpc>
-              <a:spcBef>
-                <a:spcPct val="0"/>
-              </a:spcBef>
-              <a:buNone/>
-              <a:defRPr sz="4400" kern="1200">
-                <a:solidFill>
-                  <a:schemeClr val="tx1"/>
-                </a:solidFill>
-                <a:latin typeface="+mj-lt"/>
-                <a:ea typeface="+mj-ea"/>
-                <a:cs typeface="+mj-cs"/>
-              </a:defRPr>
-            </a:lvl1pPr>
-          </a:lstStyle>
-          <a:p>
-            <a:r>
-              <a:rPr lang="en-US" sz="3100" b="1" dirty="0"/>
-              <a:t>When Big Data and Network becomes </a:t>
-            </a:r>
-            <a:r>
-              <a:rPr lang="en-US" sz="3100" b="1" dirty="0">
-                <a:solidFill>
-                  <a:srgbClr val="FF0000"/>
-                </a:solidFill>
-              </a:rPr>
-              <a:t>one</a:t>
-            </a:r>
-            <a:br>
-              <a:rPr lang="en-GB" sz="2800" dirty="0"/>
-            </a:br>
-            <a:r>
-              <a:rPr lang="en-US" sz="2700" dirty="0">
-                <a:solidFill>
-                  <a:schemeClr val="bg1">
-                    <a:lumMod val="65000"/>
-                  </a:schemeClr>
-                </a:solidFill>
-              </a:rPr>
-              <a:t>Marrying two messaging protocols</a:t>
-            </a:r>
-            <a:endParaRPr lang="en-US" sz="2700" dirty="0">
-              <a:solidFill>
-                <a:schemeClr val="bg2">
-                  <a:lumMod val="75000"/>
-                </a:schemeClr>
-              </a:solidFill>
-            </a:endParaRPr>
-          </a:p>
-        </p:txBody>
-      </p:sp>
-      <p:sp>
-        <p:nvSpPr>
-          <p:cNvPr id="6" name="Oval 5">
-            <a:extLst>
-              <a:ext uri="{FF2B5EF4-FFF2-40B4-BE49-F238E27FC236}">
-                <a16:creationId xmlns:a16="http://schemas.microsoft.com/office/drawing/2014/main" id="{64DBE9D0-56F0-4D8D-BAF6-1ECE169C127F}"/>
-              </a:ext>
-            </a:extLst>
-          </p:cNvPr>
-          <p:cNvSpPr/>
-          <p:nvPr/>
-        </p:nvSpPr>
-        <p:spPr>
-          <a:xfrm>
-            <a:off x="3979347" y="5158456"/>
-            <a:ext cx="1008669" cy="1033658"/>
-          </a:xfrm>
-          <a:prstGeom prst="ellipse">
-            <a:avLst/>
-          </a:prstGeom>
-          <a:solidFill>
-            <a:srgbClr val="FF0000">
-              <a:alpha val="10000"/>
-            </a:srgbClr>
-          </a:solidFill>
-          <a:ln w="25400">
-            <a:solidFill>
-              <a:srgbClr val="FF0000"/>
-            </a:solidFill>
-          </a:ln>
-        </p:spPr>
-        <p:style>
-          <a:lnRef idx="2">
-            <a:schemeClr val="accent1">
-              <a:shade val="50000"/>
-            </a:schemeClr>
-          </a:lnRef>
-          <a:fillRef idx="1">
-            <a:schemeClr val="accent1"/>
-          </a:fillRef>
-          <a:effectRef idx="0">
-            <a:schemeClr val="accent1"/>
-          </a:effectRef>
-          <a:fontRef idx="minor">
-            <a:schemeClr val="lt1"/>
-          </a:fontRef>
-        </p:style>
-        <p:txBody>
-          <a:bodyPr rtlCol="0" anchor="ctr"/>
-          <a:lstStyle/>
-          <a:p>
-            <a:pPr algn="ctr"/>
-            <a:endParaRPr lang="de-CH"/>
-          </a:p>
-        </p:txBody>
-      </p:sp>
-      <p:sp>
-        <p:nvSpPr>
-          <p:cNvPr id="2" name="Oval 1">
-            <a:extLst>
-              <a:ext uri="{FF2B5EF4-FFF2-40B4-BE49-F238E27FC236}">
-                <a16:creationId xmlns:a16="http://schemas.microsoft.com/office/drawing/2014/main" id="{D3F03D0C-A3B2-38F6-0A69-3E2D4F5733C1}"/>
-              </a:ext>
-            </a:extLst>
-          </p:cNvPr>
-          <p:cNvSpPr/>
-          <p:nvPr/>
-        </p:nvSpPr>
-        <p:spPr>
-          <a:xfrm>
-            <a:off x="1779245" y="4246827"/>
-            <a:ext cx="1008669" cy="1033658"/>
-          </a:xfrm>
-          <a:prstGeom prst="ellipse">
-            <a:avLst/>
-          </a:prstGeom>
-          <a:solidFill>
-            <a:srgbClr val="FF0000">
-              <a:alpha val="10000"/>
-            </a:srgbClr>
-          </a:solidFill>
-          <a:ln w="25400">
-            <a:solidFill>
-              <a:srgbClr val="FF0000"/>
-            </a:solidFill>
-          </a:ln>
-        </p:spPr>
-        <p:style>
-          <a:lnRef idx="2">
-            <a:schemeClr val="accent1">
-              <a:shade val="50000"/>
-            </a:schemeClr>
-          </a:lnRef>
-          <a:fillRef idx="1">
-            <a:schemeClr val="accent1"/>
-          </a:fillRef>
-          <a:effectRef idx="0">
-            <a:schemeClr val="accent1"/>
-          </a:effectRef>
-          <a:fontRef idx="minor">
-            <a:schemeClr val="lt1"/>
-          </a:fontRef>
-        </p:style>
-        <p:txBody>
-          <a:bodyPr rtlCol="0" anchor="ctr"/>
-          <a:lstStyle/>
-          <a:p>
-            <a:pPr algn="ctr"/>
-            <a:endParaRPr lang="de-CH"/>
-          </a:p>
-        </p:txBody>
-      </p:sp>
-    </p:spTree>
-    <p:extLst>
-      <p:ext uri="{BB962C8B-B14F-4D97-AF65-F5344CB8AC3E}">
-        <p14:creationId xmlns:p14="http://schemas.microsoft.com/office/powerpoint/2010/main" val="3188824003"/>
-      </p:ext>
-    </p:extLst>
-  </p:cSld>
-  <p:clrMapOvr>
-    <a:masterClrMapping/>
-  </p:clrMapOvr>
-</p:sld>
-</file>
-
-<file path=ppt/slides/slide20.xml><?xml version="1.0" encoding="utf-8"?>
+<file path=ppt/slides/slide21.xml><?xml version="1.0" encoding="utf-8"?>
 <p:sld xmlns:a="http://schemas.openxmlformats.org/drawingml/2006/main" xmlns:r="http://schemas.openxmlformats.org/officeDocument/2006/relationships" xmlns:p="http://schemas.openxmlformats.org/presentationml/2006/main">
   <p:cSld>
     <p:spTree>
@@ -19684,7 +19782,7 @@
           <a:p>
             <a:fld id="{FC4AC485-25DE-431E-B345-9C0A15BB7F8A}" type="slidenum">
               <a:rPr lang="de-CH" sz="1400" smtClean="0"/>
-              <a:t>20</a:t>
+              <a:t>21</a:t>
             </a:fld>
             <a:endParaRPr lang="de-CH" sz="1400" dirty="0"/>
           </a:p>
@@ -19703,7 +19801,7 @@
 </p:sld>
 </file>
 
-<file path=ppt/slides/slide21.xml><?xml version="1.0" encoding="utf-8"?>
+<file path=ppt/slides/slide22.xml><?xml version="1.0" encoding="utf-8"?>
 <p:sld xmlns:a="http://schemas.openxmlformats.org/drawingml/2006/main" xmlns:r="http://schemas.openxmlformats.org/officeDocument/2006/relationships" xmlns:p="http://schemas.openxmlformats.org/presentationml/2006/main">
   <p:cSld>
     <p:spTree>
@@ -19906,7 +20004,7 @@
           <a:p>
             <a:fld id="{FC4AC485-25DE-431E-B345-9C0A15BB7F8A}" type="slidenum">
               <a:rPr lang="de-CH" sz="1400" smtClean="0"/>
-              <a:t>21</a:t>
+              <a:t>22</a:t>
             </a:fld>
             <a:endParaRPr lang="de-CH" sz="1400" dirty="0"/>
           </a:p>
@@ -19925,7 +20023,7 @@
 </p:sld>
 </file>
 
-<file path=ppt/slides/slide22.xml><?xml version="1.0" encoding="utf-8"?>
+<file path=ppt/slides/slide23.xml><?xml version="1.0" encoding="utf-8"?>
 <p:sld xmlns:a="http://schemas.openxmlformats.org/drawingml/2006/main" xmlns:r="http://schemas.openxmlformats.org/officeDocument/2006/relationships" xmlns:p="http://schemas.openxmlformats.org/presentationml/2006/main">
   <p:cSld>
     <p:spTree>
@@ -21546,7 +21644,7 @@
           <a:p>
             <a:fld id="{FC4AC485-25DE-431E-B345-9C0A15BB7F8A}" type="slidenum">
               <a:rPr lang="de-CH" sz="1400" smtClean="0"/>
-              <a:t>22</a:t>
+              <a:t>23</a:t>
             </a:fld>
             <a:endParaRPr lang="de-CH" sz="1400" dirty="0"/>
           </a:p>
@@ -21565,7 +21663,7 @@
 </p:sld>
 </file>
 
-<file path=ppt/slides/slide23.xml><?xml version="1.0" encoding="utf-8"?>
+<file path=ppt/slides/slide24.xml><?xml version="1.0" encoding="utf-8"?>
 <p:sld xmlns:a="http://schemas.openxmlformats.org/drawingml/2006/main" xmlns:r="http://schemas.openxmlformats.org/officeDocument/2006/relationships" xmlns:p="http://schemas.openxmlformats.org/presentationml/2006/main">
   <p:cSld>
     <p:spTree>
@@ -22774,7 +22872,7 @@
           <a:p>
             <a:fld id="{FC4AC485-25DE-431E-B345-9C0A15BB7F8A}" type="slidenum">
               <a:rPr lang="de-CH" sz="1400" smtClean="0"/>
-              <a:t>23</a:t>
+              <a:t>24</a:t>
             </a:fld>
             <a:endParaRPr lang="de-CH" sz="1400" dirty="0"/>
           </a:p>
@@ -22793,7 +22891,7 @@
 </p:sld>
 </file>
 
-<file path=ppt/slides/slide24.xml><?xml version="1.0" encoding="utf-8"?>
+<file path=ppt/slides/slide25.xml><?xml version="1.0" encoding="utf-8"?>
 <p:sld xmlns:a="http://schemas.openxmlformats.org/drawingml/2006/main" xmlns:r="http://schemas.openxmlformats.org/officeDocument/2006/relationships" xmlns:p="http://schemas.openxmlformats.org/presentationml/2006/main">
   <p:cSld>
     <p:spTree>
@@ -23289,7 +23387,7 @@
           <a:p>
             <a:fld id="{FC4AC485-25DE-431E-B345-9C0A15BB7F8A}" type="slidenum">
               <a:rPr lang="de-CH" sz="1400" smtClean="0"/>
-              <a:t>24</a:t>
+              <a:t>25</a:t>
             </a:fld>
             <a:endParaRPr lang="de-CH" sz="1400" dirty="0"/>
           </a:p>
@@ -27412,10 +27510,53 @@
       </p:grpSpPr>
       <p:sp>
         <p:nvSpPr>
+          <p:cNvPr id="2" name="Title 1">
+            <a:extLst>
+              <a:ext uri="{FF2B5EF4-FFF2-40B4-BE49-F238E27FC236}">
+                <a16:creationId xmlns:a16="http://schemas.microsoft.com/office/drawing/2014/main" id="{FF20F271-6F0D-4AC0-BB1D-F5C338165C13}"/>
+              </a:ext>
+            </a:extLst>
+          </p:cNvPr>
+          <p:cNvSpPr>
+            <a:spLocks noGrp="1"/>
+          </p:cNvSpPr>
+          <p:nvPr>
+            <p:ph type="title"/>
+          </p:nvPr>
+        </p:nvSpPr>
+        <p:spPr/>
+        <p:txBody>
+          <a:bodyPr>
+            <a:normAutofit/>
+          </a:bodyPr>
+          <a:lstStyle/>
+          <a:p>
+            <a:r>
+              <a:rPr lang="en-US" sz="2800" b="1" dirty="0"/>
+              <a:t>Validating Semantics in YANG Push messages</a:t>
+            </a:r>
+            <a:br>
+              <a:rPr lang="en-GB" sz="3600" dirty="0"/>
+            </a:br>
+            <a:r>
+              <a:rPr lang="en-US" sz="2700" dirty="0">
+                <a:solidFill>
+                  <a:schemeClr val="bg2">
+                    <a:lumMod val="75000"/>
+                  </a:schemeClr>
+                </a:solidFill>
+              </a:rPr>
+              <a:t>Status and Next Steps</a:t>
+            </a:r>
+          </a:p>
+        </p:txBody>
+      </p:sp>
+      <p:sp>
+        <p:nvSpPr>
           <p:cNvPr id="3" name="Content Placeholder 2">
             <a:extLst>
               <a:ext uri="{FF2B5EF4-FFF2-40B4-BE49-F238E27FC236}">
-                <a16:creationId xmlns:a16="http://schemas.microsoft.com/office/drawing/2014/main" id="{7E45BA96-FB31-4DE8-A5DA-C5B0B2154594}"/>
+                <a16:creationId xmlns:a16="http://schemas.microsoft.com/office/drawing/2014/main" id="{29C0DFD4-432D-4B0C-93DF-790441DCF5B9}"/>
               </a:ext>
             </a:extLst>
           </p:cNvPr>
@@ -27428,37 +27569,644 @@
         </p:nvSpPr>
         <p:spPr>
           <a:xfrm>
-            <a:off x="838200" y="2310937"/>
-            <a:ext cx="10515600" cy="3866025"/>
+            <a:off x="838199" y="1884420"/>
+            <a:ext cx="8208819" cy="4292543"/>
           </a:xfrm>
         </p:spPr>
         <p:txBody>
           <a:bodyPr>
-            <a:normAutofit/>
+            <a:noAutofit/>
           </a:bodyPr>
           <a:lstStyle/>
           <a:p>
-            <a:pPr marL="0" indent="0" algn="ctr">
+            <a:pPr marL="0" indent="0">
+              <a:buFont typeface="Arial" panose="020B0604020202020204" pitchFamily="34" charset="0"/>
               <a:buNone/>
             </a:pPr>
             <a:r>
-              <a:rPr lang="de-CH" sz="7200" dirty="0"/>
-              <a:t>Netconf Working</a:t>
+              <a:rPr lang="en-US" sz="2000" b="1" dirty="0"/>
+              <a:t>Status</a:t>
+            </a:r>
+          </a:p>
+          <a:p>
+            <a:pPr marL="285750" marR="0" indent="-285750">
+              <a:lnSpc>
+                <a:spcPct val="107000"/>
+              </a:lnSpc>
+              <a:spcBef>
+                <a:spcPts val="0"/>
+              </a:spcBef>
+              <a:spcAft>
+                <a:spcPts val="800"/>
+              </a:spcAft>
+              <a:buFont typeface="Arial" panose="020B0604020202020204" pitchFamily="34" charset="0"/>
+              <a:buChar char="•"/>
+            </a:pPr>
+            <a:r>
+              <a:rPr lang="en-US" sz="1800" dirty="0">
+                <a:effectLst/>
+                <a:latin typeface="Calibri" panose="020F0502020204030204" pitchFamily="34" charset="0"/>
+                <a:ea typeface="Calibri" panose="020F0502020204030204" pitchFamily="34" charset="0"/>
+                <a:cs typeface="Times New Roman" panose="02020603050405020304" pitchFamily="18" charset="0"/>
+              </a:rPr>
+              <a:t>YANG modules defines the schema body of the notification message.</a:t>
+            </a:r>
+          </a:p>
+          <a:p>
+            <a:pPr marL="285750" marR="0" indent="-285750">
+              <a:lnSpc>
+                <a:spcPct val="107000"/>
+              </a:lnSpc>
+              <a:spcBef>
+                <a:spcPts val="0"/>
+              </a:spcBef>
+              <a:spcAft>
+                <a:spcPts val="800"/>
+              </a:spcAft>
+              <a:buFont typeface="Arial" panose="020B0604020202020204" pitchFamily="34" charset="0"/>
+              <a:buChar char="•"/>
+            </a:pPr>
+            <a:r>
+              <a:rPr lang="en-US" sz="1800" dirty="0">
+                <a:latin typeface="Calibri" panose="020F0502020204030204" pitchFamily="34" charset="0"/>
+                <a:ea typeface="Calibri" panose="020F0502020204030204" pitchFamily="34" charset="0"/>
+                <a:cs typeface="Times New Roman" panose="02020603050405020304" pitchFamily="18" charset="0"/>
+              </a:rPr>
+              <a:t>The body of the message is defined as XPath over the YANG module.</a:t>
+            </a:r>
+            <a:endParaRPr lang="en-US" sz="1800" dirty="0">
+              <a:effectLst/>
+              <a:latin typeface="Calibri" panose="020F0502020204030204" pitchFamily="34" charset="0"/>
+              <a:ea typeface="Calibri" panose="020F0502020204030204" pitchFamily="34" charset="0"/>
+              <a:cs typeface="Times New Roman" panose="02020603050405020304" pitchFamily="18" charset="0"/>
+            </a:endParaRPr>
+          </a:p>
+          <a:p>
+            <a:pPr marL="285750" marR="0" indent="-285750">
+              <a:lnSpc>
+                <a:spcPct val="107000"/>
+              </a:lnSpc>
+              <a:spcBef>
+                <a:spcPts val="0"/>
+              </a:spcBef>
+              <a:spcAft>
+                <a:spcPts val="800"/>
+              </a:spcAft>
+              <a:buFont typeface="Arial" panose="020B0604020202020204" pitchFamily="34" charset="0"/>
+              <a:buChar char="•"/>
+            </a:pPr>
+            <a:r>
+              <a:rPr lang="en-US" sz="1800" dirty="0"/>
+              <a:t>Various RFCs and drafts define the NETCONF envelop to send the message.</a:t>
+            </a:r>
+          </a:p>
+          <a:p>
+            <a:pPr marL="285750" marR="0" indent="-285750">
+              <a:lnSpc>
+                <a:spcPct val="107000"/>
+              </a:lnSpc>
+              <a:spcBef>
+                <a:spcPts val="0"/>
+              </a:spcBef>
+              <a:spcAft>
+                <a:spcPts val="800"/>
+              </a:spcAft>
+              <a:buFont typeface="Arial" panose="020B0604020202020204" pitchFamily="34" charset="0"/>
+              <a:buChar char="•"/>
+            </a:pPr>
+            <a:r>
+              <a:rPr lang="en-US" sz="1800" dirty="0"/>
+              <a:t>YANG Validators uses special flags to validate notifications: </a:t>
+            </a:r>
+          </a:p>
+          <a:p>
+            <a:pPr marL="742950" lvl="1" indent="-285750">
+              <a:lnSpc>
+                <a:spcPct val="107000"/>
+              </a:lnSpc>
+              <a:spcBef>
+                <a:spcPts val="0"/>
+              </a:spcBef>
+              <a:spcAft>
+                <a:spcPts val="800"/>
+              </a:spcAft>
+            </a:pPr>
+            <a:r>
+              <a:rPr lang="en-US" sz="1400" b="0" i="0" u="none" strike="noStrike" dirty="0" err="1">
+                <a:solidFill>
+                  <a:srgbClr val="000000"/>
+                </a:solidFill>
+                <a:effectLst/>
+                <a:latin typeface="Courier New" panose="02070309020205020404" pitchFamily="49" charset="0"/>
+              </a:rPr>
+              <a:t>yanglint</a:t>
+            </a:r>
+            <a:r>
+              <a:rPr lang="en-US" sz="1400" dirty="0">
+                <a:solidFill>
+                  <a:srgbClr val="000000"/>
+                </a:solidFill>
+                <a:latin typeface="Courier New" panose="02070309020205020404" pitchFamily="49" charset="0"/>
+              </a:rPr>
+              <a:t> </a:t>
+            </a:r>
+            <a:r>
+              <a:rPr lang="en-US" sz="1400" b="0" i="0" u="none" strike="noStrike" dirty="0">
+                <a:solidFill>
+                  <a:srgbClr val="000000"/>
+                </a:solidFill>
+                <a:effectLst/>
+                <a:latin typeface="Courier New" panose="02070309020205020404" pitchFamily="49" charset="0"/>
+              </a:rPr>
+              <a:t>-strict --</a:t>
+            </a:r>
+            <a:r>
+              <a:rPr lang="en-US" sz="1400" b="0" i="0" u="none" strike="noStrike" dirty="0">
+                <a:solidFill>
+                  <a:srgbClr val="007ACC"/>
+                </a:solidFill>
+                <a:effectLst/>
+                <a:latin typeface="Courier New" panose="02070309020205020404" pitchFamily="49" charset="0"/>
+              </a:rPr>
+              <a:t>type</a:t>
+            </a:r>
+            <a:r>
+              <a:rPr lang="en-US" sz="1400" b="0" i="0" u="none" strike="noStrike" dirty="0">
+                <a:solidFill>
+                  <a:srgbClr val="000000"/>
+                </a:solidFill>
+                <a:effectLst/>
+                <a:latin typeface="Courier New" panose="02070309020205020404" pitchFamily="49" charset="0"/>
+              </a:rPr>
+              <a:t> </a:t>
+            </a:r>
+            <a:r>
+              <a:rPr lang="en-US" sz="1400" b="0" i="0" u="none" strike="noStrike" dirty="0" err="1">
+                <a:solidFill>
+                  <a:srgbClr val="000000"/>
+                </a:solidFill>
+                <a:effectLst/>
+                <a:latin typeface="Courier New" panose="02070309020205020404" pitchFamily="49" charset="0"/>
+              </a:rPr>
+              <a:t>nc-notif</a:t>
+            </a:r>
+            <a:r>
+              <a:rPr lang="en-US" sz="1400" b="0" i="0" u="none" strike="noStrike" dirty="0">
+                <a:solidFill>
+                  <a:srgbClr val="000000"/>
+                </a:solidFill>
+                <a:effectLst/>
+                <a:latin typeface="Courier New" panose="02070309020205020404" pitchFamily="49" charset="0"/>
+              </a:rPr>
+              <a:t> -f xml </a:t>
+            </a:r>
+            <a:r>
+              <a:rPr lang="en-US" sz="1400" b="0" i="0" u="none" strike="noStrike" dirty="0" err="1">
+                <a:solidFill>
+                  <a:srgbClr val="000000"/>
+                </a:solidFill>
+                <a:effectLst/>
+                <a:latin typeface="Courier New" panose="02070309020205020404" pitchFamily="49" charset="0"/>
+              </a:rPr>
+              <a:t>notification.yang</a:t>
+            </a:r>
+            <a:r>
+              <a:rPr lang="en-US" sz="1400" b="0" i="0" u="none" strike="noStrike" dirty="0">
+                <a:solidFill>
+                  <a:srgbClr val="000000"/>
+                </a:solidFill>
+                <a:effectLst/>
+                <a:latin typeface="Courier New" panose="02070309020205020404" pitchFamily="49" charset="0"/>
+              </a:rPr>
+              <a:t> test.xml</a:t>
+            </a:r>
+            <a:endParaRPr lang="en-US" sz="1400" dirty="0"/>
+          </a:p>
+          <a:p>
+            <a:pPr marL="285750" marR="0" indent="-285750">
+              <a:lnSpc>
+                <a:spcPct val="107000"/>
+              </a:lnSpc>
+              <a:spcBef>
+                <a:spcPts val="0"/>
+              </a:spcBef>
+              <a:spcAft>
+                <a:spcPts val="800"/>
+              </a:spcAft>
+              <a:buFont typeface="Arial" panose="020B0604020202020204" pitchFamily="34" charset="0"/>
+              <a:buChar char="•"/>
+            </a:pPr>
+            <a:r>
+              <a:rPr lang="en-US" sz="1800" dirty="0"/>
+              <a:t>Kafka </a:t>
+            </a:r>
+            <a:r>
+              <a:rPr lang="en-US" sz="1800" dirty="0" err="1"/>
+              <a:t>serdes</a:t>
+            </a:r>
+            <a:r>
+              <a:rPr lang="en-US" sz="1800" dirty="0"/>
+              <a:t> expects one schema to describe a message.</a:t>
+            </a:r>
+          </a:p>
+          <a:p>
+            <a:pPr marL="0" indent="0">
+              <a:buFont typeface="Arial" panose="020B0604020202020204" pitchFamily="34" charset="0"/>
+              <a:buNone/>
+            </a:pPr>
+            <a:r>
+              <a:rPr lang="en-US" sz="2000" b="1" dirty="0"/>
+              <a:t>Next Step</a:t>
+            </a:r>
+          </a:p>
+          <a:p>
+            <a:r>
+              <a:rPr lang="en-US" sz="1800" dirty="0"/>
+              <a:t>Check if the existing validators can validate seamlessly NETCONF and YANG push envelope extensions.</a:t>
+            </a:r>
+          </a:p>
+          <a:p>
+            <a:r>
+              <a:rPr lang="en-US" sz="1800" dirty="0"/>
+              <a:t>Develop algorithm to generate a single YANG module that describe a </a:t>
             </a:r>
             <a:br>
-              <a:rPr lang="de-CH" sz="7200" dirty="0"/>
+              <a:rPr lang="en-US" sz="1800" dirty="0"/>
             </a:br>
             <a:r>
-              <a:rPr lang="de-CH" sz="7200" dirty="0"/>
-              <a:t>Group update</a:t>
-            </a:r>
+              <a:rPr lang="en-US" sz="1800" dirty="0"/>
+              <a:t>full message including the NETCONF and YANG push headers.</a:t>
+            </a:r>
+          </a:p>
+        </p:txBody>
+      </p:sp>
+      <p:sp>
+        <p:nvSpPr>
+          <p:cNvPr id="16" name="Slide Number Placeholder 1">
+            <a:extLst>
+              <a:ext uri="{FF2B5EF4-FFF2-40B4-BE49-F238E27FC236}">
+                <a16:creationId xmlns:a16="http://schemas.microsoft.com/office/drawing/2014/main" id="{4D0044F8-1C12-4A59-883A-7B56B9370029}"/>
+              </a:ext>
+            </a:extLst>
+          </p:cNvPr>
+          <p:cNvSpPr>
+            <a:spLocks noGrp="1"/>
+          </p:cNvSpPr>
+          <p:nvPr>
+            <p:ph type="sldNum" sz="quarter" idx="12"/>
+          </p:nvPr>
+        </p:nvSpPr>
+        <p:spPr>
+          <a:xfrm>
+            <a:off x="11479876" y="6362700"/>
+            <a:ext cx="542262" cy="365125"/>
+          </a:xfrm>
+        </p:spPr>
+        <p:txBody>
+          <a:bodyPr/>
+          <a:lstStyle/>
+          <a:p>
+            <a:fld id="{FC4AC485-25DE-431E-B345-9C0A15BB7F8A}" type="slidenum">
+              <a:rPr lang="en-US" sz="2200" smtClean="0"/>
+              <a:t>9</a:t>
+            </a:fld>
+            <a:endParaRPr lang="en-US" sz="2200" dirty="0"/>
+          </a:p>
+        </p:txBody>
+      </p:sp>
+      <p:pic>
+        <p:nvPicPr>
+          <p:cNvPr id="5" name="Picture 4">
+            <a:extLst>
+              <a:ext uri="{FF2B5EF4-FFF2-40B4-BE49-F238E27FC236}">
+                <a16:creationId xmlns:a16="http://schemas.microsoft.com/office/drawing/2014/main" id="{0A90BC99-792A-481A-9F32-B4255E7EE4CA}"/>
+              </a:ext>
+            </a:extLst>
+          </p:cNvPr>
+          <p:cNvPicPr>
+            <a:picLocks noChangeAspect="1"/>
+          </p:cNvPicPr>
+          <p:nvPr/>
+        </p:nvPicPr>
+        <p:blipFill>
+          <a:blip r:embed="rId2"/>
+          <a:stretch>
+            <a:fillRect/>
+          </a:stretch>
+        </p:blipFill>
+        <p:spPr>
+          <a:xfrm>
+            <a:off x="8955462" y="812290"/>
+            <a:ext cx="3048962" cy="4314869"/>
+          </a:xfrm>
+          <a:prstGeom prst="rect">
+            <a:avLst/>
+          </a:prstGeom>
+        </p:spPr>
+      </p:pic>
+      <p:sp>
+        <p:nvSpPr>
+          <p:cNvPr id="6" name="Subtitle 4">
+            <a:extLst>
+              <a:ext uri="{FF2B5EF4-FFF2-40B4-BE49-F238E27FC236}">
+                <a16:creationId xmlns:a16="http://schemas.microsoft.com/office/drawing/2014/main" id="{7C3B84B0-CEE6-9508-972D-6095E0E01E98}"/>
+              </a:ext>
+            </a:extLst>
+          </p:cNvPr>
+          <p:cNvSpPr txBox="1">
+            <a:spLocks/>
+          </p:cNvSpPr>
+          <p:nvPr/>
+        </p:nvSpPr>
+        <p:spPr>
+          <a:xfrm>
+            <a:off x="838200" y="5574325"/>
+            <a:ext cx="11163943" cy="787312"/>
+          </a:xfrm>
+          <a:prstGeom prst="rect">
+            <a:avLst/>
+          </a:prstGeom>
+        </p:spPr>
+        <p:txBody>
+          <a:bodyPr vert="horz" lIns="91440" tIns="45720" rIns="91440" bIns="45720" rtlCol="0">
+            <a:normAutofit fontScale="25000" lnSpcReduction="20000"/>
+          </a:bodyPr>
+          <a:lstStyle>
+            <a:lvl1pPr marL="228600" indent="-228600" algn="l" defTabSz="914400" rtl="0" eaLnBrk="1" latinLnBrk="0" hangingPunct="1">
+              <a:lnSpc>
+                <a:spcPct val="90000"/>
+              </a:lnSpc>
+              <a:spcBef>
+                <a:spcPts val="1000"/>
+              </a:spcBef>
+              <a:buFont typeface="Arial" panose="020B0604020202020204" pitchFamily="34" charset="0"/>
+              <a:buChar char="•"/>
+              <a:defRPr sz="2800" kern="1200">
+                <a:solidFill>
+                  <a:schemeClr val="tx1"/>
+                </a:solidFill>
+                <a:latin typeface="+mn-lt"/>
+                <a:ea typeface="+mn-ea"/>
+                <a:cs typeface="+mn-cs"/>
+              </a:defRPr>
+            </a:lvl1pPr>
+            <a:lvl2pPr marL="685800" indent="-228600" algn="l" defTabSz="914400" rtl="0" eaLnBrk="1" latinLnBrk="0" hangingPunct="1">
+              <a:lnSpc>
+                <a:spcPct val="90000"/>
+              </a:lnSpc>
+              <a:spcBef>
+                <a:spcPts val="500"/>
+              </a:spcBef>
+              <a:buFont typeface="Arial" panose="020B0604020202020204" pitchFamily="34" charset="0"/>
+              <a:buChar char="•"/>
+              <a:defRPr sz="2400" kern="1200">
+                <a:solidFill>
+                  <a:schemeClr val="tx1"/>
+                </a:solidFill>
+                <a:latin typeface="+mn-lt"/>
+                <a:ea typeface="+mn-ea"/>
+                <a:cs typeface="+mn-cs"/>
+              </a:defRPr>
+            </a:lvl2pPr>
+            <a:lvl3pPr marL="1143000" indent="-228600" algn="l" defTabSz="914400" rtl="0" eaLnBrk="1" latinLnBrk="0" hangingPunct="1">
+              <a:lnSpc>
+                <a:spcPct val="90000"/>
+              </a:lnSpc>
+              <a:spcBef>
+                <a:spcPts val="500"/>
+              </a:spcBef>
+              <a:buFont typeface="Arial" panose="020B0604020202020204" pitchFamily="34" charset="0"/>
+              <a:buChar char="•"/>
+              <a:defRPr sz="2000" kern="1200">
+                <a:solidFill>
+                  <a:schemeClr val="tx1"/>
+                </a:solidFill>
+                <a:latin typeface="+mn-lt"/>
+                <a:ea typeface="+mn-ea"/>
+                <a:cs typeface="+mn-cs"/>
+              </a:defRPr>
+            </a:lvl3pPr>
+            <a:lvl4pPr marL="1600200" indent="-228600" algn="l" defTabSz="914400" rtl="0" eaLnBrk="1" latinLnBrk="0" hangingPunct="1">
+              <a:lnSpc>
+                <a:spcPct val="90000"/>
+              </a:lnSpc>
+              <a:spcBef>
+                <a:spcPts val="500"/>
+              </a:spcBef>
+              <a:buFont typeface="Arial" panose="020B0604020202020204" pitchFamily="34" charset="0"/>
+              <a:buChar char="•"/>
+              <a:defRPr sz="1800" kern="1200">
+                <a:solidFill>
+                  <a:schemeClr val="tx1"/>
+                </a:solidFill>
+                <a:latin typeface="+mn-lt"/>
+                <a:ea typeface="+mn-ea"/>
+                <a:cs typeface="+mn-cs"/>
+              </a:defRPr>
+            </a:lvl4pPr>
+            <a:lvl5pPr marL="2057400" indent="-228600" algn="l" defTabSz="914400" rtl="0" eaLnBrk="1" latinLnBrk="0" hangingPunct="1">
+              <a:lnSpc>
+                <a:spcPct val="90000"/>
+              </a:lnSpc>
+              <a:spcBef>
+                <a:spcPts val="500"/>
+              </a:spcBef>
+              <a:buFont typeface="Arial" panose="020B0604020202020204" pitchFamily="34" charset="0"/>
+              <a:buChar char="•"/>
+              <a:defRPr sz="1800" kern="1200">
+                <a:solidFill>
+                  <a:schemeClr val="tx1"/>
+                </a:solidFill>
+                <a:latin typeface="+mn-lt"/>
+                <a:ea typeface="+mn-ea"/>
+                <a:cs typeface="+mn-cs"/>
+              </a:defRPr>
+            </a:lvl5pPr>
+            <a:lvl6pPr marL="2514600" indent="-228600" algn="l" defTabSz="914400" rtl="0" eaLnBrk="1" latinLnBrk="0" hangingPunct="1">
+              <a:lnSpc>
+                <a:spcPct val="90000"/>
+              </a:lnSpc>
+              <a:spcBef>
+                <a:spcPts val="500"/>
+              </a:spcBef>
+              <a:buFont typeface="Arial" panose="020B0604020202020204" pitchFamily="34" charset="0"/>
+              <a:buChar char="•"/>
+              <a:defRPr sz="1800" kern="1200">
+                <a:solidFill>
+                  <a:schemeClr val="tx1"/>
+                </a:solidFill>
+                <a:latin typeface="+mn-lt"/>
+                <a:ea typeface="+mn-ea"/>
+                <a:cs typeface="+mn-cs"/>
+              </a:defRPr>
+            </a:lvl6pPr>
+            <a:lvl7pPr marL="2971800" indent="-228600" algn="l" defTabSz="914400" rtl="0" eaLnBrk="1" latinLnBrk="0" hangingPunct="1">
+              <a:lnSpc>
+                <a:spcPct val="90000"/>
+              </a:lnSpc>
+              <a:spcBef>
+                <a:spcPts val="500"/>
+              </a:spcBef>
+              <a:buFont typeface="Arial" panose="020B0604020202020204" pitchFamily="34" charset="0"/>
+              <a:buChar char="•"/>
+              <a:defRPr sz="1800" kern="1200">
+                <a:solidFill>
+                  <a:schemeClr val="tx1"/>
+                </a:solidFill>
+                <a:latin typeface="+mn-lt"/>
+                <a:ea typeface="+mn-ea"/>
+                <a:cs typeface="+mn-cs"/>
+              </a:defRPr>
+            </a:lvl7pPr>
+            <a:lvl8pPr marL="3429000" indent="-228600" algn="l" defTabSz="914400" rtl="0" eaLnBrk="1" latinLnBrk="0" hangingPunct="1">
+              <a:lnSpc>
+                <a:spcPct val="90000"/>
+              </a:lnSpc>
+              <a:spcBef>
+                <a:spcPts val="500"/>
+              </a:spcBef>
+              <a:buFont typeface="Arial" panose="020B0604020202020204" pitchFamily="34" charset="0"/>
+              <a:buChar char="•"/>
+              <a:defRPr sz="1800" kern="1200">
+                <a:solidFill>
+                  <a:schemeClr val="tx1"/>
+                </a:solidFill>
+                <a:latin typeface="+mn-lt"/>
+                <a:ea typeface="+mn-ea"/>
+                <a:cs typeface="+mn-cs"/>
+              </a:defRPr>
+            </a:lvl8pPr>
+            <a:lvl9pPr marL="3886200" indent="-228600" algn="l" defTabSz="914400" rtl="0" eaLnBrk="1" latinLnBrk="0" hangingPunct="1">
+              <a:lnSpc>
+                <a:spcPct val="90000"/>
+              </a:lnSpc>
+              <a:spcBef>
+                <a:spcPts val="500"/>
+              </a:spcBef>
+              <a:buFont typeface="Arial" panose="020B0604020202020204" pitchFamily="34" charset="0"/>
+              <a:buChar char="•"/>
+              <a:defRPr sz="1800" kern="1200">
+                <a:solidFill>
+                  <a:schemeClr val="tx1"/>
+                </a:solidFill>
+                <a:latin typeface="+mn-lt"/>
+                <a:ea typeface="+mn-ea"/>
+                <a:cs typeface="+mn-cs"/>
+              </a:defRPr>
+            </a:lvl9pPr>
+          </a:lstStyle>
+          <a:p>
+            <a:pPr marL="0" indent="0" algn="r">
+              <a:spcBef>
+                <a:spcPts val="300"/>
+              </a:spcBef>
+              <a:buNone/>
+            </a:pPr>
+            <a:r>
+              <a:rPr lang="de-CH" sz="4000" dirty="0">
+                <a:latin typeface="+mj-lt"/>
+                <a:hlinkClick r:id="rId3"/>
+              </a:rPr>
+              <a:t>zhuoyao.lin@huawei.com, jean.quilbeuf@huawei.com</a:t>
+            </a:r>
+          </a:p>
+          <a:p>
+            <a:pPr marL="0" indent="0" algn="r">
+              <a:spcBef>
+                <a:spcPts val="300"/>
+              </a:spcBef>
+              <a:buNone/>
+            </a:pPr>
+            <a:r>
+              <a:rPr lang="de-CH" sz="4000" dirty="0">
+                <a:latin typeface="+mj-lt"/>
+                <a:hlinkClick r:id="rId3"/>
+              </a:rPr>
+              <a:t>ahmed.elhassany@swisscom.com, </a:t>
+            </a:r>
+            <a:r>
+              <a:rPr lang="de-CH" sz="4000" dirty="0">
+                <a:latin typeface="+mj-lt"/>
+                <a:hlinkClick r:id="rId4"/>
+              </a:rPr>
+              <a:t>alex.huang-feng@insa-lyon.fr</a:t>
+            </a:r>
+            <a:endParaRPr lang="de-CH" sz="4000" dirty="0">
+              <a:latin typeface="+mj-lt"/>
+            </a:endParaRPr>
+          </a:p>
+          <a:p>
+            <a:pPr marL="0" indent="0" algn="r">
+              <a:spcBef>
+                <a:spcPts val="300"/>
+              </a:spcBef>
+              <a:buNone/>
+            </a:pPr>
+            <a:r>
+              <a:rPr lang="de-CH" sz="4000" dirty="0">
+                <a:latin typeface="+mj-lt"/>
+                <a:hlinkClick r:id="rId3"/>
+              </a:rPr>
+              <a:t>benoit.claise@huawei.com, thomas.graf@swisscom.com</a:t>
+            </a:r>
+            <a:endParaRPr lang="de-CH" sz="4000" dirty="0">
+              <a:latin typeface="+mj-lt"/>
+            </a:endParaRPr>
+          </a:p>
+          <a:p>
+            <a:pPr marL="0" indent="0" algn="r">
+              <a:spcBef>
+                <a:spcPts val="300"/>
+              </a:spcBef>
+              <a:buNone/>
+            </a:pPr>
+            <a:endParaRPr lang="de-CH" sz="3800" dirty="0">
+              <a:latin typeface="+mj-lt"/>
+            </a:endParaRPr>
+          </a:p>
+          <a:p>
+            <a:pPr marL="0" indent="0" algn="r">
+              <a:spcBef>
+                <a:spcPts val="300"/>
+              </a:spcBef>
+              <a:buNone/>
+            </a:pPr>
+            <a:r>
+              <a:rPr lang="de-CH" sz="3800" dirty="0">
+                <a:latin typeface="+mj-lt"/>
+              </a:rPr>
+              <a:t>24. </a:t>
+            </a:r>
+            <a:r>
+              <a:rPr lang="de-CH" sz="3800" dirty="0" err="1">
+                <a:latin typeface="+mj-lt"/>
+                <a:ea typeface="+mj-ea"/>
+                <a:cs typeface="+mj-cs"/>
+              </a:rPr>
+              <a:t>July</a:t>
+            </a:r>
+            <a:r>
+              <a:rPr lang="de-CH" sz="3800" dirty="0">
+                <a:latin typeface="+mj-lt"/>
+                <a:ea typeface="+mj-ea"/>
+                <a:cs typeface="+mj-cs"/>
+              </a:rPr>
+              <a:t> 2023</a:t>
+            </a:r>
+            <a:endParaRPr lang="de-CH" sz="3800" dirty="0">
+              <a:latin typeface="+mj-lt"/>
+            </a:endParaRPr>
+          </a:p>
+          <a:p>
+            <a:pPr algn="r"/>
+            <a:endParaRPr lang="de-CH" sz="2200" dirty="0"/>
           </a:p>
         </p:txBody>
       </p:sp>
     </p:spTree>
     <p:extLst>
       <p:ext uri="{BB962C8B-B14F-4D97-AF65-F5344CB8AC3E}">
-        <p14:creationId xmlns:p14="http://schemas.microsoft.com/office/powerpoint/2010/main" val="4018699234"/>
+        <p14:creationId xmlns:p14="http://schemas.microsoft.com/office/powerpoint/2010/main" val="2425809725"/>
       </p:ext>
     </p:extLst>
   </p:cSld>

--- a/117/Side-Meetings/ietf117-netconf-yang-push-data-mesh-integration.pptx
+++ b/117/Side-Meetings/ietf117-netconf-yang-push-data-mesh-integration.pptx
@@ -151,6 +151,68 @@
 <file path=ppt/changesInfos/changesInfo1.xml><?xml version="1.0" encoding="utf-8"?>
 <pc:chgInfo xmlns:a="http://schemas.openxmlformats.org/drawingml/2006/main" xmlns:r="http://schemas.openxmlformats.org/officeDocument/2006/relationships" xmlns:ac="http://schemas.microsoft.com/office/drawing/2013/main/command" xmlns:pc="http://schemas.microsoft.com/office/powerpoint/2013/main/command">
   <pc:docChgLst>
+    <pc:chgData name="Thomas Graf" userId="487bc3e3-9ce7-4cdd-b7b4-8899ea88d289" providerId="ADAL" clId="{B9D0A0E3-578E-40BA-8245-73B11950422A}"/>
+    <pc:docChg chg="modSld">
+      <pc:chgData name="Thomas Graf" userId="487bc3e3-9ce7-4cdd-b7b4-8899ea88d289" providerId="ADAL" clId="{B9D0A0E3-578E-40BA-8245-73B11950422A}" dt="2023-07-25T14:51:46.132" v="51" actId="14100"/>
+      <pc:docMkLst>
+        <pc:docMk/>
+      </pc:docMkLst>
+      <pc:sldChg chg="modSp mod">
+        <pc:chgData name="Thomas Graf" userId="487bc3e3-9ce7-4cdd-b7b4-8899ea88d289" providerId="ADAL" clId="{B9D0A0E3-578E-40BA-8245-73B11950422A}" dt="2023-07-25T14:51:32.079" v="50" actId="20577"/>
+        <pc:sldMkLst>
+          <pc:docMk/>
+          <pc:sldMk cId="505743577" sldId="2145706229"/>
+        </pc:sldMkLst>
+        <pc:spChg chg="mod">
+          <ac:chgData name="Thomas Graf" userId="487bc3e3-9ce7-4cdd-b7b4-8899ea88d289" providerId="ADAL" clId="{B9D0A0E3-578E-40BA-8245-73B11950422A}" dt="2023-07-25T14:51:32.079" v="50" actId="20577"/>
+          <ac:spMkLst>
+            <pc:docMk/>
+            <pc:sldMk cId="505743577" sldId="2145706229"/>
+            <ac:spMk id="2" creationId="{FF20F271-6F0D-4AC0-BB1D-F5C338165C13}"/>
+          </ac:spMkLst>
+        </pc:spChg>
+        <pc:spChg chg="mod">
+          <ac:chgData name="Thomas Graf" userId="487bc3e3-9ce7-4cdd-b7b4-8899ea88d289" providerId="ADAL" clId="{B9D0A0E3-578E-40BA-8245-73B11950422A}" dt="2023-07-25T14:50:46.760" v="0" actId="6549"/>
+          <ac:spMkLst>
+            <pc:docMk/>
+            <pc:sldMk cId="505743577" sldId="2145706229"/>
+            <ac:spMk id="3" creationId="{29C0DFD4-432D-4B0C-93DF-790441DCF5B9}"/>
+          </ac:spMkLst>
+        </pc:spChg>
+      </pc:sldChg>
+      <pc:sldChg chg="modSp mod">
+        <pc:chgData name="Thomas Graf" userId="487bc3e3-9ce7-4cdd-b7b4-8899ea88d289" providerId="ADAL" clId="{B9D0A0E3-578E-40BA-8245-73B11950422A}" dt="2023-07-25T14:51:46.132" v="51" actId="14100"/>
+        <pc:sldMkLst>
+          <pc:docMk/>
+          <pc:sldMk cId="1912627419" sldId="2145706236"/>
+        </pc:sldMkLst>
+        <pc:spChg chg="mod">
+          <ac:chgData name="Thomas Graf" userId="487bc3e3-9ce7-4cdd-b7b4-8899ea88d289" providerId="ADAL" clId="{B9D0A0E3-578E-40BA-8245-73B11950422A}" dt="2023-07-25T14:51:46.132" v="51" actId="14100"/>
+          <ac:spMkLst>
+            <pc:docMk/>
+            <pc:sldMk cId="1912627419" sldId="2145706236"/>
+            <ac:spMk id="16" creationId="{4D0044F8-1C12-4A59-883A-7B56B9370029}"/>
+          </ac:spMkLst>
+        </pc:spChg>
+      </pc:sldChg>
+      <pc:sldChg chg="modSp mod">
+        <pc:chgData name="Thomas Graf" userId="487bc3e3-9ce7-4cdd-b7b4-8899ea88d289" providerId="ADAL" clId="{B9D0A0E3-578E-40BA-8245-73B11950422A}" dt="2023-07-25T14:51:21.466" v="49" actId="20577"/>
+        <pc:sldMkLst>
+          <pc:docMk/>
+          <pc:sldMk cId="2425809725" sldId="2145706240"/>
+        </pc:sldMkLst>
+        <pc:spChg chg="mod">
+          <ac:chgData name="Thomas Graf" userId="487bc3e3-9ce7-4cdd-b7b4-8899ea88d289" providerId="ADAL" clId="{B9D0A0E3-578E-40BA-8245-73B11950422A}" dt="2023-07-25T14:51:21.466" v="49" actId="20577"/>
+          <ac:spMkLst>
+            <pc:docMk/>
+            <pc:sldMk cId="2425809725" sldId="2145706240"/>
+            <ac:spMk id="3" creationId="{29C0DFD4-432D-4B0C-93DF-790441DCF5B9}"/>
+          </ac:spMkLst>
+        </pc:spChg>
+      </pc:sldChg>
+    </pc:docChg>
+  </pc:docChgLst>
+  <pc:docChgLst>
     <pc:chgData name="Graf Thomas, INI-NET-VNC-HCS" userId="487bc3e3-9ce7-4cdd-b7b4-8899ea88d289" providerId="ADAL" clId="{B9D0A0E3-578E-40BA-8245-73B11950422A}"/>
     <pc:docChg chg="addSld modSld">
       <pc:chgData name="Graf Thomas, INI-NET-VNC-HCS" userId="487bc3e3-9ce7-4cdd-b7b4-8899ea88d289" providerId="ADAL" clId="{B9D0A0E3-578E-40BA-8245-73B11950422A}" dt="2023-07-25T00:46:01.147" v="0"/>
@@ -251,7 +313,7 @@
           <a:p>
             <a:fld id="{E5E705E9-673F-4AC4-B29E-A7B26F3B8523}" type="datetimeFigureOut">
               <a:rPr lang="de-CH" smtClean="0"/>
-              <a:t>24.07.2023</a:t>
+              <a:t>25.07.2023</a:t>
             </a:fld>
             <a:endParaRPr lang="de-CH"/>
           </a:p>
@@ -1172,7 +1234,7 @@
           <a:p>
             <a:fld id="{9E9B238C-2335-4007-98C9-471C02CC43B6}" type="datetimeFigureOut">
               <a:rPr lang="de-CH" smtClean="0"/>
-              <a:t>24.07.2023</a:t>
+              <a:t>25.07.2023</a:t>
             </a:fld>
             <a:endParaRPr lang="de-CH"/>
           </a:p>
@@ -1372,7 +1434,7 @@
           <a:p>
             <a:fld id="{9E9B238C-2335-4007-98C9-471C02CC43B6}" type="datetimeFigureOut">
               <a:rPr lang="de-CH" smtClean="0"/>
-              <a:t>24.07.2023</a:t>
+              <a:t>25.07.2023</a:t>
             </a:fld>
             <a:endParaRPr lang="de-CH"/>
           </a:p>
@@ -1582,7 +1644,7 @@
           <a:p>
             <a:fld id="{9E9B238C-2335-4007-98C9-471C02CC43B6}" type="datetimeFigureOut">
               <a:rPr lang="de-CH" smtClean="0"/>
-              <a:t>24.07.2023</a:t>
+              <a:t>25.07.2023</a:t>
             </a:fld>
             <a:endParaRPr lang="de-CH"/>
           </a:p>
@@ -2011,7 +2073,7 @@
           <a:p>
             <a:fld id="{9E9B238C-2335-4007-98C9-471C02CC43B6}" type="datetimeFigureOut">
               <a:rPr lang="de-CH" smtClean="0"/>
-              <a:t>24.07.2023</a:t>
+              <a:t>25.07.2023</a:t>
             </a:fld>
             <a:endParaRPr lang="de-CH"/>
           </a:p>
@@ -2287,7 +2349,7 @@
           <a:p>
             <a:fld id="{9E9B238C-2335-4007-98C9-471C02CC43B6}" type="datetimeFigureOut">
               <a:rPr lang="de-CH" smtClean="0"/>
-              <a:t>24.07.2023</a:t>
+              <a:t>25.07.2023</a:t>
             </a:fld>
             <a:endParaRPr lang="de-CH"/>
           </a:p>
@@ -2555,7 +2617,7 @@
           <a:p>
             <a:fld id="{9E9B238C-2335-4007-98C9-471C02CC43B6}" type="datetimeFigureOut">
               <a:rPr lang="de-CH" smtClean="0"/>
-              <a:t>24.07.2023</a:t>
+              <a:t>25.07.2023</a:t>
             </a:fld>
             <a:endParaRPr lang="de-CH"/>
           </a:p>
@@ -2970,7 +3032,7 @@
           <a:p>
             <a:fld id="{9E9B238C-2335-4007-98C9-471C02CC43B6}" type="datetimeFigureOut">
               <a:rPr lang="de-CH" smtClean="0"/>
-              <a:t>24.07.2023</a:t>
+              <a:t>25.07.2023</a:t>
             </a:fld>
             <a:endParaRPr lang="de-CH"/>
           </a:p>
@@ -3112,7 +3174,7 @@
           <a:p>
             <a:fld id="{9E9B238C-2335-4007-98C9-471C02CC43B6}" type="datetimeFigureOut">
               <a:rPr lang="de-CH" smtClean="0"/>
-              <a:t>24.07.2023</a:t>
+              <a:t>25.07.2023</a:t>
             </a:fld>
             <a:endParaRPr lang="de-CH"/>
           </a:p>
@@ -3225,7 +3287,7 @@
           <a:p>
             <a:fld id="{9E9B238C-2335-4007-98C9-471C02CC43B6}" type="datetimeFigureOut">
               <a:rPr lang="de-CH" smtClean="0"/>
-              <a:t>24.07.2023</a:t>
+              <a:t>25.07.2023</a:t>
             </a:fld>
             <a:endParaRPr lang="de-CH"/>
           </a:p>
@@ -3538,7 +3600,7 @@
           <a:p>
             <a:fld id="{9E9B238C-2335-4007-98C9-471C02CC43B6}" type="datetimeFigureOut">
               <a:rPr lang="de-CH" smtClean="0"/>
-              <a:t>24.07.2023</a:t>
+              <a:t>25.07.2023</a:t>
             </a:fld>
             <a:endParaRPr lang="de-CH"/>
           </a:p>
@@ -3827,7 +3889,7 @@
           <a:p>
             <a:fld id="{9E9B238C-2335-4007-98C9-471C02CC43B6}" type="datetimeFigureOut">
               <a:rPr lang="de-CH" smtClean="0"/>
-              <a:t>24.07.2023</a:t>
+              <a:t>25.07.2023</a:t>
             </a:fld>
             <a:endParaRPr lang="de-CH"/>
           </a:p>
@@ -4070,7 +4132,7 @@
           <a:p>
             <a:fld id="{9E9B238C-2335-4007-98C9-471C02CC43B6}" type="datetimeFigureOut">
               <a:rPr lang="de-CH" smtClean="0"/>
-              <a:t>24.07.2023</a:t>
+              <a:t>25.07.2023</a:t>
             </a:fld>
             <a:endParaRPr lang="de-CH"/>
           </a:p>
@@ -5190,8 +5252,8 @@
         </p:nvSpPr>
         <p:spPr>
           <a:xfrm>
-            <a:off x="11607800" y="6362700"/>
-            <a:ext cx="414338" cy="365125"/>
+            <a:off x="11496502" y="6362700"/>
+            <a:ext cx="525636" cy="365125"/>
           </a:xfrm>
         </p:spPr>
         <p:txBody>
@@ -5202,7 +5264,7 @@
               <a:rPr lang="en-US" sz="2200" smtClean="0"/>
               <a:t>11</a:t>
             </a:fld>
-            <a:endParaRPr lang="en-US" sz="2200"/>
+            <a:endParaRPr lang="en-US" sz="2200" dirty="0"/>
           </a:p>
         </p:txBody>
       </p:sp>
@@ -27008,7 +27070,7 @@
                   </a:schemeClr>
                 </a:solidFill>
               </a:rPr>
-              <a:t>Status and Next Steps</a:t>
+              <a:t>Status</a:t>
             </a:r>
           </a:p>
         </p:txBody>
@@ -27071,46 +27133,6 @@
             <a:r>
               <a:rPr lang="en-US" sz="2000" dirty="0"/>
               <a:t>Able to compare two YANG module revisions and determine which part of the semantics are not backward compatible</a:t>
-            </a:r>
-          </a:p>
-          <a:p>
-            <a:pPr marL="0" indent="0">
-              <a:buNone/>
-            </a:pPr>
-            <a:r>
-              <a:rPr lang="en-US" sz="2000" b="1" dirty="0"/>
-              <a:t>Next Step</a:t>
-            </a:r>
-          </a:p>
-          <a:p>
-            <a:r>
-              <a:rPr lang="en-US" sz="2000" dirty="0"/>
-              <a:t>Propose changes in netconf notification header </a:t>
-            </a:r>
-            <a:br>
-              <a:rPr lang="en-US" sz="2000" dirty="0"/>
-            </a:br>
-            <a:r>
-              <a:rPr lang="en-US" sz="2000" dirty="0"/>
-              <a:t>to validate properly in </a:t>
-            </a:r>
-            <a:r>
-              <a:rPr lang="en-US" sz="2000" dirty="0" err="1"/>
-              <a:t>libyang</a:t>
-            </a:r>
-            <a:endParaRPr lang="en-US" sz="2000" dirty="0"/>
-          </a:p>
-          <a:p>
-            <a:r>
-              <a:rPr lang="en-US" sz="2000" dirty="0"/>
-              <a:t>Enable schema validation and data serialization </a:t>
-            </a:r>
-            <a:br>
-              <a:rPr lang="en-US" sz="2000" dirty="0"/>
-            </a:br>
-            <a:r>
-              <a:rPr lang="en-US" sz="2000" dirty="0"/>
-              <a:t>in Apache Kafka</a:t>
             </a:r>
           </a:p>
         </p:txBody>
@@ -27836,6 +27858,12 @@
             <a:r>
               <a:rPr lang="en-US" sz="1800" dirty="0"/>
               <a:t>full message including the NETCONF and YANG push headers.</a:t>
+            </a:r>
+          </a:p>
+          <a:p>
+            <a:r>
+              <a:rPr lang="en-US" sz="1800" dirty="0"/>
+              <a:t>Validate and serialize message in Apache Kafka</a:t>
             </a:r>
           </a:p>
         </p:txBody>
